--- a/slides.pptx
+++ b/slides.pptx
@@ -9,17 +9,25 @@
     <p:sldId id="257" r:id="rId3"/>
     <p:sldId id="260" r:id="rId4"/>
     <p:sldId id="261" r:id="rId5"/>
-    <p:sldId id="262" r:id="rId6"/>
-    <p:sldId id="258" r:id="rId7"/>
-    <p:sldId id="263" r:id="rId8"/>
-    <p:sldId id="259" r:id="rId9"/>
-    <p:sldId id="264" r:id="rId10"/>
-    <p:sldId id="265" r:id="rId11"/>
-    <p:sldId id="266" r:id="rId12"/>
-    <p:sldId id="267" r:id="rId13"/>
-    <p:sldId id="268" r:id="rId14"/>
-    <p:sldId id="269" r:id="rId15"/>
-    <p:sldId id="270" r:id="rId16"/>
+    <p:sldId id="272" r:id="rId6"/>
+    <p:sldId id="259" r:id="rId7"/>
+    <p:sldId id="258" r:id="rId8"/>
+    <p:sldId id="274" r:id="rId9"/>
+    <p:sldId id="277" r:id="rId10"/>
+    <p:sldId id="275" r:id="rId11"/>
+    <p:sldId id="278" r:id="rId12"/>
+    <p:sldId id="276" r:id="rId13"/>
+    <p:sldId id="273" r:id="rId14"/>
+    <p:sldId id="268" r:id="rId15"/>
+    <p:sldId id="271" r:id="rId16"/>
+    <p:sldId id="262" r:id="rId17"/>
+    <p:sldId id="263" r:id="rId18"/>
+    <p:sldId id="264" r:id="rId19"/>
+    <p:sldId id="265" r:id="rId20"/>
+    <p:sldId id="266" r:id="rId21"/>
+    <p:sldId id="267" r:id="rId22"/>
+    <p:sldId id="269" r:id="rId23"/>
+    <p:sldId id="270" r:id="rId24"/>
   </p:sldIdLst>
   <p:sldSz cx="12192000" cy="6858000"/>
   <p:notesSz cx="6858000" cy="9144000"/>
@@ -118,6 +126,11 @@
       </a:defRPr>
     </a:lvl9pPr>
   </p:defaultTextStyle>
+  <p:extLst>
+    <p:ext uri="{EFAFB233-063F-42B5-8137-9DF3F51BA10A}">
+      <p15:sldGuideLst xmlns:p15="http://schemas.microsoft.com/office/powerpoint/2012/main"/>
+    </p:ext>
+  </p:extLst>
 </p:presentation>
 </file>
 
@@ -268,7 +281,7 @@
           <a:p>
             <a:fld id="{A88A99E9-305D-0940-A0D8-9E1F3906EEE1}" type="datetimeFigureOut">
               <a:rPr lang="en-US" smtClean="0"/>
-              <a:t>5/15/20</a:t>
+              <a:t>5/20/20</a:t>
             </a:fld>
             <a:endParaRPr lang="en-US"/>
           </a:p>
@@ -466,7 +479,7 @@
           <a:p>
             <a:fld id="{A88A99E9-305D-0940-A0D8-9E1F3906EEE1}" type="datetimeFigureOut">
               <a:rPr lang="en-US" smtClean="0"/>
-              <a:t>5/15/20</a:t>
+              <a:t>5/20/20</a:t>
             </a:fld>
             <a:endParaRPr lang="en-US"/>
           </a:p>
@@ -674,7 +687,7 @@
           <a:p>
             <a:fld id="{A88A99E9-305D-0940-A0D8-9E1F3906EEE1}" type="datetimeFigureOut">
               <a:rPr lang="en-US" smtClean="0"/>
-              <a:t>5/15/20</a:t>
+              <a:t>5/20/20</a:t>
             </a:fld>
             <a:endParaRPr lang="en-US"/>
           </a:p>
@@ -872,7 +885,7 @@
           <a:p>
             <a:fld id="{A88A99E9-305D-0940-A0D8-9E1F3906EEE1}" type="datetimeFigureOut">
               <a:rPr lang="en-US" smtClean="0"/>
-              <a:t>5/15/20</a:t>
+              <a:t>5/20/20</a:t>
             </a:fld>
             <a:endParaRPr lang="en-US"/>
           </a:p>
@@ -1147,7 +1160,7 @@
           <a:p>
             <a:fld id="{A88A99E9-305D-0940-A0D8-9E1F3906EEE1}" type="datetimeFigureOut">
               <a:rPr lang="en-US" smtClean="0"/>
-              <a:t>5/15/20</a:t>
+              <a:t>5/20/20</a:t>
             </a:fld>
             <a:endParaRPr lang="en-US"/>
           </a:p>
@@ -1412,7 +1425,7 @@
           <a:p>
             <a:fld id="{A88A99E9-305D-0940-A0D8-9E1F3906EEE1}" type="datetimeFigureOut">
               <a:rPr lang="en-US" smtClean="0"/>
-              <a:t>5/15/20</a:t>
+              <a:t>5/20/20</a:t>
             </a:fld>
             <a:endParaRPr lang="en-US"/>
           </a:p>
@@ -1824,7 +1837,7 @@
           <a:p>
             <a:fld id="{A88A99E9-305D-0940-A0D8-9E1F3906EEE1}" type="datetimeFigureOut">
               <a:rPr lang="en-US" smtClean="0"/>
-              <a:t>5/15/20</a:t>
+              <a:t>5/20/20</a:t>
             </a:fld>
             <a:endParaRPr lang="en-US"/>
           </a:p>
@@ -1965,7 +1978,7 @@
           <a:p>
             <a:fld id="{A88A99E9-305D-0940-A0D8-9E1F3906EEE1}" type="datetimeFigureOut">
               <a:rPr lang="en-US" smtClean="0"/>
-              <a:t>5/15/20</a:t>
+              <a:t>5/20/20</a:t>
             </a:fld>
             <a:endParaRPr lang="en-US"/>
           </a:p>
@@ -2078,7 +2091,7 @@
           <a:p>
             <a:fld id="{A88A99E9-305D-0940-A0D8-9E1F3906EEE1}" type="datetimeFigureOut">
               <a:rPr lang="en-US" smtClean="0"/>
-              <a:t>5/15/20</a:t>
+              <a:t>5/20/20</a:t>
             </a:fld>
             <a:endParaRPr lang="en-US"/>
           </a:p>
@@ -2389,7 +2402,7 @@
           <a:p>
             <a:fld id="{A88A99E9-305D-0940-A0D8-9E1F3906EEE1}" type="datetimeFigureOut">
               <a:rPr lang="en-US" smtClean="0"/>
-              <a:t>5/15/20</a:t>
+              <a:t>5/20/20</a:t>
             </a:fld>
             <a:endParaRPr lang="en-US"/>
           </a:p>
@@ -2677,7 +2690,7 @@
           <a:p>
             <a:fld id="{A88A99E9-305D-0940-A0D8-9E1F3906EEE1}" type="datetimeFigureOut">
               <a:rPr lang="en-US" smtClean="0"/>
-              <a:t>5/15/20</a:t>
+              <a:t>5/20/20</a:t>
             </a:fld>
             <a:endParaRPr lang="en-US"/>
           </a:p>
@@ -2918,7 +2931,7 @@
           <a:p>
             <a:fld id="{A88A99E9-305D-0940-A0D8-9E1F3906EEE1}" type="datetimeFigureOut">
               <a:rPr lang="en-US" smtClean="0"/>
-              <a:t>5/15/20</a:t>
+              <a:t>5/20/20</a:t>
             </a:fld>
             <a:endParaRPr lang="en-US"/>
           </a:p>
@@ -3593,102 +3606,238 @@
       </p:grpSpPr>
       <p:sp>
         <p:nvSpPr>
-          <p:cNvPr id="2" name="Title 1">
-            <a:extLst>
-              <a:ext uri="{FF2B5EF4-FFF2-40B4-BE49-F238E27FC236}">
-                <a16:creationId xmlns:a16="http://schemas.microsoft.com/office/drawing/2014/main" id="{D7317AF7-C0C1-B64C-80AB-E4D5190FBCD8}"/>
-              </a:ext>
-            </a:extLst>
-          </p:cNvPr>
-          <p:cNvSpPr>
-            <a:spLocks noGrp="1"/>
+          <p:cNvPr id="5" name="TextBox 4">
+            <a:extLst>
+              <a:ext uri="{FF2B5EF4-FFF2-40B4-BE49-F238E27FC236}">
+                <a16:creationId xmlns:a16="http://schemas.microsoft.com/office/drawing/2014/main" id="{CB4440B1-FB08-3C49-A8BD-4A4F8B174F39}"/>
+              </a:ext>
+            </a:extLst>
+          </p:cNvPr>
+          <p:cNvSpPr txBox="1"/>
+          <p:nvPr/>
+        </p:nvSpPr>
+        <p:spPr>
+          <a:xfrm>
+            <a:off x="726531" y="1051380"/>
+            <a:ext cx="3831771" cy="369332"/>
+          </a:xfrm>
+          <a:prstGeom prst="rect">
+            <a:avLst/>
+          </a:prstGeom>
+          <a:noFill/>
+        </p:spPr>
+        <p:txBody>
+          <a:bodyPr wrap="square" rtlCol="0">
+            <a:spAutoFit/>
+          </a:bodyPr>
+          <a:lstStyle/>
+          <a:p>
+            <a:r>
+              <a:rPr lang="en-US" dirty="0"/>
+              <a:t>Evaluation:</a:t>
+            </a:r>
+          </a:p>
+        </p:txBody>
+      </p:sp>
+      <p:sp>
+        <p:nvSpPr>
+          <p:cNvPr id="6" name="TextBox 5">
+            <a:extLst>
+              <a:ext uri="{FF2B5EF4-FFF2-40B4-BE49-F238E27FC236}">
+                <a16:creationId xmlns:a16="http://schemas.microsoft.com/office/drawing/2014/main" id="{919E28F8-8F82-0F45-BB68-F655DBB95125}"/>
+              </a:ext>
+            </a:extLst>
+          </p:cNvPr>
+          <p:cNvSpPr txBox="1"/>
+          <p:nvPr/>
+        </p:nvSpPr>
+        <p:spPr>
+          <a:xfrm>
+            <a:off x="6390526" y="1054796"/>
+            <a:ext cx="2688772" cy="369332"/>
+          </a:xfrm>
+          <a:prstGeom prst="rect">
+            <a:avLst/>
+          </a:prstGeom>
+          <a:noFill/>
+        </p:spPr>
+        <p:txBody>
+          <a:bodyPr wrap="square" rtlCol="0">
+            <a:spAutoFit/>
+          </a:bodyPr>
+          <a:lstStyle/>
+          <a:p>
+            <a:r>
+              <a:rPr lang="en-US" dirty="0"/>
+              <a:t>Contributions:</a:t>
+            </a:r>
+          </a:p>
+        </p:txBody>
+      </p:sp>
+      <p:sp>
+        <p:nvSpPr>
+          <p:cNvPr id="7" name="TextBox 6">
+            <a:extLst>
+              <a:ext uri="{FF2B5EF4-FFF2-40B4-BE49-F238E27FC236}">
+                <a16:creationId xmlns:a16="http://schemas.microsoft.com/office/drawing/2014/main" id="{640AB307-FCD9-C34E-A00E-E99AA74C38FC}"/>
+              </a:ext>
+            </a:extLst>
+          </p:cNvPr>
+          <p:cNvSpPr txBox="1"/>
+          <p:nvPr/>
+        </p:nvSpPr>
+        <p:spPr>
+          <a:xfrm>
+            <a:off x="6477733" y="3745368"/>
+            <a:ext cx="2438400" cy="369332"/>
+          </a:xfrm>
+          <a:prstGeom prst="rect">
+            <a:avLst/>
+          </a:prstGeom>
+          <a:noFill/>
+        </p:spPr>
+        <p:txBody>
+          <a:bodyPr wrap="square" rtlCol="0">
+            <a:spAutoFit/>
+          </a:bodyPr>
+          <a:lstStyle/>
+          <a:p>
+            <a:r>
+              <a:rPr lang="en-US" dirty="0"/>
+              <a:t>Limitations:</a:t>
+            </a:r>
+          </a:p>
+        </p:txBody>
+      </p:sp>
+      <p:sp>
+        <p:nvSpPr>
+          <p:cNvPr id="8" name="Title 1">
+            <a:extLst>
+              <a:ext uri="{FF2B5EF4-FFF2-40B4-BE49-F238E27FC236}">
+                <a16:creationId xmlns:a16="http://schemas.microsoft.com/office/drawing/2014/main" id="{18ED092B-3D92-F24D-BADC-4FEC4029A19E}"/>
+              </a:ext>
+            </a:extLst>
+          </p:cNvPr>
+          <p:cNvSpPr txBox="1">
+            <a:spLocks/>
           </p:cNvSpPr>
-          <p:nvPr>
-            <p:ph type="ctrTitle"/>
-          </p:nvPr>
-        </p:nvSpPr>
-        <p:spPr>
-          <a:xfrm>
-            <a:off x="1208314" y="930729"/>
+          <p:nvPr/>
+        </p:nvSpPr>
+        <p:spPr>
+          <a:xfrm>
+            <a:off x="612413" y="324554"/>
             <a:ext cx="9144000" cy="477837"/>
           </a:xfrm>
-        </p:spPr>
-        <p:txBody>
-          <a:bodyPr>
+          <a:prstGeom prst="rect">
+            <a:avLst/>
+          </a:prstGeom>
+        </p:spPr>
+        <p:txBody>
+          <a:bodyPr vert="horz" lIns="91440" tIns="45720" rIns="91440" bIns="45720" rtlCol="0" anchor="ctr">
             <a:normAutofit/>
           </a:bodyPr>
-          <a:lstStyle/>
-          <a:p>
-            <a:pPr algn="l"/>
-            <a:r>
-              <a:rPr lang="en-US" sz="1600" b="1" dirty="0" err="1">
+          <a:lstStyle>
+            <a:lvl1pPr algn="l" defTabSz="914400" rtl="0" eaLnBrk="1" latinLnBrk="0" hangingPunct="1">
+              <a:lnSpc>
+                <a:spcPct val="90000"/>
+              </a:lnSpc>
+              <a:spcBef>
+                <a:spcPct val="0"/>
+              </a:spcBef>
+              <a:buNone/>
+              <a:defRPr sz="4400" kern="1200">
+                <a:solidFill>
+                  <a:schemeClr val="tx1"/>
+                </a:solidFill>
+                <a:latin typeface="+mj-lt"/>
+                <a:ea typeface="+mj-ea"/>
+                <a:cs typeface="+mj-cs"/>
+              </a:defRPr>
+            </a:lvl1pPr>
+          </a:lstStyle>
+          <a:p>
+            <a:r>
+              <a:rPr lang="en-US" sz="1600">
                 <a:latin typeface="+mn-lt"/>
                 <a:ea typeface="+mn-ea"/>
                 <a:cs typeface="+mn-cs"/>
               </a:rPr>
-              <a:t>CrossE</a:t>
-            </a:r>
-            <a:r>
-              <a:rPr lang="en-US" sz="1600" b="1" dirty="0">
-                <a:latin typeface="+mn-lt"/>
-                <a:ea typeface="+mn-ea"/>
-                <a:cs typeface="+mn-cs"/>
-              </a:rPr>
-              <a:t>: Interaction Embeddings for Prediction and Explanation in Knowledge Graphs</a:t>
-            </a:r>
-          </a:p>
-        </p:txBody>
-      </p:sp>
-      <p:sp>
-        <p:nvSpPr>
-          <p:cNvPr id="3" name="Subtitle 2">
-            <a:extLst>
-              <a:ext uri="{FF2B5EF4-FFF2-40B4-BE49-F238E27FC236}">
-                <a16:creationId xmlns:a16="http://schemas.microsoft.com/office/drawing/2014/main" id="{0A64B25C-1E83-D14F-82EC-CC2D9EFA4F64}"/>
-              </a:ext>
-            </a:extLst>
-          </p:cNvPr>
-          <p:cNvSpPr>
-            <a:spLocks noGrp="1"/>
-          </p:cNvSpPr>
-          <p:nvPr>
-            <p:ph type="subTitle" idx="1"/>
-          </p:nvPr>
-        </p:nvSpPr>
-        <p:spPr>
-          <a:xfrm>
-            <a:off x="1208314" y="2060497"/>
-            <a:ext cx="9144000" cy="926419"/>
-          </a:xfrm>
-        </p:spPr>
-        <p:txBody>
-          <a:bodyPr>
-            <a:normAutofit/>
-          </a:bodyPr>
-          <a:lstStyle/>
-          <a:p>
-            <a:pPr algn="l"/>
-            <a:r>
-              <a:rPr lang="en-US" sz="1800" dirty="0"/>
-              <a:t>Limitation of Existing Work:</a:t>
-            </a:r>
-          </a:p>
-          <a:p>
-            <a:pPr algn="l"/>
-            <a:endParaRPr lang="en-US" sz="1400" dirty="0"/>
-          </a:p>
-          <a:p>
-            <a:pPr algn="l"/>
-            <a:endParaRPr lang="en-US" sz="1600" dirty="0"/>
-          </a:p>
-        </p:txBody>
-      </p:sp>
-      <p:sp>
-        <p:nvSpPr>
-          <p:cNvPr id="4" name="TextBox 3">
-            <a:extLst>
-              <a:ext uri="{FF2B5EF4-FFF2-40B4-BE49-F238E27FC236}">
-                <a16:creationId xmlns:a16="http://schemas.microsoft.com/office/drawing/2014/main" id="{41ED2B90-6835-0C4B-B85A-2512916878C1}"/>
+              <a:t>Neural Variational Inference For Estimating Uncertainty in Knowledge Graph Embeddings</a:t>
+            </a:r>
+            <a:endParaRPr lang="en-US" sz="1600" dirty="0">
+              <a:latin typeface="+mn-lt"/>
+              <a:ea typeface="+mn-ea"/>
+              <a:cs typeface="+mn-cs"/>
+            </a:endParaRPr>
+          </a:p>
+        </p:txBody>
+      </p:sp>
+      <p:pic>
+        <p:nvPicPr>
+          <p:cNvPr id="3" name="Picture 2">
+            <a:extLst>
+              <a:ext uri="{FF2B5EF4-FFF2-40B4-BE49-F238E27FC236}">
+                <a16:creationId xmlns:a16="http://schemas.microsoft.com/office/drawing/2014/main" id="{15D65B91-29FB-6343-9140-10B973C8A95B}"/>
+              </a:ext>
+            </a:extLst>
+          </p:cNvPr>
+          <p:cNvPicPr>
+            <a:picLocks noChangeAspect="1"/>
+          </p:cNvPicPr>
+          <p:nvPr/>
+        </p:nvPicPr>
+        <p:blipFill>
+          <a:blip r:embed="rId2"/>
+          <a:stretch>
+            <a:fillRect/>
+          </a:stretch>
+        </p:blipFill>
+        <p:spPr>
+          <a:xfrm>
+            <a:off x="623695" y="4269920"/>
+            <a:ext cx="4985995" cy="1300227"/>
+          </a:xfrm>
+          <a:prstGeom prst="rect">
+            <a:avLst/>
+          </a:prstGeom>
+        </p:spPr>
+      </p:pic>
+      <p:pic>
+        <p:nvPicPr>
+          <p:cNvPr id="10" name="Picture 9">
+            <a:extLst>
+              <a:ext uri="{FF2B5EF4-FFF2-40B4-BE49-F238E27FC236}">
+                <a16:creationId xmlns:a16="http://schemas.microsoft.com/office/drawing/2014/main" id="{8EB1010B-0619-5242-BB5E-89C6571FD592}"/>
+              </a:ext>
+            </a:extLst>
+          </p:cNvPr>
+          <p:cNvPicPr>
+            <a:picLocks noChangeAspect="1"/>
+          </p:cNvPicPr>
+          <p:nvPr/>
+        </p:nvPicPr>
+        <p:blipFill>
+          <a:blip r:embed="rId3"/>
+          <a:stretch>
+            <a:fillRect/>
+          </a:stretch>
+        </p:blipFill>
+        <p:spPr>
+          <a:xfrm>
+            <a:off x="791355" y="1420712"/>
+            <a:ext cx="4627407" cy="2678499"/>
+          </a:xfrm>
+          <a:prstGeom prst="rect">
+            <a:avLst/>
+          </a:prstGeom>
+        </p:spPr>
+      </p:pic>
+      <p:sp>
+        <p:nvSpPr>
+          <p:cNvPr id="11" name="TextBox 10">
+            <a:extLst>
+              <a:ext uri="{FF2B5EF4-FFF2-40B4-BE49-F238E27FC236}">
+                <a16:creationId xmlns:a16="http://schemas.microsoft.com/office/drawing/2014/main" id="{88624629-70D7-B649-8E62-72E33FA3DEF5}"/>
               </a:ext>
             </a:extLst>
           </p:cNvPr>
@@ -3697,8 +3846,8 @@
         </p:nvSpPr>
         <p:spPr>
           <a:xfrm>
-            <a:off x="408214" y="303235"/>
-            <a:ext cx="1600200" cy="369332"/>
+            <a:off x="6582312" y="4172848"/>
+            <a:ext cx="4448710" cy="1446550"/>
           </a:xfrm>
           <a:prstGeom prst="rect">
             <a:avLst/>
@@ -3712,22 +3861,33 @@
           <a:lstStyle/>
           <a:p>
             <a:r>
-              <a:rPr lang="en-US" dirty="0">
-                <a:solidFill>
-                  <a:srgbClr val="C00000"/>
-                </a:solidFill>
-              </a:rPr>
-              <a:t>Embedding</a:t>
-            </a:r>
-          </a:p>
-        </p:txBody>
-      </p:sp>
-      <p:sp>
-        <p:nvSpPr>
-          <p:cNvPr id="5" name="TextBox 4">
-            <a:extLst>
-              <a:ext uri="{FF2B5EF4-FFF2-40B4-BE49-F238E27FC236}">
-                <a16:creationId xmlns:a16="http://schemas.microsoft.com/office/drawing/2014/main" id="{AFB09293-029A-E64B-B817-64C522758E60}"/>
+              <a:rPr lang="en-US" sz="1400" dirty="0" err="1"/>
+              <a:t>Utilising</a:t>
+            </a:r>
+            <a:r>
+              <a:rPr lang="en-US" sz="1400" dirty="0"/>
+              <a:t> the uncertainty on the latent embeddings through sampling does not result in improved uncertainty estimates over using the magnitude of likelihood estimate as the confidence, which leaves further room for research into how best to </a:t>
+            </a:r>
+            <a:r>
+              <a:rPr lang="en-US" sz="1400" dirty="0" err="1"/>
+              <a:t>utilise</a:t>
+            </a:r>
+            <a:r>
+              <a:rPr lang="en-US" sz="1400" dirty="0"/>
+              <a:t> these learnt uncertainty estimates. </a:t>
+            </a:r>
+          </a:p>
+          <a:p>
+            <a:endParaRPr lang="en-US" dirty="0"/>
+          </a:p>
+        </p:txBody>
+      </p:sp>
+      <p:sp>
+        <p:nvSpPr>
+          <p:cNvPr id="12" name="TextBox 11">
+            <a:extLst>
+              <a:ext uri="{FF2B5EF4-FFF2-40B4-BE49-F238E27FC236}">
+                <a16:creationId xmlns:a16="http://schemas.microsoft.com/office/drawing/2014/main" id="{B8108EEA-E1EF-EA41-B131-A3BC88FC8B73}"/>
               </a:ext>
             </a:extLst>
           </p:cNvPr>
@@ -3736,8 +3896,8 @@
         </p:nvSpPr>
         <p:spPr>
           <a:xfrm>
-            <a:off x="1208314" y="3429000"/>
-            <a:ext cx="7641772" cy="1015663"/>
+            <a:off x="6431622" y="1378896"/>
+            <a:ext cx="4969023" cy="2308324"/>
           </a:xfrm>
           <a:prstGeom prst="rect">
             <a:avLst/>
@@ -3751,74 +3911,35 @@
           <a:lstStyle/>
           <a:p>
             <a:r>
-              <a:rPr lang="en-US" dirty="0"/>
-              <a:t>Key idea of Approach:</a:t>
-            </a:r>
-          </a:p>
-          <a:p>
+              <a:rPr lang="en-US" sz="1400" dirty="0"/>
+              <a:t>We argue there is a lack of methods for quantifying predictive uncertainty in a knowledge graph embedding representation, which can only be </a:t>
+            </a:r>
             <a:r>
               <a:rPr lang="en-US" sz="1400" dirty="0" err="1"/>
-              <a:t>CrossE</a:t>
+              <a:t>utilised</a:t>
             </a:r>
             <a:r>
               <a:rPr lang="en-US" sz="1400" dirty="0"/>
-              <a:t>, a novel knowledge graph embedding which explicitly simulates crossover interactions. It not only learns one general embedding for each entity and relation as most previous methods do, but also generates multiple triple specific embeddings for both of them, named interaction embeddings.</a:t>
-            </a:r>
-          </a:p>
-        </p:txBody>
-      </p:sp>
-      <p:sp>
-        <p:nvSpPr>
-          <p:cNvPr id="6" name="TextBox 5">
-            <a:extLst>
-              <a:ext uri="{FF2B5EF4-FFF2-40B4-BE49-F238E27FC236}">
-                <a16:creationId xmlns:a16="http://schemas.microsoft.com/office/drawing/2014/main" id="{0D9FCB9E-2E46-9849-8B1B-EC2C1B783C97}"/>
-              </a:ext>
-            </a:extLst>
-          </p:cNvPr>
-          <p:cNvSpPr txBox="1"/>
-          <p:nvPr/>
-        </p:nvSpPr>
-        <p:spPr>
-          <a:xfrm>
-            <a:off x="1208314" y="5867399"/>
-            <a:ext cx="6901543" cy="461665"/>
-          </a:xfrm>
-          <a:prstGeom prst="rect">
-            <a:avLst/>
-          </a:prstGeom>
-          <a:noFill/>
-        </p:spPr>
-        <p:txBody>
-          <a:bodyPr wrap="square" rtlCol="0">
-            <a:spAutoFit/>
-          </a:bodyPr>
-          <a:lstStyle/>
-          <a:p>
-            <a:r>
-              <a:rPr lang="en-US" sz="1200" dirty="0"/>
-              <a:t>Link: </a:t>
-            </a:r>
-            <a:r>
-              <a:rPr lang="en-US" sz="1200" dirty="0">
-                <a:hlinkClick r:id="rId2"/>
-              </a:rPr>
-              <a:t>https://arxiv.org/pdf/1903.04750.pdf</a:t>
-            </a:r>
-            <a:endParaRPr lang="en-US" sz="1200" dirty="0"/>
-          </a:p>
-          <a:p>
-            <a:r>
-              <a:rPr lang="en-US" sz="1200" dirty="0"/>
-              <a:t>Source: EMNLP-IJCNLP 2019</a:t>
-            </a:r>
+              <a:t> using probabilistic modelling, as well as a lack of expressiveness under fixed-point representations. We introduce a framework for creating a family of highly scalable probabilistic models for knowledge graph representation The framework improves model performance un- der certain conditions, while reducing the parameter search by one hyper-parameter, as the unit Gaussian prior is self- </a:t>
+            </a:r>
+            <a:r>
+              <a:rPr lang="en-US" sz="1400" dirty="0" err="1"/>
+              <a:t>regularising</a:t>
+            </a:r>
+            <a:r>
+              <a:rPr lang="en-US" sz="1400" dirty="0"/>
+              <a:t>. </a:t>
+            </a:r>
+          </a:p>
+          <a:p>
+            <a:endParaRPr lang="en-US" dirty="0"/>
           </a:p>
         </p:txBody>
       </p:sp>
     </p:spTree>
     <p:extLst>
       <p:ext uri="{BB962C8B-B14F-4D97-AF65-F5344CB8AC3E}">
-        <p14:creationId xmlns:p14="http://schemas.microsoft.com/office/powerpoint/2010/main" val="2977436787"/>
+        <p14:creationId xmlns:p14="http://schemas.microsoft.com/office/powerpoint/2010/main" val="492285334"/>
       </p:ext>
     </p:extLst>
   </p:cSld>
@@ -3875,20 +3996,12 @@
           <a:p>
             <a:pPr algn="l"/>
             <a:r>
-              <a:rPr lang="en-US" sz="1600" b="1" dirty="0" err="1">
-                <a:latin typeface="+mn-lt"/>
-                <a:ea typeface="+mn-ea"/>
-                <a:cs typeface="+mn-cs"/>
-              </a:rPr>
-              <a:t>TuckER</a:t>
-            </a:r>
-            <a:r>
               <a:rPr lang="en-US" sz="1600" b="1" dirty="0">
                 <a:latin typeface="+mn-lt"/>
                 <a:ea typeface="+mn-ea"/>
                 <a:cs typeface="+mn-cs"/>
               </a:rPr>
-              <a:t>: Tensor Factorization for Knowledge Graph Completion</a:t>
+              <a:t>Neural Recurrent Structure Search for Knowledge Graph Embedding</a:t>
             </a:r>
           </a:p>
         </p:txBody>
@@ -3911,13 +4024,13 @@
         </p:nvSpPr>
         <p:spPr>
           <a:xfrm>
-            <a:off x="1208314" y="2060497"/>
-            <a:ext cx="9144000" cy="926419"/>
+            <a:off x="1208314" y="1747613"/>
+            <a:ext cx="9144000" cy="302559"/>
           </a:xfrm>
         </p:spPr>
         <p:txBody>
           <a:bodyPr>
-            <a:normAutofit/>
+            <a:normAutofit fontScale="92500" lnSpcReduction="10000"/>
           </a:bodyPr>
           <a:lstStyle/>
           <a:p>
@@ -3926,9 +4039,6 @@
               <a:rPr lang="en-US" sz="1800" dirty="0"/>
               <a:t>Limitation of Existing Work:</a:t>
             </a:r>
-          </a:p>
-          <a:p>
-            <a:pPr algn="l"/>
             <a:endParaRPr lang="en-US" sz="1400" dirty="0"/>
           </a:p>
           <a:p>
@@ -3991,7 +4101,7 @@
         <p:spPr>
           <a:xfrm>
             <a:off x="1208314" y="3429000"/>
-            <a:ext cx="7641772" cy="1446550"/>
+            <a:ext cx="7641772" cy="584775"/>
           </a:xfrm>
           <a:prstGeom prst="rect">
             <a:avLst/>
@@ -4010,46 +4120,7 @@
             </a:r>
           </a:p>
           <a:p>
-            <a:r>
-              <a:rPr lang="en-US" sz="1400" dirty="0" err="1"/>
-              <a:t>TuckER</a:t>
-            </a:r>
-            <a:r>
-              <a:rPr lang="en-US" sz="1400" dirty="0"/>
-              <a:t> is a relatively simple but powerful linear model based on Tucker decomposition of the binary tensor representation of knowledge graph triples. </a:t>
-            </a:r>
-            <a:r>
-              <a:rPr lang="en-US" sz="1400" dirty="0" err="1"/>
-              <a:t>TuckER</a:t>
-            </a:r>
-            <a:r>
-              <a:rPr lang="en-US" sz="1400" dirty="0"/>
-              <a:t> is a fully expressive model, deriving the bound on its entity and relation embedding dimensionality for full expressiveness which is several orders of magnitude smaller than the bound of previous models </a:t>
-            </a:r>
-            <a:r>
-              <a:rPr lang="en-US" sz="1400" dirty="0" err="1"/>
-              <a:t>ComplEx</a:t>
-            </a:r>
-            <a:r>
-              <a:rPr lang="en-US" sz="1400" dirty="0"/>
-              <a:t> and </a:t>
-            </a:r>
-            <a:r>
-              <a:rPr lang="en-US" sz="1400" dirty="0" err="1"/>
-              <a:t>SimplE</a:t>
-            </a:r>
-            <a:r>
-              <a:rPr lang="en-US" sz="1400" dirty="0"/>
-              <a:t>. Besides, </a:t>
-            </a:r>
-            <a:r>
-              <a:rPr lang="en-US" sz="1400" dirty="0" err="1"/>
-              <a:t>TuckER</a:t>
-            </a:r>
-            <a:r>
-              <a:rPr lang="en-US" sz="1400" dirty="0"/>
-              <a:t> achieves the state-of-the-art performance.</a:t>
-            </a:r>
+            <a:endParaRPr lang="en-US" sz="1400" dirty="0"/>
           </a:p>
         </p:txBody>
       </p:sp>
@@ -4089,22 +4160,167 @@
               <a:rPr lang="en-US" sz="1200" dirty="0">
                 <a:hlinkClick r:id="rId2"/>
               </a:rPr>
-              <a:t>https://arxiv.org/pdf/1901.09590.pdf</a:t>
+              <a:t>https://arxiv.org/pdf/1911.07132.pdf</a:t>
             </a:r>
             <a:endParaRPr lang="en-US" sz="1200" dirty="0"/>
           </a:p>
           <a:p>
             <a:r>
               <a:rPr lang="en-US" sz="1200" dirty="0"/>
-              <a:t>Source:  2019</a:t>
-            </a:r>
+              <a:t>Source:  AAAI 2020</a:t>
+            </a:r>
+          </a:p>
+        </p:txBody>
+      </p:sp>
+      <p:sp>
+        <p:nvSpPr>
+          <p:cNvPr id="7" name="TextBox 6">
+            <a:extLst>
+              <a:ext uri="{FF2B5EF4-FFF2-40B4-BE49-F238E27FC236}">
+                <a16:creationId xmlns:a16="http://schemas.microsoft.com/office/drawing/2014/main" id="{1C9DE295-6E07-4C4D-A160-4E6BD38D0CF0}"/>
+              </a:ext>
+            </a:extLst>
+          </p:cNvPr>
+          <p:cNvSpPr txBox="1"/>
+          <p:nvPr/>
+        </p:nvSpPr>
+        <p:spPr>
+          <a:xfrm>
+            <a:off x="1304818" y="4013775"/>
+            <a:ext cx="9678868" cy="1877437"/>
+          </a:xfrm>
+          <a:prstGeom prst="rect">
+            <a:avLst/>
+          </a:prstGeom>
+          <a:noFill/>
+        </p:spPr>
+        <p:txBody>
+          <a:bodyPr wrap="square" rtlCol="0">
+            <a:spAutoFit/>
+          </a:bodyPr>
+          <a:lstStyle/>
+          <a:p>
+            <a:r>
+              <a:rPr lang="en-US" sz="1400" dirty="0"/>
+              <a:t>Propose </a:t>
+            </a:r>
+            <a:r>
+              <a:rPr lang="en-US" sz="1400" i="1" dirty="0"/>
+              <a:t>S2E </a:t>
+            </a:r>
+            <a:r>
+              <a:rPr lang="en-US" sz="1400" dirty="0"/>
+              <a:t>to distill structural information and combine it with semantic information for different KGs as a neural architecture search (NAS) problem. </a:t>
+            </a:r>
+          </a:p>
+          <a:p>
+            <a:r>
+              <a:rPr lang="en-US" sz="1400" dirty="0"/>
+              <a:t>First, analyze the difficulty of using a unified model to solve the distillation problem. </a:t>
+            </a:r>
+          </a:p>
+          <a:p>
+            <a:r>
+              <a:rPr lang="en-US" sz="1400" dirty="0"/>
+              <a:t>Based on it, define the path distiller to recurrently combine structural and semantic information along relational paths, which are sampled to preserve both local topologies and semantics. </a:t>
+            </a:r>
+          </a:p>
+          <a:p>
+            <a:r>
+              <a:rPr lang="en-US" sz="1400" dirty="0"/>
+              <a:t>Then, inspired by the recent success of NAS, design a recurrent network based search space for specific KG tasks, and propose a natural gradient (NG) based search algorithm to update architectures. </a:t>
+            </a:r>
+          </a:p>
+          <a:p>
+            <a:endParaRPr lang="en-US" dirty="0"/>
+          </a:p>
+        </p:txBody>
+      </p:sp>
+      <p:sp>
+        <p:nvSpPr>
+          <p:cNvPr id="8" name="TextBox 7">
+            <a:extLst>
+              <a:ext uri="{FF2B5EF4-FFF2-40B4-BE49-F238E27FC236}">
+                <a16:creationId xmlns:a16="http://schemas.microsoft.com/office/drawing/2014/main" id="{219D11DB-0395-A745-935D-9D68E9074B95}"/>
+              </a:ext>
+            </a:extLst>
+          </p:cNvPr>
+          <p:cNvSpPr txBox="1"/>
+          <p:nvPr/>
+        </p:nvSpPr>
+        <p:spPr>
+          <a:xfrm>
+            <a:off x="1208314" y="2253709"/>
+            <a:ext cx="8876873" cy="1446550"/>
+          </a:xfrm>
+          <a:prstGeom prst="rect">
+            <a:avLst/>
+          </a:prstGeom>
+          <a:noFill/>
+        </p:spPr>
+        <p:txBody>
+          <a:bodyPr wrap="square" rtlCol="0">
+            <a:spAutoFit/>
+          </a:bodyPr>
+          <a:lstStyle/>
+          <a:p>
+            <a:r>
+              <a:rPr lang="en-US" sz="1400" dirty="0" err="1"/>
+              <a:t>TransE</a:t>
+            </a:r>
+            <a:r>
+              <a:rPr lang="en-US" sz="1400" dirty="0"/>
+              <a:t>… , </a:t>
+            </a:r>
+            <a:r>
+              <a:rPr lang="en-US" sz="1400" dirty="0" err="1"/>
+              <a:t>ConvE</a:t>
+            </a:r>
+            <a:r>
+              <a:rPr lang="en-US" sz="1400" dirty="0"/>
+              <a:t>, </a:t>
+            </a:r>
+            <a:r>
+              <a:rPr lang="en-US" sz="1400" dirty="0" err="1"/>
+              <a:t>ComplEx</a:t>
+            </a:r>
+            <a:r>
+              <a:rPr lang="en-US" sz="1400" dirty="0"/>
+              <a:t>, </a:t>
+            </a:r>
+            <a:r>
+              <a:rPr lang="en-US" sz="1400" dirty="0" err="1"/>
+              <a:t>PTransE</a:t>
+            </a:r>
+            <a:r>
+              <a:rPr lang="en-US" sz="1400" dirty="0"/>
+              <a:t>… fail to explore the structural information, but mainly focus on the semantic information. GCN-Align leaves semantic information alone prevents this model from fully capturing properties in KG. RSN focuses more on </a:t>
+            </a:r>
+            <a:r>
+              <a:rPr lang="en-US" sz="1400" i="1" dirty="0"/>
+              <a:t>structural information,</a:t>
+            </a:r>
+            <a:r>
+              <a:rPr lang="en-US" sz="1400" dirty="0"/>
+              <a:t> along paths and does not adapts well to tasks where semantic information is more important. </a:t>
+            </a:r>
+          </a:p>
+          <a:p>
+            <a:r>
+              <a:rPr lang="en-US" sz="1400" i="1" dirty="0"/>
+              <a:t>  </a:t>
+            </a:r>
+            <a:endParaRPr lang="en-US" sz="1400" dirty="0"/>
+          </a:p>
+          <a:p>
+            <a:endParaRPr lang="en-US" dirty="0"/>
           </a:p>
         </p:txBody>
       </p:sp>
     </p:spTree>
     <p:extLst>
       <p:ext uri="{BB962C8B-B14F-4D97-AF65-F5344CB8AC3E}">
-        <p14:creationId xmlns:p14="http://schemas.microsoft.com/office/powerpoint/2010/main" val="4221864265"/>
+        <p14:creationId xmlns:p14="http://schemas.microsoft.com/office/powerpoint/2010/main" val="1200267021"/>
       </p:ext>
     </p:extLst>
   </p:cSld>
@@ -4133,102 +4349,268 @@
       </p:grpSpPr>
       <p:sp>
         <p:nvSpPr>
-          <p:cNvPr id="2" name="Title 1">
-            <a:extLst>
-              <a:ext uri="{FF2B5EF4-FFF2-40B4-BE49-F238E27FC236}">
-                <a16:creationId xmlns:a16="http://schemas.microsoft.com/office/drawing/2014/main" id="{D7317AF7-C0C1-B64C-80AB-E4D5190FBCD8}"/>
-              </a:ext>
-            </a:extLst>
-          </p:cNvPr>
-          <p:cNvSpPr>
-            <a:spLocks noGrp="1"/>
+          <p:cNvPr id="5" name="TextBox 4">
+            <a:extLst>
+              <a:ext uri="{FF2B5EF4-FFF2-40B4-BE49-F238E27FC236}">
+                <a16:creationId xmlns:a16="http://schemas.microsoft.com/office/drawing/2014/main" id="{CB4440B1-FB08-3C49-A8BD-4A4F8B174F39}"/>
+              </a:ext>
+            </a:extLst>
+          </p:cNvPr>
+          <p:cNvSpPr txBox="1"/>
+          <p:nvPr/>
+        </p:nvSpPr>
+        <p:spPr>
+          <a:xfrm>
+            <a:off x="776800" y="1236046"/>
+            <a:ext cx="3831771" cy="369332"/>
+          </a:xfrm>
+          <a:prstGeom prst="rect">
+            <a:avLst/>
+          </a:prstGeom>
+          <a:noFill/>
+        </p:spPr>
+        <p:txBody>
+          <a:bodyPr wrap="square" rtlCol="0">
+            <a:spAutoFit/>
+          </a:bodyPr>
+          <a:lstStyle/>
+          <a:p>
+            <a:r>
+              <a:rPr lang="en-US" dirty="0"/>
+              <a:t>Evaluation:</a:t>
+            </a:r>
+          </a:p>
+        </p:txBody>
+      </p:sp>
+      <p:sp>
+        <p:nvSpPr>
+          <p:cNvPr id="6" name="TextBox 5">
+            <a:extLst>
+              <a:ext uri="{FF2B5EF4-FFF2-40B4-BE49-F238E27FC236}">
+                <a16:creationId xmlns:a16="http://schemas.microsoft.com/office/drawing/2014/main" id="{919E28F8-8F82-0F45-BB68-F655DBB95125}"/>
+              </a:ext>
+            </a:extLst>
+          </p:cNvPr>
+          <p:cNvSpPr txBox="1"/>
+          <p:nvPr/>
+        </p:nvSpPr>
+        <p:spPr>
+          <a:xfrm>
+            <a:off x="7633699" y="1420712"/>
+            <a:ext cx="2688772" cy="369332"/>
+          </a:xfrm>
+          <a:prstGeom prst="rect">
+            <a:avLst/>
+          </a:prstGeom>
+          <a:noFill/>
+        </p:spPr>
+        <p:txBody>
+          <a:bodyPr wrap="square" rtlCol="0">
+            <a:spAutoFit/>
+          </a:bodyPr>
+          <a:lstStyle/>
+          <a:p>
+            <a:r>
+              <a:rPr lang="en-US" dirty="0"/>
+              <a:t>Contributions:</a:t>
+            </a:r>
+          </a:p>
+        </p:txBody>
+      </p:sp>
+      <p:sp>
+        <p:nvSpPr>
+          <p:cNvPr id="7" name="TextBox 6">
+            <a:extLst>
+              <a:ext uri="{FF2B5EF4-FFF2-40B4-BE49-F238E27FC236}">
+                <a16:creationId xmlns:a16="http://schemas.microsoft.com/office/drawing/2014/main" id="{640AB307-FCD9-C34E-A00E-E99AA74C38FC}"/>
+              </a:ext>
+            </a:extLst>
+          </p:cNvPr>
+          <p:cNvSpPr txBox="1"/>
+          <p:nvPr/>
+        </p:nvSpPr>
+        <p:spPr>
+          <a:xfrm>
+            <a:off x="5647792" y="4049472"/>
+            <a:ext cx="2438400" cy="369332"/>
+          </a:xfrm>
+          <a:prstGeom prst="rect">
+            <a:avLst/>
+          </a:prstGeom>
+          <a:noFill/>
+        </p:spPr>
+        <p:txBody>
+          <a:bodyPr wrap="square" rtlCol="0">
+            <a:spAutoFit/>
+          </a:bodyPr>
+          <a:lstStyle/>
+          <a:p>
+            <a:r>
+              <a:rPr lang="en-US" dirty="0"/>
+              <a:t>Limitations:</a:t>
+            </a:r>
+          </a:p>
+        </p:txBody>
+      </p:sp>
+      <p:sp>
+        <p:nvSpPr>
+          <p:cNvPr id="8" name="Title 1">
+            <a:extLst>
+              <a:ext uri="{FF2B5EF4-FFF2-40B4-BE49-F238E27FC236}">
+                <a16:creationId xmlns:a16="http://schemas.microsoft.com/office/drawing/2014/main" id="{59B9E575-6997-554B-8270-4453AB346508}"/>
+              </a:ext>
+            </a:extLst>
+          </p:cNvPr>
+          <p:cNvSpPr txBox="1">
+            <a:spLocks/>
           </p:cNvSpPr>
-          <p:nvPr>
-            <p:ph type="ctrTitle"/>
-          </p:nvPr>
-        </p:nvSpPr>
-        <p:spPr>
-          <a:xfrm>
-            <a:off x="1208314" y="930729"/>
+          <p:nvPr/>
+        </p:nvSpPr>
+        <p:spPr>
+          <a:xfrm>
+            <a:off x="776800" y="365651"/>
             <a:ext cx="9144000" cy="477837"/>
           </a:xfrm>
-        </p:spPr>
-        <p:txBody>
-          <a:bodyPr>
+          <a:prstGeom prst="rect">
+            <a:avLst/>
+          </a:prstGeom>
+        </p:spPr>
+        <p:txBody>
+          <a:bodyPr vert="horz" lIns="91440" tIns="45720" rIns="91440" bIns="45720" rtlCol="0" anchor="ctr">
             <a:normAutofit/>
           </a:bodyPr>
-          <a:lstStyle/>
-          <a:p>
-            <a:pPr algn="l"/>
-            <a:r>
-              <a:rPr lang="en-US" sz="1600" b="1" dirty="0" err="1">
+          <a:lstStyle>
+            <a:lvl1pPr algn="l" defTabSz="914400" rtl="0" eaLnBrk="1" latinLnBrk="0" hangingPunct="1">
+              <a:lnSpc>
+                <a:spcPct val="90000"/>
+              </a:lnSpc>
+              <a:spcBef>
+                <a:spcPct val="0"/>
+              </a:spcBef>
+              <a:buNone/>
+              <a:defRPr sz="4400" kern="1200">
+                <a:solidFill>
+                  <a:schemeClr val="tx1"/>
+                </a:solidFill>
+                <a:latin typeface="+mj-lt"/>
+                <a:ea typeface="+mj-ea"/>
+                <a:cs typeface="+mj-cs"/>
+              </a:defRPr>
+            </a:lvl1pPr>
+          </a:lstStyle>
+          <a:p>
+            <a:r>
+              <a:rPr lang="en-US" sz="1600" b="1">
                 <a:latin typeface="+mn-lt"/>
                 <a:ea typeface="+mn-ea"/>
                 <a:cs typeface="+mn-cs"/>
               </a:rPr>
-              <a:t>RotatE</a:t>
-            </a:r>
-            <a:r>
-              <a:rPr lang="en-US" sz="1600" b="1" dirty="0">
-                <a:latin typeface="+mn-lt"/>
-                <a:ea typeface="+mn-ea"/>
-                <a:cs typeface="+mn-cs"/>
-              </a:rPr>
-              <a:t>: Knowledge Graph Embedding by Relational Rotation in Complex Space.</a:t>
-            </a:r>
-          </a:p>
-        </p:txBody>
-      </p:sp>
-      <p:sp>
-        <p:nvSpPr>
-          <p:cNvPr id="3" name="Subtitle 2">
-            <a:extLst>
-              <a:ext uri="{FF2B5EF4-FFF2-40B4-BE49-F238E27FC236}">
-                <a16:creationId xmlns:a16="http://schemas.microsoft.com/office/drawing/2014/main" id="{0A64B25C-1E83-D14F-82EC-CC2D9EFA4F64}"/>
-              </a:ext>
-            </a:extLst>
-          </p:cNvPr>
-          <p:cNvSpPr>
-            <a:spLocks noGrp="1"/>
-          </p:cNvSpPr>
-          <p:nvPr>
-            <p:ph type="subTitle" idx="1"/>
-          </p:nvPr>
-        </p:nvSpPr>
-        <p:spPr>
-          <a:xfrm>
-            <a:off x="1208314" y="2060497"/>
-            <a:ext cx="9144000" cy="926419"/>
-          </a:xfrm>
-        </p:spPr>
-        <p:txBody>
-          <a:bodyPr>
-            <a:normAutofit/>
-          </a:bodyPr>
-          <a:lstStyle/>
-          <a:p>
-            <a:pPr algn="l"/>
-            <a:r>
-              <a:rPr lang="en-US" sz="1800" dirty="0"/>
-              <a:t>Limitation of Existing Work:</a:t>
-            </a:r>
-          </a:p>
-          <a:p>
-            <a:pPr algn="l"/>
-            <a:endParaRPr lang="en-US" sz="1400" dirty="0"/>
-          </a:p>
-          <a:p>
-            <a:pPr algn="l"/>
-            <a:endParaRPr lang="en-US" sz="1600" dirty="0"/>
-          </a:p>
-        </p:txBody>
-      </p:sp>
-      <p:sp>
-        <p:nvSpPr>
-          <p:cNvPr id="4" name="TextBox 3">
-            <a:extLst>
-              <a:ext uri="{FF2B5EF4-FFF2-40B4-BE49-F238E27FC236}">
-                <a16:creationId xmlns:a16="http://schemas.microsoft.com/office/drawing/2014/main" id="{41ED2B90-6835-0C4B-B85A-2512916878C1}"/>
+              <a:t>Neural Recurrent Structure Search for Knowledge Graph Embedding</a:t>
+            </a:r>
+            <a:endParaRPr lang="en-US" sz="1600" b="1" dirty="0">
+              <a:latin typeface="+mn-lt"/>
+              <a:ea typeface="+mn-ea"/>
+              <a:cs typeface="+mn-cs"/>
+            </a:endParaRPr>
+          </a:p>
+        </p:txBody>
+      </p:sp>
+      <p:pic>
+        <p:nvPicPr>
+          <p:cNvPr id="3" name="Picture 2">
+            <a:extLst>
+              <a:ext uri="{FF2B5EF4-FFF2-40B4-BE49-F238E27FC236}">
+                <a16:creationId xmlns:a16="http://schemas.microsoft.com/office/drawing/2014/main" id="{51D5350E-BE03-4D4A-9CB8-918362DBD8C0}"/>
+              </a:ext>
+            </a:extLst>
+          </p:cNvPr>
+          <p:cNvPicPr>
+            <a:picLocks noChangeAspect="1"/>
+          </p:cNvPicPr>
+          <p:nvPr/>
+        </p:nvPicPr>
+        <p:blipFill>
+          <a:blip r:embed="rId2"/>
+          <a:stretch>
+            <a:fillRect/>
+          </a:stretch>
+        </p:blipFill>
+        <p:spPr>
+          <a:xfrm>
+            <a:off x="776800" y="1582577"/>
+            <a:ext cx="6627585" cy="1912472"/>
+          </a:xfrm>
+          <a:prstGeom prst="rect">
+            <a:avLst/>
+          </a:prstGeom>
+        </p:spPr>
+      </p:pic>
+      <p:pic>
+        <p:nvPicPr>
+          <p:cNvPr id="9" name="Picture 8">
+            <a:extLst>
+              <a:ext uri="{FF2B5EF4-FFF2-40B4-BE49-F238E27FC236}">
+                <a16:creationId xmlns:a16="http://schemas.microsoft.com/office/drawing/2014/main" id="{B89F596B-D9EA-E145-A00D-3D48F030C006}"/>
+              </a:ext>
+            </a:extLst>
+          </p:cNvPr>
+          <p:cNvPicPr>
+            <a:picLocks noChangeAspect="1"/>
+          </p:cNvPicPr>
+          <p:nvPr/>
+        </p:nvPicPr>
+        <p:blipFill>
+          <a:blip r:embed="rId3"/>
+          <a:stretch>
+            <a:fillRect/>
+          </a:stretch>
+        </p:blipFill>
+        <p:spPr>
+          <a:xfrm>
+            <a:off x="776800" y="3689120"/>
+            <a:ext cx="3671910" cy="1392232"/>
+          </a:xfrm>
+          <a:prstGeom prst="rect">
+            <a:avLst/>
+          </a:prstGeom>
+        </p:spPr>
+      </p:pic>
+      <p:pic>
+        <p:nvPicPr>
+          <p:cNvPr id="11" name="Picture 10">
+            <a:extLst>
+              <a:ext uri="{FF2B5EF4-FFF2-40B4-BE49-F238E27FC236}">
+                <a16:creationId xmlns:a16="http://schemas.microsoft.com/office/drawing/2014/main" id="{50933C8E-A280-A543-8EE3-9CF9D85817D1}"/>
+              </a:ext>
+            </a:extLst>
+          </p:cNvPr>
+          <p:cNvPicPr>
+            <a:picLocks noChangeAspect="1"/>
+          </p:cNvPicPr>
+          <p:nvPr/>
+        </p:nvPicPr>
+        <p:blipFill>
+          <a:blip r:embed="rId4"/>
+          <a:stretch>
+            <a:fillRect/>
+          </a:stretch>
+        </p:blipFill>
+        <p:spPr>
+          <a:xfrm>
+            <a:off x="918925" y="5275423"/>
+            <a:ext cx="3387660" cy="1216926"/>
+          </a:xfrm>
+          <a:prstGeom prst="rect">
+            <a:avLst/>
+          </a:prstGeom>
+        </p:spPr>
+      </p:pic>
+      <p:sp>
+        <p:nvSpPr>
+          <p:cNvPr id="12" name="TextBox 11">
+            <a:extLst>
+              <a:ext uri="{FF2B5EF4-FFF2-40B4-BE49-F238E27FC236}">
+                <a16:creationId xmlns:a16="http://schemas.microsoft.com/office/drawing/2014/main" id="{CBE07D95-CBA4-CD49-8E7E-81C8FA355C2D}"/>
               </a:ext>
             </a:extLst>
           </p:cNvPr>
@@ -4237,8 +4619,8 @@
         </p:nvSpPr>
         <p:spPr>
           <a:xfrm>
-            <a:off x="408214" y="303235"/>
-            <a:ext cx="1600200" cy="369332"/>
+            <a:off x="7633699" y="2159801"/>
+            <a:ext cx="4101101" cy="1877437"/>
           </a:xfrm>
           <a:prstGeom prst="rect">
             <a:avLst/>
@@ -4252,129 +4634,27 @@
           <a:lstStyle/>
           <a:p>
             <a:r>
-              <a:rPr lang="en-US" dirty="0">
-                <a:solidFill>
-                  <a:srgbClr val="C00000"/>
-                </a:solidFill>
-              </a:rPr>
-              <a:t>Embedding</a:t>
-            </a:r>
-          </a:p>
-        </p:txBody>
-      </p:sp>
-      <p:sp>
-        <p:nvSpPr>
-          <p:cNvPr id="5" name="TextBox 4">
-            <a:extLst>
-              <a:ext uri="{FF2B5EF4-FFF2-40B4-BE49-F238E27FC236}">
-                <a16:creationId xmlns:a16="http://schemas.microsoft.com/office/drawing/2014/main" id="{AFB09293-029A-E64B-B817-64C522758E60}"/>
-              </a:ext>
-            </a:extLst>
-          </p:cNvPr>
-          <p:cNvSpPr txBox="1"/>
-          <p:nvPr/>
-        </p:nvSpPr>
-        <p:spPr>
-          <a:xfrm>
-            <a:off x="1208314" y="3429000"/>
-            <a:ext cx="7641772" cy="1015663"/>
-          </a:xfrm>
-          <a:prstGeom prst="rect">
-            <a:avLst/>
-          </a:prstGeom>
-          <a:noFill/>
-        </p:spPr>
-        <p:txBody>
-          <a:bodyPr wrap="square" rtlCol="0">
-            <a:spAutoFit/>
-          </a:bodyPr>
-          <a:lstStyle/>
-          <a:p>
-            <a:r>
-              <a:rPr lang="en-US" dirty="0"/>
-              <a:t>Key idea of Approach:</a:t>
-            </a:r>
-          </a:p>
-          <a:p>
+              <a:rPr lang="en-US" sz="1400" dirty="0"/>
+              <a:t>Proposed an NAS method S2E to search RNN for learning from relational paths, which contains structural and semantic information, in </a:t>
+            </a:r>
             <a:r>
               <a:rPr lang="en-US" sz="1400" dirty="0" err="1"/>
-              <a:t>RotatE</a:t>
+              <a:t>KGs.</a:t>
             </a:r>
             <a:r>
               <a:rPr lang="en-US" sz="1400" dirty="0"/>
-              <a:t> infers various relation patterns including: symmetry/</a:t>
-            </a:r>
-            <a:r>
-              <a:rPr lang="en-US" sz="1400" dirty="0" err="1"/>
-              <a:t>antisymmetry</a:t>
-            </a:r>
-            <a:r>
-              <a:rPr lang="en-US" sz="1400" dirty="0"/>
-              <a:t>, inversion, and composition. Specifically, the </a:t>
-            </a:r>
-            <a:r>
-              <a:rPr lang="en-US" sz="1400" dirty="0" err="1"/>
-              <a:t>RotatE</a:t>
-            </a:r>
-            <a:r>
-              <a:rPr lang="en-US" sz="1400" dirty="0"/>
-              <a:t> model defines each relation as a rotation from the source entity to the target entity in the complex vector space.</a:t>
-            </a:r>
-          </a:p>
-        </p:txBody>
-      </p:sp>
-      <p:sp>
-        <p:nvSpPr>
-          <p:cNvPr id="6" name="TextBox 5">
-            <a:extLst>
-              <a:ext uri="{FF2B5EF4-FFF2-40B4-BE49-F238E27FC236}">
-                <a16:creationId xmlns:a16="http://schemas.microsoft.com/office/drawing/2014/main" id="{0D9FCB9E-2E46-9849-8B1B-EC2C1B783C97}"/>
-              </a:ext>
-            </a:extLst>
-          </p:cNvPr>
-          <p:cNvSpPr txBox="1"/>
-          <p:nvPr/>
-        </p:nvSpPr>
-        <p:spPr>
-          <a:xfrm>
-            <a:off x="1208314" y="5867399"/>
-            <a:ext cx="6901543" cy="461665"/>
-          </a:xfrm>
-          <a:prstGeom prst="rect">
-            <a:avLst/>
-          </a:prstGeom>
-          <a:noFill/>
-        </p:spPr>
-        <p:txBody>
-          <a:bodyPr wrap="square" rtlCol="0">
-            <a:spAutoFit/>
-          </a:bodyPr>
-          <a:lstStyle/>
-          <a:p>
-            <a:r>
-              <a:rPr lang="en-US" sz="1200" dirty="0"/>
-              <a:t>Link: </a:t>
-            </a:r>
-            <a:r>
-              <a:rPr lang="en-US" sz="1200" dirty="0">
-                <a:hlinkClick r:id="rId2"/>
-              </a:rPr>
-              <a:t>https://openreview.net/pdf?id=HkgEQnRqYQ</a:t>
-            </a:r>
-            <a:endParaRPr lang="en-US" sz="1200" dirty="0"/>
-          </a:p>
-          <a:p>
-            <a:r>
-              <a:rPr lang="en-US" sz="1200" dirty="0"/>
-              <a:t>Source: ICLR 2019</a:t>
-            </a:r>
+              <a:t> By designing a specific search space based on human-designed KG embedding models, S2E can adaptively distill structural information and combine with semantic information for different KG tasks. </a:t>
+            </a:r>
+          </a:p>
+          <a:p>
+            <a:endParaRPr lang="en-US" dirty="0"/>
           </a:p>
         </p:txBody>
       </p:sp>
     </p:spTree>
     <p:extLst>
       <p:ext uri="{BB962C8B-B14F-4D97-AF65-F5344CB8AC3E}">
-        <p14:creationId xmlns:p14="http://schemas.microsoft.com/office/powerpoint/2010/main" val="992991758"/>
+        <p14:creationId xmlns:p14="http://schemas.microsoft.com/office/powerpoint/2010/main" val="1431989958"/>
       </p:ext>
     </p:extLst>
   </p:cSld>
@@ -4431,12 +4711,12 @@
           <a:p>
             <a:pPr algn="l"/>
             <a:r>
-              <a:rPr lang="en-US" sz="1600" b="1" dirty="0">
+              <a:rPr lang="en-US" sz="1600" dirty="0">
                 <a:latin typeface="+mn-lt"/>
                 <a:ea typeface="+mn-ea"/>
                 <a:cs typeface="+mn-cs"/>
               </a:rPr>
-              <a:t>C</a:t>
+              <a:t>Paper Name</a:t>
             </a:r>
           </a:p>
         </p:txBody>
@@ -4471,13 +4751,9 @@
           <a:p>
             <a:pPr algn="l"/>
             <a:r>
-              <a:rPr lang="en-US" sz="1800" dirty="0"/>
+              <a:rPr lang="en-US" sz="1600" dirty="0"/>
               <a:t>Limitation of Existing Work:</a:t>
             </a:r>
-          </a:p>
-          <a:p>
-            <a:pPr algn="l"/>
-            <a:endParaRPr lang="en-US" sz="1400" dirty="0"/>
           </a:p>
           <a:p>
             <a:pPr algn="l"/>
@@ -4538,8 +4814,8 @@
         </p:nvSpPr>
         <p:spPr>
           <a:xfrm>
-            <a:off x="1208314" y="3429000"/>
-            <a:ext cx="7641772" cy="584775"/>
+            <a:off x="1208314" y="3175456"/>
+            <a:ext cx="7641772" cy="646331"/>
           </a:xfrm>
           <a:prstGeom prst="rect">
             <a:avLst/>
@@ -4553,12 +4829,16 @@
           <a:lstStyle/>
           <a:p>
             <a:r>
+              <a:rPr lang="en-US" sz="1600" dirty="0"/>
+              <a:t>Key idea of Approach</a:t>
+            </a:r>
+            <a:r>
               <a:rPr lang="en-US" dirty="0"/>
-              <a:t>Key idea of Approach:</a:t>
-            </a:r>
-          </a:p>
-          <a:p>
-            <a:endParaRPr lang="en-US" sz="1400" dirty="0"/>
+              <a:t>:</a:t>
+            </a:r>
+          </a:p>
+          <a:p>
+            <a:endParaRPr lang="en-US" dirty="0"/>
           </a:p>
         </p:txBody>
       </p:sp>
@@ -4576,7 +4856,7 @@
         </p:nvSpPr>
         <p:spPr>
           <a:xfrm>
-            <a:off x="1208314" y="5867399"/>
+            <a:off x="1208314" y="5845629"/>
             <a:ext cx="6901543" cy="461665"/>
           </a:xfrm>
           <a:prstGeom prst="rect">
@@ -4592,13 +4872,13 @@
           <a:p>
             <a:r>
               <a:rPr lang="en-US" sz="1200" dirty="0"/>
-              <a:t>Link: </a:t>
+              <a:t>Link:</a:t>
             </a:r>
           </a:p>
           <a:p>
             <a:r>
               <a:rPr lang="en-US" sz="1200" dirty="0"/>
-              <a:t>Source:  2019</a:t>
+              <a:t>Source:</a:t>
             </a:r>
           </a:p>
         </p:txBody>
@@ -4606,7 +4886,7 @@
     </p:spTree>
     <p:extLst>
       <p:ext uri="{BB962C8B-B14F-4D97-AF65-F5344CB8AC3E}">
-        <p14:creationId xmlns:p14="http://schemas.microsoft.com/office/powerpoint/2010/main" val="827888405"/>
+        <p14:creationId xmlns:p14="http://schemas.microsoft.com/office/powerpoint/2010/main" val="1006641091"/>
       </p:ext>
     </p:extLst>
   </p:cSld>
@@ -4668,7 +4948,7 @@
                 <a:ea typeface="+mn-ea"/>
                 <a:cs typeface="+mn-cs"/>
               </a:rPr>
-              <a:t>C</a:t>
+              <a:t>DIAG-NRE: A neural pattern diagnosis framework for distantly supervised neural relation extraction</a:t>
             </a:r>
           </a:p>
         </p:txBody>
@@ -4691,13 +4971,13 @@
         </p:nvSpPr>
         <p:spPr>
           <a:xfrm>
-            <a:off x="1208314" y="2060497"/>
-            <a:ext cx="9144000" cy="926419"/>
+            <a:off x="1208314" y="1571145"/>
+            <a:ext cx="9144000" cy="1415771"/>
           </a:xfrm>
         </p:spPr>
         <p:txBody>
           <a:bodyPr>
-            <a:normAutofit/>
+            <a:normAutofit fontScale="62500" lnSpcReduction="20000"/>
           </a:bodyPr>
           <a:lstStyle/>
           <a:p>
@@ -4708,11 +4988,72 @@
             </a:r>
           </a:p>
           <a:p>
+            <a:pPr marL="342900" indent="-342900" algn="l">
+              <a:buFont typeface="Arial" panose="020B0604020202020204" pitchFamily="34" charset="0"/>
+              <a:buChar char="•"/>
+            </a:pPr>
+            <a:r>
+              <a:rPr lang="en-US" sz="1900" dirty="0"/>
+              <a:t>Pattern-based labeling methods require significant expert labor to write relation-specific patterns, which makes them too sophisticated to generalize quickly. </a:t>
+            </a:r>
+          </a:p>
+          <a:p>
+            <a:pPr marL="342900" indent="-342900" algn="l">
+              <a:buFont typeface="Arial" panose="020B0604020202020204" pitchFamily="34" charset="0"/>
+              <a:buChar char="•"/>
+            </a:pPr>
+            <a:r>
+              <a:rPr lang="en-US" sz="1900" i="1" dirty="0"/>
+              <a:t>Distant supervision models </a:t>
+            </a:r>
+            <a:r>
+              <a:rPr lang="en-US" sz="1900" dirty="0"/>
+              <a:t>inevitably introduce intolerable labeling noises.</a:t>
+            </a:r>
+          </a:p>
+          <a:p>
+            <a:pPr marL="342900" indent="-342900" algn="l">
+              <a:buFont typeface="Arial" panose="020B0604020202020204" pitchFamily="34" charset="0"/>
+              <a:buChar char="•"/>
+            </a:pPr>
+            <a:r>
+              <a:rPr lang="en-US" sz="1900" dirty="0"/>
+              <a:t>Pattern-based labeling, where the key idea was to regard both DS and pattern-based heuristics as the weak supervision sources and develop a weak-label-fusion (WLF) model to produce denoised labels. However, the major limitation of the WLF paradigm lies in the requirement of human experts to write relation-specific patterns. </a:t>
+            </a:r>
+          </a:p>
+          <a:p>
+            <a:pPr marL="342900" indent="-342900" algn="l">
+              <a:buFont typeface="Arial" panose="020B0604020202020204" pitchFamily="34" charset="0"/>
+              <a:buChar char="•"/>
+            </a:pPr>
+            <a:endParaRPr lang="en-US" sz="1900" dirty="0"/>
+          </a:p>
+          <a:p>
             <a:pPr algn="l"/>
             <a:endParaRPr lang="en-US" sz="1400" dirty="0"/>
           </a:p>
           <a:p>
             <a:pPr algn="l"/>
+            <a:endParaRPr lang="en-US" dirty="0"/>
+          </a:p>
+          <a:p>
+            <a:pPr algn="l"/>
+            <a:endParaRPr lang="en-US" sz="1400" dirty="0"/>
+          </a:p>
+          <a:p>
+            <a:pPr algn="l"/>
+            <a:endParaRPr lang="en-US" sz="1400" dirty="0"/>
+          </a:p>
+          <a:p>
+            <a:pPr algn="l"/>
+            <a:endParaRPr lang="en-US" sz="1400" dirty="0"/>
+          </a:p>
+          <a:p>
+            <a:pPr algn="l"/>
+            <a:endParaRPr lang="en-US" sz="1400" dirty="0"/>
+          </a:p>
+          <a:p>
+            <a:pPr algn="l"/>
             <a:endParaRPr lang="en-US" sz="1600" dirty="0"/>
           </a:p>
         </p:txBody>
@@ -4731,8 +5072,8 @@
         </p:nvSpPr>
         <p:spPr>
           <a:xfrm>
-            <a:off x="408214" y="303235"/>
-            <a:ext cx="1600200" cy="369332"/>
+            <a:off x="408213" y="303235"/>
+            <a:ext cx="2252793" cy="369332"/>
           </a:xfrm>
           <a:prstGeom prst="rect">
             <a:avLst/>
@@ -4751,7 +5092,7 @@
                   <a:srgbClr val="C00000"/>
                 </a:solidFill>
               </a:rPr>
-              <a:t>Embedding</a:t>
+              <a:t>Relation Extraction</a:t>
             </a:r>
           </a:p>
         </p:txBody>
@@ -4771,7 +5112,7 @@
         <p:spPr>
           <a:xfrm>
             <a:off x="1208314" y="3429000"/>
-            <a:ext cx="7641772" cy="584775"/>
+            <a:ext cx="7641772" cy="1877437"/>
           </a:xfrm>
           <a:prstGeom prst="rect">
             <a:avLst/>
@@ -4790,6 +5131,37 @@
             </a:r>
           </a:p>
           <a:p>
+            <a:r>
+              <a:rPr lang="en-US" sz="1400" dirty="0"/>
+              <a:t>Proposed a neural pattern diagnosis framework, DIAG-NRE, that can automatically summarize and refine high-quality relational patterns from noise data with human experts in the loop:</a:t>
+            </a:r>
+          </a:p>
+          <a:p>
+            <a:r>
+              <a:rPr lang="en-US" sz="1400" dirty="0"/>
+              <a:t>1) </a:t>
+            </a:r>
+            <a:r>
+              <a:rPr lang="en-US" sz="1400" i="1" dirty="0"/>
+              <a:t>pattern extraction</a:t>
+            </a:r>
+            <a:r>
+              <a:rPr lang="en-US" sz="1400" dirty="0"/>
+              <a:t>, extracting potential patterns from NRE models by employing reinforcement learning (RL), and 2) </a:t>
+            </a:r>
+            <a:r>
+              <a:rPr lang="en-US" sz="1400" i="1" dirty="0"/>
+              <a:t>pattern refinement</a:t>
+            </a:r>
+            <a:r>
+              <a:rPr lang="en-US" sz="1400" dirty="0"/>
+              <a:t>, asking human experts to annotate a small set of actively selected examples. </a:t>
+            </a:r>
+          </a:p>
+          <a:p>
+            <a:endParaRPr lang="en-US" sz="1400" dirty="0"/>
+          </a:p>
+          <a:p>
             <a:endParaRPr lang="en-US" sz="1400" dirty="0"/>
           </a:p>
         </p:txBody>
@@ -4826,11 +5198,26 @@
               <a:rPr lang="en-US" sz="1200" dirty="0"/>
               <a:t>Link: </a:t>
             </a:r>
+            <a:r>
+              <a:rPr lang="en-US" sz="1200" dirty="0">
+                <a:hlinkClick r:id="rId2"/>
+              </a:rPr>
+              <a:t>https://www.aclweb.org/anthology/P19-1137.pdf</a:t>
+            </a:r>
+            <a:endParaRPr lang="en-US" sz="1200" dirty="0"/>
           </a:p>
           <a:p>
             <a:r>
               <a:rPr lang="en-US" sz="1200" dirty="0"/>
-              <a:t>Source:  2019</a:t>
+              <a:t>Source:  ACL</a:t>
+            </a:r>
+            <a:r>
+              <a:rPr lang="zh-CN" altLang="en-US" sz="1200" dirty="0"/>
+              <a:t> </a:t>
+            </a:r>
+            <a:r>
+              <a:rPr lang="en-US" sz="1200" dirty="0"/>
+              <a:t>2019</a:t>
             </a:r>
           </a:p>
         </p:txBody>
@@ -4838,7 +5225,7 @@
     </p:spTree>
     <p:extLst>
       <p:ext uri="{BB962C8B-B14F-4D97-AF65-F5344CB8AC3E}">
-        <p14:creationId xmlns:p14="http://schemas.microsoft.com/office/powerpoint/2010/main" val="4185186308"/>
+        <p14:creationId xmlns:p14="http://schemas.microsoft.com/office/powerpoint/2010/main" val="827888405"/>
       </p:ext>
     </p:extLst>
   </p:cSld>
@@ -4867,6 +5254,340 @@
       </p:grpSpPr>
       <p:sp>
         <p:nvSpPr>
+          <p:cNvPr id="4" name="TextBox 3">
+            <a:extLst>
+              <a:ext uri="{FF2B5EF4-FFF2-40B4-BE49-F238E27FC236}">
+                <a16:creationId xmlns:a16="http://schemas.microsoft.com/office/drawing/2014/main" id="{4BA5FF7F-4D31-B04A-B743-6CB08B5D87C5}"/>
+              </a:ext>
+            </a:extLst>
+          </p:cNvPr>
+          <p:cNvSpPr txBox="1"/>
+          <p:nvPr/>
+        </p:nvSpPr>
+        <p:spPr>
+          <a:xfrm>
+            <a:off x="548545" y="776291"/>
+            <a:ext cx="3831771" cy="369332"/>
+          </a:xfrm>
+          <a:prstGeom prst="rect">
+            <a:avLst/>
+          </a:prstGeom>
+          <a:noFill/>
+        </p:spPr>
+        <p:txBody>
+          <a:bodyPr wrap="square" rtlCol="0">
+            <a:spAutoFit/>
+          </a:bodyPr>
+          <a:lstStyle/>
+          <a:p>
+            <a:r>
+              <a:rPr lang="en-US" dirty="0"/>
+              <a:t>Evaluation:</a:t>
+            </a:r>
+          </a:p>
+        </p:txBody>
+      </p:sp>
+      <p:sp>
+        <p:nvSpPr>
+          <p:cNvPr id="5" name="TextBox 4">
+            <a:extLst>
+              <a:ext uri="{FF2B5EF4-FFF2-40B4-BE49-F238E27FC236}">
+                <a16:creationId xmlns:a16="http://schemas.microsoft.com/office/drawing/2014/main" id="{2A6021E0-4777-DA47-A283-E30B8C427A77}"/>
+              </a:ext>
+            </a:extLst>
+          </p:cNvPr>
+          <p:cNvSpPr txBox="1"/>
+          <p:nvPr/>
+        </p:nvSpPr>
+        <p:spPr>
+          <a:xfrm>
+            <a:off x="7625442" y="637791"/>
+            <a:ext cx="2688772" cy="646331"/>
+          </a:xfrm>
+          <a:prstGeom prst="rect">
+            <a:avLst/>
+          </a:prstGeom>
+          <a:noFill/>
+        </p:spPr>
+        <p:txBody>
+          <a:bodyPr wrap="square" rtlCol="0">
+            <a:spAutoFit/>
+          </a:bodyPr>
+          <a:lstStyle/>
+          <a:p>
+            <a:r>
+              <a:rPr lang="en-US" dirty="0"/>
+              <a:t>Contributions:</a:t>
+            </a:r>
+          </a:p>
+          <a:p>
+            <a:endParaRPr lang="en-US" dirty="0"/>
+          </a:p>
+        </p:txBody>
+      </p:sp>
+      <p:sp>
+        <p:nvSpPr>
+          <p:cNvPr id="6" name="TextBox 5">
+            <a:extLst>
+              <a:ext uri="{FF2B5EF4-FFF2-40B4-BE49-F238E27FC236}">
+                <a16:creationId xmlns:a16="http://schemas.microsoft.com/office/drawing/2014/main" id="{2BCBD42A-B05A-774D-A7A8-61F4B02E0D07}"/>
+              </a:ext>
+            </a:extLst>
+          </p:cNvPr>
+          <p:cNvSpPr txBox="1"/>
+          <p:nvPr/>
+        </p:nvSpPr>
+        <p:spPr>
+          <a:xfrm>
+            <a:off x="7625442" y="4147297"/>
+            <a:ext cx="2438400" cy="369332"/>
+          </a:xfrm>
+          <a:prstGeom prst="rect">
+            <a:avLst/>
+          </a:prstGeom>
+          <a:noFill/>
+        </p:spPr>
+        <p:txBody>
+          <a:bodyPr wrap="square" rtlCol="0">
+            <a:spAutoFit/>
+          </a:bodyPr>
+          <a:lstStyle/>
+          <a:p>
+            <a:r>
+              <a:rPr lang="en-US" dirty="0"/>
+              <a:t>Limitations:</a:t>
+            </a:r>
+          </a:p>
+        </p:txBody>
+      </p:sp>
+      <p:sp>
+        <p:nvSpPr>
+          <p:cNvPr id="2" name="TextBox 1">
+            <a:extLst>
+              <a:ext uri="{FF2B5EF4-FFF2-40B4-BE49-F238E27FC236}">
+                <a16:creationId xmlns:a16="http://schemas.microsoft.com/office/drawing/2014/main" id="{6303C8C5-3DCB-854F-AE46-EBBEC114DC43}"/>
+              </a:ext>
+            </a:extLst>
+          </p:cNvPr>
+          <p:cNvSpPr txBox="1"/>
+          <p:nvPr/>
+        </p:nvSpPr>
+        <p:spPr>
+          <a:xfrm>
+            <a:off x="7583792" y="1021630"/>
+            <a:ext cx="4275010" cy="2739211"/>
+          </a:xfrm>
+          <a:prstGeom prst="rect">
+            <a:avLst/>
+          </a:prstGeom>
+          <a:noFill/>
+        </p:spPr>
+        <p:txBody>
+          <a:bodyPr wrap="square" rtlCol="0">
+            <a:spAutoFit/>
+          </a:bodyPr>
+          <a:lstStyle/>
+          <a:p>
+            <a:pPr marL="285750" indent="-285750">
+              <a:buFont typeface="Arial" panose="020B0604020202020204" pitchFamily="34" charset="0"/>
+              <a:buChar char="•"/>
+            </a:pPr>
+            <a:r>
+              <a:rPr lang="en-US" sz="1400" dirty="0"/>
+              <a:t>Proposed a neural pattern diagnosis framework, DIAG-NRE, to diagnose and improve NRE models trained on DS-generated data. </a:t>
+            </a:r>
+          </a:p>
+          <a:p>
+            <a:pPr marL="285750" indent="-285750">
+              <a:buFont typeface="Arial" panose="020B0604020202020204" pitchFamily="34" charset="0"/>
+              <a:buChar char="•"/>
+            </a:pPr>
+            <a:r>
+              <a:rPr lang="en-US" sz="1400" dirty="0"/>
+              <a:t>DIAG-NRE not only eases the hard pattern-writing work of human experts by generating patterns automatically, but also enables the quick generalization to new relation types by only requiring a small number of human annotations. </a:t>
+            </a:r>
+          </a:p>
+          <a:p>
+            <a:pPr marL="285750" indent="-285750">
+              <a:buFont typeface="Arial" panose="020B0604020202020204" pitchFamily="34" charset="0"/>
+              <a:buChar char="•"/>
+            </a:pPr>
+            <a:r>
+              <a:rPr lang="en-US" sz="1400" dirty="0"/>
+              <a:t>Coupled with the WLF model, DIAG-NRE can produce denoised labels to retrain a better NRE model. </a:t>
+            </a:r>
+          </a:p>
+          <a:p>
+            <a:endParaRPr lang="en-US" dirty="0"/>
+          </a:p>
+        </p:txBody>
+      </p:sp>
+      <p:pic>
+        <p:nvPicPr>
+          <p:cNvPr id="7" name="Picture 6">
+            <a:extLst>
+              <a:ext uri="{FF2B5EF4-FFF2-40B4-BE49-F238E27FC236}">
+                <a16:creationId xmlns:a16="http://schemas.microsoft.com/office/drawing/2014/main" id="{BA25FB59-4C4C-E841-ADD7-007AFD1F519A}"/>
+              </a:ext>
+            </a:extLst>
+          </p:cNvPr>
+          <p:cNvPicPr>
+            <a:picLocks noChangeAspect="1"/>
+          </p:cNvPicPr>
+          <p:nvPr/>
+        </p:nvPicPr>
+        <p:blipFill>
+          <a:blip r:embed="rId2"/>
+          <a:stretch>
+            <a:fillRect/>
+          </a:stretch>
+        </p:blipFill>
+        <p:spPr>
+          <a:xfrm>
+            <a:off x="435940" y="1284122"/>
+            <a:ext cx="6938481" cy="3781038"/>
+          </a:xfrm>
+          <a:prstGeom prst="rect">
+            <a:avLst/>
+          </a:prstGeom>
+        </p:spPr>
+      </p:pic>
+      <p:sp>
+        <p:nvSpPr>
+          <p:cNvPr id="8" name="TextBox 7">
+            <a:extLst>
+              <a:ext uri="{FF2B5EF4-FFF2-40B4-BE49-F238E27FC236}">
+                <a16:creationId xmlns:a16="http://schemas.microsoft.com/office/drawing/2014/main" id="{C188F1BB-11A9-0343-BAA8-92D56F122029}"/>
+              </a:ext>
+            </a:extLst>
+          </p:cNvPr>
+          <p:cNvSpPr txBox="1"/>
+          <p:nvPr/>
+        </p:nvSpPr>
+        <p:spPr>
+          <a:xfrm>
+            <a:off x="7625442" y="4549676"/>
+            <a:ext cx="4035727" cy="2308324"/>
+          </a:xfrm>
+          <a:prstGeom prst="rect">
+            <a:avLst/>
+          </a:prstGeom>
+          <a:noFill/>
+        </p:spPr>
+        <p:txBody>
+          <a:bodyPr wrap="square" rtlCol="0">
+            <a:spAutoFit/>
+          </a:bodyPr>
+          <a:lstStyle/>
+          <a:p>
+            <a:r>
+              <a:rPr lang="en-US" sz="1400" dirty="0"/>
+              <a:t>Tasks (three from NYT and two from UW) suffering large labeling noises, most tasks experience a rapid improvement phase with the help of high-quality patterns automatically generated by DIAG-NRE and then enter a saturate phase where adding annotations does not contribute much. This saturation accords with the intuition that high-quality relational patterns are often limited. </a:t>
+            </a:r>
+          </a:p>
+          <a:p>
+            <a:endParaRPr lang="en-US" sz="1400" dirty="0"/>
+          </a:p>
+          <a:p>
+            <a:endParaRPr lang="en-US" dirty="0"/>
+          </a:p>
+        </p:txBody>
+      </p:sp>
+      <p:sp>
+        <p:nvSpPr>
+          <p:cNvPr id="9" name="Title 1">
+            <a:extLst>
+              <a:ext uri="{FF2B5EF4-FFF2-40B4-BE49-F238E27FC236}">
+                <a16:creationId xmlns:a16="http://schemas.microsoft.com/office/drawing/2014/main" id="{040A6F00-4CAF-B448-8175-553E0D9D7415}"/>
+              </a:ext>
+            </a:extLst>
+          </p:cNvPr>
+          <p:cNvSpPr txBox="1">
+            <a:spLocks/>
+          </p:cNvSpPr>
+          <p:nvPr/>
+        </p:nvSpPr>
+        <p:spPr>
+          <a:xfrm>
+            <a:off x="435940" y="205645"/>
+            <a:ext cx="9144000" cy="477837"/>
+          </a:xfrm>
+          <a:prstGeom prst="rect">
+            <a:avLst/>
+          </a:prstGeom>
+        </p:spPr>
+        <p:txBody>
+          <a:bodyPr vert="horz" lIns="91440" tIns="45720" rIns="91440" bIns="45720" rtlCol="0" anchor="ctr">
+            <a:normAutofit/>
+          </a:bodyPr>
+          <a:lstStyle>
+            <a:lvl1pPr algn="l" defTabSz="914400" rtl="0" eaLnBrk="1" latinLnBrk="0" hangingPunct="1">
+              <a:lnSpc>
+                <a:spcPct val="90000"/>
+              </a:lnSpc>
+              <a:spcBef>
+                <a:spcPct val="0"/>
+              </a:spcBef>
+              <a:buNone/>
+              <a:defRPr sz="4400" kern="1200">
+                <a:solidFill>
+                  <a:schemeClr val="tx1"/>
+                </a:solidFill>
+                <a:latin typeface="+mj-lt"/>
+                <a:ea typeface="+mj-ea"/>
+                <a:cs typeface="+mj-cs"/>
+              </a:defRPr>
+            </a:lvl1pPr>
+          </a:lstStyle>
+          <a:p>
+            <a:r>
+              <a:rPr lang="en-US" sz="1600" b="1">
+                <a:latin typeface="+mn-lt"/>
+                <a:ea typeface="+mn-ea"/>
+                <a:cs typeface="+mn-cs"/>
+              </a:rPr>
+              <a:t>DIAG-NRE: A neural pattern diagnosis framework for distantly supervised neural relation extraction</a:t>
+            </a:r>
+            <a:endParaRPr lang="en-US" sz="1600" b="1" dirty="0">
+              <a:latin typeface="+mn-lt"/>
+              <a:ea typeface="+mn-ea"/>
+              <a:cs typeface="+mn-cs"/>
+            </a:endParaRPr>
+          </a:p>
+        </p:txBody>
+      </p:sp>
+    </p:spTree>
+    <p:extLst>
+      <p:ext uri="{BB962C8B-B14F-4D97-AF65-F5344CB8AC3E}">
+        <p14:creationId xmlns:p14="http://schemas.microsoft.com/office/powerpoint/2010/main" val="1821401219"/>
+      </p:ext>
+    </p:extLst>
+  </p:cSld>
+  <p:clrMapOvr>
+    <a:masterClrMapping/>
+  </p:clrMapOvr>
+</p:sld>
+</file>
+
+<file path=ppt/slides/slide16.xml><?xml version="1.0" encoding="utf-8"?>
+<p:sld xmlns:a="http://schemas.openxmlformats.org/drawingml/2006/main" xmlns:r="http://schemas.openxmlformats.org/officeDocument/2006/relationships" xmlns:p="http://schemas.openxmlformats.org/presentationml/2006/main">
+  <p:cSld>
+    <p:spTree>
+      <p:nvGrpSpPr>
+        <p:cNvPr id="1" name=""/>
+        <p:cNvGrpSpPr/>
+        <p:nvPr/>
+      </p:nvGrpSpPr>
+      <p:grpSpPr>
+        <a:xfrm>
+          <a:off x="0" y="0"/>
+          <a:ext cx="0" cy="0"/>
+          <a:chOff x="0" y="0"/>
+          <a:chExt cx="0" cy="0"/>
+        </a:xfrm>
+      </p:grpSpPr>
+      <p:sp>
+        <p:nvSpPr>
           <p:cNvPr id="2" name="Title 1">
             <a:extLst>
               <a:ext uri="{FF2B5EF4-FFF2-40B4-BE49-F238E27FC236}">
@@ -4900,7 +5621,7 @@
                 <a:ea typeface="+mn-ea"/>
                 <a:cs typeface="+mn-cs"/>
               </a:rPr>
-              <a:t>C</a:t>
+              <a:t>RSN: Learning to Exploit Long-term Relational Dependencies in Knowledge Graphs</a:t>
             </a:r>
           </a:p>
         </p:txBody>
@@ -5003,7 +5724,7 @@
         <p:spPr>
           <a:xfrm>
             <a:off x="1208314" y="3429000"/>
-            <a:ext cx="7641772" cy="584775"/>
+            <a:ext cx="7641772" cy="1015663"/>
           </a:xfrm>
           <a:prstGeom prst="rect">
             <a:avLst/>
@@ -5022,7 +5743,18 @@
             </a:r>
           </a:p>
           <a:p>
-            <a:endParaRPr lang="en-US" sz="1400" dirty="0"/>
+            <a:r>
+              <a:rPr lang="en-US" sz="1400" dirty="0"/>
+              <a:t>RSNs integrate recurrent neural networks with residual learning to efficiently capture the long-term relational dependencies of entities within and between </a:t>
+            </a:r>
+            <a:r>
+              <a:rPr lang="en-US" sz="1400" dirty="0" err="1"/>
+              <a:t>KGs.</a:t>
+            </a:r>
+            <a:r>
+              <a:rPr lang="en-US" sz="1400" dirty="0"/>
+              <a:t> We also design an end-to-end framework to support RSNs on two tasks link prediction and entity alignment.</a:t>
+            </a:r>
           </a:p>
         </p:txBody>
       </p:sp>
@@ -5058,11 +5790,18 @@
               <a:rPr lang="en-US" sz="1200" dirty="0"/>
               <a:t>Link: </a:t>
             </a:r>
+            <a:r>
+              <a:rPr lang="en-US" sz="1200" dirty="0">
+                <a:hlinkClick r:id="rId2"/>
+              </a:rPr>
+              <a:t>http://proceedings.mlr.press/v97/guo19c/guo19c.pdf</a:t>
+            </a:r>
+            <a:endParaRPr lang="en-US" sz="1200" dirty="0"/>
           </a:p>
           <a:p>
             <a:r>
               <a:rPr lang="en-US" sz="1200" dirty="0"/>
-              <a:t>Source:  2019</a:t>
+              <a:t>Source: ICML 2019</a:t>
             </a:r>
           </a:p>
         </p:txBody>
@@ -5070,7 +5809,777 @@
     </p:spTree>
     <p:extLst>
       <p:ext uri="{BB962C8B-B14F-4D97-AF65-F5344CB8AC3E}">
-        <p14:creationId xmlns:p14="http://schemas.microsoft.com/office/powerpoint/2010/main" val="2347703305"/>
+        <p14:creationId xmlns:p14="http://schemas.microsoft.com/office/powerpoint/2010/main" val="2182123352"/>
+      </p:ext>
+    </p:extLst>
+  </p:cSld>
+  <p:clrMapOvr>
+    <a:masterClrMapping/>
+  </p:clrMapOvr>
+</p:sld>
+</file>
+
+<file path=ppt/slides/slide17.xml><?xml version="1.0" encoding="utf-8"?>
+<p:sld xmlns:a="http://schemas.openxmlformats.org/drawingml/2006/main" xmlns:r="http://schemas.openxmlformats.org/officeDocument/2006/relationships" xmlns:p="http://schemas.openxmlformats.org/presentationml/2006/main">
+  <p:cSld>
+    <p:spTree>
+      <p:nvGrpSpPr>
+        <p:cNvPr id="1" name=""/>
+        <p:cNvGrpSpPr/>
+        <p:nvPr/>
+      </p:nvGrpSpPr>
+      <p:grpSpPr>
+        <a:xfrm>
+          <a:off x="0" y="0"/>
+          <a:ext cx="0" cy="0"/>
+          <a:chOff x="0" y="0"/>
+          <a:chExt cx="0" cy="0"/>
+        </a:xfrm>
+      </p:grpSpPr>
+      <p:sp>
+        <p:nvSpPr>
+          <p:cNvPr id="2" name="Title 1">
+            <a:extLst>
+              <a:ext uri="{FF2B5EF4-FFF2-40B4-BE49-F238E27FC236}">
+                <a16:creationId xmlns:a16="http://schemas.microsoft.com/office/drawing/2014/main" id="{D7317AF7-C0C1-B64C-80AB-E4D5190FBCD8}"/>
+              </a:ext>
+            </a:extLst>
+          </p:cNvPr>
+          <p:cNvSpPr>
+            <a:spLocks noGrp="1"/>
+          </p:cNvSpPr>
+          <p:nvPr>
+            <p:ph type="ctrTitle"/>
+          </p:nvPr>
+        </p:nvSpPr>
+        <p:spPr>
+          <a:xfrm>
+            <a:off x="1208314" y="930729"/>
+            <a:ext cx="9144000" cy="477837"/>
+          </a:xfrm>
+        </p:spPr>
+        <p:txBody>
+          <a:bodyPr>
+            <a:normAutofit fontScale="90000"/>
+          </a:bodyPr>
+          <a:lstStyle/>
+          <a:p>
+            <a:pPr algn="l"/>
+            <a:r>
+              <a:rPr lang="en-US" sz="1600" b="1" dirty="0" err="1">
+                <a:latin typeface="+mn-lt"/>
+                <a:ea typeface="+mn-ea"/>
+                <a:cs typeface="+mn-cs"/>
+              </a:rPr>
+              <a:t>CapsE:A</a:t>
+            </a:r>
+            <a:r>
+              <a:rPr lang="en-US" sz="1600" b="1" dirty="0">
+                <a:latin typeface="+mn-lt"/>
+                <a:ea typeface="+mn-ea"/>
+                <a:cs typeface="+mn-cs"/>
+              </a:rPr>
+              <a:t> Capsule Network-based Embedding Model for Knowledge Graph Completion and Search Personalization.</a:t>
+            </a:r>
+          </a:p>
+        </p:txBody>
+      </p:sp>
+      <p:sp>
+        <p:nvSpPr>
+          <p:cNvPr id="3" name="Subtitle 2">
+            <a:extLst>
+              <a:ext uri="{FF2B5EF4-FFF2-40B4-BE49-F238E27FC236}">
+                <a16:creationId xmlns:a16="http://schemas.microsoft.com/office/drawing/2014/main" id="{0A64B25C-1E83-D14F-82EC-CC2D9EFA4F64}"/>
+              </a:ext>
+            </a:extLst>
+          </p:cNvPr>
+          <p:cNvSpPr>
+            <a:spLocks noGrp="1"/>
+          </p:cNvSpPr>
+          <p:nvPr>
+            <p:ph type="subTitle" idx="1"/>
+          </p:nvPr>
+        </p:nvSpPr>
+        <p:spPr>
+          <a:xfrm>
+            <a:off x="1208314" y="2060497"/>
+            <a:ext cx="9144000" cy="926419"/>
+          </a:xfrm>
+        </p:spPr>
+        <p:txBody>
+          <a:bodyPr>
+            <a:normAutofit/>
+          </a:bodyPr>
+          <a:lstStyle/>
+          <a:p>
+            <a:pPr algn="l"/>
+            <a:r>
+              <a:rPr lang="en-US" sz="1800" dirty="0"/>
+              <a:t>Limitation of Existing Work:</a:t>
+            </a:r>
+          </a:p>
+          <a:p>
+            <a:pPr algn="l"/>
+            <a:endParaRPr lang="en-US" sz="1400" dirty="0"/>
+          </a:p>
+          <a:p>
+            <a:pPr algn="l"/>
+            <a:endParaRPr lang="en-US" sz="1600" dirty="0"/>
+          </a:p>
+        </p:txBody>
+      </p:sp>
+      <p:sp>
+        <p:nvSpPr>
+          <p:cNvPr id="4" name="TextBox 3">
+            <a:extLst>
+              <a:ext uri="{FF2B5EF4-FFF2-40B4-BE49-F238E27FC236}">
+                <a16:creationId xmlns:a16="http://schemas.microsoft.com/office/drawing/2014/main" id="{41ED2B90-6835-0C4B-B85A-2512916878C1}"/>
+              </a:ext>
+            </a:extLst>
+          </p:cNvPr>
+          <p:cNvSpPr txBox="1"/>
+          <p:nvPr/>
+        </p:nvSpPr>
+        <p:spPr>
+          <a:xfrm>
+            <a:off x="408214" y="303235"/>
+            <a:ext cx="1600200" cy="369332"/>
+          </a:xfrm>
+          <a:prstGeom prst="rect">
+            <a:avLst/>
+          </a:prstGeom>
+          <a:noFill/>
+        </p:spPr>
+        <p:txBody>
+          <a:bodyPr wrap="square" rtlCol="0">
+            <a:spAutoFit/>
+          </a:bodyPr>
+          <a:lstStyle/>
+          <a:p>
+            <a:r>
+              <a:rPr lang="en-US" dirty="0">
+                <a:solidFill>
+                  <a:srgbClr val="C00000"/>
+                </a:solidFill>
+              </a:rPr>
+              <a:t>Embedding</a:t>
+            </a:r>
+          </a:p>
+        </p:txBody>
+      </p:sp>
+      <p:sp>
+        <p:nvSpPr>
+          <p:cNvPr id="5" name="TextBox 4">
+            <a:extLst>
+              <a:ext uri="{FF2B5EF4-FFF2-40B4-BE49-F238E27FC236}">
+                <a16:creationId xmlns:a16="http://schemas.microsoft.com/office/drawing/2014/main" id="{AFB09293-029A-E64B-B817-64C522758E60}"/>
+              </a:ext>
+            </a:extLst>
+          </p:cNvPr>
+          <p:cNvSpPr txBox="1"/>
+          <p:nvPr/>
+        </p:nvSpPr>
+        <p:spPr>
+          <a:xfrm>
+            <a:off x="1208314" y="3429000"/>
+            <a:ext cx="7641772" cy="1015663"/>
+          </a:xfrm>
+          <a:prstGeom prst="rect">
+            <a:avLst/>
+          </a:prstGeom>
+          <a:noFill/>
+        </p:spPr>
+        <p:txBody>
+          <a:bodyPr wrap="square" rtlCol="0">
+            <a:spAutoFit/>
+          </a:bodyPr>
+          <a:lstStyle/>
+          <a:p>
+            <a:r>
+              <a:rPr lang="en-US" dirty="0"/>
+              <a:t>Key idea of Approach:</a:t>
+            </a:r>
+          </a:p>
+          <a:p>
+            <a:r>
+              <a:rPr lang="en-US" sz="1400" dirty="0" err="1"/>
+              <a:t>CapsE</a:t>
+            </a:r>
+            <a:r>
+              <a:rPr lang="en-US" sz="1400" dirty="0"/>
+              <a:t> employs capsule network to model the entries in the triple at the same dimension. The high-level hypothesis is that each capsule accounts for capture variants of a relation-specific attribute of the entities. The length of the final vector serves as the plausibility score of the triple.</a:t>
+            </a:r>
+          </a:p>
+        </p:txBody>
+      </p:sp>
+      <p:sp>
+        <p:nvSpPr>
+          <p:cNvPr id="6" name="TextBox 5">
+            <a:extLst>
+              <a:ext uri="{FF2B5EF4-FFF2-40B4-BE49-F238E27FC236}">
+                <a16:creationId xmlns:a16="http://schemas.microsoft.com/office/drawing/2014/main" id="{0D9FCB9E-2E46-9849-8B1B-EC2C1B783C97}"/>
+              </a:ext>
+            </a:extLst>
+          </p:cNvPr>
+          <p:cNvSpPr txBox="1"/>
+          <p:nvPr/>
+        </p:nvSpPr>
+        <p:spPr>
+          <a:xfrm>
+            <a:off x="1208314" y="5867399"/>
+            <a:ext cx="6901543" cy="461665"/>
+          </a:xfrm>
+          <a:prstGeom prst="rect">
+            <a:avLst/>
+          </a:prstGeom>
+          <a:noFill/>
+        </p:spPr>
+        <p:txBody>
+          <a:bodyPr wrap="square" rtlCol="0">
+            <a:spAutoFit/>
+          </a:bodyPr>
+          <a:lstStyle/>
+          <a:p>
+            <a:r>
+              <a:rPr lang="en-US" sz="1200" dirty="0"/>
+              <a:t>Link: </a:t>
+            </a:r>
+            <a:r>
+              <a:rPr lang="en-US" sz="1200" dirty="0">
+                <a:hlinkClick r:id="rId2"/>
+              </a:rPr>
+              <a:t>https://www.aclweb.org/anthology/N19-1226</a:t>
+            </a:r>
+            <a:endParaRPr lang="en-US" sz="1200" dirty="0"/>
+          </a:p>
+          <a:p>
+            <a:r>
+              <a:rPr lang="en-US" sz="1200" dirty="0"/>
+              <a:t>Source: NAACL-HIT 2019</a:t>
+            </a:r>
+          </a:p>
+        </p:txBody>
+      </p:sp>
+    </p:spTree>
+    <p:extLst>
+      <p:ext uri="{BB962C8B-B14F-4D97-AF65-F5344CB8AC3E}">
+        <p14:creationId xmlns:p14="http://schemas.microsoft.com/office/powerpoint/2010/main" val="4267291452"/>
+      </p:ext>
+    </p:extLst>
+  </p:cSld>
+  <p:clrMapOvr>
+    <a:masterClrMapping/>
+  </p:clrMapOvr>
+</p:sld>
+</file>
+
+<file path=ppt/slides/slide18.xml><?xml version="1.0" encoding="utf-8"?>
+<p:sld xmlns:a="http://schemas.openxmlformats.org/drawingml/2006/main" xmlns:r="http://schemas.openxmlformats.org/officeDocument/2006/relationships" xmlns:p="http://schemas.openxmlformats.org/presentationml/2006/main">
+  <p:cSld>
+    <p:spTree>
+      <p:nvGrpSpPr>
+        <p:cNvPr id="1" name=""/>
+        <p:cNvGrpSpPr/>
+        <p:nvPr/>
+      </p:nvGrpSpPr>
+      <p:grpSpPr>
+        <a:xfrm>
+          <a:off x="0" y="0"/>
+          <a:ext cx="0" cy="0"/>
+          <a:chOff x="0" y="0"/>
+          <a:chExt cx="0" cy="0"/>
+        </a:xfrm>
+      </p:grpSpPr>
+      <p:sp>
+        <p:nvSpPr>
+          <p:cNvPr id="2" name="Title 1">
+            <a:extLst>
+              <a:ext uri="{FF2B5EF4-FFF2-40B4-BE49-F238E27FC236}">
+                <a16:creationId xmlns:a16="http://schemas.microsoft.com/office/drawing/2014/main" id="{D7317AF7-C0C1-B64C-80AB-E4D5190FBCD8}"/>
+              </a:ext>
+            </a:extLst>
+          </p:cNvPr>
+          <p:cNvSpPr>
+            <a:spLocks noGrp="1"/>
+          </p:cNvSpPr>
+          <p:nvPr>
+            <p:ph type="ctrTitle"/>
+          </p:nvPr>
+        </p:nvSpPr>
+        <p:spPr>
+          <a:xfrm>
+            <a:off x="1208314" y="930729"/>
+            <a:ext cx="9144000" cy="477837"/>
+          </a:xfrm>
+        </p:spPr>
+        <p:txBody>
+          <a:bodyPr>
+            <a:normAutofit/>
+          </a:bodyPr>
+          <a:lstStyle/>
+          <a:p>
+            <a:pPr algn="l"/>
+            <a:r>
+              <a:rPr lang="en-US" sz="1600" b="1" dirty="0" err="1">
+                <a:latin typeface="+mn-lt"/>
+                <a:ea typeface="+mn-ea"/>
+                <a:cs typeface="+mn-cs"/>
+              </a:rPr>
+              <a:t>CaRe</a:t>
+            </a:r>
+            <a:r>
+              <a:rPr lang="en-US" sz="1600" b="1" dirty="0">
+                <a:latin typeface="+mn-lt"/>
+                <a:ea typeface="+mn-ea"/>
+                <a:cs typeface="+mn-cs"/>
+              </a:rPr>
+              <a:t>: Open Knowledge Graph Embeddings</a:t>
+            </a:r>
+          </a:p>
+        </p:txBody>
+      </p:sp>
+      <p:sp>
+        <p:nvSpPr>
+          <p:cNvPr id="3" name="Subtitle 2">
+            <a:extLst>
+              <a:ext uri="{FF2B5EF4-FFF2-40B4-BE49-F238E27FC236}">
+                <a16:creationId xmlns:a16="http://schemas.microsoft.com/office/drawing/2014/main" id="{0A64B25C-1E83-D14F-82EC-CC2D9EFA4F64}"/>
+              </a:ext>
+            </a:extLst>
+          </p:cNvPr>
+          <p:cNvSpPr>
+            <a:spLocks noGrp="1"/>
+          </p:cNvSpPr>
+          <p:nvPr>
+            <p:ph type="subTitle" idx="1"/>
+          </p:nvPr>
+        </p:nvSpPr>
+        <p:spPr>
+          <a:xfrm>
+            <a:off x="1208314" y="2060497"/>
+            <a:ext cx="9144000" cy="926419"/>
+          </a:xfrm>
+        </p:spPr>
+        <p:txBody>
+          <a:bodyPr>
+            <a:normAutofit/>
+          </a:bodyPr>
+          <a:lstStyle/>
+          <a:p>
+            <a:pPr algn="l"/>
+            <a:r>
+              <a:rPr lang="en-US" sz="1800" dirty="0"/>
+              <a:t>Limitation of Existing Work:</a:t>
+            </a:r>
+          </a:p>
+          <a:p>
+            <a:pPr algn="l"/>
+            <a:endParaRPr lang="en-US" sz="1400" dirty="0"/>
+          </a:p>
+          <a:p>
+            <a:pPr algn="l"/>
+            <a:endParaRPr lang="en-US" sz="1600" dirty="0"/>
+          </a:p>
+        </p:txBody>
+      </p:sp>
+      <p:sp>
+        <p:nvSpPr>
+          <p:cNvPr id="4" name="TextBox 3">
+            <a:extLst>
+              <a:ext uri="{FF2B5EF4-FFF2-40B4-BE49-F238E27FC236}">
+                <a16:creationId xmlns:a16="http://schemas.microsoft.com/office/drawing/2014/main" id="{41ED2B90-6835-0C4B-B85A-2512916878C1}"/>
+              </a:ext>
+            </a:extLst>
+          </p:cNvPr>
+          <p:cNvSpPr txBox="1"/>
+          <p:nvPr/>
+        </p:nvSpPr>
+        <p:spPr>
+          <a:xfrm>
+            <a:off x="408214" y="303235"/>
+            <a:ext cx="1600200" cy="369332"/>
+          </a:xfrm>
+          <a:prstGeom prst="rect">
+            <a:avLst/>
+          </a:prstGeom>
+          <a:noFill/>
+        </p:spPr>
+        <p:txBody>
+          <a:bodyPr wrap="square" rtlCol="0">
+            <a:spAutoFit/>
+          </a:bodyPr>
+          <a:lstStyle/>
+          <a:p>
+            <a:r>
+              <a:rPr lang="en-US" dirty="0">
+                <a:solidFill>
+                  <a:srgbClr val="C00000"/>
+                </a:solidFill>
+              </a:rPr>
+              <a:t>Embedding</a:t>
+            </a:r>
+          </a:p>
+        </p:txBody>
+      </p:sp>
+      <p:sp>
+        <p:nvSpPr>
+          <p:cNvPr id="5" name="TextBox 4">
+            <a:extLst>
+              <a:ext uri="{FF2B5EF4-FFF2-40B4-BE49-F238E27FC236}">
+                <a16:creationId xmlns:a16="http://schemas.microsoft.com/office/drawing/2014/main" id="{AFB09293-029A-E64B-B817-64C522758E60}"/>
+              </a:ext>
+            </a:extLst>
+          </p:cNvPr>
+          <p:cNvSpPr txBox="1"/>
+          <p:nvPr/>
+        </p:nvSpPr>
+        <p:spPr>
+          <a:xfrm>
+            <a:off x="1208314" y="3429000"/>
+            <a:ext cx="7641772" cy="1015663"/>
+          </a:xfrm>
+          <a:prstGeom prst="rect">
+            <a:avLst/>
+          </a:prstGeom>
+          <a:noFill/>
+        </p:spPr>
+        <p:txBody>
+          <a:bodyPr wrap="square" rtlCol="0">
+            <a:spAutoFit/>
+          </a:bodyPr>
+          <a:lstStyle/>
+          <a:p>
+            <a:r>
+              <a:rPr lang="en-US" dirty="0"/>
+              <a:t>Key idea of Approach:</a:t>
+            </a:r>
+          </a:p>
+          <a:p>
+            <a:r>
+              <a:rPr lang="en-US" sz="1400" dirty="0" err="1"/>
+              <a:t>CaRe</a:t>
+            </a:r>
+            <a:r>
+              <a:rPr lang="en-US" sz="1400" dirty="0"/>
+              <a:t> focuses on canonicalization of </a:t>
+            </a:r>
+            <a:r>
+              <a:rPr lang="en-US" sz="1400" dirty="0" err="1"/>
+              <a:t>OpenKGs</a:t>
+            </a:r>
+            <a:r>
+              <a:rPr lang="en-US" sz="1400" dirty="0"/>
+              <a:t>. The model infuses canonicalization in-formation combined with the neighborhood graph structure to learn rich representations of NPs. And it captures the semantic similarity of RPs.</a:t>
+            </a:r>
+          </a:p>
+        </p:txBody>
+      </p:sp>
+      <p:sp>
+        <p:nvSpPr>
+          <p:cNvPr id="6" name="TextBox 5">
+            <a:extLst>
+              <a:ext uri="{FF2B5EF4-FFF2-40B4-BE49-F238E27FC236}">
+                <a16:creationId xmlns:a16="http://schemas.microsoft.com/office/drawing/2014/main" id="{0D9FCB9E-2E46-9849-8B1B-EC2C1B783C97}"/>
+              </a:ext>
+            </a:extLst>
+          </p:cNvPr>
+          <p:cNvSpPr txBox="1"/>
+          <p:nvPr/>
+        </p:nvSpPr>
+        <p:spPr>
+          <a:xfrm>
+            <a:off x="1208314" y="5867399"/>
+            <a:ext cx="6901543" cy="461665"/>
+          </a:xfrm>
+          <a:prstGeom prst="rect">
+            <a:avLst/>
+          </a:prstGeom>
+          <a:noFill/>
+        </p:spPr>
+        <p:txBody>
+          <a:bodyPr wrap="square" rtlCol="0">
+            <a:spAutoFit/>
+          </a:bodyPr>
+          <a:lstStyle/>
+          <a:p>
+            <a:r>
+              <a:rPr lang="en-US" sz="1200" dirty="0"/>
+              <a:t>Link: </a:t>
+            </a:r>
+            <a:r>
+              <a:rPr lang="en-US" sz="1200" dirty="0">
+                <a:hlinkClick r:id="rId2"/>
+              </a:rPr>
+              <a:t>http://talukdar.net/papers/CaRe_EMNLP2019.pdf</a:t>
+            </a:r>
+            <a:endParaRPr lang="en-US" sz="1200" dirty="0"/>
+          </a:p>
+          <a:p>
+            <a:r>
+              <a:rPr lang="en-US" sz="1200" dirty="0"/>
+              <a:t>Source: EMNLP-IJCNLP 2019</a:t>
+            </a:r>
+          </a:p>
+        </p:txBody>
+      </p:sp>
+    </p:spTree>
+    <p:extLst>
+      <p:ext uri="{BB962C8B-B14F-4D97-AF65-F5344CB8AC3E}">
+        <p14:creationId xmlns:p14="http://schemas.microsoft.com/office/powerpoint/2010/main" val="1317585240"/>
+      </p:ext>
+    </p:extLst>
+  </p:cSld>
+  <p:clrMapOvr>
+    <a:masterClrMapping/>
+  </p:clrMapOvr>
+</p:sld>
+</file>
+
+<file path=ppt/slides/slide19.xml><?xml version="1.0" encoding="utf-8"?>
+<p:sld xmlns:a="http://schemas.openxmlformats.org/drawingml/2006/main" xmlns:r="http://schemas.openxmlformats.org/officeDocument/2006/relationships" xmlns:p="http://schemas.openxmlformats.org/presentationml/2006/main">
+  <p:cSld>
+    <p:spTree>
+      <p:nvGrpSpPr>
+        <p:cNvPr id="1" name=""/>
+        <p:cNvGrpSpPr/>
+        <p:nvPr/>
+      </p:nvGrpSpPr>
+      <p:grpSpPr>
+        <a:xfrm>
+          <a:off x="0" y="0"/>
+          <a:ext cx="0" cy="0"/>
+          <a:chOff x="0" y="0"/>
+          <a:chExt cx="0" cy="0"/>
+        </a:xfrm>
+      </p:grpSpPr>
+      <p:sp>
+        <p:nvSpPr>
+          <p:cNvPr id="2" name="Title 1">
+            <a:extLst>
+              <a:ext uri="{FF2B5EF4-FFF2-40B4-BE49-F238E27FC236}">
+                <a16:creationId xmlns:a16="http://schemas.microsoft.com/office/drawing/2014/main" id="{D7317AF7-C0C1-B64C-80AB-E4D5190FBCD8}"/>
+              </a:ext>
+            </a:extLst>
+          </p:cNvPr>
+          <p:cNvSpPr>
+            <a:spLocks noGrp="1"/>
+          </p:cNvSpPr>
+          <p:nvPr>
+            <p:ph type="ctrTitle"/>
+          </p:nvPr>
+        </p:nvSpPr>
+        <p:spPr>
+          <a:xfrm>
+            <a:off x="1208314" y="930729"/>
+            <a:ext cx="9144000" cy="477837"/>
+          </a:xfrm>
+        </p:spPr>
+        <p:txBody>
+          <a:bodyPr>
+            <a:normAutofit/>
+          </a:bodyPr>
+          <a:lstStyle/>
+          <a:p>
+            <a:pPr algn="l"/>
+            <a:r>
+              <a:rPr lang="en-US" sz="1600" b="1" dirty="0" err="1">
+                <a:latin typeface="+mn-lt"/>
+                <a:ea typeface="+mn-ea"/>
+                <a:cs typeface="+mn-cs"/>
+              </a:rPr>
+              <a:t>CrossE</a:t>
+            </a:r>
+            <a:r>
+              <a:rPr lang="en-US" sz="1600" b="1" dirty="0">
+                <a:latin typeface="+mn-lt"/>
+                <a:ea typeface="+mn-ea"/>
+                <a:cs typeface="+mn-cs"/>
+              </a:rPr>
+              <a:t>: Interaction Embeddings for Prediction and Explanation in Knowledge Graphs</a:t>
+            </a:r>
+          </a:p>
+        </p:txBody>
+      </p:sp>
+      <p:sp>
+        <p:nvSpPr>
+          <p:cNvPr id="3" name="Subtitle 2">
+            <a:extLst>
+              <a:ext uri="{FF2B5EF4-FFF2-40B4-BE49-F238E27FC236}">
+                <a16:creationId xmlns:a16="http://schemas.microsoft.com/office/drawing/2014/main" id="{0A64B25C-1E83-D14F-82EC-CC2D9EFA4F64}"/>
+              </a:ext>
+            </a:extLst>
+          </p:cNvPr>
+          <p:cNvSpPr>
+            <a:spLocks noGrp="1"/>
+          </p:cNvSpPr>
+          <p:nvPr>
+            <p:ph type="subTitle" idx="1"/>
+          </p:nvPr>
+        </p:nvSpPr>
+        <p:spPr>
+          <a:xfrm>
+            <a:off x="1208314" y="2060497"/>
+            <a:ext cx="9144000" cy="926419"/>
+          </a:xfrm>
+        </p:spPr>
+        <p:txBody>
+          <a:bodyPr>
+            <a:normAutofit/>
+          </a:bodyPr>
+          <a:lstStyle/>
+          <a:p>
+            <a:pPr algn="l"/>
+            <a:r>
+              <a:rPr lang="en-US" sz="1800" dirty="0"/>
+              <a:t>Limitation of Existing Work:</a:t>
+            </a:r>
+          </a:p>
+          <a:p>
+            <a:pPr algn="l"/>
+            <a:endParaRPr lang="en-US" sz="1400" dirty="0"/>
+          </a:p>
+          <a:p>
+            <a:pPr algn="l"/>
+            <a:endParaRPr lang="en-US" sz="1600" dirty="0"/>
+          </a:p>
+        </p:txBody>
+      </p:sp>
+      <p:sp>
+        <p:nvSpPr>
+          <p:cNvPr id="4" name="TextBox 3">
+            <a:extLst>
+              <a:ext uri="{FF2B5EF4-FFF2-40B4-BE49-F238E27FC236}">
+                <a16:creationId xmlns:a16="http://schemas.microsoft.com/office/drawing/2014/main" id="{41ED2B90-6835-0C4B-B85A-2512916878C1}"/>
+              </a:ext>
+            </a:extLst>
+          </p:cNvPr>
+          <p:cNvSpPr txBox="1"/>
+          <p:nvPr/>
+        </p:nvSpPr>
+        <p:spPr>
+          <a:xfrm>
+            <a:off x="408214" y="303235"/>
+            <a:ext cx="1600200" cy="369332"/>
+          </a:xfrm>
+          <a:prstGeom prst="rect">
+            <a:avLst/>
+          </a:prstGeom>
+          <a:noFill/>
+        </p:spPr>
+        <p:txBody>
+          <a:bodyPr wrap="square" rtlCol="0">
+            <a:spAutoFit/>
+          </a:bodyPr>
+          <a:lstStyle/>
+          <a:p>
+            <a:r>
+              <a:rPr lang="en-US" dirty="0">
+                <a:solidFill>
+                  <a:srgbClr val="C00000"/>
+                </a:solidFill>
+              </a:rPr>
+              <a:t>Embedding</a:t>
+            </a:r>
+          </a:p>
+        </p:txBody>
+      </p:sp>
+      <p:sp>
+        <p:nvSpPr>
+          <p:cNvPr id="5" name="TextBox 4">
+            <a:extLst>
+              <a:ext uri="{FF2B5EF4-FFF2-40B4-BE49-F238E27FC236}">
+                <a16:creationId xmlns:a16="http://schemas.microsoft.com/office/drawing/2014/main" id="{AFB09293-029A-E64B-B817-64C522758E60}"/>
+              </a:ext>
+            </a:extLst>
+          </p:cNvPr>
+          <p:cNvSpPr txBox="1"/>
+          <p:nvPr/>
+        </p:nvSpPr>
+        <p:spPr>
+          <a:xfrm>
+            <a:off x="1208314" y="3429000"/>
+            <a:ext cx="7641772" cy="1015663"/>
+          </a:xfrm>
+          <a:prstGeom prst="rect">
+            <a:avLst/>
+          </a:prstGeom>
+          <a:noFill/>
+        </p:spPr>
+        <p:txBody>
+          <a:bodyPr wrap="square" rtlCol="0">
+            <a:spAutoFit/>
+          </a:bodyPr>
+          <a:lstStyle/>
+          <a:p>
+            <a:r>
+              <a:rPr lang="en-US" dirty="0"/>
+              <a:t>Key idea of Approach:</a:t>
+            </a:r>
+          </a:p>
+          <a:p>
+            <a:r>
+              <a:rPr lang="en-US" sz="1400" dirty="0" err="1"/>
+              <a:t>CrossE</a:t>
+            </a:r>
+            <a:r>
+              <a:rPr lang="en-US" sz="1400" dirty="0"/>
+              <a:t>, a novel knowledge graph embedding which explicitly simulates crossover interactions. It not only learns one general embedding for each entity and relation as most previous methods do, but also generates multiple triple specific embeddings for both of them, named interaction embeddings.</a:t>
+            </a:r>
+          </a:p>
+        </p:txBody>
+      </p:sp>
+      <p:sp>
+        <p:nvSpPr>
+          <p:cNvPr id="6" name="TextBox 5">
+            <a:extLst>
+              <a:ext uri="{FF2B5EF4-FFF2-40B4-BE49-F238E27FC236}">
+                <a16:creationId xmlns:a16="http://schemas.microsoft.com/office/drawing/2014/main" id="{0D9FCB9E-2E46-9849-8B1B-EC2C1B783C97}"/>
+              </a:ext>
+            </a:extLst>
+          </p:cNvPr>
+          <p:cNvSpPr txBox="1"/>
+          <p:nvPr/>
+        </p:nvSpPr>
+        <p:spPr>
+          <a:xfrm>
+            <a:off x="1208314" y="5867399"/>
+            <a:ext cx="6901543" cy="461665"/>
+          </a:xfrm>
+          <a:prstGeom prst="rect">
+            <a:avLst/>
+          </a:prstGeom>
+          <a:noFill/>
+        </p:spPr>
+        <p:txBody>
+          <a:bodyPr wrap="square" rtlCol="0">
+            <a:spAutoFit/>
+          </a:bodyPr>
+          <a:lstStyle/>
+          <a:p>
+            <a:r>
+              <a:rPr lang="en-US" sz="1200" dirty="0"/>
+              <a:t>Link: </a:t>
+            </a:r>
+            <a:r>
+              <a:rPr lang="en-US" sz="1200" dirty="0">
+                <a:hlinkClick r:id="rId2"/>
+              </a:rPr>
+              <a:t>https://arxiv.org/pdf/1903.04750.pdf</a:t>
+            </a:r>
+            <a:endParaRPr lang="en-US" sz="1200" dirty="0"/>
+          </a:p>
+          <a:p>
+            <a:r>
+              <a:rPr lang="en-US" sz="1200" dirty="0"/>
+              <a:t>Source: EMNLP-IJCNLP 2019</a:t>
+            </a:r>
+          </a:p>
+        </p:txBody>
+      </p:sp>
+    </p:spTree>
+    <p:extLst>
+      <p:ext uri="{BB962C8B-B14F-4D97-AF65-F5344CB8AC3E}">
+        <p14:creationId xmlns:p14="http://schemas.microsoft.com/office/powerpoint/2010/main" val="2977436787"/>
       </p:ext>
     </p:extLst>
   </p:cSld>
@@ -5111,7 +6620,7 @@
         </p:nvSpPr>
         <p:spPr>
           <a:xfrm>
-            <a:off x="442527" y="776291"/>
+            <a:off x="344557" y="1110248"/>
             <a:ext cx="3831771" cy="369332"/>
           </a:xfrm>
           <a:prstGeom prst="rect">
@@ -5365,10 +6874,1151 @@
           </a:prstGeom>
         </p:spPr>
       </p:pic>
+      <p:sp>
+        <p:nvSpPr>
+          <p:cNvPr id="10" name="Title 1">
+            <a:extLst>
+              <a:ext uri="{FF2B5EF4-FFF2-40B4-BE49-F238E27FC236}">
+                <a16:creationId xmlns:a16="http://schemas.microsoft.com/office/drawing/2014/main" id="{1D90F14A-F381-8243-A5DE-D6C095172656}"/>
+              </a:ext>
+            </a:extLst>
+          </p:cNvPr>
+          <p:cNvSpPr txBox="1">
+            <a:spLocks/>
+          </p:cNvSpPr>
+          <p:nvPr/>
+        </p:nvSpPr>
+        <p:spPr>
+          <a:xfrm>
+            <a:off x="344557" y="417259"/>
+            <a:ext cx="9144000" cy="477837"/>
+          </a:xfrm>
+          <a:prstGeom prst="rect">
+            <a:avLst/>
+          </a:prstGeom>
+        </p:spPr>
+        <p:txBody>
+          <a:bodyPr vert="horz" lIns="91440" tIns="45720" rIns="91440" bIns="45720" rtlCol="0" anchor="ctr">
+            <a:normAutofit/>
+          </a:bodyPr>
+          <a:lstStyle>
+            <a:lvl1pPr algn="l" defTabSz="914400" rtl="0" eaLnBrk="1" latinLnBrk="0" hangingPunct="1">
+              <a:lnSpc>
+                <a:spcPct val="90000"/>
+              </a:lnSpc>
+              <a:spcBef>
+                <a:spcPct val="0"/>
+              </a:spcBef>
+              <a:buNone/>
+              <a:defRPr sz="4400" kern="1200">
+                <a:solidFill>
+                  <a:schemeClr val="tx1"/>
+                </a:solidFill>
+                <a:latin typeface="+mj-lt"/>
+                <a:ea typeface="+mj-ea"/>
+                <a:cs typeface="+mj-cs"/>
+              </a:defRPr>
+            </a:lvl1pPr>
+          </a:lstStyle>
+          <a:p>
+            <a:r>
+              <a:rPr lang="en-US" sz="1600" b="1">
+                <a:latin typeface="+mn-lt"/>
+                <a:ea typeface="+mn-ea"/>
+                <a:cs typeface="+mn-cs"/>
+              </a:rPr>
+              <a:t>Learning Attention-based Embeddings for Relation Prediction in Knowledge Graphs</a:t>
+            </a:r>
+            <a:endParaRPr lang="en-US" sz="1600" b="1" dirty="0">
+              <a:latin typeface="+mn-lt"/>
+              <a:ea typeface="+mn-ea"/>
+              <a:cs typeface="+mn-cs"/>
+            </a:endParaRPr>
+          </a:p>
+        </p:txBody>
+      </p:sp>
     </p:spTree>
     <p:extLst>
       <p:ext uri="{BB962C8B-B14F-4D97-AF65-F5344CB8AC3E}">
         <p14:creationId xmlns:p14="http://schemas.microsoft.com/office/powerpoint/2010/main" val="4110002642"/>
+      </p:ext>
+    </p:extLst>
+  </p:cSld>
+  <p:clrMapOvr>
+    <a:masterClrMapping/>
+  </p:clrMapOvr>
+</p:sld>
+</file>
+
+<file path=ppt/slides/slide20.xml><?xml version="1.0" encoding="utf-8"?>
+<p:sld xmlns:a="http://schemas.openxmlformats.org/drawingml/2006/main" xmlns:r="http://schemas.openxmlformats.org/officeDocument/2006/relationships" xmlns:p="http://schemas.openxmlformats.org/presentationml/2006/main">
+  <p:cSld>
+    <p:spTree>
+      <p:nvGrpSpPr>
+        <p:cNvPr id="1" name=""/>
+        <p:cNvGrpSpPr/>
+        <p:nvPr/>
+      </p:nvGrpSpPr>
+      <p:grpSpPr>
+        <a:xfrm>
+          <a:off x="0" y="0"/>
+          <a:ext cx="0" cy="0"/>
+          <a:chOff x="0" y="0"/>
+          <a:chExt cx="0" cy="0"/>
+        </a:xfrm>
+      </p:grpSpPr>
+      <p:sp>
+        <p:nvSpPr>
+          <p:cNvPr id="2" name="Title 1">
+            <a:extLst>
+              <a:ext uri="{FF2B5EF4-FFF2-40B4-BE49-F238E27FC236}">
+                <a16:creationId xmlns:a16="http://schemas.microsoft.com/office/drawing/2014/main" id="{D7317AF7-C0C1-B64C-80AB-E4D5190FBCD8}"/>
+              </a:ext>
+            </a:extLst>
+          </p:cNvPr>
+          <p:cNvSpPr>
+            <a:spLocks noGrp="1"/>
+          </p:cNvSpPr>
+          <p:nvPr>
+            <p:ph type="ctrTitle"/>
+          </p:nvPr>
+        </p:nvSpPr>
+        <p:spPr>
+          <a:xfrm>
+            <a:off x="1208314" y="930729"/>
+            <a:ext cx="9144000" cy="477837"/>
+          </a:xfrm>
+        </p:spPr>
+        <p:txBody>
+          <a:bodyPr>
+            <a:normAutofit/>
+          </a:bodyPr>
+          <a:lstStyle/>
+          <a:p>
+            <a:pPr algn="l"/>
+            <a:r>
+              <a:rPr lang="en-US" sz="1600" b="1" dirty="0" err="1">
+                <a:latin typeface="+mn-lt"/>
+                <a:ea typeface="+mn-ea"/>
+                <a:cs typeface="+mn-cs"/>
+              </a:rPr>
+              <a:t>TuckER</a:t>
+            </a:r>
+            <a:r>
+              <a:rPr lang="en-US" sz="1600" b="1" dirty="0">
+                <a:latin typeface="+mn-lt"/>
+                <a:ea typeface="+mn-ea"/>
+                <a:cs typeface="+mn-cs"/>
+              </a:rPr>
+              <a:t>: Tensor Factorization for Knowledge Graph Completion</a:t>
+            </a:r>
+          </a:p>
+        </p:txBody>
+      </p:sp>
+      <p:sp>
+        <p:nvSpPr>
+          <p:cNvPr id="3" name="Subtitle 2">
+            <a:extLst>
+              <a:ext uri="{FF2B5EF4-FFF2-40B4-BE49-F238E27FC236}">
+                <a16:creationId xmlns:a16="http://schemas.microsoft.com/office/drawing/2014/main" id="{0A64B25C-1E83-D14F-82EC-CC2D9EFA4F64}"/>
+              </a:ext>
+            </a:extLst>
+          </p:cNvPr>
+          <p:cNvSpPr>
+            <a:spLocks noGrp="1"/>
+          </p:cNvSpPr>
+          <p:nvPr>
+            <p:ph type="subTitle" idx="1"/>
+          </p:nvPr>
+        </p:nvSpPr>
+        <p:spPr>
+          <a:xfrm>
+            <a:off x="1208314" y="2060497"/>
+            <a:ext cx="9144000" cy="926419"/>
+          </a:xfrm>
+        </p:spPr>
+        <p:txBody>
+          <a:bodyPr>
+            <a:normAutofit/>
+          </a:bodyPr>
+          <a:lstStyle/>
+          <a:p>
+            <a:pPr algn="l"/>
+            <a:r>
+              <a:rPr lang="en-US" sz="1800" dirty="0"/>
+              <a:t>Limitation of Existing Work:</a:t>
+            </a:r>
+          </a:p>
+          <a:p>
+            <a:pPr algn="l"/>
+            <a:endParaRPr lang="en-US" sz="1400" dirty="0"/>
+          </a:p>
+          <a:p>
+            <a:pPr algn="l"/>
+            <a:endParaRPr lang="en-US" sz="1600" dirty="0"/>
+          </a:p>
+        </p:txBody>
+      </p:sp>
+      <p:sp>
+        <p:nvSpPr>
+          <p:cNvPr id="4" name="TextBox 3">
+            <a:extLst>
+              <a:ext uri="{FF2B5EF4-FFF2-40B4-BE49-F238E27FC236}">
+                <a16:creationId xmlns:a16="http://schemas.microsoft.com/office/drawing/2014/main" id="{41ED2B90-6835-0C4B-B85A-2512916878C1}"/>
+              </a:ext>
+            </a:extLst>
+          </p:cNvPr>
+          <p:cNvSpPr txBox="1"/>
+          <p:nvPr/>
+        </p:nvSpPr>
+        <p:spPr>
+          <a:xfrm>
+            <a:off x="408214" y="303235"/>
+            <a:ext cx="1600200" cy="369332"/>
+          </a:xfrm>
+          <a:prstGeom prst="rect">
+            <a:avLst/>
+          </a:prstGeom>
+          <a:noFill/>
+        </p:spPr>
+        <p:txBody>
+          <a:bodyPr wrap="square" rtlCol="0">
+            <a:spAutoFit/>
+          </a:bodyPr>
+          <a:lstStyle/>
+          <a:p>
+            <a:r>
+              <a:rPr lang="en-US" dirty="0">
+                <a:solidFill>
+                  <a:srgbClr val="C00000"/>
+                </a:solidFill>
+              </a:rPr>
+              <a:t>Embedding</a:t>
+            </a:r>
+          </a:p>
+        </p:txBody>
+      </p:sp>
+      <p:sp>
+        <p:nvSpPr>
+          <p:cNvPr id="5" name="TextBox 4">
+            <a:extLst>
+              <a:ext uri="{FF2B5EF4-FFF2-40B4-BE49-F238E27FC236}">
+                <a16:creationId xmlns:a16="http://schemas.microsoft.com/office/drawing/2014/main" id="{AFB09293-029A-E64B-B817-64C522758E60}"/>
+              </a:ext>
+            </a:extLst>
+          </p:cNvPr>
+          <p:cNvSpPr txBox="1"/>
+          <p:nvPr/>
+        </p:nvSpPr>
+        <p:spPr>
+          <a:xfrm>
+            <a:off x="1208314" y="3429000"/>
+            <a:ext cx="7641772" cy="1446550"/>
+          </a:xfrm>
+          <a:prstGeom prst="rect">
+            <a:avLst/>
+          </a:prstGeom>
+          <a:noFill/>
+        </p:spPr>
+        <p:txBody>
+          <a:bodyPr wrap="square" rtlCol="0">
+            <a:spAutoFit/>
+          </a:bodyPr>
+          <a:lstStyle/>
+          <a:p>
+            <a:r>
+              <a:rPr lang="en-US" dirty="0"/>
+              <a:t>Key idea of Approach:</a:t>
+            </a:r>
+          </a:p>
+          <a:p>
+            <a:r>
+              <a:rPr lang="en-US" sz="1400" dirty="0" err="1"/>
+              <a:t>TuckER</a:t>
+            </a:r>
+            <a:r>
+              <a:rPr lang="en-US" sz="1400" dirty="0"/>
+              <a:t> is a relatively simple but powerful linear model based on Tucker decomposition of the binary tensor representation of knowledge graph triples. </a:t>
+            </a:r>
+            <a:r>
+              <a:rPr lang="en-US" sz="1400" dirty="0" err="1"/>
+              <a:t>TuckER</a:t>
+            </a:r>
+            <a:r>
+              <a:rPr lang="en-US" sz="1400" dirty="0"/>
+              <a:t> is a fully expressive model, deriving the bound on its entity and relation embedding dimensionality for full expressiveness which is several orders of magnitude smaller than the bound of previous models </a:t>
+            </a:r>
+            <a:r>
+              <a:rPr lang="en-US" sz="1400" dirty="0" err="1"/>
+              <a:t>ComplEx</a:t>
+            </a:r>
+            <a:r>
+              <a:rPr lang="en-US" sz="1400" dirty="0"/>
+              <a:t> and </a:t>
+            </a:r>
+            <a:r>
+              <a:rPr lang="en-US" sz="1400" dirty="0" err="1"/>
+              <a:t>SimplE</a:t>
+            </a:r>
+            <a:r>
+              <a:rPr lang="en-US" sz="1400" dirty="0"/>
+              <a:t>. Besides, </a:t>
+            </a:r>
+            <a:r>
+              <a:rPr lang="en-US" sz="1400" dirty="0" err="1"/>
+              <a:t>TuckER</a:t>
+            </a:r>
+            <a:r>
+              <a:rPr lang="en-US" sz="1400" dirty="0"/>
+              <a:t> achieves the state-of-the-art performance.</a:t>
+            </a:r>
+          </a:p>
+        </p:txBody>
+      </p:sp>
+      <p:sp>
+        <p:nvSpPr>
+          <p:cNvPr id="6" name="TextBox 5">
+            <a:extLst>
+              <a:ext uri="{FF2B5EF4-FFF2-40B4-BE49-F238E27FC236}">
+                <a16:creationId xmlns:a16="http://schemas.microsoft.com/office/drawing/2014/main" id="{0D9FCB9E-2E46-9849-8B1B-EC2C1B783C97}"/>
+              </a:ext>
+            </a:extLst>
+          </p:cNvPr>
+          <p:cNvSpPr txBox="1"/>
+          <p:nvPr/>
+        </p:nvSpPr>
+        <p:spPr>
+          <a:xfrm>
+            <a:off x="1208314" y="5867399"/>
+            <a:ext cx="6901543" cy="461665"/>
+          </a:xfrm>
+          <a:prstGeom prst="rect">
+            <a:avLst/>
+          </a:prstGeom>
+          <a:noFill/>
+        </p:spPr>
+        <p:txBody>
+          <a:bodyPr wrap="square" rtlCol="0">
+            <a:spAutoFit/>
+          </a:bodyPr>
+          <a:lstStyle/>
+          <a:p>
+            <a:r>
+              <a:rPr lang="en-US" sz="1200" dirty="0"/>
+              <a:t>Link: </a:t>
+            </a:r>
+            <a:r>
+              <a:rPr lang="en-US" sz="1200" dirty="0">
+                <a:hlinkClick r:id="rId2"/>
+              </a:rPr>
+              <a:t>https://arxiv.org/pdf/1901.09590.pdf</a:t>
+            </a:r>
+            <a:endParaRPr lang="en-US" sz="1200" dirty="0"/>
+          </a:p>
+          <a:p>
+            <a:r>
+              <a:rPr lang="en-US" sz="1200" dirty="0"/>
+              <a:t>Source:  2019</a:t>
+            </a:r>
+          </a:p>
+        </p:txBody>
+      </p:sp>
+    </p:spTree>
+    <p:extLst>
+      <p:ext uri="{BB962C8B-B14F-4D97-AF65-F5344CB8AC3E}">
+        <p14:creationId xmlns:p14="http://schemas.microsoft.com/office/powerpoint/2010/main" val="4221864265"/>
+      </p:ext>
+    </p:extLst>
+  </p:cSld>
+  <p:clrMapOvr>
+    <a:masterClrMapping/>
+  </p:clrMapOvr>
+</p:sld>
+</file>
+
+<file path=ppt/slides/slide21.xml><?xml version="1.0" encoding="utf-8"?>
+<p:sld xmlns:a="http://schemas.openxmlformats.org/drawingml/2006/main" xmlns:r="http://schemas.openxmlformats.org/officeDocument/2006/relationships" xmlns:p="http://schemas.openxmlformats.org/presentationml/2006/main">
+  <p:cSld>
+    <p:spTree>
+      <p:nvGrpSpPr>
+        <p:cNvPr id="1" name=""/>
+        <p:cNvGrpSpPr/>
+        <p:nvPr/>
+      </p:nvGrpSpPr>
+      <p:grpSpPr>
+        <a:xfrm>
+          <a:off x="0" y="0"/>
+          <a:ext cx="0" cy="0"/>
+          <a:chOff x="0" y="0"/>
+          <a:chExt cx="0" cy="0"/>
+        </a:xfrm>
+      </p:grpSpPr>
+      <p:sp>
+        <p:nvSpPr>
+          <p:cNvPr id="2" name="Title 1">
+            <a:extLst>
+              <a:ext uri="{FF2B5EF4-FFF2-40B4-BE49-F238E27FC236}">
+                <a16:creationId xmlns:a16="http://schemas.microsoft.com/office/drawing/2014/main" id="{D7317AF7-C0C1-B64C-80AB-E4D5190FBCD8}"/>
+              </a:ext>
+            </a:extLst>
+          </p:cNvPr>
+          <p:cNvSpPr>
+            <a:spLocks noGrp="1"/>
+          </p:cNvSpPr>
+          <p:nvPr>
+            <p:ph type="ctrTitle"/>
+          </p:nvPr>
+        </p:nvSpPr>
+        <p:spPr>
+          <a:xfrm>
+            <a:off x="1208314" y="930729"/>
+            <a:ext cx="9144000" cy="477837"/>
+          </a:xfrm>
+        </p:spPr>
+        <p:txBody>
+          <a:bodyPr>
+            <a:normAutofit/>
+          </a:bodyPr>
+          <a:lstStyle/>
+          <a:p>
+            <a:pPr algn="l"/>
+            <a:r>
+              <a:rPr lang="en-US" sz="1600" b="1" dirty="0" err="1">
+                <a:latin typeface="+mn-lt"/>
+                <a:ea typeface="+mn-ea"/>
+                <a:cs typeface="+mn-cs"/>
+              </a:rPr>
+              <a:t>RotatE</a:t>
+            </a:r>
+            <a:r>
+              <a:rPr lang="en-US" sz="1600" b="1" dirty="0">
+                <a:latin typeface="+mn-lt"/>
+                <a:ea typeface="+mn-ea"/>
+                <a:cs typeface="+mn-cs"/>
+              </a:rPr>
+              <a:t>: Knowledge Graph Embedding by Relational Rotation in Complex Space.</a:t>
+            </a:r>
+          </a:p>
+        </p:txBody>
+      </p:sp>
+      <p:sp>
+        <p:nvSpPr>
+          <p:cNvPr id="3" name="Subtitle 2">
+            <a:extLst>
+              <a:ext uri="{FF2B5EF4-FFF2-40B4-BE49-F238E27FC236}">
+                <a16:creationId xmlns:a16="http://schemas.microsoft.com/office/drawing/2014/main" id="{0A64B25C-1E83-D14F-82EC-CC2D9EFA4F64}"/>
+              </a:ext>
+            </a:extLst>
+          </p:cNvPr>
+          <p:cNvSpPr>
+            <a:spLocks noGrp="1"/>
+          </p:cNvSpPr>
+          <p:nvPr>
+            <p:ph type="subTitle" idx="1"/>
+          </p:nvPr>
+        </p:nvSpPr>
+        <p:spPr>
+          <a:xfrm>
+            <a:off x="1208314" y="2060497"/>
+            <a:ext cx="9144000" cy="926419"/>
+          </a:xfrm>
+        </p:spPr>
+        <p:txBody>
+          <a:bodyPr>
+            <a:normAutofit/>
+          </a:bodyPr>
+          <a:lstStyle/>
+          <a:p>
+            <a:pPr algn="l"/>
+            <a:r>
+              <a:rPr lang="en-US" sz="1800" dirty="0"/>
+              <a:t>Limitation of Existing Work:</a:t>
+            </a:r>
+          </a:p>
+          <a:p>
+            <a:pPr algn="l"/>
+            <a:endParaRPr lang="en-US" sz="1400" dirty="0"/>
+          </a:p>
+          <a:p>
+            <a:pPr algn="l"/>
+            <a:endParaRPr lang="en-US" sz="1600" dirty="0"/>
+          </a:p>
+        </p:txBody>
+      </p:sp>
+      <p:sp>
+        <p:nvSpPr>
+          <p:cNvPr id="4" name="TextBox 3">
+            <a:extLst>
+              <a:ext uri="{FF2B5EF4-FFF2-40B4-BE49-F238E27FC236}">
+                <a16:creationId xmlns:a16="http://schemas.microsoft.com/office/drawing/2014/main" id="{41ED2B90-6835-0C4B-B85A-2512916878C1}"/>
+              </a:ext>
+            </a:extLst>
+          </p:cNvPr>
+          <p:cNvSpPr txBox="1"/>
+          <p:nvPr/>
+        </p:nvSpPr>
+        <p:spPr>
+          <a:xfrm>
+            <a:off x="408214" y="303235"/>
+            <a:ext cx="1600200" cy="369332"/>
+          </a:xfrm>
+          <a:prstGeom prst="rect">
+            <a:avLst/>
+          </a:prstGeom>
+          <a:noFill/>
+        </p:spPr>
+        <p:txBody>
+          <a:bodyPr wrap="square" rtlCol="0">
+            <a:spAutoFit/>
+          </a:bodyPr>
+          <a:lstStyle/>
+          <a:p>
+            <a:r>
+              <a:rPr lang="en-US" dirty="0">
+                <a:solidFill>
+                  <a:srgbClr val="C00000"/>
+                </a:solidFill>
+              </a:rPr>
+              <a:t>Embedding</a:t>
+            </a:r>
+          </a:p>
+        </p:txBody>
+      </p:sp>
+      <p:sp>
+        <p:nvSpPr>
+          <p:cNvPr id="5" name="TextBox 4">
+            <a:extLst>
+              <a:ext uri="{FF2B5EF4-FFF2-40B4-BE49-F238E27FC236}">
+                <a16:creationId xmlns:a16="http://schemas.microsoft.com/office/drawing/2014/main" id="{AFB09293-029A-E64B-B817-64C522758E60}"/>
+              </a:ext>
+            </a:extLst>
+          </p:cNvPr>
+          <p:cNvSpPr txBox="1"/>
+          <p:nvPr/>
+        </p:nvSpPr>
+        <p:spPr>
+          <a:xfrm>
+            <a:off x="1208314" y="3429000"/>
+            <a:ext cx="7641772" cy="1015663"/>
+          </a:xfrm>
+          <a:prstGeom prst="rect">
+            <a:avLst/>
+          </a:prstGeom>
+          <a:noFill/>
+        </p:spPr>
+        <p:txBody>
+          <a:bodyPr wrap="square" rtlCol="0">
+            <a:spAutoFit/>
+          </a:bodyPr>
+          <a:lstStyle/>
+          <a:p>
+            <a:r>
+              <a:rPr lang="en-US" dirty="0"/>
+              <a:t>Key idea of Approach:</a:t>
+            </a:r>
+          </a:p>
+          <a:p>
+            <a:r>
+              <a:rPr lang="en-US" sz="1400" dirty="0" err="1"/>
+              <a:t>RotatE</a:t>
+            </a:r>
+            <a:r>
+              <a:rPr lang="en-US" sz="1400" dirty="0"/>
+              <a:t> infers various relation patterns including: symmetry/</a:t>
+            </a:r>
+            <a:r>
+              <a:rPr lang="en-US" sz="1400" dirty="0" err="1"/>
+              <a:t>antisymmetry</a:t>
+            </a:r>
+            <a:r>
+              <a:rPr lang="en-US" sz="1400" dirty="0"/>
+              <a:t>, inversion, and composition. Specifically, the </a:t>
+            </a:r>
+            <a:r>
+              <a:rPr lang="en-US" sz="1400" dirty="0" err="1"/>
+              <a:t>RotatE</a:t>
+            </a:r>
+            <a:r>
+              <a:rPr lang="en-US" sz="1400" dirty="0"/>
+              <a:t> model defines each relation as a rotation from the source entity to the target entity in the complex vector space.</a:t>
+            </a:r>
+          </a:p>
+        </p:txBody>
+      </p:sp>
+      <p:sp>
+        <p:nvSpPr>
+          <p:cNvPr id="6" name="TextBox 5">
+            <a:extLst>
+              <a:ext uri="{FF2B5EF4-FFF2-40B4-BE49-F238E27FC236}">
+                <a16:creationId xmlns:a16="http://schemas.microsoft.com/office/drawing/2014/main" id="{0D9FCB9E-2E46-9849-8B1B-EC2C1B783C97}"/>
+              </a:ext>
+            </a:extLst>
+          </p:cNvPr>
+          <p:cNvSpPr txBox="1"/>
+          <p:nvPr/>
+        </p:nvSpPr>
+        <p:spPr>
+          <a:xfrm>
+            <a:off x="1208314" y="5867399"/>
+            <a:ext cx="6901543" cy="461665"/>
+          </a:xfrm>
+          <a:prstGeom prst="rect">
+            <a:avLst/>
+          </a:prstGeom>
+          <a:noFill/>
+        </p:spPr>
+        <p:txBody>
+          <a:bodyPr wrap="square" rtlCol="0">
+            <a:spAutoFit/>
+          </a:bodyPr>
+          <a:lstStyle/>
+          <a:p>
+            <a:r>
+              <a:rPr lang="en-US" sz="1200" dirty="0"/>
+              <a:t>Link: </a:t>
+            </a:r>
+            <a:r>
+              <a:rPr lang="en-US" sz="1200" dirty="0">
+                <a:hlinkClick r:id="rId2"/>
+              </a:rPr>
+              <a:t>https://openreview.net/pdf?id=HkgEQnRqYQ</a:t>
+            </a:r>
+            <a:endParaRPr lang="en-US" sz="1200" dirty="0"/>
+          </a:p>
+          <a:p>
+            <a:r>
+              <a:rPr lang="en-US" sz="1200" dirty="0"/>
+              <a:t>Source: ICLR 2019</a:t>
+            </a:r>
+          </a:p>
+        </p:txBody>
+      </p:sp>
+      <p:sp>
+        <p:nvSpPr>
+          <p:cNvPr id="7" name="TextBox 6">
+            <a:extLst>
+              <a:ext uri="{FF2B5EF4-FFF2-40B4-BE49-F238E27FC236}">
+                <a16:creationId xmlns:a16="http://schemas.microsoft.com/office/drawing/2014/main" id="{E6D3D0C2-2081-FE46-881B-60D9D417E170}"/>
+              </a:ext>
+            </a:extLst>
+          </p:cNvPr>
+          <p:cNvSpPr txBox="1"/>
+          <p:nvPr/>
+        </p:nvSpPr>
+        <p:spPr>
+          <a:xfrm>
+            <a:off x="8455631" y="930729"/>
+            <a:ext cx="3462391" cy="2031325"/>
+          </a:xfrm>
+          <a:prstGeom prst="rect">
+            <a:avLst/>
+          </a:prstGeom>
+          <a:noFill/>
+        </p:spPr>
+        <p:txBody>
+          <a:bodyPr wrap="square" rtlCol="0">
+            <a:spAutoFit/>
+          </a:bodyPr>
+          <a:lstStyle/>
+          <a:p>
+            <a:r>
+              <a:rPr lang="en-US" i="1" dirty="0" err="1"/>
+              <a:t>RotatE</a:t>
+            </a:r>
+            <a:r>
+              <a:rPr lang="en-US" i="1" dirty="0"/>
+              <a:t> </a:t>
+            </a:r>
+            <a:r>
+              <a:rPr lang="en-US" dirty="0"/>
+              <a:t>is limited to 2-D rotations and thus has limited modeling capacity. In addition, </a:t>
+            </a:r>
+            <a:r>
+              <a:rPr lang="en-US" i="1" dirty="0" err="1"/>
+              <a:t>RotatE</a:t>
+            </a:r>
+            <a:r>
+              <a:rPr lang="en-US" i="1" dirty="0"/>
+              <a:t> </a:t>
+            </a:r>
+            <a:r>
+              <a:rPr lang="en-US" dirty="0"/>
+              <a:t>does not consider graph context, which is helpful in handling 1-to-N, N-to-1, and N-to-N relation prediction. </a:t>
+            </a:r>
+          </a:p>
+          <a:p>
+            <a:endParaRPr lang="en-US" dirty="0"/>
+          </a:p>
+        </p:txBody>
+      </p:sp>
+    </p:spTree>
+    <p:extLst>
+      <p:ext uri="{BB962C8B-B14F-4D97-AF65-F5344CB8AC3E}">
+        <p14:creationId xmlns:p14="http://schemas.microsoft.com/office/powerpoint/2010/main" val="992991758"/>
+      </p:ext>
+    </p:extLst>
+  </p:cSld>
+  <p:clrMapOvr>
+    <a:masterClrMapping/>
+  </p:clrMapOvr>
+</p:sld>
+</file>
+
+<file path=ppt/slides/slide22.xml><?xml version="1.0" encoding="utf-8"?>
+<p:sld xmlns:a="http://schemas.openxmlformats.org/drawingml/2006/main" xmlns:r="http://schemas.openxmlformats.org/officeDocument/2006/relationships" xmlns:p="http://schemas.openxmlformats.org/presentationml/2006/main">
+  <p:cSld>
+    <p:spTree>
+      <p:nvGrpSpPr>
+        <p:cNvPr id="1" name=""/>
+        <p:cNvGrpSpPr/>
+        <p:nvPr/>
+      </p:nvGrpSpPr>
+      <p:grpSpPr>
+        <a:xfrm>
+          <a:off x="0" y="0"/>
+          <a:ext cx="0" cy="0"/>
+          <a:chOff x="0" y="0"/>
+          <a:chExt cx="0" cy="0"/>
+        </a:xfrm>
+      </p:grpSpPr>
+      <p:sp>
+        <p:nvSpPr>
+          <p:cNvPr id="2" name="Title 1">
+            <a:extLst>
+              <a:ext uri="{FF2B5EF4-FFF2-40B4-BE49-F238E27FC236}">
+                <a16:creationId xmlns:a16="http://schemas.microsoft.com/office/drawing/2014/main" id="{D7317AF7-C0C1-B64C-80AB-E4D5190FBCD8}"/>
+              </a:ext>
+            </a:extLst>
+          </p:cNvPr>
+          <p:cNvSpPr>
+            <a:spLocks noGrp="1"/>
+          </p:cNvSpPr>
+          <p:nvPr>
+            <p:ph type="ctrTitle"/>
+          </p:nvPr>
+        </p:nvSpPr>
+        <p:spPr>
+          <a:xfrm>
+            <a:off x="1208314" y="930729"/>
+            <a:ext cx="9144000" cy="477837"/>
+          </a:xfrm>
+        </p:spPr>
+        <p:txBody>
+          <a:bodyPr>
+            <a:normAutofit/>
+          </a:bodyPr>
+          <a:lstStyle/>
+          <a:p>
+            <a:pPr algn="l"/>
+            <a:r>
+              <a:rPr lang="en-US" sz="1600" b="1" dirty="0">
+                <a:latin typeface="+mn-lt"/>
+                <a:ea typeface="+mn-ea"/>
+                <a:cs typeface="+mn-cs"/>
+              </a:rPr>
+              <a:t>C</a:t>
+            </a:r>
+          </a:p>
+        </p:txBody>
+      </p:sp>
+      <p:sp>
+        <p:nvSpPr>
+          <p:cNvPr id="3" name="Subtitle 2">
+            <a:extLst>
+              <a:ext uri="{FF2B5EF4-FFF2-40B4-BE49-F238E27FC236}">
+                <a16:creationId xmlns:a16="http://schemas.microsoft.com/office/drawing/2014/main" id="{0A64B25C-1E83-D14F-82EC-CC2D9EFA4F64}"/>
+              </a:ext>
+            </a:extLst>
+          </p:cNvPr>
+          <p:cNvSpPr>
+            <a:spLocks noGrp="1"/>
+          </p:cNvSpPr>
+          <p:nvPr>
+            <p:ph type="subTitle" idx="1"/>
+          </p:nvPr>
+        </p:nvSpPr>
+        <p:spPr>
+          <a:xfrm>
+            <a:off x="1208314" y="2060497"/>
+            <a:ext cx="9144000" cy="926419"/>
+          </a:xfrm>
+        </p:spPr>
+        <p:txBody>
+          <a:bodyPr>
+            <a:normAutofit/>
+          </a:bodyPr>
+          <a:lstStyle/>
+          <a:p>
+            <a:pPr algn="l"/>
+            <a:r>
+              <a:rPr lang="en-US" sz="1800" dirty="0"/>
+              <a:t>Limitation of Existing Work:</a:t>
+            </a:r>
+          </a:p>
+          <a:p>
+            <a:pPr algn="l"/>
+            <a:endParaRPr lang="en-US" sz="1400" dirty="0"/>
+          </a:p>
+          <a:p>
+            <a:pPr algn="l"/>
+            <a:endParaRPr lang="en-US" sz="1600" dirty="0"/>
+          </a:p>
+        </p:txBody>
+      </p:sp>
+      <p:sp>
+        <p:nvSpPr>
+          <p:cNvPr id="4" name="TextBox 3">
+            <a:extLst>
+              <a:ext uri="{FF2B5EF4-FFF2-40B4-BE49-F238E27FC236}">
+                <a16:creationId xmlns:a16="http://schemas.microsoft.com/office/drawing/2014/main" id="{41ED2B90-6835-0C4B-B85A-2512916878C1}"/>
+              </a:ext>
+            </a:extLst>
+          </p:cNvPr>
+          <p:cNvSpPr txBox="1"/>
+          <p:nvPr/>
+        </p:nvSpPr>
+        <p:spPr>
+          <a:xfrm>
+            <a:off x="408214" y="303235"/>
+            <a:ext cx="1600200" cy="369332"/>
+          </a:xfrm>
+          <a:prstGeom prst="rect">
+            <a:avLst/>
+          </a:prstGeom>
+          <a:noFill/>
+        </p:spPr>
+        <p:txBody>
+          <a:bodyPr wrap="square" rtlCol="0">
+            <a:spAutoFit/>
+          </a:bodyPr>
+          <a:lstStyle/>
+          <a:p>
+            <a:r>
+              <a:rPr lang="en-US" dirty="0">
+                <a:solidFill>
+                  <a:srgbClr val="C00000"/>
+                </a:solidFill>
+              </a:rPr>
+              <a:t>Embedding</a:t>
+            </a:r>
+          </a:p>
+        </p:txBody>
+      </p:sp>
+      <p:sp>
+        <p:nvSpPr>
+          <p:cNvPr id="5" name="TextBox 4">
+            <a:extLst>
+              <a:ext uri="{FF2B5EF4-FFF2-40B4-BE49-F238E27FC236}">
+                <a16:creationId xmlns:a16="http://schemas.microsoft.com/office/drawing/2014/main" id="{AFB09293-029A-E64B-B817-64C522758E60}"/>
+              </a:ext>
+            </a:extLst>
+          </p:cNvPr>
+          <p:cNvSpPr txBox="1"/>
+          <p:nvPr/>
+        </p:nvSpPr>
+        <p:spPr>
+          <a:xfrm>
+            <a:off x="1208314" y="3429000"/>
+            <a:ext cx="7641772" cy="584775"/>
+          </a:xfrm>
+          <a:prstGeom prst="rect">
+            <a:avLst/>
+          </a:prstGeom>
+          <a:noFill/>
+        </p:spPr>
+        <p:txBody>
+          <a:bodyPr wrap="square" rtlCol="0">
+            <a:spAutoFit/>
+          </a:bodyPr>
+          <a:lstStyle/>
+          <a:p>
+            <a:r>
+              <a:rPr lang="en-US" dirty="0"/>
+              <a:t>Key idea of Approach:</a:t>
+            </a:r>
+          </a:p>
+          <a:p>
+            <a:endParaRPr lang="en-US" sz="1400" dirty="0"/>
+          </a:p>
+        </p:txBody>
+      </p:sp>
+      <p:sp>
+        <p:nvSpPr>
+          <p:cNvPr id="6" name="TextBox 5">
+            <a:extLst>
+              <a:ext uri="{FF2B5EF4-FFF2-40B4-BE49-F238E27FC236}">
+                <a16:creationId xmlns:a16="http://schemas.microsoft.com/office/drawing/2014/main" id="{0D9FCB9E-2E46-9849-8B1B-EC2C1B783C97}"/>
+              </a:ext>
+            </a:extLst>
+          </p:cNvPr>
+          <p:cNvSpPr txBox="1"/>
+          <p:nvPr/>
+        </p:nvSpPr>
+        <p:spPr>
+          <a:xfrm>
+            <a:off x="1208314" y="5867399"/>
+            <a:ext cx="6901543" cy="461665"/>
+          </a:xfrm>
+          <a:prstGeom prst="rect">
+            <a:avLst/>
+          </a:prstGeom>
+          <a:noFill/>
+        </p:spPr>
+        <p:txBody>
+          <a:bodyPr wrap="square" rtlCol="0">
+            <a:spAutoFit/>
+          </a:bodyPr>
+          <a:lstStyle/>
+          <a:p>
+            <a:r>
+              <a:rPr lang="en-US" sz="1200" dirty="0"/>
+              <a:t>Link: </a:t>
+            </a:r>
+          </a:p>
+          <a:p>
+            <a:r>
+              <a:rPr lang="en-US" sz="1200" dirty="0"/>
+              <a:t>Source:  2019</a:t>
+            </a:r>
+          </a:p>
+        </p:txBody>
+      </p:sp>
+    </p:spTree>
+    <p:extLst>
+      <p:ext uri="{BB962C8B-B14F-4D97-AF65-F5344CB8AC3E}">
+        <p14:creationId xmlns:p14="http://schemas.microsoft.com/office/powerpoint/2010/main" val="4185186308"/>
+      </p:ext>
+    </p:extLst>
+  </p:cSld>
+  <p:clrMapOvr>
+    <a:masterClrMapping/>
+  </p:clrMapOvr>
+</p:sld>
+</file>
+
+<file path=ppt/slides/slide23.xml><?xml version="1.0" encoding="utf-8"?>
+<p:sld xmlns:a="http://schemas.openxmlformats.org/drawingml/2006/main" xmlns:r="http://schemas.openxmlformats.org/officeDocument/2006/relationships" xmlns:p="http://schemas.openxmlformats.org/presentationml/2006/main">
+  <p:cSld>
+    <p:spTree>
+      <p:nvGrpSpPr>
+        <p:cNvPr id="1" name=""/>
+        <p:cNvGrpSpPr/>
+        <p:nvPr/>
+      </p:nvGrpSpPr>
+      <p:grpSpPr>
+        <a:xfrm>
+          <a:off x="0" y="0"/>
+          <a:ext cx="0" cy="0"/>
+          <a:chOff x="0" y="0"/>
+          <a:chExt cx="0" cy="0"/>
+        </a:xfrm>
+      </p:grpSpPr>
+      <p:sp>
+        <p:nvSpPr>
+          <p:cNvPr id="2" name="Title 1">
+            <a:extLst>
+              <a:ext uri="{FF2B5EF4-FFF2-40B4-BE49-F238E27FC236}">
+                <a16:creationId xmlns:a16="http://schemas.microsoft.com/office/drawing/2014/main" id="{D7317AF7-C0C1-B64C-80AB-E4D5190FBCD8}"/>
+              </a:ext>
+            </a:extLst>
+          </p:cNvPr>
+          <p:cNvSpPr>
+            <a:spLocks noGrp="1"/>
+          </p:cNvSpPr>
+          <p:nvPr>
+            <p:ph type="ctrTitle"/>
+          </p:nvPr>
+        </p:nvSpPr>
+        <p:spPr>
+          <a:xfrm>
+            <a:off x="1208314" y="930729"/>
+            <a:ext cx="9144000" cy="477837"/>
+          </a:xfrm>
+        </p:spPr>
+        <p:txBody>
+          <a:bodyPr>
+            <a:normAutofit/>
+          </a:bodyPr>
+          <a:lstStyle/>
+          <a:p>
+            <a:pPr algn="l"/>
+            <a:r>
+              <a:rPr lang="en-US" sz="1600" b="1" dirty="0">
+                <a:latin typeface="+mn-lt"/>
+                <a:ea typeface="+mn-ea"/>
+                <a:cs typeface="+mn-cs"/>
+              </a:rPr>
+              <a:t>C</a:t>
+            </a:r>
+          </a:p>
+        </p:txBody>
+      </p:sp>
+      <p:sp>
+        <p:nvSpPr>
+          <p:cNvPr id="3" name="Subtitle 2">
+            <a:extLst>
+              <a:ext uri="{FF2B5EF4-FFF2-40B4-BE49-F238E27FC236}">
+                <a16:creationId xmlns:a16="http://schemas.microsoft.com/office/drawing/2014/main" id="{0A64B25C-1E83-D14F-82EC-CC2D9EFA4F64}"/>
+              </a:ext>
+            </a:extLst>
+          </p:cNvPr>
+          <p:cNvSpPr>
+            <a:spLocks noGrp="1"/>
+          </p:cNvSpPr>
+          <p:nvPr>
+            <p:ph type="subTitle" idx="1"/>
+          </p:nvPr>
+        </p:nvSpPr>
+        <p:spPr>
+          <a:xfrm>
+            <a:off x="1208314" y="2060497"/>
+            <a:ext cx="9144000" cy="926419"/>
+          </a:xfrm>
+        </p:spPr>
+        <p:txBody>
+          <a:bodyPr>
+            <a:normAutofit/>
+          </a:bodyPr>
+          <a:lstStyle/>
+          <a:p>
+            <a:pPr algn="l"/>
+            <a:r>
+              <a:rPr lang="en-US" sz="1800" dirty="0"/>
+              <a:t>Limitation of Existing Work:</a:t>
+            </a:r>
+          </a:p>
+          <a:p>
+            <a:pPr algn="l"/>
+            <a:endParaRPr lang="en-US" sz="1400" dirty="0"/>
+          </a:p>
+          <a:p>
+            <a:pPr algn="l"/>
+            <a:endParaRPr lang="en-US" sz="1600" dirty="0"/>
+          </a:p>
+        </p:txBody>
+      </p:sp>
+      <p:sp>
+        <p:nvSpPr>
+          <p:cNvPr id="4" name="TextBox 3">
+            <a:extLst>
+              <a:ext uri="{FF2B5EF4-FFF2-40B4-BE49-F238E27FC236}">
+                <a16:creationId xmlns:a16="http://schemas.microsoft.com/office/drawing/2014/main" id="{41ED2B90-6835-0C4B-B85A-2512916878C1}"/>
+              </a:ext>
+            </a:extLst>
+          </p:cNvPr>
+          <p:cNvSpPr txBox="1"/>
+          <p:nvPr/>
+        </p:nvSpPr>
+        <p:spPr>
+          <a:xfrm>
+            <a:off x="408214" y="303235"/>
+            <a:ext cx="1600200" cy="369332"/>
+          </a:xfrm>
+          <a:prstGeom prst="rect">
+            <a:avLst/>
+          </a:prstGeom>
+          <a:noFill/>
+        </p:spPr>
+        <p:txBody>
+          <a:bodyPr wrap="square" rtlCol="0">
+            <a:spAutoFit/>
+          </a:bodyPr>
+          <a:lstStyle/>
+          <a:p>
+            <a:r>
+              <a:rPr lang="en-US" dirty="0">
+                <a:solidFill>
+                  <a:srgbClr val="C00000"/>
+                </a:solidFill>
+              </a:rPr>
+              <a:t>Embedding</a:t>
+            </a:r>
+          </a:p>
+        </p:txBody>
+      </p:sp>
+      <p:sp>
+        <p:nvSpPr>
+          <p:cNvPr id="5" name="TextBox 4">
+            <a:extLst>
+              <a:ext uri="{FF2B5EF4-FFF2-40B4-BE49-F238E27FC236}">
+                <a16:creationId xmlns:a16="http://schemas.microsoft.com/office/drawing/2014/main" id="{AFB09293-029A-E64B-B817-64C522758E60}"/>
+              </a:ext>
+            </a:extLst>
+          </p:cNvPr>
+          <p:cNvSpPr txBox="1"/>
+          <p:nvPr/>
+        </p:nvSpPr>
+        <p:spPr>
+          <a:xfrm>
+            <a:off x="1208314" y="3429000"/>
+            <a:ext cx="7641772" cy="584775"/>
+          </a:xfrm>
+          <a:prstGeom prst="rect">
+            <a:avLst/>
+          </a:prstGeom>
+          <a:noFill/>
+        </p:spPr>
+        <p:txBody>
+          <a:bodyPr wrap="square" rtlCol="0">
+            <a:spAutoFit/>
+          </a:bodyPr>
+          <a:lstStyle/>
+          <a:p>
+            <a:r>
+              <a:rPr lang="en-US" dirty="0"/>
+              <a:t>Key idea of Approach:</a:t>
+            </a:r>
+          </a:p>
+          <a:p>
+            <a:endParaRPr lang="en-US" sz="1400" dirty="0"/>
+          </a:p>
+        </p:txBody>
+      </p:sp>
+      <p:sp>
+        <p:nvSpPr>
+          <p:cNvPr id="6" name="TextBox 5">
+            <a:extLst>
+              <a:ext uri="{FF2B5EF4-FFF2-40B4-BE49-F238E27FC236}">
+                <a16:creationId xmlns:a16="http://schemas.microsoft.com/office/drawing/2014/main" id="{0D9FCB9E-2E46-9849-8B1B-EC2C1B783C97}"/>
+              </a:ext>
+            </a:extLst>
+          </p:cNvPr>
+          <p:cNvSpPr txBox="1"/>
+          <p:nvPr/>
+        </p:nvSpPr>
+        <p:spPr>
+          <a:xfrm>
+            <a:off x="1208314" y="5867399"/>
+            <a:ext cx="6901543" cy="461665"/>
+          </a:xfrm>
+          <a:prstGeom prst="rect">
+            <a:avLst/>
+          </a:prstGeom>
+          <a:noFill/>
+        </p:spPr>
+        <p:txBody>
+          <a:bodyPr wrap="square" rtlCol="0">
+            <a:spAutoFit/>
+          </a:bodyPr>
+          <a:lstStyle/>
+          <a:p>
+            <a:r>
+              <a:rPr lang="en-US" sz="1200" dirty="0"/>
+              <a:t>Link: </a:t>
+            </a:r>
+          </a:p>
+          <a:p>
+            <a:r>
+              <a:rPr lang="en-US" sz="1200" dirty="0"/>
+              <a:t>Source:  2019</a:t>
+            </a:r>
+          </a:p>
+        </p:txBody>
+      </p:sp>
+    </p:spTree>
+    <p:extLst>
+      <p:ext uri="{BB962C8B-B14F-4D97-AF65-F5344CB8AC3E}">
+        <p14:creationId xmlns:p14="http://schemas.microsoft.com/office/powerpoint/2010/main" val="2347703305"/>
       </p:ext>
     </p:extLst>
   </p:cSld>
@@ -5699,7 +8349,7 @@
         </p:nvSpPr>
         <p:spPr>
           <a:xfrm>
-            <a:off x="548545" y="776291"/>
+            <a:off x="554817" y="652298"/>
             <a:ext cx="3831771" cy="369332"/>
           </a:xfrm>
           <a:prstGeom prst="rect">
@@ -5772,7 +8422,7 @@
         </p:nvSpPr>
         <p:spPr>
           <a:xfrm>
-            <a:off x="7583792" y="4979504"/>
+            <a:off x="7625442" y="4147297"/>
             <a:ext cx="2438400" cy="369332"/>
           </a:xfrm>
           <a:prstGeom prst="rect">
@@ -5871,15 +8521,7 @@
             </a:r>
             <a:r>
               <a:rPr lang="en-US" sz="1400" dirty="0"/>
-              <a:t>, and outperforms existing bilinear form based approach and is comparable to or bet- </a:t>
-            </a:r>
-            <a:r>
-              <a:rPr lang="en-US" sz="1400" dirty="0" err="1"/>
-              <a:t>ter</a:t>
-            </a:r>
-            <a:r>
-              <a:rPr lang="en-US" sz="1400" dirty="0"/>
-              <a:t> than deep learning models such as </a:t>
+              <a:t>, and outperforms existing bilinear form based approach and is comparable to or better than deep learning models such as </a:t>
             </a:r>
             <a:r>
               <a:rPr lang="en-US" sz="1400" dirty="0" err="1"/>
@@ -5905,6 +8547,102 @@
           </a:p>
           <a:p>
             <a:endParaRPr lang="en-US" dirty="0"/>
+          </a:p>
+        </p:txBody>
+      </p:sp>
+      <p:pic>
+        <p:nvPicPr>
+          <p:cNvPr id="10" name="Picture 9">
+            <a:extLst>
+              <a:ext uri="{FF2B5EF4-FFF2-40B4-BE49-F238E27FC236}">
+                <a16:creationId xmlns:a16="http://schemas.microsoft.com/office/drawing/2014/main" id="{68387C82-D5F5-B341-A092-F3A6A2CB5712}"/>
+              </a:ext>
+            </a:extLst>
+          </p:cNvPr>
+          <p:cNvPicPr>
+            <a:picLocks noChangeAspect="1"/>
+          </p:cNvPicPr>
+          <p:nvPr/>
+        </p:nvPicPr>
+        <p:blipFill>
+          <a:blip r:embed="rId2"/>
+          <a:stretch>
+            <a:fillRect/>
+          </a:stretch>
+        </p:blipFill>
+        <p:spPr>
+          <a:xfrm>
+            <a:off x="477022" y="1260258"/>
+            <a:ext cx="7072991" cy="4156294"/>
+          </a:xfrm>
+          <a:prstGeom prst="rect">
+            <a:avLst/>
+          </a:prstGeom>
+        </p:spPr>
+      </p:pic>
+      <p:sp>
+        <p:nvSpPr>
+          <p:cNvPr id="12" name="Title 1">
+            <a:extLst>
+              <a:ext uri="{FF2B5EF4-FFF2-40B4-BE49-F238E27FC236}">
+                <a16:creationId xmlns:a16="http://schemas.microsoft.com/office/drawing/2014/main" id="{B02D6F85-15C7-9E4C-930A-1B4573C1CCD1}"/>
+              </a:ext>
+            </a:extLst>
+          </p:cNvPr>
+          <p:cNvSpPr txBox="1">
+            <a:spLocks/>
+          </p:cNvSpPr>
+          <p:nvPr/>
+        </p:nvSpPr>
+        <p:spPr>
+          <a:xfrm>
+            <a:off x="577297" y="294066"/>
+            <a:ext cx="9144000" cy="477837"/>
+          </a:xfrm>
+          <a:prstGeom prst="rect">
+            <a:avLst/>
+          </a:prstGeom>
+        </p:spPr>
+        <p:txBody>
+          <a:bodyPr vert="horz" lIns="91440" tIns="45720" rIns="91440" bIns="45720" rtlCol="0" anchor="ctr">
+            <a:normAutofit/>
+          </a:bodyPr>
+          <a:lstStyle>
+            <a:lvl1pPr algn="l" defTabSz="914400" rtl="0" eaLnBrk="1" latinLnBrk="0" hangingPunct="1">
+              <a:lnSpc>
+                <a:spcPct val="90000"/>
+              </a:lnSpc>
+              <a:spcBef>
+                <a:spcPct val="0"/>
+              </a:spcBef>
+              <a:buNone/>
+              <a:defRPr sz="4400" kern="1200">
+                <a:solidFill>
+                  <a:schemeClr val="tx1"/>
+                </a:solidFill>
+                <a:latin typeface="+mj-lt"/>
+                <a:ea typeface="+mj-ea"/>
+                <a:cs typeface="+mj-cs"/>
+              </a:defRPr>
+            </a:lvl1pPr>
+          </a:lstStyle>
+          <a:p>
+            <a:r>
+              <a:rPr lang="en-US" sz="1600" b="1" dirty="0" err="1">
+                <a:latin typeface="+mn-lt"/>
+                <a:ea typeface="+mn-ea"/>
+                <a:cs typeface="+mn-cs"/>
+              </a:rPr>
+              <a:t>DihEdral</a:t>
+            </a:r>
+            <a:r>
+              <a:rPr lang="en-US" sz="1600" b="1" dirty="0">
+                <a:latin typeface="+mn-lt"/>
+                <a:ea typeface="+mn-ea"/>
+                <a:cs typeface="+mn-cs"/>
+              </a:rPr>
+              <a:t>: Relation Embedding with Dihedral Group in Knowledge Graph</a:t>
+            </a:r>
           </a:p>
         </p:txBody>
       </p:sp>
@@ -5973,7 +8711,7 @@
                 <a:ea typeface="+mn-ea"/>
                 <a:cs typeface="+mn-cs"/>
               </a:rPr>
-              <a:t>RSN: Learning to Exploit Long-term Relational Dependencies in Knowledge Graphs</a:t>
+              <a:t>A Relational Memory-based Embedding Model for Triple Classification and Search Personalization</a:t>
             </a:r>
           </a:p>
         </p:txBody>
@@ -5996,8 +8734,8 @@
         </p:nvSpPr>
         <p:spPr>
           <a:xfrm>
-            <a:off x="1208314" y="2060497"/>
-            <a:ext cx="9144000" cy="926419"/>
+            <a:off x="1208314" y="1666728"/>
+            <a:ext cx="9144000" cy="353930"/>
           </a:xfrm>
         </p:spPr>
         <p:txBody>
@@ -6076,7 +8814,7 @@
         <p:spPr>
           <a:xfrm>
             <a:off x="1208314" y="3429000"/>
-            <a:ext cx="7641772" cy="1015663"/>
+            <a:ext cx="7641772" cy="584775"/>
           </a:xfrm>
           <a:prstGeom prst="rect">
             <a:avLst/>
@@ -6095,18 +8833,7 @@
             </a:r>
           </a:p>
           <a:p>
-            <a:r>
-              <a:rPr lang="en-US" sz="1400" dirty="0"/>
-              <a:t>RSNs integrate recurrent neural networks with residual learning to efficiently capture the long-term relational dependencies of entities within and between </a:t>
-            </a:r>
-            <a:r>
-              <a:rPr lang="en-US" sz="1400" dirty="0" err="1"/>
-              <a:t>KGs.</a:t>
-            </a:r>
-            <a:r>
-              <a:rPr lang="en-US" sz="1400" dirty="0"/>
-              <a:t> We also design an end-to-end framework to support RSNs on two tasks link prediction and entity alignment.</a:t>
-            </a:r>
+            <a:endParaRPr lang="en-US" sz="1400" dirty="0"/>
           </a:p>
         </p:txBody>
       </p:sp>
@@ -6146,22 +8873,145 @@
               <a:rPr lang="en-US" sz="1200" dirty="0">
                 <a:hlinkClick r:id="rId2"/>
               </a:rPr>
-              <a:t>http://proceedings.mlr.press/v97/guo19c/guo19c.pdf</a:t>
+              <a:t>https://arxiv.org/pdf/1907.06080.pdf</a:t>
             </a:r>
             <a:endParaRPr lang="en-US" sz="1200" dirty="0"/>
           </a:p>
           <a:p>
             <a:r>
               <a:rPr lang="en-US" sz="1200" dirty="0"/>
-              <a:t>Source: ICML 2019</a:t>
-            </a:r>
+              <a:t>Source:  ACL 2020</a:t>
+            </a:r>
+          </a:p>
+        </p:txBody>
+      </p:sp>
+      <p:sp>
+        <p:nvSpPr>
+          <p:cNvPr id="7" name="TextBox 6">
+            <a:extLst>
+              <a:ext uri="{FF2B5EF4-FFF2-40B4-BE49-F238E27FC236}">
+                <a16:creationId xmlns:a16="http://schemas.microsoft.com/office/drawing/2014/main" id="{08C743C2-0E16-7F44-863F-49D5567F9D1D}"/>
+              </a:ext>
+            </a:extLst>
+          </p:cNvPr>
+          <p:cNvSpPr txBox="1"/>
+          <p:nvPr/>
+        </p:nvSpPr>
+        <p:spPr>
+          <a:xfrm>
+            <a:off x="1208313" y="3826568"/>
+            <a:ext cx="10093260" cy="1877437"/>
+          </a:xfrm>
+          <a:prstGeom prst="rect">
+            <a:avLst/>
+          </a:prstGeom>
+          <a:noFill/>
+        </p:spPr>
+        <p:txBody>
+          <a:bodyPr wrap="square" rtlCol="0">
+            <a:spAutoFit/>
+          </a:bodyPr>
+          <a:lstStyle/>
+          <a:p>
+            <a:r>
+              <a:rPr lang="en-US" sz="1400" dirty="0"/>
+              <a:t>R-</a:t>
+            </a:r>
+            <a:r>
+              <a:rPr lang="en-US" sz="1400" dirty="0" err="1"/>
+              <a:t>MeN</a:t>
+            </a:r>
+            <a:r>
+              <a:rPr lang="en-US" sz="1400" dirty="0"/>
+              <a:t> explores a relational memory network to encode potential dependencies in relationship triples.</a:t>
+            </a:r>
+          </a:p>
+          <a:p>
+            <a:r>
+              <a:rPr lang="en-US" sz="1400" dirty="0"/>
+              <a:t> R- </a:t>
+            </a:r>
+            <a:r>
+              <a:rPr lang="en-US" sz="1400" dirty="0" err="1"/>
+              <a:t>MeN</a:t>
+            </a:r>
+            <a:r>
+              <a:rPr lang="en-US" sz="1400" dirty="0"/>
+              <a:t> considers each triple as a sequence of 3 input vectors that recurrently interact with a memory using a transformer self-attention mechanism. Thus R-</a:t>
+            </a:r>
+            <a:r>
+              <a:rPr lang="en-US" sz="1400" dirty="0" err="1"/>
+              <a:t>MeN</a:t>
+            </a:r>
+            <a:r>
+              <a:rPr lang="en-US" sz="1400" dirty="0"/>
+              <a:t> encodes new information from interactions between the memory and each input vector to return a corresponding vector. </a:t>
+            </a:r>
+          </a:p>
+          <a:p>
+            <a:r>
+              <a:rPr lang="en-US" sz="1400" dirty="0"/>
+              <a:t>Consequently, R-</a:t>
+            </a:r>
+            <a:r>
+              <a:rPr lang="en-US" sz="1400" dirty="0" err="1"/>
+              <a:t>MeN</a:t>
+            </a:r>
+            <a:r>
+              <a:rPr lang="en-US" sz="1400" dirty="0"/>
+              <a:t> feeds these 3 returned vectors to a convolutional neural network-based decoder to produce a scalar score for the triple. </a:t>
+            </a:r>
+          </a:p>
+          <a:p>
+            <a:endParaRPr lang="en-US" sz="1400" dirty="0"/>
+          </a:p>
+          <a:p>
+            <a:endParaRPr lang="en-US" dirty="0"/>
+          </a:p>
+        </p:txBody>
+      </p:sp>
+      <p:sp>
+        <p:nvSpPr>
+          <p:cNvPr id="8" name="TextBox 7">
+            <a:extLst>
+              <a:ext uri="{FF2B5EF4-FFF2-40B4-BE49-F238E27FC236}">
+                <a16:creationId xmlns:a16="http://schemas.microsoft.com/office/drawing/2014/main" id="{5CB8C637-F0FA-0043-A9EE-921DC23D1938}"/>
+              </a:ext>
+            </a:extLst>
+          </p:cNvPr>
+          <p:cNvSpPr txBox="1"/>
+          <p:nvPr/>
+        </p:nvSpPr>
+        <p:spPr>
+          <a:xfrm>
+            <a:off x="1208313" y="2059394"/>
+            <a:ext cx="9939147" cy="1446550"/>
+          </a:xfrm>
+          <a:prstGeom prst="rect">
+            <a:avLst/>
+          </a:prstGeom>
+          <a:noFill/>
+        </p:spPr>
+        <p:txBody>
+          <a:bodyPr wrap="square" rtlCol="0">
+            <a:spAutoFit/>
+          </a:bodyPr>
+          <a:lstStyle/>
+          <a:p>
+            <a:r>
+              <a:rPr lang="en-US" sz="1400" dirty="0"/>
+              <a:t>Existing embedding models are showing promising performances mainly for knowledge graph completion, where the goal is to infer a missing entity given a relation and another entity. But in real applications, less mentioned, such as triple classification that aims to predict whether a given triple is valid, and search personalization that aims to re-rank the relevant documents returned by a user-oriented search system given a query, these models do not effectively capture potential dependencies among entities and relations from existing triples to predict new triples. </a:t>
+            </a:r>
+          </a:p>
+          <a:p>
+            <a:endParaRPr lang="en-US" dirty="0"/>
           </a:p>
         </p:txBody>
       </p:sp>
     </p:spTree>
     <p:extLst>
       <p:ext uri="{BB962C8B-B14F-4D97-AF65-F5344CB8AC3E}">
-        <p14:creationId xmlns:p14="http://schemas.microsoft.com/office/powerpoint/2010/main" val="2182123352"/>
+        <p14:creationId xmlns:p14="http://schemas.microsoft.com/office/powerpoint/2010/main" val="3613068676"/>
       </p:ext>
     </p:extLst>
   </p:cSld>
@@ -6190,90 +9040,178 @@
       </p:grpSpPr>
       <p:sp>
         <p:nvSpPr>
-          <p:cNvPr id="2" name="Title 1">
-            <a:extLst>
-              <a:ext uri="{FF2B5EF4-FFF2-40B4-BE49-F238E27FC236}">
-                <a16:creationId xmlns:a16="http://schemas.microsoft.com/office/drawing/2014/main" id="{D7317AF7-C0C1-B64C-80AB-E4D5190FBCD8}"/>
-              </a:ext>
-            </a:extLst>
-          </p:cNvPr>
-          <p:cNvSpPr>
-            <a:spLocks noGrp="1"/>
+          <p:cNvPr id="4" name="TextBox 3">
+            <a:extLst>
+              <a:ext uri="{FF2B5EF4-FFF2-40B4-BE49-F238E27FC236}">
+                <a16:creationId xmlns:a16="http://schemas.microsoft.com/office/drawing/2014/main" id="{4BA5FF7F-4D31-B04A-B743-6CB08B5D87C5}"/>
+              </a:ext>
+            </a:extLst>
+          </p:cNvPr>
+          <p:cNvSpPr txBox="1"/>
+          <p:nvPr/>
+        </p:nvSpPr>
+        <p:spPr>
+          <a:xfrm>
+            <a:off x="707571" y="1009746"/>
+            <a:ext cx="3831771" cy="369332"/>
+          </a:xfrm>
+          <a:prstGeom prst="rect">
+            <a:avLst/>
+          </a:prstGeom>
+          <a:noFill/>
+        </p:spPr>
+        <p:txBody>
+          <a:bodyPr wrap="square" rtlCol="0">
+            <a:spAutoFit/>
+          </a:bodyPr>
+          <a:lstStyle/>
+          <a:p>
+            <a:r>
+              <a:rPr lang="en-US" dirty="0"/>
+              <a:t>Evaluation:</a:t>
+            </a:r>
+          </a:p>
+        </p:txBody>
+      </p:sp>
+      <p:sp>
+        <p:nvSpPr>
+          <p:cNvPr id="5" name="TextBox 4">
+            <a:extLst>
+              <a:ext uri="{FF2B5EF4-FFF2-40B4-BE49-F238E27FC236}">
+                <a16:creationId xmlns:a16="http://schemas.microsoft.com/office/drawing/2014/main" id="{2A6021E0-4777-DA47-A283-E30B8C427A77}"/>
+              </a:ext>
+            </a:extLst>
+          </p:cNvPr>
+          <p:cNvSpPr txBox="1"/>
+          <p:nvPr/>
+        </p:nvSpPr>
+        <p:spPr>
+          <a:xfrm>
+            <a:off x="7407668" y="1009746"/>
+            <a:ext cx="2688772" cy="369332"/>
+          </a:xfrm>
+          <a:prstGeom prst="rect">
+            <a:avLst/>
+          </a:prstGeom>
+          <a:noFill/>
+        </p:spPr>
+        <p:txBody>
+          <a:bodyPr wrap="square" rtlCol="0">
+            <a:spAutoFit/>
+          </a:bodyPr>
+          <a:lstStyle/>
+          <a:p>
+            <a:r>
+              <a:rPr lang="en-US" dirty="0"/>
+              <a:t>Contributions:</a:t>
+            </a:r>
+          </a:p>
+        </p:txBody>
+      </p:sp>
+      <p:sp>
+        <p:nvSpPr>
+          <p:cNvPr id="6" name="TextBox 5">
+            <a:extLst>
+              <a:ext uri="{FF2B5EF4-FFF2-40B4-BE49-F238E27FC236}">
+                <a16:creationId xmlns:a16="http://schemas.microsoft.com/office/drawing/2014/main" id="{2BCBD42A-B05A-774D-A7A8-61F4B02E0D07}"/>
+              </a:ext>
+            </a:extLst>
+          </p:cNvPr>
+          <p:cNvSpPr txBox="1"/>
+          <p:nvPr/>
+        </p:nvSpPr>
+        <p:spPr>
+          <a:xfrm>
+            <a:off x="7413171" y="3080614"/>
+            <a:ext cx="2438400" cy="369332"/>
+          </a:xfrm>
+          <a:prstGeom prst="rect">
+            <a:avLst/>
+          </a:prstGeom>
+          <a:noFill/>
+        </p:spPr>
+        <p:txBody>
+          <a:bodyPr wrap="square" rtlCol="0">
+            <a:spAutoFit/>
+          </a:bodyPr>
+          <a:lstStyle/>
+          <a:p>
+            <a:r>
+              <a:rPr lang="en-US" dirty="0"/>
+              <a:t>Limitations:</a:t>
+            </a:r>
+          </a:p>
+        </p:txBody>
+      </p:sp>
+      <p:sp>
+        <p:nvSpPr>
+          <p:cNvPr id="8" name="Title 1">
+            <a:extLst>
+              <a:ext uri="{FF2B5EF4-FFF2-40B4-BE49-F238E27FC236}">
+                <a16:creationId xmlns:a16="http://schemas.microsoft.com/office/drawing/2014/main" id="{93DF84D3-0326-884A-A9D6-62881854C088}"/>
+              </a:ext>
+            </a:extLst>
+          </p:cNvPr>
+          <p:cNvSpPr txBox="1">
+            <a:spLocks/>
           </p:cNvSpPr>
-          <p:nvPr>
-            <p:ph type="ctrTitle"/>
-          </p:nvPr>
-        </p:nvSpPr>
-        <p:spPr>
-          <a:xfrm>
-            <a:off x="1208314" y="930729"/>
+          <p:nvPr/>
+        </p:nvSpPr>
+        <p:spPr>
+          <a:xfrm>
+            <a:off x="707571" y="298454"/>
             <a:ext cx="9144000" cy="477837"/>
           </a:xfrm>
-        </p:spPr>
-        <p:txBody>
-          <a:bodyPr>
+          <a:prstGeom prst="rect">
+            <a:avLst/>
+          </a:prstGeom>
+        </p:spPr>
+        <p:txBody>
+          <a:bodyPr vert="horz" lIns="91440" tIns="45720" rIns="91440" bIns="45720" rtlCol="0" anchor="ctr">
             <a:normAutofit/>
           </a:bodyPr>
-          <a:lstStyle/>
-          <a:p>
-            <a:pPr algn="l"/>
-            <a:r>
-              <a:rPr lang="en-US" sz="1600" dirty="0">
+          <a:lstStyle>
+            <a:lvl1pPr algn="l" defTabSz="914400" rtl="0" eaLnBrk="1" latinLnBrk="0" hangingPunct="1">
+              <a:lnSpc>
+                <a:spcPct val="90000"/>
+              </a:lnSpc>
+              <a:spcBef>
+                <a:spcPct val="0"/>
+              </a:spcBef>
+              <a:buNone/>
+              <a:defRPr sz="4400" kern="1200">
+                <a:solidFill>
+                  <a:schemeClr val="tx1"/>
+                </a:solidFill>
+                <a:latin typeface="+mj-lt"/>
+                <a:ea typeface="+mj-ea"/>
+                <a:cs typeface="+mj-cs"/>
+              </a:defRPr>
+            </a:lvl1pPr>
+          </a:lstStyle>
+          <a:p>
+            <a:r>
+              <a:rPr lang="en-US" sz="1600" b="1">
                 <a:latin typeface="+mn-lt"/>
                 <a:ea typeface="+mn-ea"/>
                 <a:cs typeface="+mn-cs"/>
               </a:rPr>
-              <a:t>Paper Name</a:t>
-            </a:r>
-          </a:p>
-        </p:txBody>
-      </p:sp>
-      <p:sp>
-        <p:nvSpPr>
-          <p:cNvPr id="3" name="Subtitle 2">
-            <a:extLst>
-              <a:ext uri="{FF2B5EF4-FFF2-40B4-BE49-F238E27FC236}">
-                <a16:creationId xmlns:a16="http://schemas.microsoft.com/office/drawing/2014/main" id="{0A64B25C-1E83-D14F-82EC-CC2D9EFA4F64}"/>
-              </a:ext>
-            </a:extLst>
-          </p:cNvPr>
-          <p:cNvSpPr>
-            <a:spLocks noGrp="1"/>
-          </p:cNvSpPr>
-          <p:nvPr>
-            <p:ph type="subTitle" idx="1"/>
-          </p:nvPr>
-        </p:nvSpPr>
-        <p:spPr>
-          <a:xfrm>
-            <a:off x="1208314" y="2060497"/>
-            <a:ext cx="9144000" cy="926419"/>
-          </a:xfrm>
-        </p:spPr>
-        <p:txBody>
-          <a:bodyPr>
-            <a:normAutofit/>
-          </a:bodyPr>
-          <a:lstStyle/>
-          <a:p>
-            <a:pPr algn="l"/>
-            <a:r>
-              <a:rPr lang="en-US" sz="1600" dirty="0"/>
-              <a:t>Limitation of Existing Work:</a:t>
-            </a:r>
-          </a:p>
-          <a:p>
-            <a:pPr algn="l"/>
-            <a:endParaRPr lang="en-US" sz="1600" dirty="0"/>
-          </a:p>
-        </p:txBody>
-      </p:sp>
-      <p:sp>
-        <p:nvSpPr>
-          <p:cNvPr id="4" name="TextBox 3">
-            <a:extLst>
-              <a:ext uri="{FF2B5EF4-FFF2-40B4-BE49-F238E27FC236}">
-                <a16:creationId xmlns:a16="http://schemas.microsoft.com/office/drawing/2014/main" id="{41ED2B90-6835-0C4B-B85A-2512916878C1}"/>
+              <a:t>A Relational Memory-based Embedding Model for Triple Classification and Search Personalization</a:t>
+            </a:r>
+            <a:endParaRPr lang="en-US" sz="1600" b="1" dirty="0">
+              <a:latin typeface="+mn-lt"/>
+              <a:ea typeface="+mn-ea"/>
+              <a:cs typeface="+mn-cs"/>
+            </a:endParaRPr>
+          </a:p>
+        </p:txBody>
+      </p:sp>
+      <p:sp>
+        <p:nvSpPr>
+          <p:cNvPr id="2" name="TextBox 1">
+            <a:extLst>
+              <a:ext uri="{FF2B5EF4-FFF2-40B4-BE49-F238E27FC236}">
+                <a16:creationId xmlns:a16="http://schemas.microsoft.com/office/drawing/2014/main" id="{7C1D0F9B-F09F-E641-AE9F-19679F6C28E8}"/>
               </a:ext>
             </a:extLst>
           </p:cNvPr>
@@ -6282,8 +9220,8 @@
         </p:nvSpPr>
         <p:spPr>
           <a:xfrm>
-            <a:off x="408214" y="303235"/>
-            <a:ext cx="1600200" cy="369332"/>
+            <a:off x="7407668" y="1614293"/>
+            <a:ext cx="4059722" cy="1231106"/>
           </a:xfrm>
           <a:prstGeom prst="rect">
             <a:avLst/>
@@ -6297,103 +9235,79 @@
           <a:lstStyle/>
           <a:p>
             <a:r>
-              <a:rPr lang="en-US" dirty="0">
-                <a:solidFill>
-                  <a:srgbClr val="C00000"/>
-                </a:solidFill>
-              </a:rPr>
-              <a:t>Embedding</a:t>
-            </a:r>
-          </a:p>
-        </p:txBody>
-      </p:sp>
-      <p:sp>
-        <p:nvSpPr>
-          <p:cNvPr id="5" name="TextBox 4">
-            <a:extLst>
-              <a:ext uri="{FF2B5EF4-FFF2-40B4-BE49-F238E27FC236}">
-                <a16:creationId xmlns:a16="http://schemas.microsoft.com/office/drawing/2014/main" id="{AFB09293-029A-E64B-B817-64C522758E60}"/>
-              </a:ext>
-            </a:extLst>
-          </p:cNvPr>
-          <p:cNvSpPr txBox="1"/>
+              <a:rPr lang="en-US" sz="1400" dirty="0"/>
+              <a:t>A novel KG embedding model to memorize and encode the potential dependencies among relations and entities for two real applications of triple classification and search personalization. </a:t>
+            </a:r>
+          </a:p>
+          <a:p>
+            <a:endParaRPr lang="en-US" dirty="0"/>
+          </a:p>
+        </p:txBody>
+      </p:sp>
+      <p:pic>
+        <p:nvPicPr>
+          <p:cNvPr id="9" name="Picture 8">
+            <a:extLst>
+              <a:ext uri="{FF2B5EF4-FFF2-40B4-BE49-F238E27FC236}">
+                <a16:creationId xmlns:a16="http://schemas.microsoft.com/office/drawing/2014/main" id="{3E97341E-26BF-7448-B40B-B0E8F8E216BD}"/>
+              </a:ext>
+            </a:extLst>
+          </p:cNvPr>
+          <p:cNvPicPr>
+            <a:picLocks noChangeAspect="1"/>
+          </p:cNvPicPr>
           <p:nvPr/>
-        </p:nvSpPr>
-        <p:spPr>
-          <a:xfrm>
-            <a:off x="1208314" y="3175456"/>
-            <a:ext cx="7641772" cy="646331"/>
-          </a:xfrm>
-          <a:prstGeom prst="rect">
-            <a:avLst/>
-          </a:prstGeom>
-          <a:noFill/>
-        </p:spPr>
-        <p:txBody>
-          <a:bodyPr wrap="square" rtlCol="0">
-            <a:spAutoFit/>
-          </a:bodyPr>
-          <a:lstStyle/>
-          <a:p>
-            <a:r>
-              <a:rPr lang="en-US" sz="1600" dirty="0"/>
-              <a:t>Key idea of Approach</a:t>
-            </a:r>
-            <a:r>
-              <a:rPr lang="en-US" dirty="0"/>
-              <a:t>:</a:t>
-            </a:r>
-          </a:p>
-          <a:p>
-            <a:endParaRPr lang="en-US" dirty="0"/>
-          </a:p>
-        </p:txBody>
-      </p:sp>
-      <p:sp>
-        <p:nvSpPr>
-          <p:cNvPr id="6" name="TextBox 5">
-            <a:extLst>
-              <a:ext uri="{FF2B5EF4-FFF2-40B4-BE49-F238E27FC236}">
-                <a16:creationId xmlns:a16="http://schemas.microsoft.com/office/drawing/2014/main" id="{0D9FCB9E-2E46-9849-8B1B-EC2C1B783C97}"/>
-              </a:ext>
-            </a:extLst>
-          </p:cNvPr>
-          <p:cNvSpPr txBox="1"/>
+        </p:nvPicPr>
+        <p:blipFill>
+          <a:blip r:embed="rId2"/>
+          <a:stretch>
+            <a:fillRect/>
+          </a:stretch>
+        </p:blipFill>
+        <p:spPr>
+          <a:xfrm>
+            <a:off x="3584640" y="1553126"/>
+            <a:ext cx="3000072" cy="2210579"/>
+          </a:xfrm>
+          <a:prstGeom prst="rect">
+            <a:avLst/>
+          </a:prstGeom>
+        </p:spPr>
+      </p:pic>
+      <p:pic>
+        <p:nvPicPr>
+          <p:cNvPr id="11" name="Picture 10">
+            <a:extLst>
+              <a:ext uri="{FF2B5EF4-FFF2-40B4-BE49-F238E27FC236}">
+                <a16:creationId xmlns:a16="http://schemas.microsoft.com/office/drawing/2014/main" id="{3E552F36-C908-A044-899A-691668239662}"/>
+              </a:ext>
+            </a:extLst>
+          </p:cNvPr>
+          <p:cNvPicPr>
+            <a:picLocks noChangeAspect="1"/>
+          </p:cNvPicPr>
           <p:nvPr/>
-        </p:nvSpPr>
-        <p:spPr>
-          <a:xfrm>
-            <a:off x="1208314" y="5845629"/>
-            <a:ext cx="6901543" cy="461665"/>
-          </a:xfrm>
-          <a:prstGeom prst="rect">
-            <a:avLst/>
-          </a:prstGeom>
-          <a:noFill/>
-        </p:spPr>
-        <p:txBody>
-          <a:bodyPr wrap="square" rtlCol="0">
-            <a:spAutoFit/>
-          </a:bodyPr>
-          <a:lstStyle/>
-          <a:p>
-            <a:r>
-              <a:rPr lang="en-US" sz="1200" dirty="0"/>
-              <a:t>Link:</a:t>
-            </a:r>
-          </a:p>
-          <a:p>
-            <a:r>
-              <a:rPr lang="en-US" sz="1200" dirty="0"/>
-              <a:t>Source:</a:t>
-            </a:r>
-          </a:p>
-        </p:txBody>
-      </p:sp>
+        </p:nvPicPr>
+        <p:blipFill>
+          <a:blip r:embed="rId3"/>
+          <a:stretch>
+            <a:fillRect/>
+          </a:stretch>
+        </p:blipFill>
+        <p:spPr>
+          <a:xfrm>
+            <a:off x="365015" y="1481239"/>
+            <a:ext cx="3272908" cy="4231192"/>
+          </a:xfrm>
+          <a:prstGeom prst="rect">
+            <a:avLst/>
+          </a:prstGeom>
+        </p:spPr>
+      </p:pic>
     </p:spTree>
     <p:extLst>
       <p:ext uri="{BB962C8B-B14F-4D97-AF65-F5344CB8AC3E}">
-        <p14:creationId xmlns:p14="http://schemas.microsoft.com/office/powerpoint/2010/main" val="2463807294"/>
+        <p14:creationId xmlns:p14="http://schemas.microsoft.com/office/powerpoint/2010/main" val="3130742331"/>
       </p:ext>
     </p:extLst>
   </p:cSld>
@@ -6438,32 +9352,24 @@
         </p:nvSpPr>
         <p:spPr>
           <a:xfrm>
-            <a:off x="1208314" y="930729"/>
+            <a:off x="1311055" y="577702"/>
             <a:ext cx="9144000" cy="477837"/>
           </a:xfrm>
         </p:spPr>
         <p:txBody>
           <a:bodyPr>
-            <a:normAutofit fontScale="90000"/>
+            <a:normAutofit/>
           </a:bodyPr>
           <a:lstStyle/>
           <a:p>
             <a:pPr algn="l"/>
             <a:r>
-              <a:rPr lang="en-US" sz="1600" b="1" dirty="0" err="1">
+              <a:rPr lang="en-US" sz="1600" dirty="0">
                 <a:latin typeface="+mn-lt"/>
                 <a:ea typeface="+mn-ea"/>
                 <a:cs typeface="+mn-cs"/>
               </a:rPr>
-              <a:t>CapsE:A</a:t>
-            </a:r>
-            <a:r>
-              <a:rPr lang="en-US" sz="1600" b="1" dirty="0">
-                <a:latin typeface="+mn-lt"/>
-                <a:ea typeface="+mn-ea"/>
-                <a:cs typeface="+mn-cs"/>
-              </a:rPr>
-              <a:t> Capsule Network-based Embedding Model for Knowledge Graph Completion and Search Personalization.</a:t>
+              <a:t>Orthogonal Relation Transforms with Graph Context Modeling for Knowledge Graph Embedding</a:t>
             </a:r>
           </a:p>
         </p:txBody>
@@ -6486,8 +9392,8 @@
         </p:nvSpPr>
         <p:spPr>
           <a:xfrm>
-            <a:off x="1208314" y="2060497"/>
-            <a:ext cx="9144000" cy="926419"/>
+            <a:off x="1311055" y="1513039"/>
+            <a:ext cx="9144000" cy="477838"/>
           </a:xfrm>
         </p:spPr>
         <p:txBody>
@@ -6498,13 +9404,9 @@
           <a:p>
             <a:pPr algn="l"/>
             <a:r>
-              <a:rPr lang="en-US" sz="1800" dirty="0"/>
+              <a:rPr lang="en-US" sz="1600" dirty="0"/>
               <a:t>Limitation of Existing Work:</a:t>
             </a:r>
-          </a:p>
-          <a:p>
-            <a:pPr algn="l"/>
-            <a:endParaRPr lang="en-US" sz="1400" dirty="0"/>
           </a:p>
           <a:p>
             <a:pPr algn="l"/>
@@ -6565,8 +9467,8 @@
         </p:nvSpPr>
         <p:spPr>
           <a:xfrm>
-            <a:off x="1208314" y="3429000"/>
-            <a:ext cx="7641772" cy="1015663"/>
+            <a:off x="1311055" y="2987254"/>
+            <a:ext cx="7641772" cy="646331"/>
           </a:xfrm>
           <a:prstGeom prst="rect">
             <a:avLst/>
@@ -6580,19 +9482,16 @@
           <a:lstStyle/>
           <a:p>
             <a:r>
+              <a:rPr lang="en-US" sz="1600" dirty="0"/>
+              <a:t>Key idea of Approach</a:t>
+            </a:r>
+            <a:r>
               <a:rPr lang="en-US" dirty="0"/>
-              <a:t>Key idea of Approach:</a:t>
-            </a:r>
-          </a:p>
-          <a:p>
-            <a:r>
-              <a:rPr lang="en-US" sz="1400" dirty="0" err="1"/>
-              <a:t>CapsE</a:t>
-            </a:r>
-            <a:r>
-              <a:rPr lang="en-US" sz="1400" dirty="0"/>
-              <a:t> employs capsule network to model the entries in the triple at the same dimension. The high-level hypothesis is that each capsule accounts for capture variants of a relation-specific attribute of the entities. The length of the final vector serves as the plausibility score of the triple.</a:t>
-            </a:r>
+              <a:t>:</a:t>
+            </a:r>
+          </a:p>
+          <a:p>
+            <a:endParaRPr lang="en-US" dirty="0"/>
           </a:p>
         </p:txBody>
       </p:sp>
@@ -6610,7 +9509,7 @@
         </p:nvSpPr>
         <p:spPr>
           <a:xfrm>
-            <a:off x="1208314" y="5867399"/>
+            <a:off x="1208314" y="5845629"/>
             <a:ext cx="6901543" cy="461665"/>
           </a:xfrm>
           <a:prstGeom prst="rect">
@@ -6632,22 +9531,157 @@
               <a:rPr lang="en-US" sz="1200" dirty="0">
                 <a:hlinkClick r:id="rId2"/>
               </a:rPr>
-              <a:t>https://www.aclweb.org/anthology/N19-1226</a:t>
+              <a:t>https://arxiv.org/pdf/1911.04910.pdf</a:t>
             </a:r>
             <a:endParaRPr lang="en-US" sz="1200" dirty="0"/>
           </a:p>
           <a:p>
             <a:r>
               <a:rPr lang="en-US" sz="1200" dirty="0"/>
-              <a:t>Source: NAACL-HIT 2019</a:t>
-            </a:r>
+              <a:t>Source: ACL 2020</a:t>
+            </a:r>
+          </a:p>
+        </p:txBody>
+      </p:sp>
+      <p:sp>
+        <p:nvSpPr>
+          <p:cNvPr id="7" name="TextBox 6">
+            <a:extLst>
+              <a:ext uri="{FF2B5EF4-FFF2-40B4-BE49-F238E27FC236}">
+                <a16:creationId xmlns:a16="http://schemas.microsoft.com/office/drawing/2014/main" id="{ECF6D3DA-93A1-EB4A-AEAF-A026040A97E2}"/>
+              </a:ext>
+            </a:extLst>
+          </p:cNvPr>
+          <p:cNvSpPr txBox="1"/>
+          <p:nvPr/>
+        </p:nvSpPr>
+        <p:spPr>
+          <a:xfrm>
+            <a:off x="1311055" y="1886928"/>
+            <a:ext cx="9743938" cy="1015663"/>
+          </a:xfrm>
+          <a:prstGeom prst="rect">
+            <a:avLst/>
+          </a:prstGeom>
+          <a:noFill/>
+        </p:spPr>
+        <p:txBody>
+          <a:bodyPr wrap="square" rtlCol="0">
+            <a:spAutoFit/>
+          </a:bodyPr>
+          <a:lstStyle/>
+          <a:p>
+            <a:r>
+              <a:rPr lang="en-US" sz="1400" dirty="0"/>
+              <a:t>Distance-based knowledge graph embeddings have shown substantial improvement on the knowledge graph link prediction task, from </a:t>
+            </a:r>
+            <a:r>
+              <a:rPr lang="en-US" sz="1400" i="1" dirty="0" err="1"/>
+              <a:t>TransE</a:t>
+            </a:r>
+            <a:r>
+              <a:rPr lang="en-US" sz="1400" i="1" dirty="0"/>
+              <a:t> </a:t>
+            </a:r>
+            <a:r>
+              <a:rPr lang="en-US" sz="1400" dirty="0"/>
+              <a:t>to the latest state-of-the-art </a:t>
+            </a:r>
+            <a:r>
+              <a:rPr lang="en-US" sz="1400" i="1" dirty="0" err="1"/>
+              <a:t>RotatE</a:t>
+            </a:r>
+            <a:r>
+              <a:rPr lang="en-US" sz="1400" dirty="0"/>
+              <a:t>. However, complex relations such as N-to-1, 1- to-N and N-to-N still remain challenging to predict. </a:t>
+            </a:r>
+          </a:p>
+          <a:p>
+            <a:endParaRPr lang="en-US" dirty="0"/>
+          </a:p>
+        </p:txBody>
+      </p:sp>
+      <p:sp>
+        <p:nvSpPr>
+          <p:cNvPr id="8" name="TextBox 7">
+            <a:extLst>
+              <a:ext uri="{FF2B5EF4-FFF2-40B4-BE49-F238E27FC236}">
+                <a16:creationId xmlns:a16="http://schemas.microsoft.com/office/drawing/2014/main" id="{3AC7A167-8EC2-2244-9C0A-774CB3E9AA57}"/>
+              </a:ext>
+            </a:extLst>
+          </p:cNvPr>
+          <p:cNvSpPr txBox="1"/>
+          <p:nvPr/>
+        </p:nvSpPr>
+        <p:spPr>
+          <a:xfrm>
+            <a:off x="1311055" y="3555890"/>
+            <a:ext cx="9743938" cy="2154436"/>
+          </a:xfrm>
+          <a:prstGeom prst="rect">
+            <a:avLst/>
+          </a:prstGeom>
+          <a:noFill/>
+        </p:spPr>
+        <p:txBody>
+          <a:bodyPr wrap="square" rtlCol="0">
+            <a:spAutoFit/>
+          </a:bodyPr>
+          <a:lstStyle/>
+          <a:p>
+            <a:pPr marL="285750" indent="-285750">
+              <a:buFont typeface="Arial" panose="020B0604020202020204" pitchFamily="34" charset="0"/>
+              <a:buChar char="•"/>
+            </a:pPr>
+            <a:r>
+              <a:rPr lang="en-US" sz="1400" dirty="0"/>
+              <a:t>First extend the </a:t>
+            </a:r>
+            <a:r>
+              <a:rPr lang="en-US" sz="1400" i="1" dirty="0" err="1"/>
+              <a:t>RotatE</a:t>
+            </a:r>
+            <a:r>
+              <a:rPr lang="en-US" sz="1400" i="1" dirty="0"/>
+              <a:t> </a:t>
+            </a:r>
+            <a:r>
+              <a:rPr lang="en-US" sz="1400" dirty="0"/>
+              <a:t>from 2D complex domain to high dimensional space with orthogonal transforms to model relations. The orthogonal transform embedding for relations keeps the capability for modeling symmetric/anti-symmetric, inverse and compositional relations while achieves better modeling capacity. </a:t>
+            </a:r>
+          </a:p>
+          <a:p>
+            <a:pPr marL="285750" indent="-285750">
+              <a:buFont typeface="Arial" panose="020B0604020202020204" pitchFamily="34" charset="0"/>
+              <a:buChar char="•"/>
+            </a:pPr>
+            <a:r>
+              <a:rPr lang="en-US" sz="1400" dirty="0"/>
+              <a:t>Second, the graph context is integrated into distance scoring functions directly. </a:t>
+            </a:r>
+          </a:p>
+          <a:p>
+            <a:pPr marL="285750" indent="-285750">
+              <a:buFont typeface="Arial" panose="020B0604020202020204" pitchFamily="34" charset="0"/>
+              <a:buChar char="•"/>
+            </a:pPr>
+            <a:r>
+              <a:rPr lang="en-US" sz="1400" dirty="0"/>
+              <a:t>Graph context is explicitly modeled via two directed context representations. Each node embedding in knowledge graph is augmented with two context representations, which are computed from the neigh- boring outgoing and incoming nodes/edges respectively. </a:t>
+            </a:r>
+          </a:p>
+          <a:p>
+            <a:endParaRPr lang="en-US" dirty="0"/>
+          </a:p>
+          <a:p>
+            <a:endParaRPr lang="en-US" dirty="0"/>
           </a:p>
         </p:txBody>
       </p:sp>
     </p:spTree>
     <p:extLst>
       <p:ext uri="{BB962C8B-B14F-4D97-AF65-F5344CB8AC3E}">
-        <p14:creationId xmlns:p14="http://schemas.microsoft.com/office/powerpoint/2010/main" val="4267291452"/>
+        <p14:creationId xmlns:p14="http://schemas.microsoft.com/office/powerpoint/2010/main" val="2463807294"/>
       </p:ext>
     </p:extLst>
   </p:cSld>
@@ -6676,62 +9710,68 @@
       </p:grpSpPr>
       <p:sp>
         <p:nvSpPr>
-          <p:cNvPr id="7" name="Rectangle 6">
-            <a:extLst>
-              <a:ext uri="{FF2B5EF4-FFF2-40B4-BE49-F238E27FC236}">
-                <a16:creationId xmlns:a16="http://schemas.microsoft.com/office/drawing/2014/main" id="{E5DFDFFA-B656-4A4D-A764-1021AAB79B13}"/>
-              </a:ext>
-            </a:extLst>
-          </p:cNvPr>
-          <p:cNvSpPr/>
+          <p:cNvPr id="4" name="Title 1">
+            <a:extLst>
+              <a:ext uri="{FF2B5EF4-FFF2-40B4-BE49-F238E27FC236}">
+                <a16:creationId xmlns:a16="http://schemas.microsoft.com/office/drawing/2014/main" id="{08B8D01C-2142-FD43-B4B0-5F5FAE13A36D}"/>
+              </a:ext>
+            </a:extLst>
+          </p:cNvPr>
+          <p:cNvSpPr txBox="1">
+            <a:spLocks/>
+          </p:cNvSpPr>
           <p:nvPr/>
         </p:nvSpPr>
         <p:spPr>
           <a:xfrm>
-            <a:off x="522514" y="776291"/>
-            <a:ext cx="4778829" cy="5428566"/>
-          </a:xfrm>
-          <a:prstGeom prst="rect">
-            <a:avLst/>
-          </a:prstGeom>
-          <a:noFill/>
-          <a:ln>
-            <a:solidFill>
-              <a:srgbClr val="C00000"/>
-            </a:solidFill>
-          </a:ln>
-        </p:spPr>
-        <p:style>
-          <a:lnRef idx="2">
-            <a:schemeClr val="accent1">
-              <a:shade val="50000"/>
-            </a:schemeClr>
-          </a:lnRef>
-          <a:fillRef idx="1">
-            <a:schemeClr val="accent1"/>
-          </a:fillRef>
-          <a:effectRef idx="0">
-            <a:schemeClr val="accent1"/>
-          </a:effectRef>
-          <a:fontRef idx="minor">
-            <a:schemeClr val="lt1"/>
-          </a:fontRef>
-        </p:style>
-        <p:txBody>
-          <a:bodyPr rtlCol="0" anchor="ctr"/>
-          <a:lstStyle/>
-          <a:p>
-            <a:pPr algn="ctr"/>
-            <a:endParaRPr lang="en-US" dirty="0"/>
-          </a:p>
-        </p:txBody>
-      </p:sp>
-      <p:sp>
-        <p:nvSpPr>
-          <p:cNvPr id="4" name="TextBox 3">
-            <a:extLst>
-              <a:ext uri="{FF2B5EF4-FFF2-40B4-BE49-F238E27FC236}">
-                <a16:creationId xmlns:a16="http://schemas.microsoft.com/office/drawing/2014/main" id="{4BA5FF7F-4D31-B04A-B743-6CB08B5D87C5}"/>
+            <a:off x="858992" y="374887"/>
+            <a:ext cx="9144000" cy="477837"/>
+          </a:xfrm>
+          <a:prstGeom prst="rect">
+            <a:avLst/>
+          </a:prstGeom>
+        </p:spPr>
+        <p:txBody>
+          <a:bodyPr vert="horz" lIns="91440" tIns="45720" rIns="91440" bIns="45720" rtlCol="0" anchor="ctr">
+            <a:normAutofit/>
+          </a:bodyPr>
+          <a:lstStyle>
+            <a:lvl1pPr algn="l" defTabSz="914400" rtl="0" eaLnBrk="1" latinLnBrk="0" hangingPunct="1">
+              <a:lnSpc>
+                <a:spcPct val="90000"/>
+              </a:lnSpc>
+              <a:spcBef>
+                <a:spcPct val="0"/>
+              </a:spcBef>
+              <a:buNone/>
+              <a:defRPr sz="4400" kern="1200">
+                <a:solidFill>
+                  <a:schemeClr val="tx1"/>
+                </a:solidFill>
+                <a:latin typeface="+mj-lt"/>
+                <a:ea typeface="+mj-ea"/>
+                <a:cs typeface="+mj-cs"/>
+              </a:defRPr>
+            </a:lvl1pPr>
+          </a:lstStyle>
+          <a:p>
+            <a:r>
+              <a:rPr lang="en-US" sz="1600" dirty="0">
+                <a:latin typeface="+mn-lt"/>
+                <a:ea typeface="+mn-ea"/>
+                <a:cs typeface="+mn-cs"/>
+              </a:rPr>
+              <a:t>Orthogonal Relation Transforms with Graph Context Modeling for Knowledge Graph Embedding</a:t>
+            </a:r>
+          </a:p>
+        </p:txBody>
+      </p:sp>
+      <p:sp>
+        <p:nvSpPr>
+          <p:cNvPr id="5" name="TextBox 4">
+            <a:extLst>
+              <a:ext uri="{FF2B5EF4-FFF2-40B4-BE49-F238E27FC236}">
+                <a16:creationId xmlns:a16="http://schemas.microsoft.com/office/drawing/2014/main" id="{CB4440B1-FB08-3C49-A8BD-4A4F8B174F39}"/>
               </a:ext>
             </a:extLst>
           </p:cNvPr>
@@ -6740,7 +9780,7 @@
         </p:nvSpPr>
         <p:spPr>
           <a:xfrm>
-            <a:off x="707571" y="1009746"/>
+            <a:off x="858992" y="965204"/>
             <a:ext cx="3831771" cy="369332"/>
           </a:xfrm>
           <a:prstGeom prst="rect">
@@ -6763,10 +9803,10 @@
       </p:sp>
       <p:sp>
         <p:nvSpPr>
-          <p:cNvPr id="5" name="TextBox 4">
-            <a:extLst>
-              <a:ext uri="{FF2B5EF4-FFF2-40B4-BE49-F238E27FC236}">
-                <a16:creationId xmlns:a16="http://schemas.microsoft.com/office/drawing/2014/main" id="{2A6021E0-4777-DA47-A283-E30B8C427A77}"/>
+          <p:cNvPr id="6" name="TextBox 5">
+            <a:extLst>
+              <a:ext uri="{FF2B5EF4-FFF2-40B4-BE49-F238E27FC236}">
+                <a16:creationId xmlns:a16="http://schemas.microsoft.com/office/drawing/2014/main" id="{919E28F8-8F82-0F45-BB68-F655DBB95125}"/>
               </a:ext>
             </a:extLst>
           </p:cNvPr>
@@ -6775,8 +9815,8 @@
         </p:nvSpPr>
         <p:spPr>
           <a:xfrm>
-            <a:off x="6531428" y="776291"/>
-            <a:ext cx="2688772" cy="646331"/>
+            <a:off x="8013842" y="952052"/>
+            <a:ext cx="2688772" cy="369332"/>
           </a:xfrm>
           <a:prstGeom prst="rect">
             <a:avLst/>
@@ -6794,17 +9834,14 @@
               <a:t>Contributions:</a:t>
             </a:r>
           </a:p>
-          <a:p>
-            <a:endParaRPr lang="en-US" dirty="0"/>
-          </a:p>
-        </p:txBody>
-      </p:sp>
-      <p:sp>
-        <p:nvSpPr>
-          <p:cNvPr id="6" name="TextBox 5">
-            <a:extLst>
-              <a:ext uri="{FF2B5EF4-FFF2-40B4-BE49-F238E27FC236}">
-                <a16:creationId xmlns:a16="http://schemas.microsoft.com/office/drawing/2014/main" id="{2BCBD42A-B05A-774D-A7A8-61F4B02E0D07}"/>
+        </p:txBody>
+      </p:sp>
+      <p:sp>
+        <p:nvSpPr>
+          <p:cNvPr id="7" name="TextBox 6">
+            <a:extLst>
+              <a:ext uri="{FF2B5EF4-FFF2-40B4-BE49-F238E27FC236}">
+                <a16:creationId xmlns:a16="http://schemas.microsoft.com/office/drawing/2014/main" id="{640AB307-FCD9-C34E-A00E-E99AA74C38FC}"/>
               </a:ext>
             </a:extLst>
           </p:cNvPr>
@@ -6813,7 +9850,7 @@
         </p:nvSpPr>
         <p:spPr>
           <a:xfrm>
-            <a:off x="6531428" y="2939143"/>
+            <a:off x="8013842" y="4659361"/>
             <a:ext cx="2438400" cy="369332"/>
           </a:xfrm>
           <a:prstGeom prst="rect">
@@ -6834,10 +9871,174 @@
           </a:p>
         </p:txBody>
       </p:sp>
+      <p:sp>
+        <p:nvSpPr>
+          <p:cNvPr id="8" name="TextBox 7">
+            <a:extLst>
+              <a:ext uri="{FF2B5EF4-FFF2-40B4-BE49-F238E27FC236}">
+                <a16:creationId xmlns:a16="http://schemas.microsoft.com/office/drawing/2014/main" id="{294BB782-4872-054F-B532-5EDDFE4CDD5C}"/>
+              </a:ext>
+            </a:extLst>
+          </p:cNvPr>
+          <p:cNvSpPr txBox="1"/>
+          <p:nvPr/>
+        </p:nvSpPr>
+        <p:spPr>
+          <a:xfrm>
+            <a:off x="8013842" y="1420712"/>
+            <a:ext cx="3319165" cy="3323987"/>
+          </a:xfrm>
+          <a:prstGeom prst="rect">
+            <a:avLst/>
+          </a:prstGeom>
+          <a:noFill/>
+        </p:spPr>
+        <p:txBody>
+          <a:bodyPr wrap="square" rtlCol="0">
+            <a:spAutoFit/>
+          </a:bodyPr>
+          <a:lstStyle/>
+          <a:p>
+            <a:r>
+              <a:rPr lang="en-US" sz="1200" dirty="0"/>
+              <a:t>• A new orthogonal transform embedding </a:t>
+            </a:r>
+            <a:r>
+              <a:rPr lang="en-US" sz="1200" i="1" dirty="0"/>
+              <a:t>OTE</a:t>
+            </a:r>
+            <a:r>
+              <a:rPr lang="en-US" sz="1200" dirty="0"/>
+              <a:t>, is proposed to extend </a:t>
+            </a:r>
+            <a:r>
+              <a:rPr lang="en-US" sz="1200" i="1" dirty="0" err="1"/>
+              <a:t>RotatE</a:t>
+            </a:r>
+            <a:r>
+              <a:rPr lang="en-US" sz="1200" i="1" dirty="0"/>
+              <a:t> </a:t>
+            </a:r>
+            <a:r>
+              <a:rPr lang="en-US" sz="1200" dirty="0"/>
+              <a:t>from 2D space to high dimensional space, which also models </a:t>
+            </a:r>
+            <a:r>
+              <a:rPr lang="en-US" sz="1200" dirty="0" err="1"/>
+              <a:t>sym</a:t>
+            </a:r>
+            <a:r>
+              <a:rPr lang="en-US" sz="1200" dirty="0"/>
+              <a:t>- </a:t>
+            </a:r>
+            <a:r>
+              <a:rPr lang="en-US" sz="1200" dirty="0" err="1"/>
+              <a:t>metry</a:t>
+            </a:r>
+            <a:r>
+              <a:rPr lang="en-US" sz="1200" dirty="0"/>
+              <a:t>/</a:t>
+            </a:r>
+            <a:r>
+              <a:rPr lang="en-US" sz="1200" dirty="0" err="1"/>
+              <a:t>antisymmery</a:t>
+            </a:r>
+            <a:r>
+              <a:rPr lang="en-US" sz="1200" dirty="0"/>
+              <a:t>, inversion and compositional relation patterns; </a:t>
+            </a:r>
+          </a:p>
+          <a:p>
+            <a:r>
+              <a:rPr lang="en-US" sz="1200" dirty="0"/>
+              <a:t>• A directed graph context modeling method is proposed to integrate knowledge graph context (including both neighboring entity nodes and re- </a:t>
+            </a:r>
+            <a:r>
+              <a:rPr lang="en-US" sz="1200" dirty="0" err="1"/>
+              <a:t>lation</a:t>
+            </a:r>
+            <a:r>
+              <a:rPr lang="en-US" sz="1200" dirty="0"/>
+              <a:t> edges) into the distance scoring function; </a:t>
+            </a:r>
+          </a:p>
+          <a:p>
+            <a:r>
+              <a:rPr lang="en-US" sz="1200" dirty="0"/>
+              <a:t>• Experimental results of </a:t>
+            </a:r>
+            <a:r>
+              <a:rPr lang="en-US" sz="1200" i="1" dirty="0"/>
+              <a:t>OTE </a:t>
+            </a:r>
+            <a:r>
+              <a:rPr lang="en-US" sz="1200" dirty="0"/>
+              <a:t>on standard bench- mark FB15k-237 and WN18RR datasets show consistent improvements over </a:t>
+            </a:r>
+            <a:r>
+              <a:rPr lang="en-US" sz="1200" i="1" dirty="0" err="1"/>
+              <a:t>RotatE</a:t>
+            </a:r>
+            <a:r>
+              <a:rPr lang="en-US" sz="1200" dirty="0"/>
+              <a:t>, the state of art distance-based embedding model, </a:t>
+            </a:r>
+            <a:r>
+              <a:rPr lang="en-US" sz="1200" dirty="0" err="1"/>
+              <a:t>espe</a:t>
+            </a:r>
+            <a:r>
+              <a:rPr lang="en-US" sz="1200" dirty="0"/>
+              <a:t>- </a:t>
+            </a:r>
+            <a:r>
+              <a:rPr lang="en-US" sz="1200" dirty="0" err="1"/>
+              <a:t>cially</a:t>
+            </a:r>
+            <a:r>
+              <a:rPr lang="en-US" sz="1200" dirty="0"/>
+              <a:t> on FB15k-237 with many high in-degree nodes. On WN18RR our results achieve the new state-of-the-art performance. </a:t>
+            </a:r>
+          </a:p>
+          <a:p>
+            <a:endParaRPr lang="en-US" dirty="0"/>
+          </a:p>
+        </p:txBody>
+      </p:sp>
+      <p:pic>
+        <p:nvPicPr>
+          <p:cNvPr id="10" name="Picture 9">
+            <a:extLst>
+              <a:ext uri="{FF2B5EF4-FFF2-40B4-BE49-F238E27FC236}">
+                <a16:creationId xmlns:a16="http://schemas.microsoft.com/office/drawing/2014/main" id="{BFC120E2-AEA9-A847-AD49-159DBE610215}"/>
+              </a:ext>
+            </a:extLst>
+          </p:cNvPr>
+          <p:cNvPicPr>
+            <a:picLocks noChangeAspect="1"/>
+          </p:cNvPicPr>
+          <p:nvPr/>
+        </p:nvPicPr>
+        <p:blipFill>
+          <a:blip r:embed="rId2"/>
+          <a:stretch>
+            <a:fillRect/>
+          </a:stretch>
+        </p:blipFill>
+        <p:spPr>
+          <a:xfrm>
+            <a:off x="815939" y="1473856"/>
+            <a:ext cx="6901416" cy="3323987"/>
+          </a:xfrm>
+          <a:prstGeom prst="rect">
+            <a:avLst/>
+          </a:prstGeom>
+        </p:spPr>
+      </p:pic>
     </p:spTree>
     <p:extLst>
       <p:ext uri="{BB962C8B-B14F-4D97-AF65-F5344CB8AC3E}">
-        <p14:creationId xmlns:p14="http://schemas.microsoft.com/office/powerpoint/2010/main" val="3130742331"/>
+        <p14:creationId xmlns:p14="http://schemas.microsoft.com/office/powerpoint/2010/main" val="2746133442"/>
       </p:ext>
     </p:extLst>
   </p:cSld>
@@ -6882,7 +10083,7 @@
         </p:nvSpPr>
         <p:spPr>
           <a:xfrm>
-            <a:off x="1208314" y="930729"/>
+            <a:off x="1372701" y="673777"/>
             <a:ext cx="9144000" cy="477837"/>
           </a:xfrm>
         </p:spPr>
@@ -6894,20 +10095,12 @@
           <a:p>
             <a:pPr algn="l"/>
             <a:r>
-              <a:rPr lang="en-US" sz="1600" b="1" dirty="0" err="1">
+              <a:rPr lang="en-US" sz="1600" dirty="0">
                 <a:latin typeface="+mn-lt"/>
                 <a:ea typeface="+mn-ea"/>
                 <a:cs typeface="+mn-cs"/>
               </a:rPr>
-              <a:t>CaRe</a:t>
-            </a:r>
-            <a:r>
-              <a:rPr lang="en-US" sz="1600" b="1" dirty="0">
-                <a:latin typeface="+mn-lt"/>
-                <a:ea typeface="+mn-ea"/>
-                <a:cs typeface="+mn-cs"/>
-              </a:rPr>
-              <a:t>: Open Knowledge Graph Embeddings</a:t>
+              <a:t>Neural Variational Inference For Estimating Uncertainty in Knowledge Graph Embeddings</a:t>
             </a:r>
           </a:p>
         </p:txBody>
@@ -6930,8 +10123,8 @@
         </p:nvSpPr>
         <p:spPr>
           <a:xfrm>
-            <a:off x="1208314" y="2060497"/>
-            <a:ext cx="9144000" cy="926419"/>
+            <a:off x="1208314" y="1462687"/>
+            <a:ext cx="9144000" cy="369333"/>
           </a:xfrm>
         </p:spPr>
         <p:txBody>
@@ -6942,13 +10135,9 @@
           <a:p>
             <a:pPr algn="l"/>
             <a:r>
-              <a:rPr lang="en-US" sz="1800" dirty="0"/>
+              <a:rPr lang="en-US" sz="1600" dirty="0"/>
               <a:t>Limitation of Existing Work:</a:t>
             </a:r>
-          </a:p>
-          <a:p>
-            <a:pPr algn="l"/>
-            <a:endParaRPr lang="en-US" sz="1400" dirty="0"/>
           </a:p>
           <a:p>
             <a:pPr algn="l"/>
@@ -6970,8 +10159,8 @@
         </p:nvSpPr>
         <p:spPr>
           <a:xfrm>
-            <a:off x="408214" y="303235"/>
-            <a:ext cx="1600200" cy="369332"/>
+            <a:off x="408213" y="303235"/>
+            <a:ext cx="3074725" cy="369332"/>
           </a:xfrm>
           <a:prstGeom prst="rect">
             <a:avLst/>
@@ -6992,6 +10181,19 @@
               </a:rPr>
               <a:t>Embedding</a:t>
             </a:r>
+            <a:r>
+              <a:rPr lang="en-US" altLang="zh-CN" dirty="0">
+                <a:solidFill>
+                  <a:srgbClr val="C00000"/>
+                </a:solidFill>
+              </a:rPr>
+              <a:t>/Completion</a:t>
+            </a:r>
+            <a:endParaRPr lang="en-US" dirty="0">
+              <a:solidFill>
+                <a:srgbClr val="C00000"/>
+              </a:solidFill>
+            </a:endParaRPr>
           </a:p>
         </p:txBody>
       </p:sp>
@@ -7009,8 +10211,8 @@
         </p:nvSpPr>
         <p:spPr>
           <a:xfrm>
-            <a:off x="1208314" y="3429000"/>
-            <a:ext cx="7641772" cy="1015663"/>
+            <a:off x="1208314" y="3175456"/>
+            <a:ext cx="7641772" cy="646331"/>
           </a:xfrm>
           <a:prstGeom prst="rect">
             <a:avLst/>
@@ -7024,27 +10226,16 @@
           <a:lstStyle/>
           <a:p>
             <a:r>
+              <a:rPr lang="en-US" sz="1600" dirty="0"/>
+              <a:t>Key idea of Approach</a:t>
+            </a:r>
+            <a:r>
               <a:rPr lang="en-US" dirty="0"/>
-              <a:t>Key idea of Approach:</a:t>
-            </a:r>
-          </a:p>
-          <a:p>
-            <a:r>
-              <a:rPr lang="en-US" sz="1400" dirty="0" err="1"/>
-              <a:t>CaRe</a:t>
-            </a:r>
-            <a:r>
-              <a:rPr lang="en-US" sz="1400" dirty="0"/>
-              <a:t> focuses on canonicalization of </a:t>
-            </a:r>
-            <a:r>
-              <a:rPr lang="en-US" sz="1400" dirty="0" err="1"/>
-              <a:t>OpenKGs</a:t>
-            </a:r>
-            <a:r>
-              <a:rPr lang="en-US" sz="1400" dirty="0"/>
-              <a:t>. The model infuses canonicalization in-formation combined with the neighborhood graph structure to learn rich representations of NPs. And it captures the semantic similarity of RPs.</a:t>
-            </a:r>
+              <a:t>:</a:t>
+            </a:r>
+          </a:p>
+          <a:p>
+            <a:endParaRPr lang="en-US" dirty="0"/>
           </a:p>
         </p:txBody>
       </p:sp>
@@ -7062,7 +10253,7 @@
         </p:nvSpPr>
         <p:spPr>
           <a:xfrm>
-            <a:off x="1208314" y="5867399"/>
+            <a:off x="1208314" y="5845629"/>
             <a:ext cx="6901543" cy="461665"/>
           </a:xfrm>
           <a:prstGeom prst="rect">
@@ -7078,28 +10269,162 @@
           <a:p>
             <a:r>
               <a:rPr lang="en-US" sz="1200" dirty="0"/>
-              <a:t>Link: </a:t>
-            </a:r>
-            <a:r>
-              <a:rPr lang="en-US" sz="1200" dirty="0">
+              <a:t>Link:</a:t>
+            </a:r>
+            <a:r>
+              <a:rPr lang="zh-CN" altLang="en-US" sz="1200" dirty="0"/>
+              <a:t> </a:t>
+            </a:r>
+            <a:r>
+              <a:rPr lang="en-US" altLang="zh-CN" sz="1200" dirty="0">
                 <a:hlinkClick r:id="rId2"/>
               </a:rPr>
-              <a:t>http://talukdar.net/papers/CaRe_EMNLP2019.pdf</a:t>
+              <a:t>https://arxiv.org/pdf/1906.04985.pdf</a:t>
             </a:r>
             <a:endParaRPr lang="en-US" sz="1200" dirty="0"/>
           </a:p>
           <a:p>
             <a:r>
               <a:rPr lang="en-US" sz="1200" dirty="0"/>
-              <a:t>Source: EMNLP-IJCNLP 2019</a:t>
-            </a:r>
+              <a:t>Source:</a:t>
+            </a:r>
+            <a:r>
+              <a:rPr lang="zh-CN" altLang="en-US" sz="1200" dirty="0"/>
+              <a:t> </a:t>
+            </a:r>
+            <a:r>
+              <a:rPr lang="en-US" altLang="zh-CN" sz="1200" dirty="0"/>
+              <a:t>IJCAI</a:t>
+            </a:r>
+            <a:r>
+              <a:rPr lang="zh-CN" altLang="en-US" sz="1200" dirty="0"/>
+              <a:t> </a:t>
+            </a:r>
+            <a:r>
+              <a:rPr lang="en-US" altLang="zh-CN" sz="1200" dirty="0"/>
+              <a:t>2020</a:t>
+            </a:r>
+            <a:endParaRPr lang="en-US" sz="1200" dirty="0"/>
+          </a:p>
+        </p:txBody>
+      </p:sp>
+      <p:sp>
+        <p:nvSpPr>
+          <p:cNvPr id="7" name="TextBox 6">
+            <a:extLst>
+              <a:ext uri="{FF2B5EF4-FFF2-40B4-BE49-F238E27FC236}">
+                <a16:creationId xmlns:a16="http://schemas.microsoft.com/office/drawing/2014/main" id="{E5EA9D86-5059-B441-BCBE-7DEF12462D9F}"/>
+              </a:ext>
+            </a:extLst>
+          </p:cNvPr>
+          <p:cNvSpPr txBox="1"/>
+          <p:nvPr/>
+        </p:nvSpPr>
+        <p:spPr>
+          <a:xfrm>
+            <a:off x="1208314" y="3545257"/>
+            <a:ext cx="10514498" cy="1384995"/>
+          </a:xfrm>
+          <a:prstGeom prst="rect">
+            <a:avLst/>
+          </a:prstGeom>
+          <a:noFill/>
+        </p:spPr>
+        <p:txBody>
+          <a:bodyPr wrap="square" rtlCol="0">
+            <a:spAutoFit/>
+          </a:bodyPr>
+          <a:lstStyle/>
+          <a:p>
+            <a:r>
+              <a:rPr lang="en-US" sz="1400" dirty="0"/>
+              <a:t>Construct an inference network conditioned on the symbolic representation of entities and relation types in the Knowledge Graph, to provide the variational distributions. </a:t>
+            </a:r>
+          </a:p>
+          <a:p>
+            <a:r>
+              <a:rPr lang="en-US" sz="1400" dirty="0"/>
+              <a:t>Under a Bernoulli sampling framework,</a:t>
+            </a:r>
+            <a:r>
+              <a:rPr lang="zh-CN" altLang="en-US" sz="1400" dirty="0"/>
+              <a:t> </a:t>
+            </a:r>
+            <a:r>
+              <a:rPr lang="en-US" altLang="zh-CN" sz="1400" dirty="0"/>
+              <a:t>it</a:t>
+            </a:r>
+            <a:r>
+              <a:rPr lang="en-US" sz="1400" dirty="0"/>
+              <a:t> provided an alternative justification for commonly used techniques in large-scale stochastic variational inference, which drastically reduce training time at a cost of an additional approximation to the variational lower bound. It introduced two models from this highly scalable probabilistic framework, namely the Latent Information and Latent Fact models, for reasoning over knowledge graph-based representations. </a:t>
+            </a:r>
+          </a:p>
+        </p:txBody>
+      </p:sp>
+      <p:sp>
+        <p:nvSpPr>
+          <p:cNvPr id="8" name="TextBox 7">
+            <a:extLst>
+              <a:ext uri="{FF2B5EF4-FFF2-40B4-BE49-F238E27FC236}">
+                <a16:creationId xmlns:a16="http://schemas.microsoft.com/office/drawing/2014/main" id="{2E788244-E526-6640-A8C9-D45E3481EAD6}"/>
+              </a:ext>
+            </a:extLst>
+          </p:cNvPr>
+          <p:cNvSpPr txBox="1"/>
+          <p:nvPr/>
+        </p:nvSpPr>
+        <p:spPr>
+          <a:xfrm>
+            <a:off x="1183730" y="1941734"/>
+            <a:ext cx="9332971" cy="1938992"/>
+          </a:xfrm>
+          <a:prstGeom prst="rect">
+            <a:avLst/>
+          </a:prstGeom>
+          <a:noFill/>
+        </p:spPr>
+        <p:txBody>
+          <a:bodyPr wrap="square" rtlCol="0">
+            <a:spAutoFit/>
+          </a:bodyPr>
+          <a:lstStyle/>
+          <a:p>
+            <a:r>
+              <a:rPr lang="en-US" sz="1400" dirty="0"/>
+              <a:t>A significant shortcoming of current neural link prediction models – and for the vast majority of neural representation learning approaches – is their inability to express a notion of uncertainty. Neural link prediction models typically return only point estimates of parameters and predictions, and are trained </a:t>
+            </a:r>
+            <a:r>
+              <a:rPr lang="en-US" sz="1400" i="1" dirty="0"/>
+              <a:t>discriminatively </a:t>
+            </a:r>
+            <a:r>
+              <a:rPr lang="en-US" sz="1400" dirty="0"/>
+              <a:t>rather than </a:t>
+            </a:r>
+            <a:r>
+              <a:rPr lang="en-US" sz="1400" i="1" dirty="0"/>
+              <a:t>generatively</a:t>
+            </a:r>
+            <a:r>
+              <a:rPr lang="en-US" sz="1400" dirty="0"/>
+              <a:t>: they aim at predicting one variable of interest conditioned on all the others, rather than accurately representing the relationships between different variables </a:t>
+            </a:r>
+          </a:p>
+          <a:p>
+            <a:endParaRPr lang="en-US" sz="1400" dirty="0"/>
+          </a:p>
+          <a:p>
+            <a:endParaRPr lang="en-US" dirty="0"/>
+          </a:p>
+          <a:p>
+            <a:endParaRPr lang="en-US" dirty="0"/>
           </a:p>
         </p:txBody>
       </p:sp>
     </p:spTree>
     <p:extLst>
       <p:ext uri="{BB962C8B-B14F-4D97-AF65-F5344CB8AC3E}">
-        <p14:creationId xmlns:p14="http://schemas.microsoft.com/office/powerpoint/2010/main" val="1317585240"/>
+        <p14:creationId xmlns:p14="http://schemas.microsoft.com/office/powerpoint/2010/main" val="3338959350"/>
       </p:ext>
     </p:extLst>
   </p:cSld>

--- a/slides.pptx
+++ b/slides.pptx
@@ -17,17 +17,22 @@
     <p:sldId id="275" r:id="rId11"/>
     <p:sldId id="278" r:id="rId12"/>
     <p:sldId id="276" r:id="rId13"/>
-    <p:sldId id="273" r:id="rId14"/>
-    <p:sldId id="268" r:id="rId15"/>
-    <p:sldId id="271" r:id="rId16"/>
-    <p:sldId id="262" r:id="rId17"/>
-    <p:sldId id="263" r:id="rId18"/>
-    <p:sldId id="264" r:id="rId19"/>
-    <p:sldId id="265" r:id="rId20"/>
-    <p:sldId id="266" r:id="rId21"/>
-    <p:sldId id="267" r:id="rId22"/>
-    <p:sldId id="269" r:id="rId23"/>
-    <p:sldId id="270" r:id="rId24"/>
+    <p:sldId id="262" r:id="rId14"/>
+    <p:sldId id="279" r:id="rId15"/>
+    <p:sldId id="263" r:id="rId16"/>
+    <p:sldId id="280" r:id="rId17"/>
+    <p:sldId id="264" r:id="rId18"/>
+    <p:sldId id="265" r:id="rId19"/>
+    <p:sldId id="266" r:id="rId20"/>
+    <p:sldId id="267" r:id="rId21"/>
+    <p:sldId id="283" r:id="rId22"/>
+    <p:sldId id="273" r:id="rId23"/>
+    <p:sldId id="268" r:id="rId24"/>
+    <p:sldId id="271" r:id="rId25"/>
+    <p:sldId id="281" r:id="rId26"/>
+    <p:sldId id="282" r:id="rId27"/>
+    <p:sldId id="269" r:id="rId28"/>
+    <p:sldId id="270" r:id="rId29"/>
   </p:sldIdLst>
   <p:sldSz cx="12192000" cy="6858000"/>
   <p:notesSz cx="6858000" cy="9144000"/>
@@ -4711,12 +4716,12 @@
           <a:p>
             <a:pPr algn="l"/>
             <a:r>
-              <a:rPr lang="en-US" sz="1600" dirty="0">
+              <a:rPr lang="en-US" sz="1600" b="1" dirty="0">
                 <a:latin typeface="+mn-lt"/>
                 <a:ea typeface="+mn-ea"/>
                 <a:cs typeface="+mn-cs"/>
               </a:rPr>
-              <a:t>Paper Name</a:t>
+              <a:t>RSN: Learning to Exploit Long-term Relational Dependencies in Knowledge Graphs</a:t>
             </a:r>
           </a:p>
         </p:txBody>
@@ -4739,8 +4744,8 @@
         </p:nvSpPr>
         <p:spPr>
           <a:xfrm>
-            <a:off x="1208314" y="2060497"/>
-            <a:ext cx="9144000" cy="926419"/>
+            <a:off x="1208314" y="2060498"/>
+            <a:ext cx="9144000" cy="477838"/>
           </a:xfrm>
         </p:spPr>
         <p:txBody>
@@ -4751,13 +4756,9 @@
           <a:p>
             <a:pPr algn="l"/>
             <a:r>
-              <a:rPr lang="en-US" sz="1600" dirty="0"/>
+              <a:rPr lang="en-US" sz="1800" dirty="0"/>
               <a:t>Limitation of Existing Work:</a:t>
             </a:r>
-          </a:p>
-          <a:p>
-            <a:pPr algn="l"/>
-            <a:endParaRPr lang="en-US" sz="1600" dirty="0"/>
           </a:p>
         </p:txBody>
       </p:sp>
@@ -4814,8 +4815,8 @@
         </p:nvSpPr>
         <p:spPr>
           <a:xfrm>
-            <a:off x="1208314" y="3175456"/>
-            <a:ext cx="7641772" cy="646331"/>
+            <a:off x="1208314" y="3984886"/>
+            <a:ext cx="7641772" cy="1015663"/>
           </a:xfrm>
           <a:prstGeom prst="rect">
             <a:avLst/>
@@ -4829,16 +4830,35 @@
           <a:lstStyle/>
           <a:p>
             <a:r>
-              <a:rPr lang="en-US" sz="1600" dirty="0"/>
-              <a:t>Key idea of Approach</a:t>
-            </a:r>
-            <a:r>
               <a:rPr lang="en-US" dirty="0"/>
-              <a:t>:</a:t>
-            </a:r>
-          </a:p>
-          <a:p>
-            <a:endParaRPr lang="en-US" dirty="0"/>
+              <a:t>Key idea of Approach:</a:t>
+            </a:r>
+          </a:p>
+          <a:p>
+            <a:r>
+              <a:rPr lang="en-US" sz="1400" dirty="0"/>
+              <a:t>RSNs integrate recurrent neural networks with residual learning to efficiently capture the long-term relational dependencies of entities within and between </a:t>
+            </a:r>
+            <a:r>
+              <a:rPr lang="en-US" sz="1400" dirty="0" err="1"/>
+              <a:t>KGs.</a:t>
+            </a:r>
+            <a:r>
+              <a:rPr lang="en-US" sz="1400" dirty="0"/>
+              <a:t> </a:t>
+            </a:r>
+            <a:r>
+              <a:rPr lang="zh-CN" altLang="en-US" sz="1400" dirty="0"/>
+              <a:t> </a:t>
+            </a:r>
+            <a:r>
+              <a:rPr lang="en-US" altLang="zh-CN" sz="1400" dirty="0"/>
+              <a:t>It</a:t>
+            </a:r>
+            <a:r>
+              <a:rPr lang="en-US" sz="1400" dirty="0"/>
+              <a:t> also design an end-to-end framework to support RSNs on two tasks link prediction and entity alignment.</a:t>
+            </a:r>
           </a:p>
         </p:txBody>
       </p:sp>
@@ -4856,7 +4876,7 @@
         </p:nvSpPr>
         <p:spPr>
           <a:xfrm>
-            <a:off x="1208314" y="5845629"/>
+            <a:off x="1208314" y="5867399"/>
             <a:ext cx="6901543" cy="461665"/>
           </a:xfrm>
           <a:prstGeom prst="rect">
@@ -4872,21 +4892,94 @@
           <a:p>
             <a:r>
               <a:rPr lang="en-US" sz="1200" dirty="0"/>
-              <a:t>Link:</a:t>
-            </a:r>
+              <a:t>Link: </a:t>
+            </a:r>
+            <a:r>
+              <a:rPr lang="en-US" sz="1200" dirty="0">
+                <a:hlinkClick r:id="rId2"/>
+              </a:rPr>
+              <a:t>http://proceedings.mlr.press/v97/guo19c/guo19c.pdf</a:t>
+            </a:r>
+            <a:endParaRPr lang="en-US" sz="1200" dirty="0"/>
           </a:p>
           <a:p>
             <a:r>
               <a:rPr lang="en-US" sz="1200" dirty="0"/>
-              <a:t>Source:</a:t>
-            </a:r>
+              <a:t>Source: ICML 2019</a:t>
+            </a:r>
+          </a:p>
+        </p:txBody>
+      </p:sp>
+      <p:sp>
+        <p:nvSpPr>
+          <p:cNvPr id="8" name="TextBox 7">
+            <a:extLst>
+              <a:ext uri="{FF2B5EF4-FFF2-40B4-BE49-F238E27FC236}">
+                <a16:creationId xmlns:a16="http://schemas.microsoft.com/office/drawing/2014/main" id="{F3F5E5A8-FD2F-1F4A-8DF4-FDEA66914843}"/>
+              </a:ext>
+            </a:extLst>
+          </p:cNvPr>
+          <p:cNvSpPr txBox="1"/>
+          <p:nvPr/>
+        </p:nvSpPr>
+        <p:spPr>
+          <a:xfrm>
+            <a:off x="1208314" y="2538336"/>
+            <a:ext cx="10094686" cy="1446550"/>
+          </a:xfrm>
+          <a:prstGeom prst="rect">
+            <a:avLst/>
+          </a:prstGeom>
+          <a:noFill/>
+        </p:spPr>
+        <p:txBody>
+          <a:bodyPr wrap="square" rtlCol="0">
+            <a:spAutoFit/>
+          </a:bodyPr>
+          <a:lstStyle/>
+          <a:p>
+            <a:r>
+              <a:rPr lang="en-US" sz="1400" dirty="0"/>
+              <a:t>For KG embedding, existing methods start with the assumption that similar entities are likely to have similar relational roles. Their primary focus, therefore, lies in learning from relational triples of entities. </a:t>
+            </a:r>
+          </a:p>
+          <a:p>
+            <a:r>
+              <a:rPr lang="en-US" sz="1400" dirty="0"/>
+              <a:t>Triple-level learning has two major limitations: (</a:t>
+            </a:r>
+            <a:r>
+              <a:rPr lang="en-US" sz="1400" dirty="0" err="1"/>
+              <a:t>i</a:t>
+            </a:r>
+            <a:r>
+              <a:rPr lang="en-US" sz="1400" dirty="0"/>
+              <a:t>) low ex- </a:t>
+            </a:r>
+            <a:r>
+              <a:rPr lang="en-US" sz="1400" dirty="0" err="1"/>
+              <a:t>pressiveness</a:t>
+            </a:r>
+            <a:r>
+              <a:rPr lang="en-US" sz="1400" dirty="0"/>
+              <a:t>. (ii) inefficient information propagation </a:t>
+            </a:r>
+          </a:p>
+          <a:p>
+            <a:endParaRPr lang="en-US" sz="1400" dirty="0"/>
+          </a:p>
+          <a:p>
+            <a:endParaRPr lang="en-US" sz="1400" dirty="0"/>
+          </a:p>
+          <a:p>
+            <a:endParaRPr lang="en-US" dirty="0"/>
           </a:p>
         </p:txBody>
       </p:sp>
     </p:spTree>
     <p:extLst>
       <p:ext uri="{BB962C8B-B14F-4D97-AF65-F5344CB8AC3E}">
-        <p14:creationId xmlns:p14="http://schemas.microsoft.com/office/powerpoint/2010/main" val="1006641091"/>
+        <p14:creationId xmlns:p14="http://schemas.microsoft.com/office/powerpoint/2010/main" val="2182123352"/>
       </p:ext>
     </p:extLst>
   </p:cSld>
@@ -4915,155 +5008,238 @@
       </p:grpSpPr>
       <p:sp>
         <p:nvSpPr>
-          <p:cNvPr id="2" name="Title 1">
-            <a:extLst>
-              <a:ext uri="{FF2B5EF4-FFF2-40B4-BE49-F238E27FC236}">
-                <a16:creationId xmlns:a16="http://schemas.microsoft.com/office/drawing/2014/main" id="{D7317AF7-C0C1-B64C-80AB-E4D5190FBCD8}"/>
-              </a:ext>
-            </a:extLst>
-          </p:cNvPr>
-          <p:cNvSpPr>
-            <a:spLocks noGrp="1"/>
+          <p:cNvPr id="5" name="TextBox 4">
+            <a:extLst>
+              <a:ext uri="{FF2B5EF4-FFF2-40B4-BE49-F238E27FC236}">
+                <a16:creationId xmlns:a16="http://schemas.microsoft.com/office/drawing/2014/main" id="{CB4440B1-FB08-3C49-A8BD-4A4F8B174F39}"/>
+              </a:ext>
+            </a:extLst>
+          </p:cNvPr>
+          <p:cNvSpPr txBox="1"/>
+          <p:nvPr/>
+        </p:nvSpPr>
+        <p:spPr>
+          <a:xfrm>
+            <a:off x="776800" y="1236046"/>
+            <a:ext cx="3831771" cy="369332"/>
+          </a:xfrm>
+          <a:prstGeom prst="rect">
+            <a:avLst/>
+          </a:prstGeom>
+          <a:noFill/>
+        </p:spPr>
+        <p:txBody>
+          <a:bodyPr wrap="square" rtlCol="0">
+            <a:spAutoFit/>
+          </a:bodyPr>
+          <a:lstStyle/>
+          <a:p>
+            <a:r>
+              <a:rPr lang="en-US" dirty="0"/>
+              <a:t>Evaluation:</a:t>
+            </a:r>
+          </a:p>
+        </p:txBody>
+      </p:sp>
+      <p:sp>
+        <p:nvSpPr>
+          <p:cNvPr id="6" name="TextBox 5">
+            <a:extLst>
+              <a:ext uri="{FF2B5EF4-FFF2-40B4-BE49-F238E27FC236}">
+                <a16:creationId xmlns:a16="http://schemas.microsoft.com/office/drawing/2014/main" id="{919E28F8-8F82-0F45-BB68-F655DBB95125}"/>
+              </a:ext>
+            </a:extLst>
+          </p:cNvPr>
+          <p:cNvSpPr txBox="1"/>
+          <p:nvPr/>
+        </p:nvSpPr>
+        <p:spPr>
+          <a:xfrm>
+            <a:off x="9435285" y="1339333"/>
+            <a:ext cx="2688772" cy="369332"/>
+          </a:xfrm>
+          <a:prstGeom prst="rect">
+            <a:avLst/>
+          </a:prstGeom>
+          <a:noFill/>
+        </p:spPr>
+        <p:txBody>
+          <a:bodyPr wrap="square" rtlCol="0">
+            <a:spAutoFit/>
+          </a:bodyPr>
+          <a:lstStyle/>
+          <a:p>
+            <a:r>
+              <a:rPr lang="en-US" dirty="0"/>
+              <a:t>Contributions:</a:t>
+            </a:r>
+          </a:p>
+        </p:txBody>
+      </p:sp>
+      <p:sp>
+        <p:nvSpPr>
+          <p:cNvPr id="7" name="TextBox 6">
+            <a:extLst>
+              <a:ext uri="{FF2B5EF4-FFF2-40B4-BE49-F238E27FC236}">
+                <a16:creationId xmlns:a16="http://schemas.microsoft.com/office/drawing/2014/main" id="{640AB307-FCD9-C34E-A00E-E99AA74C38FC}"/>
+              </a:ext>
+            </a:extLst>
+          </p:cNvPr>
+          <p:cNvSpPr txBox="1"/>
+          <p:nvPr/>
+        </p:nvSpPr>
+        <p:spPr>
+          <a:xfrm>
+            <a:off x="839344" y="5401808"/>
+            <a:ext cx="2438400" cy="369332"/>
+          </a:xfrm>
+          <a:prstGeom prst="rect">
+            <a:avLst/>
+          </a:prstGeom>
+          <a:noFill/>
+        </p:spPr>
+        <p:txBody>
+          <a:bodyPr wrap="square" rtlCol="0">
+            <a:spAutoFit/>
+          </a:bodyPr>
+          <a:lstStyle/>
+          <a:p>
+            <a:r>
+              <a:rPr lang="en-US" dirty="0"/>
+              <a:t>Limitations:</a:t>
+            </a:r>
+          </a:p>
+        </p:txBody>
+      </p:sp>
+      <p:sp>
+        <p:nvSpPr>
+          <p:cNvPr id="10" name="Title 1">
+            <a:extLst>
+              <a:ext uri="{FF2B5EF4-FFF2-40B4-BE49-F238E27FC236}">
+                <a16:creationId xmlns:a16="http://schemas.microsoft.com/office/drawing/2014/main" id="{F21C18DA-F57C-4246-A628-1F0FAC0592C8}"/>
+              </a:ext>
+            </a:extLst>
+          </p:cNvPr>
+          <p:cNvSpPr txBox="1">
+            <a:spLocks/>
           </p:cNvSpPr>
-          <p:nvPr>
-            <p:ph type="ctrTitle"/>
-          </p:nvPr>
-        </p:nvSpPr>
-        <p:spPr>
-          <a:xfrm>
-            <a:off x="1208314" y="930729"/>
+          <p:nvPr/>
+        </p:nvSpPr>
+        <p:spPr>
+          <a:xfrm>
+            <a:off x="776800" y="692556"/>
             <a:ext cx="9144000" cy="477837"/>
           </a:xfrm>
-        </p:spPr>
-        <p:txBody>
-          <a:bodyPr>
+          <a:prstGeom prst="rect">
+            <a:avLst/>
+          </a:prstGeom>
+        </p:spPr>
+        <p:txBody>
+          <a:bodyPr vert="horz" lIns="91440" tIns="45720" rIns="91440" bIns="45720" rtlCol="0" anchor="ctr">
             <a:normAutofit/>
           </a:bodyPr>
-          <a:lstStyle/>
-          <a:p>
-            <a:pPr algn="l"/>
-            <a:r>
-              <a:rPr lang="en-US" sz="1600" b="1" dirty="0">
+          <a:lstStyle>
+            <a:lvl1pPr algn="l" defTabSz="914400" rtl="0" eaLnBrk="1" latinLnBrk="0" hangingPunct="1">
+              <a:lnSpc>
+                <a:spcPct val="90000"/>
+              </a:lnSpc>
+              <a:spcBef>
+                <a:spcPct val="0"/>
+              </a:spcBef>
+              <a:buNone/>
+              <a:defRPr sz="4400" kern="1200">
+                <a:solidFill>
+                  <a:schemeClr val="tx1"/>
+                </a:solidFill>
+                <a:latin typeface="+mj-lt"/>
+                <a:ea typeface="+mj-ea"/>
+                <a:cs typeface="+mj-cs"/>
+              </a:defRPr>
+            </a:lvl1pPr>
+          </a:lstStyle>
+          <a:p>
+            <a:r>
+              <a:rPr lang="en-US" sz="1600" b="1">
                 <a:latin typeface="+mn-lt"/>
                 <a:ea typeface="+mn-ea"/>
                 <a:cs typeface="+mn-cs"/>
               </a:rPr>
-              <a:t>DIAG-NRE: A neural pattern diagnosis framework for distantly supervised neural relation extraction</a:t>
-            </a:r>
-          </a:p>
-        </p:txBody>
-      </p:sp>
-      <p:sp>
-        <p:nvSpPr>
-          <p:cNvPr id="3" name="Subtitle 2">
-            <a:extLst>
-              <a:ext uri="{FF2B5EF4-FFF2-40B4-BE49-F238E27FC236}">
-                <a16:creationId xmlns:a16="http://schemas.microsoft.com/office/drawing/2014/main" id="{0A64B25C-1E83-D14F-82EC-CC2D9EFA4F64}"/>
-              </a:ext>
-            </a:extLst>
-          </p:cNvPr>
-          <p:cNvSpPr>
-            <a:spLocks noGrp="1"/>
-          </p:cNvSpPr>
-          <p:nvPr>
-            <p:ph type="subTitle" idx="1"/>
-          </p:nvPr>
-        </p:nvSpPr>
-        <p:spPr>
-          <a:xfrm>
-            <a:off x="1208314" y="1571145"/>
-            <a:ext cx="9144000" cy="1415771"/>
-          </a:xfrm>
-        </p:spPr>
-        <p:txBody>
-          <a:bodyPr>
-            <a:normAutofit fontScale="62500" lnSpcReduction="20000"/>
-          </a:bodyPr>
-          <a:lstStyle/>
-          <a:p>
-            <a:pPr algn="l"/>
-            <a:r>
-              <a:rPr lang="en-US" sz="1800" dirty="0"/>
-              <a:t>Limitation of Existing Work:</a:t>
-            </a:r>
-          </a:p>
-          <a:p>
-            <a:pPr marL="342900" indent="-342900" algn="l">
-              <a:buFont typeface="Arial" panose="020B0604020202020204" pitchFamily="34" charset="0"/>
-              <a:buChar char="•"/>
-            </a:pPr>
-            <a:r>
-              <a:rPr lang="en-US" sz="1900" dirty="0"/>
-              <a:t>Pattern-based labeling methods require significant expert labor to write relation-specific patterns, which makes them too sophisticated to generalize quickly. </a:t>
-            </a:r>
-          </a:p>
-          <a:p>
-            <a:pPr marL="342900" indent="-342900" algn="l">
-              <a:buFont typeface="Arial" panose="020B0604020202020204" pitchFamily="34" charset="0"/>
-              <a:buChar char="•"/>
-            </a:pPr>
-            <a:r>
-              <a:rPr lang="en-US" sz="1900" i="1" dirty="0"/>
-              <a:t>Distant supervision models </a:t>
-            </a:r>
-            <a:r>
-              <a:rPr lang="en-US" sz="1900" dirty="0"/>
-              <a:t>inevitably introduce intolerable labeling noises.</a:t>
-            </a:r>
-          </a:p>
-          <a:p>
-            <a:pPr marL="342900" indent="-342900" algn="l">
-              <a:buFont typeface="Arial" panose="020B0604020202020204" pitchFamily="34" charset="0"/>
-              <a:buChar char="•"/>
-            </a:pPr>
-            <a:r>
-              <a:rPr lang="en-US" sz="1900" dirty="0"/>
-              <a:t>Pattern-based labeling, where the key idea was to regard both DS and pattern-based heuristics as the weak supervision sources and develop a weak-label-fusion (WLF) model to produce denoised labels. However, the major limitation of the WLF paradigm lies in the requirement of human experts to write relation-specific patterns. </a:t>
-            </a:r>
-          </a:p>
-          <a:p>
-            <a:pPr marL="342900" indent="-342900" algn="l">
-              <a:buFont typeface="Arial" panose="020B0604020202020204" pitchFamily="34" charset="0"/>
-              <a:buChar char="•"/>
-            </a:pPr>
-            <a:endParaRPr lang="en-US" sz="1900" dirty="0"/>
-          </a:p>
-          <a:p>
-            <a:pPr algn="l"/>
-            <a:endParaRPr lang="en-US" sz="1400" dirty="0"/>
-          </a:p>
-          <a:p>
-            <a:pPr algn="l"/>
-            <a:endParaRPr lang="en-US" dirty="0"/>
-          </a:p>
-          <a:p>
-            <a:pPr algn="l"/>
-            <a:endParaRPr lang="en-US" sz="1400" dirty="0"/>
-          </a:p>
-          <a:p>
-            <a:pPr algn="l"/>
-            <a:endParaRPr lang="en-US" sz="1400" dirty="0"/>
-          </a:p>
-          <a:p>
-            <a:pPr algn="l"/>
-            <a:endParaRPr lang="en-US" sz="1400" dirty="0"/>
-          </a:p>
-          <a:p>
-            <a:pPr algn="l"/>
-            <a:endParaRPr lang="en-US" sz="1400" dirty="0"/>
-          </a:p>
-          <a:p>
-            <a:pPr algn="l"/>
-            <a:endParaRPr lang="en-US" sz="1600" dirty="0"/>
-          </a:p>
-        </p:txBody>
-      </p:sp>
-      <p:sp>
-        <p:nvSpPr>
-          <p:cNvPr id="4" name="TextBox 3">
-            <a:extLst>
-              <a:ext uri="{FF2B5EF4-FFF2-40B4-BE49-F238E27FC236}">
-                <a16:creationId xmlns:a16="http://schemas.microsoft.com/office/drawing/2014/main" id="{41ED2B90-6835-0C4B-B85A-2512916878C1}"/>
+              <a:t>RSN: Learning to Exploit Long-term Relational Dependencies in Knowledge Graphs</a:t>
+            </a:r>
+            <a:endParaRPr lang="en-US" sz="1600" b="1" dirty="0">
+              <a:latin typeface="+mn-lt"/>
+              <a:ea typeface="+mn-ea"/>
+              <a:cs typeface="+mn-cs"/>
+            </a:endParaRPr>
+          </a:p>
+        </p:txBody>
+      </p:sp>
+      <p:pic>
+        <p:nvPicPr>
+          <p:cNvPr id="4" name="Picture 3">
+            <a:extLst>
+              <a:ext uri="{FF2B5EF4-FFF2-40B4-BE49-F238E27FC236}">
+                <a16:creationId xmlns:a16="http://schemas.microsoft.com/office/drawing/2014/main" id="{39E16B3F-5918-5A47-B1F8-439D598A8449}"/>
+              </a:ext>
+            </a:extLst>
+          </p:cNvPr>
+          <p:cNvPicPr>
+            <a:picLocks noChangeAspect="1"/>
+          </p:cNvPicPr>
+          <p:nvPr/>
+        </p:nvPicPr>
+        <p:blipFill>
+          <a:blip r:embed="rId2"/>
+          <a:stretch>
+            <a:fillRect/>
+          </a:stretch>
+        </p:blipFill>
+        <p:spPr>
+          <a:xfrm>
+            <a:off x="776801" y="1671031"/>
+            <a:ext cx="5001886" cy="3662970"/>
+          </a:xfrm>
+          <a:prstGeom prst="rect">
+            <a:avLst/>
+          </a:prstGeom>
+        </p:spPr>
+      </p:pic>
+      <p:pic>
+        <p:nvPicPr>
+          <p:cNvPr id="14" name="Picture 13">
+            <a:extLst>
+              <a:ext uri="{FF2B5EF4-FFF2-40B4-BE49-F238E27FC236}">
+                <a16:creationId xmlns:a16="http://schemas.microsoft.com/office/drawing/2014/main" id="{DD8E001F-B0EC-3048-8F75-0770EB1F5BBD}"/>
+              </a:ext>
+            </a:extLst>
+          </p:cNvPr>
+          <p:cNvPicPr>
+            <a:picLocks noChangeAspect="1"/>
+          </p:cNvPicPr>
+          <p:nvPr/>
+        </p:nvPicPr>
+        <p:blipFill>
+          <a:blip r:embed="rId3"/>
+          <a:stretch>
+            <a:fillRect/>
+          </a:stretch>
+        </p:blipFill>
+        <p:spPr>
+          <a:xfrm>
+            <a:off x="6096000" y="1683722"/>
+            <a:ext cx="3081224" cy="3650279"/>
+          </a:xfrm>
+          <a:prstGeom prst="rect">
+            <a:avLst/>
+          </a:prstGeom>
+        </p:spPr>
+      </p:pic>
+      <p:sp>
+        <p:nvSpPr>
+          <p:cNvPr id="15" name="TextBox 14">
+            <a:extLst>
+              <a:ext uri="{FF2B5EF4-FFF2-40B4-BE49-F238E27FC236}">
+                <a16:creationId xmlns:a16="http://schemas.microsoft.com/office/drawing/2014/main" id="{F2CDE0BF-E8AA-604B-946E-C9A8CC0ACDD1}"/>
               </a:ext>
             </a:extLst>
           </p:cNvPr>
@@ -5072,8 +5248,8 @@
         </p:nvSpPr>
         <p:spPr>
           <a:xfrm>
-            <a:off x="408213" y="303235"/>
-            <a:ext cx="2252793" cy="369332"/>
+            <a:off x="9690100" y="2095500"/>
+            <a:ext cx="1866900" cy="3385542"/>
           </a:xfrm>
           <a:prstGeom prst="rect">
             <a:avLst/>
@@ -5087,145 +5263,85 @@
           <a:lstStyle/>
           <a:p>
             <a:r>
-              <a:rPr lang="en-US" dirty="0">
+              <a:rPr lang="en-US" sz="1400" dirty="0"/>
+              <a:t>Studied the path-level KG embedding learning and proposed RSNs to remedy the problems of using sequence models to learn relational paths. Presented an end-to-end framework, which uses the biased random walks to sample desired paths and models them with RSNs. </a:t>
+            </a:r>
+          </a:p>
+          <a:p>
+            <a:endParaRPr lang="en-US" dirty="0"/>
+          </a:p>
+        </p:txBody>
+      </p:sp>
+      <p:sp>
+        <p:nvSpPr>
+          <p:cNvPr id="16" name="TextBox 15">
+            <a:extLst>
+              <a:ext uri="{FF2B5EF4-FFF2-40B4-BE49-F238E27FC236}">
+                <a16:creationId xmlns:a16="http://schemas.microsoft.com/office/drawing/2014/main" id="{93300981-0695-214D-9F45-6DAE06D73303}"/>
+              </a:ext>
+            </a:extLst>
+          </p:cNvPr>
+          <p:cNvSpPr txBox="1"/>
+          <p:nvPr/>
+        </p:nvSpPr>
+        <p:spPr>
+          <a:xfrm>
+            <a:off x="839344" y="5943600"/>
+            <a:ext cx="10717656" cy="923330"/>
+          </a:xfrm>
+          <a:prstGeom prst="rect">
+            <a:avLst/>
+          </a:prstGeom>
+          <a:noFill/>
+        </p:spPr>
+        <p:txBody>
+          <a:bodyPr wrap="square" rtlCol="0">
+            <a:spAutoFit/>
+          </a:bodyPr>
+          <a:lstStyle/>
+          <a:p>
+            <a:r>
+              <a:rPr lang="en-US" dirty="0"/>
+              <a:t>Focus more on the graph </a:t>
+            </a:r>
+            <a:r>
+              <a:rPr lang="en-US" i="1" dirty="0">
                 <a:solidFill>
                   <a:srgbClr val="C00000"/>
                 </a:solidFill>
               </a:rPr>
-              <a:t>Relation Extraction</a:t>
-            </a:r>
-          </a:p>
-        </p:txBody>
-      </p:sp>
-      <p:sp>
-        <p:nvSpPr>
-          <p:cNvPr id="5" name="TextBox 4">
-            <a:extLst>
-              <a:ext uri="{FF2B5EF4-FFF2-40B4-BE49-F238E27FC236}">
-                <a16:creationId xmlns:a16="http://schemas.microsoft.com/office/drawing/2014/main" id="{AFB09293-029A-E64B-B817-64C522758E60}"/>
-              </a:ext>
-            </a:extLst>
-          </p:cNvPr>
-          <p:cNvSpPr txBox="1"/>
-          <p:nvPr/>
-        </p:nvSpPr>
-        <p:spPr>
-          <a:xfrm>
-            <a:off x="1208314" y="3429000"/>
-            <a:ext cx="7641772" cy="1877437"/>
-          </a:xfrm>
-          <a:prstGeom prst="rect">
-            <a:avLst/>
-          </a:prstGeom>
-          <a:noFill/>
-        </p:spPr>
-        <p:txBody>
-          <a:bodyPr wrap="square" rtlCol="0">
-            <a:spAutoFit/>
-          </a:bodyPr>
-          <a:lstStyle/>
-          <a:p>
+              <a:t>structural information</a:t>
+            </a:r>
+            <a:r>
+              <a:rPr lang="en-US" i="1" dirty="0"/>
+              <a:t>;</a:t>
+            </a:r>
             <a:r>
               <a:rPr lang="en-US" dirty="0"/>
-              <a:t>Key idea of Approach:</a:t>
-            </a:r>
-          </a:p>
-          <a:p>
-            <a:r>
-              <a:rPr lang="en-US" sz="1400" dirty="0"/>
-              <a:t>Proposed a neural pattern diagnosis framework, DIAG-NRE, that can automatically summarize and refine high-quality relational patterns from noise data with human experts in the loop:</a:t>
-            </a:r>
-          </a:p>
-          <a:p>
-            <a:r>
-              <a:rPr lang="en-US" sz="1400" dirty="0"/>
-              <a:t>1) </a:t>
-            </a:r>
-            <a:r>
-              <a:rPr lang="en-US" sz="1400" i="1" dirty="0"/>
-              <a:t>pattern extraction</a:t>
-            </a:r>
-            <a:r>
-              <a:rPr lang="en-US" sz="1400" dirty="0"/>
-              <a:t>, extracting potential patterns from NRE models by employing reinforcement learning (RL), and 2) </a:t>
-            </a:r>
-            <a:r>
-              <a:rPr lang="en-US" sz="1400" i="1" dirty="0"/>
-              <a:t>pattern refinement</a:t>
-            </a:r>
-            <a:r>
-              <a:rPr lang="en-US" sz="1400" dirty="0"/>
-              <a:t>, asking human experts to annotate a small set of actively selected examples. </a:t>
-            </a:r>
-          </a:p>
-          <a:p>
-            <a:endParaRPr lang="en-US" sz="1400" dirty="0"/>
-          </a:p>
-          <a:p>
-            <a:endParaRPr lang="en-US" sz="1400" dirty="0"/>
-          </a:p>
-        </p:txBody>
-      </p:sp>
-      <p:sp>
-        <p:nvSpPr>
-          <p:cNvPr id="6" name="TextBox 5">
-            <a:extLst>
-              <a:ext uri="{FF2B5EF4-FFF2-40B4-BE49-F238E27FC236}">
-                <a16:creationId xmlns:a16="http://schemas.microsoft.com/office/drawing/2014/main" id="{0D9FCB9E-2E46-9849-8B1B-EC2C1B783C97}"/>
-              </a:ext>
-            </a:extLst>
-          </p:cNvPr>
-          <p:cNvSpPr txBox="1"/>
-          <p:nvPr/>
-        </p:nvSpPr>
-        <p:spPr>
-          <a:xfrm>
-            <a:off x="1208314" y="5867399"/>
-            <a:ext cx="6901543" cy="461665"/>
-          </a:xfrm>
-          <a:prstGeom prst="rect">
-            <a:avLst/>
-          </a:prstGeom>
-          <a:noFill/>
-        </p:spPr>
-        <p:txBody>
-          <a:bodyPr wrap="square" rtlCol="0">
-            <a:spAutoFit/>
-          </a:bodyPr>
-          <a:lstStyle/>
-          <a:p>
-            <a:r>
-              <a:rPr lang="en-US" sz="1200" dirty="0"/>
-              <a:t>Link: </a:t>
-            </a:r>
-            <a:r>
-              <a:rPr lang="en-US" sz="1200" dirty="0">
-                <a:hlinkClick r:id="rId2"/>
+              <a:t> future work includes studying a unified sequence model to learn KG embeddings using both relational paths and </a:t>
+            </a:r>
+            <a:r>
+              <a:rPr lang="en-US" i="1" dirty="0">
+                <a:solidFill>
+                  <a:srgbClr val="C00000"/>
+                </a:solidFill>
               </a:rPr>
-              <a:t>https://www.aclweb.org/anthology/P19-1137.pdf</a:t>
-            </a:r>
-            <a:endParaRPr lang="en-US" sz="1200" dirty="0"/>
-          </a:p>
-          <a:p>
-            <a:r>
-              <a:rPr lang="en-US" sz="1200" dirty="0"/>
-              <a:t>Source:  ACL</a:t>
-            </a:r>
-            <a:r>
-              <a:rPr lang="zh-CN" altLang="en-US" sz="1200" dirty="0"/>
-              <a:t> </a:t>
-            </a:r>
-            <a:r>
-              <a:rPr lang="en-US" sz="1200" dirty="0"/>
-              <a:t>2019</a:t>
-            </a:r>
+              <a:t>textual information</a:t>
+            </a:r>
+            <a:r>
+              <a:rPr lang="en-US" dirty="0"/>
+              <a:t>. </a:t>
+            </a:r>
+          </a:p>
+          <a:p>
+            <a:endParaRPr lang="en-US" dirty="0"/>
           </a:p>
         </p:txBody>
       </p:sp>
     </p:spTree>
     <p:extLst>
       <p:ext uri="{BB962C8B-B14F-4D97-AF65-F5344CB8AC3E}">
-        <p14:creationId xmlns:p14="http://schemas.microsoft.com/office/powerpoint/2010/main" val="827888405"/>
+        <p14:creationId xmlns:p14="http://schemas.microsoft.com/office/powerpoint/2010/main" val="641813789"/>
       </p:ext>
     </p:extLst>
   </p:cSld>
@@ -5254,312 +5370,314 @@
       </p:grpSpPr>
       <p:sp>
         <p:nvSpPr>
-          <p:cNvPr id="4" name="TextBox 3">
-            <a:extLst>
-              <a:ext uri="{FF2B5EF4-FFF2-40B4-BE49-F238E27FC236}">
-                <a16:creationId xmlns:a16="http://schemas.microsoft.com/office/drawing/2014/main" id="{4BA5FF7F-4D31-B04A-B743-6CB08B5D87C5}"/>
-              </a:ext>
-            </a:extLst>
-          </p:cNvPr>
-          <p:cNvSpPr txBox="1"/>
-          <p:nvPr/>
-        </p:nvSpPr>
-        <p:spPr>
-          <a:xfrm>
-            <a:off x="548545" y="776291"/>
-            <a:ext cx="3831771" cy="369332"/>
-          </a:xfrm>
-          <a:prstGeom prst="rect">
-            <a:avLst/>
-          </a:prstGeom>
-          <a:noFill/>
-        </p:spPr>
-        <p:txBody>
-          <a:bodyPr wrap="square" rtlCol="0">
-            <a:spAutoFit/>
-          </a:bodyPr>
-          <a:lstStyle/>
-          <a:p>
-            <a:r>
-              <a:rPr lang="en-US" dirty="0"/>
-              <a:t>Evaluation:</a:t>
-            </a:r>
-          </a:p>
-        </p:txBody>
-      </p:sp>
-      <p:sp>
-        <p:nvSpPr>
-          <p:cNvPr id="5" name="TextBox 4">
-            <a:extLst>
-              <a:ext uri="{FF2B5EF4-FFF2-40B4-BE49-F238E27FC236}">
-                <a16:creationId xmlns:a16="http://schemas.microsoft.com/office/drawing/2014/main" id="{2A6021E0-4777-DA47-A283-E30B8C427A77}"/>
-              </a:ext>
-            </a:extLst>
-          </p:cNvPr>
-          <p:cNvSpPr txBox="1"/>
-          <p:nvPr/>
-        </p:nvSpPr>
-        <p:spPr>
-          <a:xfrm>
-            <a:off x="7625442" y="637791"/>
-            <a:ext cx="2688772" cy="646331"/>
-          </a:xfrm>
-          <a:prstGeom prst="rect">
-            <a:avLst/>
-          </a:prstGeom>
-          <a:noFill/>
-        </p:spPr>
-        <p:txBody>
-          <a:bodyPr wrap="square" rtlCol="0">
-            <a:spAutoFit/>
-          </a:bodyPr>
-          <a:lstStyle/>
-          <a:p>
-            <a:r>
-              <a:rPr lang="en-US" dirty="0"/>
-              <a:t>Contributions:</a:t>
-            </a:r>
-          </a:p>
-          <a:p>
-            <a:endParaRPr lang="en-US" dirty="0"/>
-          </a:p>
-        </p:txBody>
-      </p:sp>
-      <p:sp>
-        <p:nvSpPr>
-          <p:cNvPr id="6" name="TextBox 5">
-            <a:extLst>
-              <a:ext uri="{FF2B5EF4-FFF2-40B4-BE49-F238E27FC236}">
-                <a16:creationId xmlns:a16="http://schemas.microsoft.com/office/drawing/2014/main" id="{2BCBD42A-B05A-774D-A7A8-61F4B02E0D07}"/>
-              </a:ext>
-            </a:extLst>
-          </p:cNvPr>
-          <p:cNvSpPr txBox="1"/>
-          <p:nvPr/>
-        </p:nvSpPr>
-        <p:spPr>
-          <a:xfrm>
-            <a:off x="7625442" y="4147297"/>
-            <a:ext cx="2438400" cy="369332"/>
-          </a:xfrm>
-          <a:prstGeom prst="rect">
-            <a:avLst/>
-          </a:prstGeom>
-          <a:noFill/>
-        </p:spPr>
-        <p:txBody>
-          <a:bodyPr wrap="square" rtlCol="0">
-            <a:spAutoFit/>
-          </a:bodyPr>
-          <a:lstStyle/>
-          <a:p>
-            <a:r>
-              <a:rPr lang="en-US" dirty="0"/>
-              <a:t>Limitations:</a:t>
-            </a:r>
-          </a:p>
-        </p:txBody>
-      </p:sp>
-      <p:sp>
-        <p:nvSpPr>
-          <p:cNvPr id="2" name="TextBox 1">
-            <a:extLst>
-              <a:ext uri="{FF2B5EF4-FFF2-40B4-BE49-F238E27FC236}">
-                <a16:creationId xmlns:a16="http://schemas.microsoft.com/office/drawing/2014/main" id="{6303C8C5-3DCB-854F-AE46-EBBEC114DC43}"/>
-              </a:ext>
-            </a:extLst>
-          </p:cNvPr>
-          <p:cNvSpPr txBox="1"/>
-          <p:nvPr/>
-        </p:nvSpPr>
-        <p:spPr>
-          <a:xfrm>
-            <a:off x="7583792" y="1021630"/>
-            <a:ext cx="4275010" cy="2739211"/>
-          </a:xfrm>
-          <a:prstGeom prst="rect">
-            <a:avLst/>
-          </a:prstGeom>
-          <a:noFill/>
-        </p:spPr>
-        <p:txBody>
-          <a:bodyPr wrap="square" rtlCol="0">
-            <a:spAutoFit/>
-          </a:bodyPr>
-          <a:lstStyle/>
-          <a:p>
-            <a:pPr marL="285750" indent="-285750">
-              <a:buFont typeface="Arial" panose="020B0604020202020204" pitchFamily="34" charset="0"/>
-              <a:buChar char="•"/>
-            </a:pPr>
-            <a:r>
-              <a:rPr lang="en-US" sz="1400" dirty="0"/>
-              <a:t>Proposed a neural pattern diagnosis framework, DIAG-NRE, to diagnose and improve NRE models trained on DS-generated data. </a:t>
-            </a:r>
-          </a:p>
-          <a:p>
-            <a:pPr marL="285750" indent="-285750">
-              <a:buFont typeface="Arial" panose="020B0604020202020204" pitchFamily="34" charset="0"/>
-              <a:buChar char="•"/>
-            </a:pPr>
-            <a:r>
-              <a:rPr lang="en-US" sz="1400" dirty="0"/>
-              <a:t>DIAG-NRE not only eases the hard pattern-writing work of human experts by generating patterns automatically, but also enables the quick generalization to new relation types by only requiring a small number of human annotations. </a:t>
-            </a:r>
-          </a:p>
-          <a:p>
-            <a:pPr marL="285750" indent="-285750">
-              <a:buFont typeface="Arial" panose="020B0604020202020204" pitchFamily="34" charset="0"/>
-              <a:buChar char="•"/>
-            </a:pPr>
-            <a:r>
-              <a:rPr lang="en-US" sz="1400" dirty="0"/>
-              <a:t>Coupled with the WLF model, DIAG-NRE can produce denoised labels to retrain a better NRE model. </a:t>
-            </a:r>
-          </a:p>
-          <a:p>
-            <a:endParaRPr lang="en-US" dirty="0"/>
-          </a:p>
-        </p:txBody>
-      </p:sp>
-      <p:pic>
-        <p:nvPicPr>
-          <p:cNvPr id="7" name="Picture 6">
-            <a:extLst>
-              <a:ext uri="{FF2B5EF4-FFF2-40B4-BE49-F238E27FC236}">
-                <a16:creationId xmlns:a16="http://schemas.microsoft.com/office/drawing/2014/main" id="{BA25FB59-4C4C-E841-ADD7-007AFD1F519A}"/>
-              </a:ext>
-            </a:extLst>
-          </p:cNvPr>
-          <p:cNvPicPr>
-            <a:picLocks noChangeAspect="1"/>
-          </p:cNvPicPr>
-          <p:nvPr/>
-        </p:nvPicPr>
-        <p:blipFill>
-          <a:blip r:embed="rId2"/>
-          <a:stretch>
-            <a:fillRect/>
-          </a:stretch>
-        </p:blipFill>
-        <p:spPr>
-          <a:xfrm>
-            <a:off x="435940" y="1284122"/>
-            <a:ext cx="6938481" cy="3781038"/>
-          </a:xfrm>
-          <a:prstGeom prst="rect">
-            <a:avLst/>
-          </a:prstGeom>
-        </p:spPr>
-      </p:pic>
-      <p:sp>
-        <p:nvSpPr>
-          <p:cNvPr id="8" name="TextBox 7">
-            <a:extLst>
-              <a:ext uri="{FF2B5EF4-FFF2-40B4-BE49-F238E27FC236}">
-                <a16:creationId xmlns:a16="http://schemas.microsoft.com/office/drawing/2014/main" id="{C188F1BB-11A9-0343-BAA8-92D56F122029}"/>
-              </a:ext>
-            </a:extLst>
-          </p:cNvPr>
-          <p:cNvSpPr txBox="1"/>
-          <p:nvPr/>
-        </p:nvSpPr>
-        <p:spPr>
-          <a:xfrm>
-            <a:off x="7625442" y="4549676"/>
-            <a:ext cx="4035727" cy="2308324"/>
-          </a:xfrm>
-          <a:prstGeom prst="rect">
-            <a:avLst/>
-          </a:prstGeom>
-          <a:noFill/>
-        </p:spPr>
-        <p:txBody>
-          <a:bodyPr wrap="square" rtlCol="0">
-            <a:spAutoFit/>
-          </a:bodyPr>
-          <a:lstStyle/>
-          <a:p>
-            <a:r>
-              <a:rPr lang="en-US" sz="1400" dirty="0"/>
-              <a:t>Tasks (three from NYT and two from UW) suffering large labeling noises, most tasks experience a rapid improvement phase with the help of high-quality patterns automatically generated by DIAG-NRE and then enter a saturate phase where adding annotations does not contribute much. This saturation accords with the intuition that high-quality relational patterns are often limited. </a:t>
-            </a:r>
-          </a:p>
-          <a:p>
-            <a:endParaRPr lang="en-US" sz="1400" dirty="0"/>
-          </a:p>
-          <a:p>
-            <a:endParaRPr lang="en-US" dirty="0"/>
-          </a:p>
-        </p:txBody>
-      </p:sp>
-      <p:sp>
-        <p:nvSpPr>
-          <p:cNvPr id="9" name="Title 1">
-            <a:extLst>
-              <a:ext uri="{FF2B5EF4-FFF2-40B4-BE49-F238E27FC236}">
-                <a16:creationId xmlns:a16="http://schemas.microsoft.com/office/drawing/2014/main" id="{040A6F00-4CAF-B448-8175-553E0D9D7415}"/>
-              </a:ext>
-            </a:extLst>
-          </p:cNvPr>
-          <p:cNvSpPr txBox="1">
-            <a:spLocks/>
+          <p:cNvPr id="2" name="Title 1">
+            <a:extLst>
+              <a:ext uri="{FF2B5EF4-FFF2-40B4-BE49-F238E27FC236}">
+                <a16:creationId xmlns:a16="http://schemas.microsoft.com/office/drawing/2014/main" id="{D7317AF7-C0C1-B64C-80AB-E4D5190FBCD8}"/>
+              </a:ext>
+            </a:extLst>
+          </p:cNvPr>
+          <p:cNvSpPr>
+            <a:spLocks noGrp="1"/>
           </p:cNvSpPr>
-          <p:nvPr/>
-        </p:nvSpPr>
-        <p:spPr>
-          <a:xfrm>
-            <a:off x="435940" y="205645"/>
+          <p:nvPr>
+            <p:ph type="ctrTitle"/>
+          </p:nvPr>
+        </p:nvSpPr>
+        <p:spPr>
+          <a:xfrm>
+            <a:off x="1208314" y="930729"/>
             <a:ext cx="9144000" cy="477837"/>
           </a:xfrm>
-          <a:prstGeom prst="rect">
-            <a:avLst/>
-          </a:prstGeom>
-        </p:spPr>
-        <p:txBody>
-          <a:bodyPr vert="horz" lIns="91440" tIns="45720" rIns="91440" bIns="45720" rtlCol="0" anchor="ctr">
-            <a:normAutofit/>
-          </a:bodyPr>
-          <a:lstStyle>
-            <a:lvl1pPr algn="l" defTabSz="914400" rtl="0" eaLnBrk="1" latinLnBrk="0" hangingPunct="1">
-              <a:lnSpc>
-                <a:spcPct val="90000"/>
-              </a:lnSpc>
-              <a:spcBef>
-                <a:spcPct val="0"/>
-              </a:spcBef>
-              <a:buNone/>
-              <a:defRPr sz="4400" kern="1200">
-                <a:solidFill>
-                  <a:schemeClr val="tx1"/>
-                </a:solidFill>
-                <a:latin typeface="+mj-lt"/>
-                <a:ea typeface="+mj-ea"/>
-                <a:cs typeface="+mj-cs"/>
-              </a:defRPr>
-            </a:lvl1pPr>
-          </a:lstStyle>
-          <a:p>
-            <a:r>
-              <a:rPr lang="en-US" sz="1600" b="1">
+        </p:spPr>
+        <p:txBody>
+          <a:bodyPr>
+            <a:normAutofit fontScale="90000"/>
+          </a:bodyPr>
+          <a:lstStyle/>
+          <a:p>
+            <a:pPr algn="l"/>
+            <a:r>
+              <a:rPr lang="en-US" sz="1600" b="1" dirty="0" err="1">
                 <a:latin typeface="+mn-lt"/>
                 <a:ea typeface="+mn-ea"/>
                 <a:cs typeface="+mn-cs"/>
               </a:rPr>
-              <a:t>DIAG-NRE: A neural pattern diagnosis framework for distantly supervised neural relation extraction</a:t>
-            </a:r>
-            <a:endParaRPr lang="en-US" sz="1600" b="1" dirty="0">
-              <a:latin typeface="+mn-lt"/>
-              <a:ea typeface="+mn-ea"/>
-              <a:cs typeface="+mn-cs"/>
-            </a:endParaRPr>
+              <a:t>CapsE</a:t>
+            </a:r>
+            <a:r>
+              <a:rPr lang="en-US" sz="1600" b="1" dirty="0">
+                <a:latin typeface="+mn-lt"/>
+                <a:ea typeface="+mn-ea"/>
+                <a:cs typeface="+mn-cs"/>
+              </a:rPr>
+              <a:t>: A Capsule Network-based Embedding Model for Knowledge Graph Completion and Search Personalization.</a:t>
+            </a:r>
+          </a:p>
+        </p:txBody>
+      </p:sp>
+      <p:sp>
+        <p:nvSpPr>
+          <p:cNvPr id="3" name="Subtitle 2">
+            <a:extLst>
+              <a:ext uri="{FF2B5EF4-FFF2-40B4-BE49-F238E27FC236}">
+                <a16:creationId xmlns:a16="http://schemas.microsoft.com/office/drawing/2014/main" id="{0A64B25C-1E83-D14F-82EC-CC2D9EFA4F64}"/>
+              </a:ext>
+            </a:extLst>
+          </p:cNvPr>
+          <p:cNvSpPr>
+            <a:spLocks noGrp="1"/>
+          </p:cNvSpPr>
+          <p:nvPr>
+            <p:ph type="subTitle" idx="1"/>
+          </p:nvPr>
+        </p:nvSpPr>
+        <p:spPr>
+          <a:xfrm>
+            <a:off x="1106714" y="1617428"/>
+            <a:ext cx="9144000" cy="926419"/>
+          </a:xfrm>
+        </p:spPr>
+        <p:txBody>
+          <a:bodyPr>
+            <a:normAutofit/>
+          </a:bodyPr>
+          <a:lstStyle/>
+          <a:p>
+            <a:pPr algn="l"/>
+            <a:r>
+              <a:rPr lang="en-US" sz="1800" dirty="0"/>
+              <a:t>Limitation of Existing Work:</a:t>
+            </a:r>
+          </a:p>
+          <a:p>
+            <a:pPr algn="l"/>
+            <a:endParaRPr lang="en-US" sz="1400" dirty="0"/>
+          </a:p>
+          <a:p>
+            <a:pPr algn="l"/>
+            <a:endParaRPr lang="en-US" sz="1600" dirty="0"/>
+          </a:p>
+        </p:txBody>
+      </p:sp>
+      <p:sp>
+        <p:nvSpPr>
+          <p:cNvPr id="4" name="TextBox 3">
+            <a:extLst>
+              <a:ext uri="{FF2B5EF4-FFF2-40B4-BE49-F238E27FC236}">
+                <a16:creationId xmlns:a16="http://schemas.microsoft.com/office/drawing/2014/main" id="{41ED2B90-6835-0C4B-B85A-2512916878C1}"/>
+              </a:ext>
+            </a:extLst>
+          </p:cNvPr>
+          <p:cNvSpPr txBox="1"/>
+          <p:nvPr/>
+        </p:nvSpPr>
+        <p:spPr>
+          <a:xfrm>
+            <a:off x="408214" y="303235"/>
+            <a:ext cx="1600200" cy="369332"/>
+          </a:xfrm>
+          <a:prstGeom prst="rect">
+            <a:avLst/>
+          </a:prstGeom>
+          <a:noFill/>
+        </p:spPr>
+        <p:txBody>
+          <a:bodyPr wrap="square" rtlCol="0">
+            <a:spAutoFit/>
+          </a:bodyPr>
+          <a:lstStyle/>
+          <a:p>
+            <a:r>
+              <a:rPr lang="en-US" dirty="0">
+                <a:solidFill>
+                  <a:srgbClr val="C00000"/>
+                </a:solidFill>
+              </a:rPr>
+              <a:t>Embedding</a:t>
+            </a:r>
+          </a:p>
+        </p:txBody>
+      </p:sp>
+      <p:sp>
+        <p:nvSpPr>
+          <p:cNvPr id="5" name="TextBox 4">
+            <a:extLst>
+              <a:ext uri="{FF2B5EF4-FFF2-40B4-BE49-F238E27FC236}">
+                <a16:creationId xmlns:a16="http://schemas.microsoft.com/office/drawing/2014/main" id="{AFB09293-029A-E64B-B817-64C522758E60}"/>
+              </a:ext>
+            </a:extLst>
+          </p:cNvPr>
+          <p:cNvSpPr txBox="1"/>
+          <p:nvPr/>
+        </p:nvSpPr>
+        <p:spPr>
+          <a:xfrm>
+            <a:off x="1208314" y="3429000"/>
+            <a:ext cx="7641772" cy="1877437"/>
+          </a:xfrm>
+          <a:prstGeom prst="rect">
+            <a:avLst/>
+          </a:prstGeom>
+          <a:noFill/>
+        </p:spPr>
+        <p:txBody>
+          <a:bodyPr wrap="square" rtlCol="0">
+            <a:spAutoFit/>
+          </a:bodyPr>
+          <a:lstStyle/>
+          <a:p>
+            <a:r>
+              <a:rPr lang="en-US" dirty="0"/>
+              <a:t>Key idea of Approach:</a:t>
+            </a:r>
+          </a:p>
+          <a:p>
+            <a:r>
+              <a:rPr lang="en-US" sz="1400" dirty="0" err="1"/>
+              <a:t>CapsE</a:t>
+            </a:r>
+            <a:r>
+              <a:rPr lang="en-US" sz="1400" dirty="0"/>
+              <a:t> represents each triple as a 3-column matrix where each column vector represents the embedding of an element in the triple. This 3-column matrix is then fed to a convolution layer where multiple filters are operated to generate different feature maps. These feature maps are reconstructed into corresponding capsules which are then routed to another capsule to produce a continuous vector. The length of this vector is used to measure the plausibility score of the triple. </a:t>
+            </a:r>
+          </a:p>
+          <a:p>
+            <a:r>
+              <a:rPr lang="en-US" sz="1400" dirty="0"/>
+              <a:t>The high-level hypothesis is that each capsule accounts for capture variants of a relation-specific attribute of the entities. </a:t>
+            </a:r>
+          </a:p>
+        </p:txBody>
+      </p:sp>
+      <p:sp>
+        <p:nvSpPr>
+          <p:cNvPr id="6" name="TextBox 5">
+            <a:extLst>
+              <a:ext uri="{FF2B5EF4-FFF2-40B4-BE49-F238E27FC236}">
+                <a16:creationId xmlns:a16="http://schemas.microsoft.com/office/drawing/2014/main" id="{0D9FCB9E-2E46-9849-8B1B-EC2C1B783C97}"/>
+              </a:ext>
+            </a:extLst>
+          </p:cNvPr>
+          <p:cNvSpPr txBox="1"/>
+          <p:nvPr/>
+        </p:nvSpPr>
+        <p:spPr>
+          <a:xfrm>
+            <a:off x="1208314" y="5867399"/>
+            <a:ext cx="6901543" cy="461665"/>
+          </a:xfrm>
+          <a:prstGeom prst="rect">
+            <a:avLst/>
+          </a:prstGeom>
+          <a:noFill/>
+        </p:spPr>
+        <p:txBody>
+          <a:bodyPr wrap="square" rtlCol="0">
+            <a:spAutoFit/>
+          </a:bodyPr>
+          <a:lstStyle/>
+          <a:p>
+            <a:r>
+              <a:rPr lang="en-US" sz="1200" dirty="0"/>
+              <a:t>Link: </a:t>
+            </a:r>
+            <a:r>
+              <a:rPr lang="en-US" sz="1200" dirty="0">
+                <a:hlinkClick r:id="rId2"/>
+              </a:rPr>
+              <a:t>https://www.aclweb.org/anthology/N19-1226</a:t>
+            </a:r>
+            <a:endParaRPr lang="en-US" sz="1200" dirty="0"/>
+          </a:p>
+          <a:p>
+            <a:r>
+              <a:rPr lang="en-US" sz="1200" dirty="0"/>
+              <a:t>Source: NAACL-HIT 2019</a:t>
+            </a:r>
+          </a:p>
+        </p:txBody>
+      </p:sp>
+      <p:sp>
+        <p:nvSpPr>
+          <p:cNvPr id="7" name="TextBox 6">
+            <a:extLst>
+              <a:ext uri="{FF2B5EF4-FFF2-40B4-BE49-F238E27FC236}">
+                <a16:creationId xmlns:a16="http://schemas.microsoft.com/office/drawing/2014/main" id="{994B0D59-9230-6D43-AA17-7B522DD83498}"/>
+              </a:ext>
+            </a:extLst>
+          </p:cNvPr>
+          <p:cNvSpPr txBox="1"/>
+          <p:nvPr/>
+        </p:nvSpPr>
+        <p:spPr>
+          <a:xfrm>
+            <a:off x="1157514" y="2036015"/>
+            <a:ext cx="9446986" cy="1661993"/>
+          </a:xfrm>
+          <a:prstGeom prst="rect">
+            <a:avLst/>
+          </a:prstGeom>
+          <a:noFill/>
+        </p:spPr>
+        <p:txBody>
+          <a:bodyPr wrap="square" rtlCol="0">
+            <a:spAutoFit/>
+          </a:bodyPr>
+          <a:lstStyle/>
+          <a:p>
+            <a:r>
+              <a:rPr lang="en-US" sz="1400" dirty="0"/>
+              <a:t>Conventional embedding models, such as </a:t>
+            </a:r>
+            <a:r>
+              <a:rPr lang="en-US" sz="1400" dirty="0" err="1"/>
+              <a:t>TransE</a:t>
+            </a:r>
+            <a:r>
+              <a:rPr lang="en-US" sz="1400" dirty="0"/>
+              <a:t> (</a:t>
+            </a:r>
+            <a:r>
+              <a:rPr lang="en-US" sz="1400" dirty="0" err="1"/>
+              <a:t>Bordes</a:t>
+            </a:r>
+            <a:r>
+              <a:rPr lang="en-US" sz="1400" dirty="0"/>
+              <a:t> et al., 2013), DISTMULT (Yang et al., 2015) and </a:t>
+            </a:r>
+            <a:r>
+              <a:rPr lang="en-US" sz="1400" dirty="0" err="1"/>
+              <a:t>ComplEx</a:t>
+            </a:r>
+            <a:r>
+              <a:rPr lang="en-US" sz="1400" dirty="0"/>
+              <a:t> (</a:t>
+            </a:r>
+            <a:r>
+              <a:rPr lang="en-US" sz="1400" dirty="0" err="1"/>
+              <a:t>Trouillon</a:t>
+            </a:r>
+            <a:r>
+              <a:rPr lang="en-US" sz="1400" dirty="0"/>
+              <a:t> et al., 2016), use addition, subtraction or simple multiplication operators, thus only capture the linear relation- ships between entities. </a:t>
+            </a:r>
+          </a:p>
+          <a:p>
+            <a:r>
+              <a:rPr lang="en-US" sz="1400" dirty="0"/>
+              <a:t>Most of KG embedding models are constructed to modeling entries at the same dimension of the given triple, where presumably each dimension captures some relation-specific attribute of entities. None of the existing models has a “deep” architecture for modeling the entries in a triple at the same dimension. </a:t>
+            </a:r>
+          </a:p>
+          <a:p>
+            <a:endParaRPr lang="en-US" dirty="0"/>
           </a:p>
         </p:txBody>
       </p:sp>
     </p:spTree>
     <p:extLst>
       <p:ext uri="{BB962C8B-B14F-4D97-AF65-F5344CB8AC3E}">
-        <p14:creationId xmlns:p14="http://schemas.microsoft.com/office/powerpoint/2010/main" val="1821401219"/>
+        <p14:creationId xmlns:p14="http://schemas.microsoft.com/office/powerpoint/2010/main" val="4267291452"/>
       </p:ext>
     </p:extLst>
   </p:cSld>
@@ -5588,228 +5706,206 @@
       </p:grpSpPr>
       <p:sp>
         <p:nvSpPr>
-          <p:cNvPr id="2" name="Title 1">
-            <a:extLst>
-              <a:ext uri="{FF2B5EF4-FFF2-40B4-BE49-F238E27FC236}">
-                <a16:creationId xmlns:a16="http://schemas.microsoft.com/office/drawing/2014/main" id="{D7317AF7-C0C1-B64C-80AB-E4D5190FBCD8}"/>
-              </a:ext>
-            </a:extLst>
-          </p:cNvPr>
-          <p:cNvSpPr>
-            <a:spLocks noGrp="1"/>
+          <p:cNvPr id="5" name="TextBox 4">
+            <a:extLst>
+              <a:ext uri="{FF2B5EF4-FFF2-40B4-BE49-F238E27FC236}">
+                <a16:creationId xmlns:a16="http://schemas.microsoft.com/office/drawing/2014/main" id="{CB4440B1-FB08-3C49-A8BD-4A4F8B174F39}"/>
+              </a:ext>
+            </a:extLst>
+          </p:cNvPr>
+          <p:cNvSpPr txBox="1"/>
+          <p:nvPr/>
+        </p:nvSpPr>
+        <p:spPr>
+          <a:xfrm>
+            <a:off x="776800" y="1236046"/>
+            <a:ext cx="3831771" cy="369332"/>
+          </a:xfrm>
+          <a:prstGeom prst="rect">
+            <a:avLst/>
+          </a:prstGeom>
+          <a:noFill/>
+        </p:spPr>
+        <p:txBody>
+          <a:bodyPr wrap="square" rtlCol="0">
+            <a:spAutoFit/>
+          </a:bodyPr>
+          <a:lstStyle/>
+          <a:p>
+            <a:r>
+              <a:rPr lang="en-US" dirty="0"/>
+              <a:t>Evaluation:</a:t>
+            </a:r>
+          </a:p>
+        </p:txBody>
+      </p:sp>
+      <p:sp>
+        <p:nvSpPr>
+          <p:cNvPr id="6" name="TextBox 5">
+            <a:extLst>
+              <a:ext uri="{FF2B5EF4-FFF2-40B4-BE49-F238E27FC236}">
+                <a16:creationId xmlns:a16="http://schemas.microsoft.com/office/drawing/2014/main" id="{919E28F8-8F82-0F45-BB68-F655DBB95125}"/>
+              </a:ext>
+            </a:extLst>
+          </p:cNvPr>
+          <p:cNvSpPr txBox="1"/>
+          <p:nvPr/>
+        </p:nvSpPr>
+        <p:spPr>
+          <a:xfrm>
+            <a:off x="7633699" y="1420712"/>
+            <a:ext cx="2688772" cy="369332"/>
+          </a:xfrm>
+          <a:prstGeom prst="rect">
+            <a:avLst/>
+          </a:prstGeom>
+          <a:noFill/>
+        </p:spPr>
+        <p:txBody>
+          <a:bodyPr wrap="square" rtlCol="0">
+            <a:spAutoFit/>
+          </a:bodyPr>
+          <a:lstStyle/>
+          <a:p>
+            <a:r>
+              <a:rPr lang="en-US" dirty="0"/>
+              <a:t>Contributions:</a:t>
+            </a:r>
+          </a:p>
+        </p:txBody>
+      </p:sp>
+      <p:sp>
+        <p:nvSpPr>
+          <p:cNvPr id="7" name="TextBox 6">
+            <a:extLst>
+              <a:ext uri="{FF2B5EF4-FFF2-40B4-BE49-F238E27FC236}">
+                <a16:creationId xmlns:a16="http://schemas.microsoft.com/office/drawing/2014/main" id="{640AB307-FCD9-C34E-A00E-E99AA74C38FC}"/>
+              </a:ext>
+            </a:extLst>
+          </p:cNvPr>
+          <p:cNvSpPr txBox="1"/>
+          <p:nvPr/>
+        </p:nvSpPr>
+        <p:spPr>
+          <a:xfrm>
+            <a:off x="7758885" y="4163772"/>
+            <a:ext cx="2438400" cy="369332"/>
+          </a:xfrm>
+          <a:prstGeom prst="rect">
+            <a:avLst/>
+          </a:prstGeom>
+          <a:noFill/>
+        </p:spPr>
+        <p:txBody>
+          <a:bodyPr wrap="square" rtlCol="0">
+            <a:spAutoFit/>
+          </a:bodyPr>
+          <a:lstStyle/>
+          <a:p>
+            <a:r>
+              <a:rPr lang="en-US" dirty="0"/>
+              <a:t>Limitations:</a:t>
+            </a:r>
+          </a:p>
+        </p:txBody>
+      </p:sp>
+      <p:sp>
+        <p:nvSpPr>
+          <p:cNvPr id="8" name="Title 1">
+            <a:extLst>
+              <a:ext uri="{FF2B5EF4-FFF2-40B4-BE49-F238E27FC236}">
+                <a16:creationId xmlns:a16="http://schemas.microsoft.com/office/drawing/2014/main" id="{FF50C2B1-DFD6-E341-9FEE-214E5775D5D0}"/>
+              </a:ext>
+            </a:extLst>
+          </p:cNvPr>
+          <p:cNvSpPr txBox="1">
+            <a:spLocks/>
           </p:cNvSpPr>
-          <p:nvPr>
-            <p:ph type="ctrTitle"/>
-          </p:nvPr>
-        </p:nvSpPr>
-        <p:spPr>
-          <a:xfrm>
-            <a:off x="1208314" y="930729"/>
+          <p:nvPr/>
+        </p:nvSpPr>
+        <p:spPr>
+          <a:xfrm>
+            <a:off x="776800" y="638629"/>
             <a:ext cx="9144000" cy="477837"/>
           </a:xfrm>
-        </p:spPr>
-        <p:txBody>
-          <a:bodyPr>
-            <a:normAutofit/>
-          </a:bodyPr>
-          <a:lstStyle/>
-          <a:p>
-            <a:pPr algn="l"/>
-            <a:r>
-              <a:rPr lang="en-US" sz="1600" b="1" dirty="0">
+          <a:prstGeom prst="rect">
+            <a:avLst/>
+          </a:prstGeom>
+        </p:spPr>
+        <p:txBody>
+          <a:bodyPr vert="horz" lIns="91440" tIns="45720" rIns="91440" bIns="45720" rtlCol="0" anchor="ctr">
+            <a:normAutofit fontScale="90000"/>
+          </a:bodyPr>
+          <a:lstStyle>
+            <a:lvl1pPr algn="l" defTabSz="914400" rtl="0" eaLnBrk="1" latinLnBrk="0" hangingPunct="1">
+              <a:lnSpc>
+                <a:spcPct val="90000"/>
+              </a:lnSpc>
+              <a:spcBef>
+                <a:spcPct val="0"/>
+              </a:spcBef>
+              <a:buNone/>
+              <a:defRPr sz="4400" kern="1200">
+                <a:solidFill>
+                  <a:schemeClr val="tx1"/>
+                </a:solidFill>
+                <a:latin typeface="+mj-lt"/>
+                <a:ea typeface="+mj-ea"/>
+                <a:cs typeface="+mj-cs"/>
+              </a:defRPr>
+            </a:lvl1pPr>
+          </a:lstStyle>
+          <a:p>
+            <a:r>
+              <a:rPr lang="en-US" sz="1600" b="1">
                 <a:latin typeface="+mn-lt"/>
                 <a:ea typeface="+mn-ea"/>
                 <a:cs typeface="+mn-cs"/>
               </a:rPr>
-              <a:t>RSN: Learning to Exploit Long-term Relational Dependencies in Knowledge Graphs</a:t>
-            </a:r>
-          </a:p>
-        </p:txBody>
-      </p:sp>
-      <p:sp>
-        <p:nvSpPr>
-          <p:cNvPr id="3" name="Subtitle 2">
-            <a:extLst>
-              <a:ext uri="{FF2B5EF4-FFF2-40B4-BE49-F238E27FC236}">
-                <a16:creationId xmlns:a16="http://schemas.microsoft.com/office/drawing/2014/main" id="{0A64B25C-1E83-D14F-82EC-CC2D9EFA4F64}"/>
-              </a:ext>
-            </a:extLst>
-          </p:cNvPr>
-          <p:cNvSpPr>
-            <a:spLocks noGrp="1"/>
-          </p:cNvSpPr>
-          <p:nvPr>
-            <p:ph type="subTitle" idx="1"/>
-          </p:nvPr>
-        </p:nvSpPr>
-        <p:spPr>
-          <a:xfrm>
-            <a:off x="1208314" y="2060497"/>
-            <a:ext cx="9144000" cy="926419"/>
-          </a:xfrm>
-        </p:spPr>
-        <p:txBody>
-          <a:bodyPr>
-            <a:normAutofit/>
-          </a:bodyPr>
-          <a:lstStyle/>
-          <a:p>
-            <a:pPr algn="l"/>
-            <a:r>
-              <a:rPr lang="en-US" sz="1800" dirty="0"/>
-              <a:t>Limitation of Existing Work:</a:t>
-            </a:r>
-          </a:p>
-          <a:p>
-            <a:pPr algn="l"/>
-            <a:endParaRPr lang="en-US" sz="1400" dirty="0"/>
-          </a:p>
-          <a:p>
-            <a:pPr algn="l"/>
-            <a:endParaRPr lang="en-US" sz="1600" dirty="0"/>
-          </a:p>
-        </p:txBody>
-      </p:sp>
-      <p:sp>
-        <p:nvSpPr>
-          <p:cNvPr id="4" name="TextBox 3">
-            <a:extLst>
-              <a:ext uri="{FF2B5EF4-FFF2-40B4-BE49-F238E27FC236}">
-                <a16:creationId xmlns:a16="http://schemas.microsoft.com/office/drawing/2014/main" id="{41ED2B90-6835-0C4B-B85A-2512916878C1}"/>
-              </a:ext>
-            </a:extLst>
-          </p:cNvPr>
-          <p:cNvSpPr txBox="1"/>
-          <p:nvPr/>
-        </p:nvSpPr>
-        <p:spPr>
-          <a:xfrm>
-            <a:off x="408214" y="303235"/>
-            <a:ext cx="1600200" cy="369332"/>
-          </a:xfrm>
-          <a:prstGeom prst="rect">
-            <a:avLst/>
-          </a:prstGeom>
-          <a:noFill/>
-        </p:spPr>
-        <p:txBody>
-          <a:bodyPr wrap="square" rtlCol="0">
-            <a:spAutoFit/>
-          </a:bodyPr>
-          <a:lstStyle/>
-          <a:p>
-            <a:r>
-              <a:rPr lang="en-US" dirty="0">
-                <a:solidFill>
-                  <a:srgbClr val="C00000"/>
-                </a:solidFill>
-              </a:rPr>
-              <a:t>Embedding</a:t>
-            </a:r>
-          </a:p>
-        </p:txBody>
-      </p:sp>
-      <p:sp>
-        <p:nvSpPr>
-          <p:cNvPr id="5" name="TextBox 4">
-            <a:extLst>
-              <a:ext uri="{FF2B5EF4-FFF2-40B4-BE49-F238E27FC236}">
-                <a16:creationId xmlns:a16="http://schemas.microsoft.com/office/drawing/2014/main" id="{AFB09293-029A-E64B-B817-64C522758E60}"/>
-              </a:ext>
-            </a:extLst>
-          </p:cNvPr>
-          <p:cNvSpPr txBox="1"/>
-          <p:nvPr/>
-        </p:nvSpPr>
-        <p:spPr>
-          <a:xfrm>
-            <a:off x="1208314" y="3429000"/>
-            <a:ext cx="7641772" cy="1015663"/>
-          </a:xfrm>
-          <a:prstGeom prst="rect">
-            <a:avLst/>
-          </a:prstGeom>
-          <a:noFill/>
-        </p:spPr>
-        <p:txBody>
-          <a:bodyPr wrap="square" rtlCol="0">
-            <a:spAutoFit/>
-          </a:bodyPr>
-          <a:lstStyle/>
-          <a:p>
-            <a:r>
-              <a:rPr lang="en-US" dirty="0"/>
-              <a:t>Key idea of Approach:</a:t>
-            </a:r>
-          </a:p>
-          <a:p>
-            <a:r>
-              <a:rPr lang="en-US" sz="1400" dirty="0"/>
-              <a:t>RSNs integrate recurrent neural networks with residual learning to efficiently capture the long-term relational dependencies of entities within and between </a:t>
-            </a:r>
-            <a:r>
-              <a:rPr lang="en-US" sz="1400" dirty="0" err="1"/>
-              <a:t>KGs.</a:t>
-            </a:r>
-            <a:r>
-              <a:rPr lang="en-US" sz="1400" dirty="0"/>
-              <a:t> We also design an end-to-end framework to support RSNs on two tasks link prediction and entity alignment.</a:t>
-            </a:r>
-          </a:p>
-        </p:txBody>
-      </p:sp>
-      <p:sp>
-        <p:nvSpPr>
-          <p:cNvPr id="6" name="TextBox 5">
-            <a:extLst>
-              <a:ext uri="{FF2B5EF4-FFF2-40B4-BE49-F238E27FC236}">
-                <a16:creationId xmlns:a16="http://schemas.microsoft.com/office/drawing/2014/main" id="{0D9FCB9E-2E46-9849-8B1B-EC2C1B783C97}"/>
-              </a:ext>
-            </a:extLst>
-          </p:cNvPr>
-          <p:cNvSpPr txBox="1"/>
-          <p:nvPr/>
-        </p:nvSpPr>
-        <p:spPr>
-          <a:xfrm>
-            <a:off x="1208314" y="5867399"/>
-            <a:ext cx="6901543" cy="461665"/>
-          </a:xfrm>
-          <a:prstGeom prst="rect">
-            <a:avLst/>
-          </a:prstGeom>
-          <a:noFill/>
-        </p:spPr>
-        <p:txBody>
-          <a:bodyPr wrap="square" rtlCol="0">
-            <a:spAutoFit/>
-          </a:bodyPr>
-          <a:lstStyle/>
-          <a:p>
-            <a:r>
-              <a:rPr lang="en-US" sz="1200" dirty="0"/>
-              <a:t>Link: </a:t>
-            </a:r>
-            <a:r>
-              <a:rPr lang="en-US" sz="1200" dirty="0">
-                <a:hlinkClick r:id="rId2"/>
-              </a:rPr>
-              <a:t>http://proceedings.mlr.press/v97/guo19c/guo19c.pdf</a:t>
-            </a:r>
-            <a:endParaRPr lang="en-US" sz="1200" dirty="0"/>
-          </a:p>
-          <a:p>
-            <a:r>
-              <a:rPr lang="en-US" sz="1200" dirty="0"/>
-              <a:t>Source: ICML 2019</a:t>
-            </a:r>
-          </a:p>
-        </p:txBody>
-      </p:sp>
+              <a:t>CapsE: A Capsule Network-based Embedding Model for Knowledge Graph Completion and Search Personalization.</a:t>
+            </a:r>
+            <a:endParaRPr lang="en-US" sz="1600" b="1" dirty="0">
+              <a:latin typeface="+mn-lt"/>
+              <a:ea typeface="+mn-ea"/>
+              <a:cs typeface="+mn-cs"/>
+            </a:endParaRPr>
+          </a:p>
+        </p:txBody>
+      </p:sp>
+      <p:pic>
+        <p:nvPicPr>
+          <p:cNvPr id="3" name="Picture 2">
+            <a:extLst>
+              <a:ext uri="{FF2B5EF4-FFF2-40B4-BE49-F238E27FC236}">
+                <a16:creationId xmlns:a16="http://schemas.microsoft.com/office/drawing/2014/main" id="{2174362D-CAB8-7C4E-9F25-A11A126C3858}"/>
+              </a:ext>
+            </a:extLst>
+          </p:cNvPr>
+          <p:cNvPicPr>
+            <a:picLocks noChangeAspect="1"/>
+          </p:cNvPicPr>
+          <p:nvPr/>
+        </p:nvPicPr>
+        <p:blipFill>
+          <a:blip r:embed="rId2"/>
+          <a:stretch>
+            <a:fillRect/>
+          </a:stretch>
+        </p:blipFill>
+        <p:spPr>
+          <a:xfrm>
+            <a:off x="321500" y="2094290"/>
+            <a:ext cx="7312199" cy="3198572"/>
+          </a:xfrm>
+          <a:prstGeom prst="rect">
+            <a:avLst/>
+          </a:prstGeom>
+        </p:spPr>
+      </p:pic>
     </p:spTree>
     <p:extLst>
       <p:ext uri="{BB962C8B-B14F-4D97-AF65-F5344CB8AC3E}">
-        <p14:creationId xmlns:p14="http://schemas.microsoft.com/office/powerpoint/2010/main" val="2182123352"/>
+        <p14:creationId xmlns:p14="http://schemas.microsoft.com/office/powerpoint/2010/main" val="3587662590"/>
       </p:ext>
     </p:extLst>
   </p:cSld>
@@ -5860,7 +5956,7 @@
         </p:spPr>
         <p:txBody>
           <a:bodyPr>
-            <a:normAutofit fontScale="90000"/>
+            <a:normAutofit/>
           </a:bodyPr>
           <a:lstStyle/>
           <a:p>
@@ -5871,7 +5967,7 @@
                 <a:ea typeface="+mn-ea"/>
                 <a:cs typeface="+mn-cs"/>
               </a:rPr>
-              <a:t>CapsE:A</a:t>
+              <a:t>CaRe</a:t>
             </a:r>
             <a:r>
               <a:rPr lang="en-US" sz="1600" b="1" dirty="0">
@@ -5879,7 +5975,7 @@
                 <a:ea typeface="+mn-ea"/>
                 <a:cs typeface="+mn-cs"/>
               </a:rPr>
-              <a:t> Capsule Network-based Embedding Model for Knowledge Graph Completion and Search Personalization.</a:t>
+              <a:t>: Open Knowledge Graph Embeddings</a:t>
             </a:r>
           </a:p>
         </p:txBody>
@@ -6003,11 +6099,19 @@
           <a:p>
             <a:r>
               <a:rPr lang="en-US" sz="1400" dirty="0" err="1"/>
-              <a:t>CapsE</a:t>
+              <a:t>CaRe</a:t>
             </a:r>
             <a:r>
               <a:rPr lang="en-US" sz="1400" dirty="0"/>
-              <a:t> employs capsule network to model the entries in the triple at the same dimension. The high-level hypothesis is that each capsule accounts for capture variants of a relation-specific attribute of the entities. The length of the final vector serves as the plausibility score of the triple.</a:t>
+              <a:t> focuses on canonicalization of </a:t>
+            </a:r>
+            <a:r>
+              <a:rPr lang="en-US" sz="1400" dirty="0" err="1"/>
+              <a:t>OpenKGs</a:t>
+            </a:r>
+            <a:r>
+              <a:rPr lang="en-US" sz="1400" dirty="0"/>
+              <a:t>. The model infuses canonicalization in-formation combined with the neighborhood graph structure to learn rich representations of NPs. And it captures the semantic similarity of RPs.</a:t>
             </a:r>
           </a:p>
         </p:txBody>
@@ -6048,14 +6152,14 @@
               <a:rPr lang="en-US" sz="1200" dirty="0">
                 <a:hlinkClick r:id="rId2"/>
               </a:rPr>
-              <a:t>https://www.aclweb.org/anthology/N19-1226</a:t>
+              <a:t>http://talukdar.net/papers/CaRe_EMNLP2019.pdf</a:t>
             </a:r>
             <a:endParaRPr lang="en-US" sz="1200" dirty="0"/>
           </a:p>
           <a:p>
             <a:r>
               <a:rPr lang="en-US" sz="1200" dirty="0"/>
-              <a:t>Source: NAACL-HIT 2019</a:t>
+              <a:t>Source: EMNLP-IJCNLP 2019</a:t>
             </a:r>
           </a:p>
         </p:txBody>
@@ -6063,7 +6167,7 @@
     </p:spTree>
     <p:extLst>
       <p:ext uri="{BB962C8B-B14F-4D97-AF65-F5344CB8AC3E}">
-        <p14:creationId xmlns:p14="http://schemas.microsoft.com/office/powerpoint/2010/main" val="4267291452"/>
+        <p14:creationId xmlns:p14="http://schemas.microsoft.com/office/powerpoint/2010/main" val="1317585240"/>
       </p:ext>
     </p:extLst>
   </p:cSld>
@@ -6125,7 +6229,7 @@
                 <a:ea typeface="+mn-ea"/>
                 <a:cs typeface="+mn-cs"/>
               </a:rPr>
-              <a:t>CaRe</a:t>
+              <a:t>CrossE</a:t>
             </a:r>
             <a:r>
               <a:rPr lang="en-US" sz="1600" b="1" dirty="0">
@@ -6133,7 +6237,7 @@
                 <a:ea typeface="+mn-ea"/>
                 <a:cs typeface="+mn-cs"/>
               </a:rPr>
-              <a:t>: Open Knowledge Graph Embeddings</a:t>
+              <a:t>: Interaction Embeddings for Prediction and Explanation in Knowledge Graphs</a:t>
             </a:r>
           </a:p>
         </p:txBody>
@@ -6257,19 +6361,11 @@
           <a:p>
             <a:r>
               <a:rPr lang="en-US" sz="1400" dirty="0" err="1"/>
-              <a:t>CaRe</a:t>
+              <a:t>CrossE</a:t>
             </a:r>
             <a:r>
               <a:rPr lang="en-US" sz="1400" dirty="0"/>
-              <a:t> focuses on canonicalization of </a:t>
-            </a:r>
-            <a:r>
-              <a:rPr lang="en-US" sz="1400" dirty="0" err="1"/>
-              <a:t>OpenKGs</a:t>
-            </a:r>
-            <a:r>
-              <a:rPr lang="en-US" sz="1400" dirty="0"/>
-              <a:t>. The model infuses canonicalization in-formation combined with the neighborhood graph structure to learn rich representations of NPs. And it captures the semantic similarity of RPs.</a:t>
+              <a:t>, a novel knowledge graph embedding which explicitly simulates crossover interactions. It not only learns one general embedding for each entity and relation as most previous methods do, but also generates multiple triple specific embeddings for both of them, named interaction embeddings.</a:t>
             </a:r>
           </a:p>
         </p:txBody>
@@ -6310,7 +6406,7 @@
               <a:rPr lang="en-US" sz="1200" dirty="0">
                 <a:hlinkClick r:id="rId2"/>
               </a:rPr>
-              <a:t>http://talukdar.net/papers/CaRe_EMNLP2019.pdf</a:t>
+              <a:t>https://arxiv.org/pdf/1903.04750.pdf</a:t>
             </a:r>
             <a:endParaRPr lang="en-US" sz="1200" dirty="0"/>
           </a:p>
@@ -6325,7 +6421,7 @@
     </p:spTree>
     <p:extLst>
       <p:ext uri="{BB962C8B-B14F-4D97-AF65-F5344CB8AC3E}">
-        <p14:creationId xmlns:p14="http://schemas.microsoft.com/office/powerpoint/2010/main" val="1317585240"/>
+        <p14:creationId xmlns:p14="http://schemas.microsoft.com/office/powerpoint/2010/main" val="2977436787"/>
       </p:ext>
     </p:extLst>
   </p:cSld>
@@ -6387,7 +6483,7 @@
                 <a:ea typeface="+mn-ea"/>
                 <a:cs typeface="+mn-cs"/>
               </a:rPr>
-              <a:t>CrossE</a:t>
+              <a:t>TuckER</a:t>
             </a:r>
             <a:r>
               <a:rPr lang="en-US" sz="1600" b="1" dirty="0">
@@ -6395,7 +6491,7 @@
                 <a:ea typeface="+mn-ea"/>
                 <a:cs typeface="+mn-cs"/>
               </a:rPr>
-              <a:t>: Interaction Embeddings for Prediction and Explanation in Knowledge Graphs</a:t>
+              <a:t>: Tensor Factorization for Knowledge Graph Completion</a:t>
             </a:r>
           </a:p>
         </p:txBody>
@@ -6498,7 +6594,7 @@
         <p:spPr>
           <a:xfrm>
             <a:off x="1208314" y="3429000"/>
-            <a:ext cx="7641772" cy="1015663"/>
+            <a:ext cx="7641772" cy="1446550"/>
           </a:xfrm>
           <a:prstGeom prst="rect">
             <a:avLst/>
@@ -6519,11 +6615,43 @@
           <a:p>
             <a:r>
               <a:rPr lang="en-US" sz="1400" dirty="0" err="1"/>
-              <a:t>CrossE</a:t>
+              <a:t>TuckER</a:t>
             </a:r>
             <a:r>
               <a:rPr lang="en-US" sz="1400" dirty="0"/>
-              <a:t>, a novel knowledge graph embedding which explicitly simulates crossover interactions. It not only learns one general embedding for each entity and relation as most previous methods do, but also generates multiple triple specific embeddings for both of them, named interaction embeddings.</a:t>
+              <a:t> is a relatively simple but powerful linear model based on Tucker decomposition of the binary tensor representation of knowledge graph triples. </a:t>
+            </a:r>
+            <a:r>
+              <a:rPr lang="en-US" sz="1400" dirty="0" err="1"/>
+              <a:t>TuckER</a:t>
+            </a:r>
+            <a:r>
+              <a:rPr lang="en-US" sz="1400" dirty="0"/>
+              <a:t> is a fully expressive model, deriving the bound on its entity and relation embedding dimensionality for full expressiveness which is several orders of magnitude smaller than the bound of previous models </a:t>
+            </a:r>
+            <a:r>
+              <a:rPr lang="en-US" sz="1400" dirty="0" err="1"/>
+              <a:t>ComplEx</a:t>
+            </a:r>
+            <a:r>
+              <a:rPr lang="en-US" sz="1400" dirty="0"/>
+              <a:t> and </a:t>
+            </a:r>
+            <a:r>
+              <a:rPr lang="en-US" sz="1400" dirty="0" err="1"/>
+              <a:t>SimplE</a:t>
+            </a:r>
+            <a:r>
+              <a:rPr lang="en-US" sz="1400" dirty="0"/>
+              <a:t>. Besides, </a:t>
+            </a:r>
+            <a:r>
+              <a:rPr lang="en-US" sz="1400" dirty="0" err="1"/>
+              <a:t>TuckER</a:t>
+            </a:r>
+            <a:r>
+              <a:rPr lang="en-US" sz="1400" dirty="0"/>
+              <a:t> achieves the state-of-the-art performance.</a:t>
             </a:r>
           </a:p>
         </p:txBody>
@@ -6564,14 +6692,14 @@
               <a:rPr lang="en-US" sz="1200" dirty="0">
                 <a:hlinkClick r:id="rId2"/>
               </a:rPr>
-              <a:t>https://arxiv.org/pdf/1903.04750.pdf</a:t>
+              <a:t>https://arxiv.org/pdf/1901.09590.pdf</a:t>
             </a:r>
             <a:endParaRPr lang="en-US" sz="1200" dirty="0"/>
           </a:p>
           <a:p>
             <a:r>
               <a:rPr lang="en-US" sz="1200" dirty="0"/>
-              <a:t>Source: EMNLP-IJCNLP 2019</a:t>
+              <a:t>Source:  2019</a:t>
             </a:r>
           </a:p>
         </p:txBody>
@@ -6579,7 +6707,7 @@
     </p:spTree>
     <p:extLst>
       <p:ext uri="{BB962C8B-B14F-4D97-AF65-F5344CB8AC3E}">
-        <p14:creationId xmlns:p14="http://schemas.microsoft.com/office/powerpoint/2010/main" val="2977436787"/>
+        <p14:creationId xmlns:p14="http://schemas.microsoft.com/office/powerpoint/2010/main" val="4221864265"/>
       </p:ext>
     </p:extLst>
   </p:cSld>
@@ -7002,7 +7130,7 @@
                 <a:ea typeface="+mn-ea"/>
                 <a:cs typeface="+mn-cs"/>
               </a:rPr>
-              <a:t>TuckER</a:t>
+              <a:t>RotatE</a:t>
             </a:r>
             <a:r>
               <a:rPr lang="en-US" sz="1600" b="1" dirty="0">
@@ -7010,7 +7138,7 @@
                 <a:ea typeface="+mn-ea"/>
                 <a:cs typeface="+mn-cs"/>
               </a:rPr>
-              <a:t>: Tensor Factorization for Knowledge Graph Completion</a:t>
+              <a:t>: Knowledge Graph Embedding by Relational Rotation in Complex Space.</a:t>
             </a:r>
           </a:p>
         </p:txBody>
@@ -7113,7 +7241,7 @@
         <p:spPr>
           <a:xfrm>
             <a:off x="1208314" y="3429000"/>
-            <a:ext cx="7641772" cy="1446550"/>
+            <a:ext cx="7641772" cy="1015663"/>
           </a:xfrm>
           <a:prstGeom prst="rect">
             <a:avLst/>
@@ -7134,43 +7262,27 @@
           <a:p>
             <a:r>
               <a:rPr lang="en-US" sz="1400" dirty="0" err="1"/>
-              <a:t>TuckER</a:t>
+              <a:t>RotatE</a:t>
             </a:r>
             <a:r>
               <a:rPr lang="en-US" sz="1400" dirty="0"/>
-              <a:t> is a relatively simple but powerful linear model based on Tucker decomposition of the binary tensor representation of knowledge graph triples. </a:t>
+              <a:t> infers various relation patterns including: symmetry/</a:t>
             </a:r>
             <a:r>
               <a:rPr lang="en-US" sz="1400" dirty="0" err="1"/>
-              <a:t>TuckER</a:t>
+              <a:t>antisymmetry</a:t>
             </a:r>
             <a:r>
               <a:rPr lang="en-US" sz="1400" dirty="0"/>
-              <a:t> is a fully expressive model, deriving the bound on its entity and relation embedding dimensionality for full expressiveness which is several orders of magnitude smaller than the bound of previous models </a:t>
+              <a:t>, inversion, and composition. Specifically, the </a:t>
             </a:r>
             <a:r>
               <a:rPr lang="en-US" sz="1400" dirty="0" err="1"/>
-              <a:t>ComplEx</a:t>
+              <a:t>RotatE</a:t>
             </a:r>
             <a:r>
               <a:rPr lang="en-US" sz="1400" dirty="0"/>
-              <a:t> and </a:t>
-            </a:r>
-            <a:r>
-              <a:rPr lang="en-US" sz="1400" dirty="0" err="1"/>
-              <a:t>SimplE</a:t>
-            </a:r>
-            <a:r>
-              <a:rPr lang="en-US" sz="1400" dirty="0"/>
-              <a:t>. Besides, </a:t>
-            </a:r>
-            <a:r>
-              <a:rPr lang="en-US" sz="1400" dirty="0" err="1"/>
-              <a:t>TuckER</a:t>
-            </a:r>
-            <a:r>
-              <a:rPr lang="en-US" sz="1400" dirty="0"/>
-              <a:t> achieves the state-of-the-art performance.</a:t>
+              <a:t> model defines each relation as a rotation from the source entity to the target entity in the complex vector space.</a:t>
             </a:r>
           </a:p>
         </p:txBody>
@@ -7211,22 +7323,80 @@
               <a:rPr lang="en-US" sz="1200" dirty="0">
                 <a:hlinkClick r:id="rId2"/>
               </a:rPr>
-              <a:t>https://arxiv.org/pdf/1901.09590.pdf</a:t>
+              <a:t>https://openreview.net/pdf?id=HkgEQnRqYQ</a:t>
             </a:r>
             <a:endParaRPr lang="en-US" sz="1200" dirty="0"/>
           </a:p>
           <a:p>
             <a:r>
               <a:rPr lang="en-US" sz="1200" dirty="0"/>
-              <a:t>Source:  2019</a:t>
-            </a:r>
+              <a:t>Source: ICLR 2019</a:t>
+            </a:r>
+          </a:p>
+        </p:txBody>
+      </p:sp>
+      <p:sp>
+        <p:nvSpPr>
+          <p:cNvPr id="7" name="TextBox 6">
+            <a:extLst>
+              <a:ext uri="{FF2B5EF4-FFF2-40B4-BE49-F238E27FC236}">
+                <a16:creationId xmlns:a16="http://schemas.microsoft.com/office/drawing/2014/main" id="{E6D3D0C2-2081-FE46-881B-60D9D417E170}"/>
+              </a:ext>
+            </a:extLst>
+          </p:cNvPr>
+          <p:cNvSpPr txBox="1"/>
+          <p:nvPr/>
+        </p:nvSpPr>
+        <p:spPr>
+          <a:xfrm>
+            <a:off x="8455631" y="930729"/>
+            <a:ext cx="3462391" cy="2031325"/>
+          </a:xfrm>
+          <a:prstGeom prst="rect">
+            <a:avLst/>
+          </a:prstGeom>
+          <a:noFill/>
+        </p:spPr>
+        <p:txBody>
+          <a:bodyPr wrap="square" rtlCol="0">
+            <a:spAutoFit/>
+          </a:bodyPr>
+          <a:lstStyle/>
+          <a:p>
+            <a:r>
+              <a:rPr lang="en-US" i="1" dirty="0" err="1"/>
+              <a:t>RotatE</a:t>
+            </a:r>
+            <a:r>
+              <a:rPr lang="en-US" i="1" dirty="0"/>
+              <a:t> </a:t>
+            </a:r>
+            <a:r>
+              <a:rPr lang="en-US" dirty="0"/>
+              <a:t>is limited to 2-D rotations and thus has limited modeling capacity. In addition, </a:t>
+            </a:r>
+            <a:r>
+              <a:rPr lang="en-US" i="1" dirty="0" err="1"/>
+              <a:t>RotatE</a:t>
+            </a:r>
+            <a:r>
+              <a:rPr lang="en-US" i="1" dirty="0"/>
+              <a:t> </a:t>
+            </a:r>
+            <a:r>
+              <a:rPr lang="en-US" dirty="0"/>
+              <a:t>does not consider graph context, which is helpful in handling 1-to-N, N-to-1, and N-to-N relation prediction. </a:t>
+            </a:r>
+          </a:p>
+          <a:p>
+            <a:endParaRPr lang="en-US" dirty="0"/>
           </a:p>
         </p:txBody>
       </p:sp>
     </p:spTree>
     <p:extLst>
       <p:ext uri="{BB962C8B-B14F-4D97-AF65-F5344CB8AC3E}">
-        <p14:creationId xmlns:p14="http://schemas.microsoft.com/office/powerpoint/2010/main" val="4221864265"/>
+        <p14:creationId xmlns:p14="http://schemas.microsoft.com/office/powerpoint/2010/main" val="992991758"/>
       </p:ext>
     </p:extLst>
   </p:cSld>
@@ -7255,102 +7425,10 @@
       </p:grpSpPr>
       <p:sp>
         <p:nvSpPr>
-          <p:cNvPr id="2" name="Title 1">
-            <a:extLst>
-              <a:ext uri="{FF2B5EF4-FFF2-40B4-BE49-F238E27FC236}">
-                <a16:creationId xmlns:a16="http://schemas.microsoft.com/office/drawing/2014/main" id="{D7317AF7-C0C1-B64C-80AB-E4D5190FBCD8}"/>
-              </a:ext>
-            </a:extLst>
-          </p:cNvPr>
-          <p:cNvSpPr>
-            <a:spLocks noGrp="1"/>
-          </p:cNvSpPr>
-          <p:nvPr>
-            <p:ph type="ctrTitle"/>
-          </p:nvPr>
-        </p:nvSpPr>
-        <p:spPr>
-          <a:xfrm>
-            <a:off x="1208314" y="930729"/>
-            <a:ext cx="9144000" cy="477837"/>
-          </a:xfrm>
-        </p:spPr>
-        <p:txBody>
-          <a:bodyPr>
-            <a:normAutofit/>
-          </a:bodyPr>
-          <a:lstStyle/>
-          <a:p>
-            <a:pPr algn="l"/>
-            <a:r>
-              <a:rPr lang="en-US" sz="1600" b="1" dirty="0" err="1">
-                <a:latin typeface="+mn-lt"/>
-                <a:ea typeface="+mn-ea"/>
-                <a:cs typeface="+mn-cs"/>
-              </a:rPr>
-              <a:t>RotatE</a:t>
-            </a:r>
-            <a:r>
-              <a:rPr lang="en-US" sz="1600" b="1" dirty="0">
-                <a:latin typeface="+mn-lt"/>
-                <a:ea typeface="+mn-ea"/>
-                <a:cs typeface="+mn-cs"/>
-              </a:rPr>
-              <a:t>: Knowledge Graph Embedding by Relational Rotation in Complex Space.</a:t>
-            </a:r>
-          </a:p>
-        </p:txBody>
-      </p:sp>
-      <p:sp>
-        <p:nvSpPr>
-          <p:cNvPr id="3" name="Subtitle 2">
-            <a:extLst>
-              <a:ext uri="{FF2B5EF4-FFF2-40B4-BE49-F238E27FC236}">
-                <a16:creationId xmlns:a16="http://schemas.microsoft.com/office/drawing/2014/main" id="{0A64B25C-1E83-D14F-82EC-CC2D9EFA4F64}"/>
-              </a:ext>
-            </a:extLst>
-          </p:cNvPr>
-          <p:cNvSpPr>
-            <a:spLocks noGrp="1"/>
-          </p:cNvSpPr>
-          <p:nvPr>
-            <p:ph type="subTitle" idx="1"/>
-          </p:nvPr>
-        </p:nvSpPr>
-        <p:spPr>
-          <a:xfrm>
-            <a:off x="1208314" y="2060497"/>
-            <a:ext cx="9144000" cy="926419"/>
-          </a:xfrm>
-        </p:spPr>
-        <p:txBody>
-          <a:bodyPr>
-            <a:normAutofit/>
-          </a:bodyPr>
-          <a:lstStyle/>
-          <a:p>
-            <a:pPr algn="l"/>
-            <a:r>
-              <a:rPr lang="en-US" sz="1800" dirty="0"/>
-              <a:t>Limitation of Existing Work:</a:t>
-            </a:r>
-          </a:p>
-          <a:p>
-            <a:pPr algn="l"/>
-            <a:endParaRPr lang="en-US" sz="1400" dirty="0"/>
-          </a:p>
-          <a:p>
-            <a:pPr algn="l"/>
-            <a:endParaRPr lang="en-US" sz="1600" dirty="0"/>
-          </a:p>
-        </p:txBody>
-      </p:sp>
-      <p:sp>
-        <p:nvSpPr>
-          <p:cNvPr id="4" name="TextBox 3">
-            <a:extLst>
-              <a:ext uri="{FF2B5EF4-FFF2-40B4-BE49-F238E27FC236}">
-                <a16:creationId xmlns:a16="http://schemas.microsoft.com/office/drawing/2014/main" id="{41ED2B90-6835-0C4B-B85A-2512916878C1}"/>
+          <p:cNvPr id="5" name="TextBox 4">
+            <a:extLst>
+              <a:ext uri="{FF2B5EF4-FFF2-40B4-BE49-F238E27FC236}">
+                <a16:creationId xmlns:a16="http://schemas.microsoft.com/office/drawing/2014/main" id="{CB4440B1-FB08-3C49-A8BD-4A4F8B174F39}"/>
               </a:ext>
             </a:extLst>
           </p:cNvPr>
@@ -7359,8 +7437,8 @@
         </p:nvSpPr>
         <p:spPr>
           <a:xfrm>
-            <a:off x="408214" y="303235"/>
-            <a:ext cx="1600200" cy="369332"/>
+            <a:off x="776800" y="1236046"/>
+            <a:ext cx="3831771" cy="369332"/>
           </a:xfrm>
           <a:prstGeom prst="rect">
             <a:avLst/>
@@ -7374,22 +7452,18 @@
           <a:lstStyle/>
           <a:p>
             <a:r>
-              <a:rPr lang="en-US" dirty="0">
-                <a:solidFill>
-                  <a:srgbClr val="C00000"/>
-                </a:solidFill>
-              </a:rPr>
-              <a:t>Embedding</a:t>
-            </a:r>
-          </a:p>
-        </p:txBody>
-      </p:sp>
-      <p:sp>
-        <p:nvSpPr>
-          <p:cNvPr id="5" name="TextBox 4">
-            <a:extLst>
-              <a:ext uri="{FF2B5EF4-FFF2-40B4-BE49-F238E27FC236}">
-                <a16:creationId xmlns:a16="http://schemas.microsoft.com/office/drawing/2014/main" id="{AFB09293-029A-E64B-B817-64C522758E60}"/>
+              <a:rPr lang="en-US" dirty="0"/>
+              <a:t>Evaluation:</a:t>
+            </a:r>
+          </a:p>
+        </p:txBody>
+      </p:sp>
+      <p:sp>
+        <p:nvSpPr>
+          <p:cNvPr id="6" name="TextBox 5">
+            <a:extLst>
+              <a:ext uri="{FF2B5EF4-FFF2-40B4-BE49-F238E27FC236}">
+                <a16:creationId xmlns:a16="http://schemas.microsoft.com/office/drawing/2014/main" id="{919E28F8-8F82-0F45-BB68-F655DBB95125}"/>
               </a:ext>
             </a:extLst>
           </p:cNvPr>
@@ -7398,8 +7472,8 @@
         </p:nvSpPr>
         <p:spPr>
           <a:xfrm>
-            <a:off x="1208314" y="3429000"/>
-            <a:ext cx="7641772" cy="1015663"/>
+            <a:off x="7633699" y="1420712"/>
+            <a:ext cx="2688772" cy="369332"/>
           </a:xfrm>
           <a:prstGeom prst="rect">
             <a:avLst/>
@@ -7414,43 +7488,17 @@
           <a:p>
             <a:r>
               <a:rPr lang="en-US" dirty="0"/>
-              <a:t>Key idea of Approach:</a:t>
-            </a:r>
-          </a:p>
-          <a:p>
-            <a:r>
-              <a:rPr lang="en-US" sz="1400" dirty="0" err="1"/>
-              <a:t>RotatE</a:t>
-            </a:r>
-            <a:r>
-              <a:rPr lang="en-US" sz="1400" dirty="0"/>
-              <a:t> infers various relation patterns including: symmetry/</a:t>
-            </a:r>
-            <a:r>
-              <a:rPr lang="en-US" sz="1400" dirty="0" err="1"/>
-              <a:t>antisymmetry</a:t>
-            </a:r>
-            <a:r>
-              <a:rPr lang="en-US" sz="1400" dirty="0"/>
-              <a:t>, inversion, and composition. Specifically, the </a:t>
-            </a:r>
-            <a:r>
-              <a:rPr lang="en-US" sz="1400" dirty="0" err="1"/>
-              <a:t>RotatE</a:t>
-            </a:r>
-            <a:r>
-              <a:rPr lang="en-US" sz="1400" dirty="0"/>
-              <a:t> model defines each relation as a rotation from the source entity to the target entity in the complex vector space.</a:t>
-            </a:r>
-          </a:p>
-        </p:txBody>
-      </p:sp>
-      <p:sp>
-        <p:nvSpPr>
-          <p:cNvPr id="6" name="TextBox 5">
-            <a:extLst>
-              <a:ext uri="{FF2B5EF4-FFF2-40B4-BE49-F238E27FC236}">
-                <a16:creationId xmlns:a16="http://schemas.microsoft.com/office/drawing/2014/main" id="{0D9FCB9E-2E46-9849-8B1B-EC2C1B783C97}"/>
+              <a:t>Contributions:</a:t>
+            </a:r>
+          </a:p>
+        </p:txBody>
+      </p:sp>
+      <p:sp>
+        <p:nvSpPr>
+          <p:cNvPr id="7" name="TextBox 6">
+            <a:extLst>
+              <a:ext uri="{FF2B5EF4-FFF2-40B4-BE49-F238E27FC236}">
+                <a16:creationId xmlns:a16="http://schemas.microsoft.com/office/drawing/2014/main" id="{640AB307-FCD9-C34E-A00E-E99AA74C38FC}"/>
               </a:ext>
             </a:extLst>
           </p:cNvPr>
@@ -7459,8 +7507,8 @@
         </p:nvSpPr>
         <p:spPr>
           <a:xfrm>
-            <a:off x="1208314" y="5867399"/>
-            <a:ext cx="6901543" cy="461665"/>
+            <a:off x="7758885" y="4163772"/>
+            <a:ext cx="2438400" cy="369332"/>
           </a:xfrm>
           <a:prstGeom prst="rect">
             <a:avLst/>
@@ -7474,87 +7522,16 @@
           <a:lstStyle/>
           <a:p>
             <a:r>
-              <a:rPr lang="en-US" sz="1200" dirty="0"/>
-              <a:t>Link: </a:t>
-            </a:r>
-            <a:r>
-              <a:rPr lang="en-US" sz="1200" dirty="0">
-                <a:hlinkClick r:id="rId2"/>
-              </a:rPr>
-              <a:t>https://openreview.net/pdf?id=HkgEQnRqYQ</a:t>
-            </a:r>
-            <a:endParaRPr lang="en-US" sz="1200" dirty="0"/>
-          </a:p>
-          <a:p>
-            <a:r>
-              <a:rPr lang="en-US" sz="1200" dirty="0"/>
-              <a:t>Source: ICLR 2019</a:t>
-            </a:r>
-          </a:p>
-        </p:txBody>
-      </p:sp>
-      <p:sp>
-        <p:nvSpPr>
-          <p:cNvPr id="7" name="TextBox 6">
-            <a:extLst>
-              <a:ext uri="{FF2B5EF4-FFF2-40B4-BE49-F238E27FC236}">
-                <a16:creationId xmlns:a16="http://schemas.microsoft.com/office/drawing/2014/main" id="{E6D3D0C2-2081-FE46-881B-60D9D417E170}"/>
-              </a:ext>
-            </a:extLst>
-          </p:cNvPr>
-          <p:cNvSpPr txBox="1"/>
-          <p:nvPr/>
-        </p:nvSpPr>
-        <p:spPr>
-          <a:xfrm>
-            <a:off x="8455631" y="930729"/>
-            <a:ext cx="3462391" cy="2031325"/>
-          </a:xfrm>
-          <a:prstGeom prst="rect">
-            <a:avLst/>
-          </a:prstGeom>
-          <a:noFill/>
-        </p:spPr>
-        <p:txBody>
-          <a:bodyPr wrap="square" rtlCol="0">
-            <a:spAutoFit/>
-          </a:bodyPr>
-          <a:lstStyle/>
-          <a:p>
-            <a:r>
-              <a:rPr lang="en-US" i="1" dirty="0" err="1"/>
-              <a:t>RotatE</a:t>
-            </a:r>
-            <a:r>
-              <a:rPr lang="en-US" i="1" dirty="0"/>
-              <a:t> </a:t>
-            </a:r>
-            <a:r>
               <a:rPr lang="en-US" dirty="0"/>
-              <a:t>is limited to 2-D rotations and thus has limited modeling capacity. In addition, </a:t>
-            </a:r>
-            <a:r>
-              <a:rPr lang="en-US" i="1" dirty="0" err="1"/>
-              <a:t>RotatE</a:t>
-            </a:r>
-            <a:r>
-              <a:rPr lang="en-US" i="1" dirty="0"/>
-              <a:t> </a:t>
-            </a:r>
-            <a:r>
-              <a:rPr lang="en-US" dirty="0"/>
-              <a:t>does not consider graph context, which is helpful in handling 1-to-N, N-to-1, and N-to-N relation prediction. </a:t>
-            </a:r>
-          </a:p>
-          <a:p>
-            <a:endParaRPr lang="en-US" dirty="0"/>
+              <a:t>Limitations:</a:t>
+            </a:r>
           </a:p>
         </p:txBody>
       </p:sp>
     </p:spTree>
     <p:extLst>
       <p:ext uri="{BB962C8B-B14F-4D97-AF65-F5344CB8AC3E}">
-        <p14:creationId xmlns:p14="http://schemas.microsoft.com/office/powerpoint/2010/main" val="992991758"/>
+        <p14:creationId xmlns:p14="http://schemas.microsoft.com/office/powerpoint/2010/main" val="474601348"/>
       </p:ext>
     </p:extLst>
   </p:cSld>
@@ -7611,6 +7588,1181 @@
           <a:p>
             <a:pPr algn="l"/>
             <a:r>
+              <a:rPr lang="en-US" sz="1600" dirty="0">
+                <a:latin typeface="+mn-lt"/>
+                <a:ea typeface="+mn-ea"/>
+                <a:cs typeface="+mn-cs"/>
+              </a:rPr>
+              <a:t>Paper Name</a:t>
+            </a:r>
+          </a:p>
+        </p:txBody>
+      </p:sp>
+      <p:sp>
+        <p:nvSpPr>
+          <p:cNvPr id="3" name="Subtitle 2">
+            <a:extLst>
+              <a:ext uri="{FF2B5EF4-FFF2-40B4-BE49-F238E27FC236}">
+                <a16:creationId xmlns:a16="http://schemas.microsoft.com/office/drawing/2014/main" id="{0A64B25C-1E83-D14F-82EC-CC2D9EFA4F64}"/>
+              </a:ext>
+            </a:extLst>
+          </p:cNvPr>
+          <p:cNvSpPr>
+            <a:spLocks noGrp="1"/>
+          </p:cNvSpPr>
+          <p:nvPr>
+            <p:ph type="subTitle" idx="1"/>
+          </p:nvPr>
+        </p:nvSpPr>
+        <p:spPr>
+          <a:xfrm>
+            <a:off x="1208314" y="2060497"/>
+            <a:ext cx="9144000" cy="926419"/>
+          </a:xfrm>
+        </p:spPr>
+        <p:txBody>
+          <a:bodyPr>
+            <a:normAutofit/>
+          </a:bodyPr>
+          <a:lstStyle/>
+          <a:p>
+            <a:pPr algn="l"/>
+            <a:r>
+              <a:rPr lang="en-US" sz="1600" dirty="0"/>
+              <a:t>Limitation of Existing Work:</a:t>
+            </a:r>
+          </a:p>
+          <a:p>
+            <a:pPr algn="l"/>
+            <a:endParaRPr lang="en-US" sz="1600" dirty="0"/>
+          </a:p>
+        </p:txBody>
+      </p:sp>
+      <p:sp>
+        <p:nvSpPr>
+          <p:cNvPr id="4" name="TextBox 3">
+            <a:extLst>
+              <a:ext uri="{FF2B5EF4-FFF2-40B4-BE49-F238E27FC236}">
+                <a16:creationId xmlns:a16="http://schemas.microsoft.com/office/drawing/2014/main" id="{41ED2B90-6835-0C4B-B85A-2512916878C1}"/>
+              </a:ext>
+            </a:extLst>
+          </p:cNvPr>
+          <p:cNvSpPr txBox="1"/>
+          <p:nvPr/>
+        </p:nvSpPr>
+        <p:spPr>
+          <a:xfrm>
+            <a:off x="408214" y="303235"/>
+            <a:ext cx="1600200" cy="369332"/>
+          </a:xfrm>
+          <a:prstGeom prst="rect">
+            <a:avLst/>
+          </a:prstGeom>
+          <a:noFill/>
+        </p:spPr>
+        <p:txBody>
+          <a:bodyPr wrap="square" rtlCol="0">
+            <a:spAutoFit/>
+          </a:bodyPr>
+          <a:lstStyle/>
+          <a:p>
+            <a:r>
+              <a:rPr lang="en-US" dirty="0">
+                <a:solidFill>
+                  <a:srgbClr val="C00000"/>
+                </a:solidFill>
+              </a:rPr>
+              <a:t>Embedding</a:t>
+            </a:r>
+          </a:p>
+        </p:txBody>
+      </p:sp>
+      <p:sp>
+        <p:nvSpPr>
+          <p:cNvPr id="5" name="TextBox 4">
+            <a:extLst>
+              <a:ext uri="{FF2B5EF4-FFF2-40B4-BE49-F238E27FC236}">
+                <a16:creationId xmlns:a16="http://schemas.microsoft.com/office/drawing/2014/main" id="{AFB09293-029A-E64B-B817-64C522758E60}"/>
+              </a:ext>
+            </a:extLst>
+          </p:cNvPr>
+          <p:cNvSpPr txBox="1"/>
+          <p:nvPr/>
+        </p:nvSpPr>
+        <p:spPr>
+          <a:xfrm>
+            <a:off x="1208314" y="3175456"/>
+            <a:ext cx="7641772" cy="646331"/>
+          </a:xfrm>
+          <a:prstGeom prst="rect">
+            <a:avLst/>
+          </a:prstGeom>
+          <a:noFill/>
+        </p:spPr>
+        <p:txBody>
+          <a:bodyPr wrap="square" rtlCol="0">
+            <a:spAutoFit/>
+          </a:bodyPr>
+          <a:lstStyle/>
+          <a:p>
+            <a:r>
+              <a:rPr lang="en-US" sz="1600" dirty="0"/>
+              <a:t>Key idea of Approach</a:t>
+            </a:r>
+            <a:r>
+              <a:rPr lang="en-US" dirty="0"/>
+              <a:t>:</a:t>
+            </a:r>
+          </a:p>
+          <a:p>
+            <a:endParaRPr lang="en-US" dirty="0"/>
+          </a:p>
+        </p:txBody>
+      </p:sp>
+      <p:sp>
+        <p:nvSpPr>
+          <p:cNvPr id="6" name="TextBox 5">
+            <a:extLst>
+              <a:ext uri="{FF2B5EF4-FFF2-40B4-BE49-F238E27FC236}">
+                <a16:creationId xmlns:a16="http://schemas.microsoft.com/office/drawing/2014/main" id="{0D9FCB9E-2E46-9849-8B1B-EC2C1B783C97}"/>
+              </a:ext>
+            </a:extLst>
+          </p:cNvPr>
+          <p:cNvSpPr txBox="1"/>
+          <p:nvPr/>
+        </p:nvSpPr>
+        <p:spPr>
+          <a:xfrm>
+            <a:off x="1208314" y="5845629"/>
+            <a:ext cx="6901543" cy="461665"/>
+          </a:xfrm>
+          <a:prstGeom prst="rect">
+            <a:avLst/>
+          </a:prstGeom>
+          <a:noFill/>
+        </p:spPr>
+        <p:txBody>
+          <a:bodyPr wrap="square" rtlCol="0">
+            <a:spAutoFit/>
+          </a:bodyPr>
+          <a:lstStyle/>
+          <a:p>
+            <a:r>
+              <a:rPr lang="en-US" sz="1200" dirty="0"/>
+              <a:t>Link:</a:t>
+            </a:r>
+          </a:p>
+          <a:p>
+            <a:r>
+              <a:rPr lang="en-US" sz="1200" dirty="0"/>
+              <a:t>Source:</a:t>
+            </a:r>
+          </a:p>
+        </p:txBody>
+      </p:sp>
+    </p:spTree>
+    <p:extLst>
+      <p:ext uri="{BB962C8B-B14F-4D97-AF65-F5344CB8AC3E}">
+        <p14:creationId xmlns:p14="http://schemas.microsoft.com/office/powerpoint/2010/main" val="1006641091"/>
+      </p:ext>
+    </p:extLst>
+  </p:cSld>
+  <p:clrMapOvr>
+    <a:masterClrMapping/>
+  </p:clrMapOvr>
+</p:sld>
+</file>
+
+<file path=ppt/slides/slide23.xml><?xml version="1.0" encoding="utf-8"?>
+<p:sld xmlns:a="http://schemas.openxmlformats.org/drawingml/2006/main" xmlns:r="http://schemas.openxmlformats.org/officeDocument/2006/relationships" xmlns:p="http://schemas.openxmlformats.org/presentationml/2006/main">
+  <p:cSld>
+    <p:spTree>
+      <p:nvGrpSpPr>
+        <p:cNvPr id="1" name=""/>
+        <p:cNvGrpSpPr/>
+        <p:nvPr/>
+      </p:nvGrpSpPr>
+      <p:grpSpPr>
+        <a:xfrm>
+          <a:off x="0" y="0"/>
+          <a:ext cx="0" cy="0"/>
+          <a:chOff x="0" y="0"/>
+          <a:chExt cx="0" cy="0"/>
+        </a:xfrm>
+      </p:grpSpPr>
+      <p:sp>
+        <p:nvSpPr>
+          <p:cNvPr id="2" name="Title 1">
+            <a:extLst>
+              <a:ext uri="{FF2B5EF4-FFF2-40B4-BE49-F238E27FC236}">
+                <a16:creationId xmlns:a16="http://schemas.microsoft.com/office/drawing/2014/main" id="{D7317AF7-C0C1-B64C-80AB-E4D5190FBCD8}"/>
+              </a:ext>
+            </a:extLst>
+          </p:cNvPr>
+          <p:cNvSpPr>
+            <a:spLocks noGrp="1"/>
+          </p:cNvSpPr>
+          <p:nvPr>
+            <p:ph type="ctrTitle"/>
+          </p:nvPr>
+        </p:nvSpPr>
+        <p:spPr>
+          <a:xfrm>
+            <a:off x="1208314" y="930729"/>
+            <a:ext cx="9144000" cy="477837"/>
+          </a:xfrm>
+        </p:spPr>
+        <p:txBody>
+          <a:bodyPr>
+            <a:normAutofit/>
+          </a:bodyPr>
+          <a:lstStyle/>
+          <a:p>
+            <a:pPr algn="l"/>
+            <a:r>
+              <a:rPr lang="en-US" sz="1600" b="1" dirty="0">
+                <a:latin typeface="+mn-lt"/>
+                <a:ea typeface="+mn-ea"/>
+                <a:cs typeface="+mn-cs"/>
+              </a:rPr>
+              <a:t>DIAG-NRE: A neural pattern diagnosis framework for distantly supervised neural relation extraction</a:t>
+            </a:r>
+          </a:p>
+        </p:txBody>
+      </p:sp>
+      <p:sp>
+        <p:nvSpPr>
+          <p:cNvPr id="3" name="Subtitle 2">
+            <a:extLst>
+              <a:ext uri="{FF2B5EF4-FFF2-40B4-BE49-F238E27FC236}">
+                <a16:creationId xmlns:a16="http://schemas.microsoft.com/office/drawing/2014/main" id="{0A64B25C-1E83-D14F-82EC-CC2D9EFA4F64}"/>
+              </a:ext>
+            </a:extLst>
+          </p:cNvPr>
+          <p:cNvSpPr>
+            <a:spLocks noGrp="1"/>
+          </p:cNvSpPr>
+          <p:nvPr>
+            <p:ph type="subTitle" idx="1"/>
+          </p:nvPr>
+        </p:nvSpPr>
+        <p:spPr>
+          <a:xfrm>
+            <a:off x="1208314" y="1571145"/>
+            <a:ext cx="9144000" cy="1415771"/>
+          </a:xfrm>
+        </p:spPr>
+        <p:txBody>
+          <a:bodyPr>
+            <a:normAutofit fontScale="62500" lnSpcReduction="20000"/>
+          </a:bodyPr>
+          <a:lstStyle/>
+          <a:p>
+            <a:pPr algn="l"/>
+            <a:r>
+              <a:rPr lang="en-US" sz="1800" dirty="0"/>
+              <a:t>Limitation of Existing Work:</a:t>
+            </a:r>
+          </a:p>
+          <a:p>
+            <a:pPr marL="342900" indent="-342900" algn="l">
+              <a:buFont typeface="Arial" panose="020B0604020202020204" pitchFamily="34" charset="0"/>
+              <a:buChar char="•"/>
+            </a:pPr>
+            <a:r>
+              <a:rPr lang="en-US" sz="1900" dirty="0"/>
+              <a:t>Pattern-based labeling methods require significant expert labor to write relation-specific patterns, which makes them too sophisticated to generalize quickly. </a:t>
+            </a:r>
+          </a:p>
+          <a:p>
+            <a:pPr marL="342900" indent="-342900" algn="l">
+              <a:buFont typeface="Arial" panose="020B0604020202020204" pitchFamily="34" charset="0"/>
+              <a:buChar char="•"/>
+            </a:pPr>
+            <a:r>
+              <a:rPr lang="en-US" sz="1900" i="1" dirty="0"/>
+              <a:t>Distant supervision models </a:t>
+            </a:r>
+            <a:r>
+              <a:rPr lang="en-US" sz="1900" dirty="0"/>
+              <a:t>inevitably introduce intolerable labeling noises.</a:t>
+            </a:r>
+          </a:p>
+          <a:p>
+            <a:pPr marL="342900" indent="-342900" algn="l">
+              <a:buFont typeface="Arial" panose="020B0604020202020204" pitchFamily="34" charset="0"/>
+              <a:buChar char="•"/>
+            </a:pPr>
+            <a:r>
+              <a:rPr lang="en-US" sz="1900" dirty="0"/>
+              <a:t>Pattern-based labeling, where the key idea was to regard both DS and pattern-based heuristics as the weak supervision sources and develop a weak-label-fusion (WLF) model to produce denoised labels. However, the major limitation of the WLF paradigm lies in the requirement of human experts to write relation-specific patterns. </a:t>
+            </a:r>
+          </a:p>
+          <a:p>
+            <a:pPr marL="342900" indent="-342900" algn="l">
+              <a:buFont typeface="Arial" panose="020B0604020202020204" pitchFamily="34" charset="0"/>
+              <a:buChar char="•"/>
+            </a:pPr>
+            <a:endParaRPr lang="en-US" sz="1900" dirty="0"/>
+          </a:p>
+          <a:p>
+            <a:pPr algn="l"/>
+            <a:endParaRPr lang="en-US" sz="1400" dirty="0"/>
+          </a:p>
+          <a:p>
+            <a:pPr algn="l"/>
+            <a:endParaRPr lang="en-US" dirty="0"/>
+          </a:p>
+          <a:p>
+            <a:pPr algn="l"/>
+            <a:endParaRPr lang="en-US" sz="1400" dirty="0"/>
+          </a:p>
+          <a:p>
+            <a:pPr algn="l"/>
+            <a:endParaRPr lang="en-US" sz="1400" dirty="0"/>
+          </a:p>
+          <a:p>
+            <a:pPr algn="l"/>
+            <a:endParaRPr lang="en-US" sz="1400" dirty="0"/>
+          </a:p>
+          <a:p>
+            <a:pPr algn="l"/>
+            <a:endParaRPr lang="en-US" sz="1400" dirty="0"/>
+          </a:p>
+          <a:p>
+            <a:pPr algn="l"/>
+            <a:endParaRPr lang="en-US" sz="1600" dirty="0"/>
+          </a:p>
+        </p:txBody>
+      </p:sp>
+      <p:sp>
+        <p:nvSpPr>
+          <p:cNvPr id="4" name="TextBox 3">
+            <a:extLst>
+              <a:ext uri="{FF2B5EF4-FFF2-40B4-BE49-F238E27FC236}">
+                <a16:creationId xmlns:a16="http://schemas.microsoft.com/office/drawing/2014/main" id="{41ED2B90-6835-0C4B-B85A-2512916878C1}"/>
+              </a:ext>
+            </a:extLst>
+          </p:cNvPr>
+          <p:cNvSpPr txBox="1"/>
+          <p:nvPr/>
+        </p:nvSpPr>
+        <p:spPr>
+          <a:xfrm>
+            <a:off x="408213" y="303235"/>
+            <a:ext cx="2252793" cy="369332"/>
+          </a:xfrm>
+          <a:prstGeom prst="rect">
+            <a:avLst/>
+          </a:prstGeom>
+          <a:noFill/>
+        </p:spPr>
+        <p:txBody>
+          <a:bodyPr wrap="square" rtlCol="0">
+            <a:spAutoFit/>
+          </a:bodyPr>
+          <a:lstStyle/>
+          <a:p>
+            <a:r>
+              <a:rPr lang="en-US" dirty="0">
+                <a:solidFill>
+                  <a:srgbClr val="C00000"/>
+                </a:solidFill>
+              </a:rPr>
+              <a:t>Relation Extraction</a:t>
+            </a:r>
+          </a:p>
+        </p:txBody>
+      </p:sp>
+      <p:sp>
+        <p:nvSpPr>
+          <p:cNvPr id="5" name="TextBox 4">
+            <a:extLst>
+              <a:ext uri="{FF2B5EF4-FFF2-40B4-BE49-F238E27FC236}">
+                <a16:creationId xmlns:a16="http://schemas.microsoft.com/office/drawing/2014/main" id="{AFB09293-029A-E64B-B817-64C522758E60}"/>
+              </a:ext>
+            </a:extLst>
+          </p:cNvPr>
+          <p:cNvSpPr txBox="1"/>
+          <p:nvPr/>
+        </p:nvSpPr>
+        <p:spPr>
+          <a:xfrm>
+            <a:off x="1208314" y="3429000"/>
+            <a:ext cx="7641772" cy="1877437"/>
+          </a:xfrm>
+          <a:prstGeom prst="rect">
+            <a:avLst/>
+          </a:prstGeom>
+          <a:noFill/>
+        </p:spPr>
+        <p:txBody>
+          <a:bodyPr wrap="square" rtlCol="0">
+            <a:spAutoFit/>
+          </a:bodyPr>
+          <a:lstStyle/>
+          <a:p>
+            <a:r>
+              <a:rPr lang="en-US" dirty="0"/>
+              <a:t>Key idea of Approach:</a:t>
+            </a:r>
+          </a:p>
+          <a:p>
+            <a:r>
+              <a:rPr lang="en-US" sz="1400" dirty="0"/>
+              <a:t>Proposed a neural pattern diagnosis framework, DIAG-NRE, that can automatically summarize and refine high-quality relational patterns from noise data with human experts in the loop:</a:t>
+            </a:r>
+          </a:p>
+          <a:p>
+            <a:r>
+              <a:rPr lang="en-US" sz="1400" dirty="0"/>
+              <a:t>1) </a:t>
+            </a:r>
+            <a:r>
+              <a:rPr lang="en-US" sz="1400" i="1" dirty="0"/>
+              <a:t>pattern extraction</a:t>
+            </a:r>
+            <a:r>
+              <a:rPr lang="en-US" sz="1400" dirty="0"/>
+              <a:t>, extracting potential patterns from NRE models by employing reinforcement learning (RL), and 2) </a:t>
+            </a:r>
+            <a:r>
+              <a:rPr lang="en-US" sz="1400" i="1" dirty="0"/>
+              <a:t>pattern refinement</a:t>
+            </a:r>
+            <a:r>
+              <a:rPr lang="en-US" sz="1400" dirty="0"/>
+              <a:t>, asking human experts to annotate a small set of actively selected examples. </a:t>
+            </a:r>
+          </a:p>
+          <a:p>
+            <a:endParaRPr lang="en-US" sz="1400" dirty="0"/>
+          </a:p>
+          <a:p>
+            <a:endParaRPr lang="en-US" sz="1400" dirty="0"/>
+          </a:p>
+        </p:txBody>
+      </p:sp>
+      <p:sp>
+        <p:nvSpPr>
+          <p:cNvPr id="6" name="TextBox 5">
+            <a:extLst>
+              <a:ext uri="{FF2B5EF4-FFF2-40B4-BE49-F238E27FC236}">
+                <a16:creationId xmlns:a16="http://schemas.microsoft.com/office/drawing/2014/main" id="{0D9FCB9E-2E46-9849-8B1B-EC2C1B783C97}"/>
+              </a:ext>
+            </a:extLst>
+          </p:cNvPr>
+          <p:cNvSpPr txBox="1"/>
+          <p:nvPr/>
+        </p:nvSpPr>
+        <p:spPr>
+          <a:xfrm>
+            <a:off x="1208314" y="5867399"/>
+            <a:ext cx="6901543" cy="461665"/>
+          </a:xfrm>
+          <a:prstGeom prst="rect">
+            <a:avLst/>
+          </a:prstGeom>
+          <a:noFill/>
+        </p:spPr>
+        <p:txBody>
+          <a:bodyPr wrap="square" rtlCol="0">
+            <a:spAutoFit/>
+          </a:bodyPr>
+          <a:lstStyle/>
+          <a:p>
+            <a:r>
+              <a:rPr lang="en-US" sz="1200" dirty="0"/>
+              <a:t>Link: </a:t>
+            </a:r>
+            <a:r>
+              <a:rPr lang="en-US" sz="1200" dirty="0">
+                <a:hlinkClick r:id="rId2"/>
+              </a:rPr>
+              <a:t>https://www.aclweb.org/anthology/P19-1137.pdf</a:t>
+            </a:r>
+            <a:endParaRPr lang="en-US" sz="1200" dirty="0"/>
+          </a:p>
+          <a:p>
+            <a:r>
+              <a:rPr lang="en-US" sz="1200" dirty="0"/>
+              <a:t>Source:  ACL</a:t>
+            </a:r>
+            <a:r>
+              <a:rPr lang="zh-CN" altLang="en-US" sz="1200" dirty="0"/>
+              <a:t> </a:t>
+            </a:r>
+            <a:r>
+              <a:rPr lang="en-US" sz="1200" dirty="0"/>
+              <a:t>2019</a:t>
+            </a:r>
+          </a:p>
+        </p:txBody>
+      </p:sp>
+    </p:spTree>
+    <p:extLst>
+      <p:ext uri="{BB962C8B-B14F-4D97-AF65-F5344CB8AC3E}">
+        <p14:creationId xmlns:p14="http://schemas.microsoft.com/office/powerpoint/2010/main" val="827888405"/>
+      </p:ext>
+    </p:extLst>
+  </p:cSld>
+  <p:clrMapOvr>
+    <a:masterClrMapping/>
+  </p:clrMapOvr>
+</p:sld>
+</file>
+
+<file path=ppt/slides/slide24.xml><?xml version="1.0" encoding="utf-8"?>
+<p:sld xmlns:a="http://schemas.openxmlformats.org/drawingml/2006/main" xmlns:r="http://schemas.openxmlformats.org/officeDocument/2006/relationships" xmlns:p="http://schemas.openxmlformats.org/presentationml/2006/main">
+  <p:cSld>
+    <p:spTree>
+      <p:nvGrpSpPr>
+        <p:cNvPr id="1" name=""/>
+        <p:cNvGrpSpPr/>
+        <p:nvPr/>
+      </p:nvGrpSpPr>
+      <p:grpSpPr>
+        <a:xfrm>
+          <a:off x="0" y="0"/>
+          <a:ext cx="0" cy="0"/>
+          <a:chOff x="0" y="0"/>
+          <a:chExt cx="0" cy="0"/>
+        </a:xfrm>
+      </p:grpSpPr>
+      <p:sp>
+        <p:nvSpPr>
+          <p:cNvPr id="4" name="TextBox 3">
+            <a:extLst>
+              <a:ext uri="{FF2B5EF4-FFF2-40B4-BE49-F238E27FC236}">
+                <a16:creationId xmlns:a16="http://schemas.microsoft.com/office/drawing/2014/main" id="{4BA5FF7F-4D31-B04A-B743-6CB08B5D87C5}"/>
+              </a:ext>
+            </a:extLst>
+          </p:cNvPr>
+          <p:cNvSpPr txBox="1"/>
+          <p:nvPr/>
+        </p:nvSpPr>
+        <p:spPr>
+          <a:xfrm>
+            <a:off x="548545" y="776291"/>
+            <a:ext cx="3831771" cy="369332"/>
+          </a:xfrm>
+          <a:prstGeom prst="rect">
+            <a:avLst/>
+          </a:prstGeom>
+          <a:noFill/>
+        </p:spPr>
+        <p:txBody>
+          <a:bodyPr wrap="square" rtlCol="0">
+            <a:spAutoFit/>
+          </a:bodyPr>
+          <a:lstStyle/>
+          <a:p>
+            <a:r>
+              <a:rPr lang="en-US" dirty="0"/>
+              <a:t>Evaluation:</a:t>
+            </a:r>
+          </a:p>
+        </p:txBody>
+      </p:sp>
+      <p:sp>
+        <p:nvSpPr>
+          <p:cNvPr id="5" name="TextBox 4">
+            <a:extLst>
+              <a:ext uri="{FF2B5EF4-FFF2-40B4-BE49-F238E27FC236}">
+                <a16:creationId xmlns:a16="http://schemas.microsoft.com/office/drawing/2014/main" id="{2A6021E0-4777-DA47-A283-E30B8C427A77}"/>
+              </a:ext>
+            </a:extLst>
+          </p:cNvPr>
+          <p:cNvSpPr txBox="1"/>
+          <p:nvPr/>
+        </p:nvSpPr>
+        <p:spPr>
+          <a:xfrm>
+            <a:off x="7625442" y="637791"/>
+            <a:ext cx="2688772" cy="646331"/>
+          </a:xfrm>
+          <a:prstGeom prst="rect">
+            <a:avLst/>
+          </a:prstGeom>
+          <a:noFill/>
+        </p:spPr>
+        <p:txBody>
+          <a:bodyPr wrap="square" rtlCol="0">
+            <a:spAutoFit/>
+          </a:bodyPr>
+          <a:lstStyle/>
+          <a:p>
+            <a:r>
+              <a:rPr lang="en-US" dirty="0"/>
+              <a:t>Contributions:</a:t>
+            </a:r>
+          </a:p>
+          <a:p>
+            <a:endParaRPr lang="en-US" dirty="0"/>
+          </a:p>
+        </p:txBody>
+      </p:sp>
+      <p:sp>
+        <p:nvSpPr>
+          <p:cNvPr id="6" name="TextBox 5">
+            <a:extLst>
+              <a:ext uri="{FF2B5EF4-FFF2-40B4-BE49-F238E27FC236}">
+                <a16:creationId xmlns:a16="http://schemas.microsoft.com/office/drawing/2014/main" id="{2BCBD42A-B05A-774D-A7A8-61F4B02E0D07}"/>
+              </a:ext>
+            </a:extLst>
+          </p:cNvPr>
+          <p:cNvSpPr txBox="1"/>
+          <p:nvPr/>
+        </p:nvSpPr>
+        <p:spPr>
+          <a:xfrm>
+            <a:off x="7625442" y="4147297"/>
+            <a:ext cx="2438400" cy="369332"/>
+          </a:xfrm>
+          <a:prstGeom prst="rect">
+            <a:avLst/>
+          </a:prstGeom>
+          <a:noFill/>
+        </p:spPr>
+        <p:txBody>
+          <a:bodyPr wrap="square" rtlCol="0">
+            <a:spAutoFit/>
+          </a:bodyPr>
+          <a:lstStyle/>
+          <a:p>
+            <a:r>
+              <a:rPr lang="en-US" dirty="0"/>
+              <a:t>Limitations:</a:t>
+            </a:r>
+          </a:p>
+        </p:txBody>
+      </p:sp>
+      <p:sp>
+        <p:nvSpPr>
+          <p:cNvPr id="2" name="TextBox 1">
+            <a:extLst>
+              <a:ext uri="{FF2B5EF4-FFF2-40B4-BE49-F238E27FC236}">
+                <a16:creationId xmlns:a16="http://schemas.microsoft.com/office/drawing/2014/main" id="{6303C8C5-3DCB-854F-AE46-EBBEC114DC43}"/>
+              </a:ext>
+            </a:extLst>
+          </p:cNvPr>
+          <p:cNvSpPr txBox="1"/>
+          <p:nvPr/>
+        </p:nvSpPr>
+        <p:spPr>
+          <a:xfrm>
+            <a:off x="7583792" y="1021630"/>
+            <a:ext cx="4275010" cy="2739211"/>
+          </a:xfrm>
+          <a:prstGeom prst="rect">
+            <a:avLst/>
+          </a:prstGeom>
+          <a:noFill/>
+        </p:spPr>
+        <p:txBody>
+          <a:bodyPr wrap="square" rtlCol="0">
+            <a:spAutoFit/>
+          </a:bodyPr>
+          <a:lstStyle/>
+          <a:p>
+            <a:pPr marL="285750" indent="-285750">
+              <a:buFont typeface="Arial" panose="020B0604020202020204" pitchFamily="34" charset="0"/>
+              <a:buChar char="•"/>
+            </a:pPr>
+            <a:r>
+              <a:rPr lang="en-US" sz="1400" dirty="0"/>
+              <a:t>Proposed a neural pattern diagnosis framework, DIAG-NRE, to diagnose and improve NRE models trained on DS-generated data. </a:t>
+            </a:r>
+          </a:p>
+          <a:p>
+            <a:pPr marL="285750" indent="-285750">
+              <a:buFont typeface="Arial" panose="020B0604020202020204" pitchFamily="34" charset="0"/>
+              <a:buChar char="•"/>
+            </a:pPr>
+            <a:r>
+              <a:rPr lang="en-US" sz="1400" dirty="0"/>
+              <a:t>DIAG-NRE not only eases the hard pattern-writing work of human experts by generating patterns automatically, but also enables the quick generalization to new relation types by only requiring a small number of human annotations. </a:t>
+            </a:r>
+          </a:p>
+          <a:p>
+            <a:pPr marL="285750" indent="-285750">
+              <a:buFont typeface="Arial" panose="020B0604020202020204" pitchFamily="34" charset="0"/>
+              <a:buChar char="•"/>
+            </a:pPr>
+            <a:r>
+              <a:rPr lang="en-US" sz="1400" dirty="0"/>
+              <a:t>Coupled with the WLF model, DIAG-NRE can produce denoised labels to retrain a better NRE model. </a:t>
+            </a:r>
+          </a:p>
+          <a:p>
+            <a:endParaRPr lang="en-US" dirty="0"/>
+          </a:p>
+        </p:txBody>
+      </p:sp>
+      <p:pic>
+        <p:nvPicPr>
+          <p:cNvPr id="7" name="Picture 6">
+            <a:extLst>
+              <a:ext uri="{FF2B5EF4-FFF2-40B4-BE49-F238E27FC236}">
+                <a16:creationId xmlns:a16="http://schemas.microsoft.com/office/drawing/2014/main" id="{BA25FB59-4C4C-E841-ADD7-007AFD1F519A}"/>
+              </a:ext>
+            </a:extLst>
+          </p:cNvPr>
+          <p:cNvPicPr>
+            <a:picLocks noChangeAspect="1"/>
+          </p:cNvPicPr>
+          <p:nvPr/>
+        </p:nvPicPr>
+        <p:blipFill>
+          <a:blip r:embed="rId2"/>
+          <a:stretch>
+            <a:fillRect/>
+          </a:stretch>
+        </p:blipFill>
+        <p:spPr>
+          <a:xfrm>
+            <a:off x="435940" y="1284122"/>
+            <a:ext cx="6938481" cy="3781038"/>
+          </a:xfrm>
+          <a:prstGeom prst="rect">
+            <a:avLst/>
+          </a:prstGeom>
+        </p:spPr>
+      </p:pic>
+      <p:sp>
+        <p:nvSpPr>
+          <p:cNvPr id="8" name="TextBox 7">
+            <a:extLst>
+              <a:ext uri="{FF2B5EF4-FFF2-40B4-BE49-F238E27FC236}">
+                <a16:creationId xmlns:a16="http://schemas.microsoft.com/office/drawing/2014/main" id="{C188F1BB-11A9-0343-BAA8-92D56F122029}"/>
+              </a:ext>
+            </a:extLst>
+          </p:cNvPr>
+          <p:cNvSpPr txBox="1"/>
+          <p:nvPr/>
+        </p:nvSpPr>
+        <p:spPr>
+          <a:xfrm>
+            <a:off x="7625442" y="4549676"/>
+            <a:ext cx="4035727" cy="2308324"/>
+          </a:xfrm>
+          <a:prstGeom prst="rect">
+            <a:avLst/>
+          </a:prstGeom>
+          <a:noFill/>
+        </p:spPr>
+        <p:txBody>
+          <a:bodyPr wrap="square" rtlCol="0">
+            <a:spAutoFit/>
+          </a:bodyPr>
+          <a:lstStyle/>
+          <a:p>
+            <a:r>
+              <a:rPr lang="en-US" sz="1400" dirty="0"/>
+              <a:t>Tasks (three from NYT and two from UW) suffering large labeling noises, most tasks experience a rapid improvement phase with the help of high-quality patterns automatically generated by DIAG-NRE and then enter a saturate phase where adding annotations does not contribute much. This saturation accords with the intuition that high-quality relational patterns are often limited. </a:t>
+            </a:r>
+          </a:p>
+          <a:p>
+            <a:endParaRPr lang="en-US" sz="1400" dirty="0"/>
+          </a:p>
+          <a:p>
+            <a:endParaRPr lang="en-US" dirty="0"/>
+          </a:p>
+        </p:txBody>
+      </p:sp>
+      <p:sp>
+        <p:nvSpPr>
+          <p:cNvPr id="9" name="Title 1">
+            <a:extLst>
+              <a:ext uri="{FF2B5EF4-FFF2-40B4-BE49-F238E27FC236}">
+                <a16:creationId xmlns:a16="http://schemas.microsoft.com/office/drawing/2014/main" id="{040A6F00-4CAF-B448-8175-553E0D9D7415}"/>
+              </a:ext>
+            </a:extLst>
+          </p:cNvPr>
+          <p:cNvSpPr txBox="1">
+            <a:spLocks/>
+          </p:cNvSpPr>
+          <p:nvPr/>
+        </p:nvSpPr>
+        <p:spPr>
+          <a:xfrm>
+            <a:off x="435940" y="205645"/>
+            <a:ext cx="9144000" cy="477837"/>
+          </a:xfrm>
+          <a:prstGeom prst="rect">
+            <a:avLst/>
+          </a:prstGeom>
+        </p:spPr>
+        <p:txBody>
+          <a:bodyPr vert="horz" lIns="91440" tIns="45720" rIns="91440" bIns="45720" rtlCol="0" anchor="ctr">
+            <a:normAutofit/>
+          </a:bodyPr>
+          <a:lstStyle>
+            <a:lvl1pPr algn="l" defTabSz="914400" rtl="0" eaLnBrk="1" latinLnBrk="0" hangingPunct="1">
+              <a:lnSpc>
+                <a:spcPct val="90000"/>
+              </a:lnSpc>
+              <a:spcBef>
+                <a:spcPct val="0"/>
+              </a:spcBef>
+              <a:buNone/>
+              <a:defRPr sz="4400" kern="1200">
+                <a:solidFill>
+                  <a:schemeClr val="tx1"/>
+                </a:solidFill>
+                <a:latin typeface="+mj-lt"/>
+                <a:ea typeface="+mj-ea"/>
+                <a:cs typeface="+mj-cs"/>
+              </a:defRPr>
+            </a:lvl1pPr>
+          </a:lstStyle>
+          <a:p>
+            <a:r>
+              <a:rPr lang="en-US" sz="1600" b="1">
+                <a:latin typeface="+mn-lt"/>
+                <a:ea typeface="+mn-ea"/>
+                <a:cs typeface="+mn-cs"/>
+              </a:rPr>
+              <a:t>DIAG-NRE: A neural pattern diagnosis framework for distantly supervised neural relation extraction</a:t>
+            </a:r>
+            <a:endParaRPr lang="en-US" sz="1600" b="1" dirty="0">
+              <a:latin typeface="+mn-lt"/>
+              <a:ea typeface="+mn-ea"/>
+              <a:cs typeface="+mn-cs"/>
+            </a:endParaRPr>
+          </a:p>
+        </p:txBody>
+      </p:sp>
+    </p:spTree>
+    <p:extLst>
+      <p:ext uri="{BB962C8B-B14F-4D97-AF65-F5344CB8AC3E}">
+        <p14:creationId xmlns:p14="http://schemas.microsoft.com/office/powerpoint/2010/main" val="1821401219"/>
+      </p:ext>
+    </p:extLst>
+  </p:cSld>
+  <p:clrMapOvr>
+    <a:masterClrMapping/>
+  </p:clrMapOvr>
+</p:sld>
+</file>
+
+<file path=ppt/slides/slide25.xml><?xml version="1.0" encoding="utf-8"?>
+<p:sld xmlns:a="http://schemas.openxmlformats.org/drawingml/2006/main" xmlns:r="http://schemas.openxmlformats.org/officeDocument/2006/relationships" xmlns:p="http://schemas.openxmlformats.org/presentationml/2006/main">
+  <p:cSld>
+    <p:spTree>
+      <p:nvGrpSpPr>
+        <p:cNvPr id="1" name=""/>
+        <p:cNvGrpSpPr/>
+        <p:nvPr/>
+      </p:nvGrpSpPr>
+      <p:grpSpPr>
+        <a:xfrm>
+          <a:off x="0" y="0"/>
+          <a:ext cx="0" cy="0"/>
+          <a:chOff x="0" y="0"/>
+          <a:chExt cx="0" cy="0"/>
+        </a:xfrm>
+      </p:grpSpPr>
+      <p:sp>
+        <p:nvSpPr>
+          <p:cNvPr id="5" name="TextBox 4">
+            <a:extLst>
+              <a:ext uri="{FF2B5EF4-FFF2-40B4-BE49-F238E27FC236}">
+                <a16:creationId xmlns:a16="http://schemas.microsoft.com/office/drawing/2014/main" id="{CB4440B1-FB08-3C49-A8BD-4A4F8B174F39}"/>
+              </a:ext>
+            </a:extLst>
+          </p:cNvPr>
+          <p:cNvSpPr txBox="1"/>
+          <p:nvPr/>
+        </p:nvSpPr>
+        <p:spPr>
+          <a:xfrm>
+            <a:off x="776800" y="1236046"/>
+            <a:ext cx="3831771" cy="369332"/>
+          </a:xfrm>
+          <a:prstGeom prst="rect">
+            <a:avLst/>
+          </a:prstGeom>
+          <a:noFill/>
+        </p:spPr>
+        <p:txBody>
+          <a:bodyPr wrap="square" rtlCol="0">
+            <a:spAutoFit/>
+          </a:bodyPr>
+          <a:lstStyle/>
+          <a:p>
+            <a:r>
+              <a:rPr lang="en-US" dirty="0"/>
+              <a:t>Evaluation:</a:t>
+            </a:r>
+          </a:p>
+        </p:txBody>
+      </p:sp>
+      <p:sp>
+        <p:nvSpPr>
+          <p:cNvPr id="6" name="TextBox 5">
+            <a:extLst>
+              <a:ext uri="{FF2B5EF4-FFF2-40B4-BE49-F238E27FC236}">
+                <a16:creationId xmlns:a16="http://schemas.microsoft.com/office/drawing/2014/main" id="{919E28F8-8F82-0F45-BB68-F655DBB95125}"/>
+              </a:ext>
+            </a:extLst>
+          </p:cNvPr>
+          <p:cNvSpPr txBox="1"/>
+          <p:nvPr/>
+        </p:nvSpPr>
+        <p:spPr>
+          <a:xfrm>
+            <a:off x="7633699" y="1420712"/>
+            <a:ext cx="2688772" cy="369332"/>
+          </a:xfrm>
+          <a:prstGeom prst="rect">
+            <a:avLst/>
+          </a:prstGeom>
+          <a:noFill/>
+        </p:spPr>
+        <p:txBody>
+          <a:bodyPr wrap="square" rtlCol="0">
+            <a:spAutoFit/>
+          </a:bodyPr>
+          <a:lstStyle/>
+          <a:p>
+            <a:r>
+              <a:rPr lang="en-US" dirty="0"/>
+              <a:t>Contributions:</a:t>
+            </a:r>
+          </a:p>
+        </p:txBody>
+      </p:sp>
+      <p:sp>
+        <p:nvSpPr>
+          <p:cNvPr id="7" name="TextBox 6">
+            <a:extLst>
+              <a:ext uri="{FF2B5EF4-FFF2-40B4-BE49-F238E27FC236}">
+                <a16:creationId xmlns:a16="http://schemas.microsoft.com/office/drawing/2014/main" id="{640AB307-FCD9-C34E-A00E-E99AA74C38FC}"/>
+              </a:ext>
+            </a:extLst>
+          </p:cNvPr>
+          <p:cNvSpPr txBox="1"/>
+          <p:nvPr/>
+        </p:nvSpPr>
+        <p:spPr>
+          <a:xfrm>
+            <a:off x="7758885" y="4163772"/>
+            <a:ext cx="2438400" cy="369332"/>
+          </a:xfrm>
+          <a:prstGeom prst="rect">
+            <a:avLst/>
+          </a:prstGeom>
+          <a:noFill/>
+        </p:spPr>
+        <p:txBody>
+          <a:bodyPr wrap="square" rtlCol="0">
+            <a:spAutoFit/>
+          </a:bodyPr>
+          <a:lstStyle/>
+          <a:p>
+            <a:r>
+              <a:rPr lang="en-US" dirty="0"/>
+              <a:t>Limitations:</a:t>
+            </a:r>
+          </a:p>
+        </p:txBody>
+      </p:sp>
+    </p:spTree>
+    <p:extLst>
+      <p:ext uri="{BB962C8B-B14F-4D97-AF65-F5344CB8AC3E}">
+        <p14:creationId xmlns:p14="http://schemas.microsoft.com/office/powerpoint/2010/main" val="1082064265"/>
+      </p:ext>
+    </p:extLst>
+  </p:cSld>
+  <p:clrMapOvr>
+    <a:masterClrMapping/>
+  </p:clrMapOvr>
+</p:sld>
+</file>
+
+<file path=ppt/slides/slide26.xml><?xml version="1.0" encoding="utf-8"?>
+<p:sld xmlns:a="http://schemas.openxmlformats.org/drawingml/2006/main" xmlns:r="http://schemas.openxmlformats.org/officeDocument/2006/relationships" xmlns:p="http://schemas.openxmlformats.org/presentationml/2006/main">
+  <p:cSld>
+    <p:spTree>
+      <p:nvGrpSpPr>
+        <p:cNvPr id="1" name=""/>
+        <p:cNvGrpSpPr/>
+        <p:nvPr/>
+      </p:nvGrpSpPr>
+      <p:grpSpPr>
+        <a:xfrm>
+          <a:off x="0" y="0"/>
+          <a:ext cx="0" cy="0"/>
+          <a:chOff x="0" y="0"/>
+          <a:chExt cx="0" cy="0"/>
+        </a:xfrm>
+      </p:grpSpPr>
+      <p:sp>
+        <p:nvSpPr>
+          <p:cNvPr id="5" name="TextBox 4">
+            <a:extLst>
+              <a:ext uri="{FF2B5EF4-FFF2-40B4-BE49-F238E27FC236}">
+                <a16:creationId xmlns:a16="http://schemas.microsoft.com/office/drawing/2014/main" id="{CB4440B1-FB08-3C49-A8BD-4A4F8B174F39}"/>
+              </a:ext>
+            </a:extLst>
+          </p:cNvPr>
+          <p:cNvSpPr txBox="1"/>
+          <p:nvPr/>
+        </p:nvSpPr>
+        <p:spPr>
+          <a:xfrm>
+            <a:off x="776800" y="1236046"/>
+            <a:ext cx="3831771" cy="369332"/>
+          </a:xfrm>
+          <a:prstGeom prst="rect">
+            <a:avLst/>
+          </a:prstGeom>
+          <a:noFill/>
+        </p:spPr>
+        <p:txBody>
+          <a:bodyPr wrap="square" rtlCol="0">
+            <a:spAutoFit/>
+          </a:bodyPr>
+          <a:lstStyle/>
+          <a:p>
+            <a:r>
+              <a:rPr lang="en-US" dirty="0"/>
+              <a:t>Evaluation:</a:t>
+            </a:r>
+          </a:p>
+        </p:txBody>
+      </p:sp>
+      <p:sp>
+        <p:nvSpPr>
+          <p:cNvPr id="6" name="TextBox 5">
+            <a:extLst>
+              <a:ext uri="{FF2B5EF4-FFF2-40B4-BE49-F238E27FC236}">
+                <a16:creationId xmlns:a16="http://schemas.microsoft.com/office/drawing/2014/main" id="{919E28F8-8F82-0F45-BB68-F655DBB95125}"/>
+              </a:ext>
+            </a:extLst>
+          </p:cNvPr>
+          <p:cNvSpPr txBox="1"/>
+          <p:nvPr/>
+        </p:nvSpPr>
+        <p:spPr>
+          <a:xfrm>
+            <a:off x="7633699" y="1420712"/>
+            <a:ext cx="2688772" cy="369332"/>
+          </a:xfrm>
+          <a:prstGeom prst="rect">
+            <a:avLst/>
+          </a:prstGeom>
+          <a:noFill/>
+        </p:spPr>
+        <p:txBody>
+          <a:bodyPr wrap="square" rtlCol="0">
+            <a:spAutoFit/>
+          </a:bodyPr>
+          <a:lstStyle/>
+          <a:p>
+            <a:r>
+              <a:rPr lang="en-US" dirty="0"/>
+              <a:t>Contributions:</a:t>
+            </a:r>
+          </a:p>
+        </p:txBody>
+      </p:sp>
+      <p:sp>
+        <p:nvSpPr>
+          <p:cNvPr id="7" name="TextBox 6">
+            <a:extLst>
+              <a:ext uri="{FF2B5EF4-FFF2-40B4-BE49-F238E27FC236}">
+                <a16:creationId xmlns:a16="http://schemas.microsoft.com/office/drawing/2014/main" id="{640AB307-FCD9-C34E-A00E-E99AA74C38FC}"/>
+              </a:ext>
+            </a:extLst>
+          </p:cNvPr>
+          <p:cNvSpPr txBox="1"/>
+          <p:nvPr/>
+        </p:nvSpPr>
+        <p:spPr>
+          <a:xfrm>
+            <a:off x="7758885" y="4163772"/>
+            <a:ext cx="2438400" cy="369332"/>
+          </a:xfrm>
+          <a:prstGeom prst="rect">
+            <a:avLst/>
+          </a:prstGeom>
+          <a:noFill/>
+        </p:spPr>
+        <p:txBody>
+          <a:bodyPr wrap="square" rtlCol="0">
+            <a:spAutoFit/>
+          </a:bodyPr>
+          <a:lstStyle/>
+          <a:p>
+            <a:r>
+              <a:rPr lang="en-US" dirty="0"/>
+              <a:t>Limitations:</a:t>
+            </a:r>
+          </a:p>
+        </p:txBody>
+      </p:sp>
+    </p:spTree>
+    <p:extLst>
+      <p:ext uri="{BB962C8B-B14F-4D97-AF65-F5344CB8AC3E}">
+        <p14:creationId xmlns:p14="http://schemas.microsoft.com/office/powerpoint/2010/main" val="3049993262"/>
+      </p:ext>
+    </p:extLst>
+  </p:cSld>
+  <p:clrMapOvr>
+    <a:masterClrMapping/>
+  </p:clrMapOvr>
+</p:sld>
+</file>
+
+<file path=ppt/slides/slide27.xml><?xml version="1.0" encoding="utf-8"?>
+<p:sld xmlns:a="http://schemas.openxmlformats.org/drawingml/2006/main" xmlns:r="http://schemas.openxmlformats.org/officeDocument/2006/relationships" xmlns:p="http://schemas.openxmlformats.org/presentationml/2006/main">
+  <p:cSld>
+    <p:spTree>
+      <p:nvGrpSpPr>
+        <p:cNvPr id="1" name=""/>
+        <p:cNvGrpSpPr/>
+        <p:nvPr/>
+      </p:nvGrpSpPr>
+      <p:grpSpPr>
+        <a:xfrm>
+          <a:off x="0" y="0"/>
+          <a:ext cx="0" cy="0"/>
+          <a:chOff x="0" y="0"/>
+          <a:chExt cx="0" cy="0"/>
+        </a:xfrm>
+      </p:grpSpPr>
+      <p:sp>
+        <p:nvSpPr>
+          <p:cNvPr id="2" name="Title 1">
+            <a:extLst>
+              <a:ext uri="{FF2B5EF4-FFF2-40B4-BE49-F238E27FC236}">
+                <a16:creationId xmlns:a16="http://schemas.microsoft.com/office/drawing/2014/main" id="{D7317AF7-C0C1-B64C-80AB-E4D5190FBCD8}"/>
+              </a:ext>
+            </a:extLst>
+          </p:cNvPr>
+          <p:cNvSpPr>
+            <a:spLocks noGrp="1"/>
+          </p:cNvSpPr>
+          <p:nvPr>
+            <p:ph type="ctrTitle"/>
+          </p:nvPr>
+        </p:nvSpPr>
+        <p:spPr>
+          <a:xfrm>
+            <a:off x="1208314" y="930729"/>
+            <a:ext cx="9144000" cy="477837"/>
+          </a:xfrm>
+        </p:spPr>
+        <p:txBody>
+          <a:bodyPr>
+            <a:normAutofit/>
+          </a:bodyPr>
+          <a:lstStyle/>
+          <a:p>
+            <a:pPr algn="l"/>
+            <a:r>
               <a:rPr lang="en-US" sz="1600" b="1" dirty="0">
                 <a:latin typeface="+mn-lt"/>
                 <a:ea typeface="+mn-ea"/>
@@ -7796,7 +8948,7 @@
 </p:sld>
 </file>
 
-<file path=ppt/slides/slide23.xml><?xml version="1.0" encoding="utf-8"?>
+<file path=ppt/slides/slide28.xml><?xml version="1.0" encoding="utf-8"?>
 <p:sld xmlns:a="http://schemas.openxmlformats.org/drawingml/2006/main" xmlns:r="http://schemas.openxmlformats.org/officeDocument/2006/relationships" xmlns:p="http://schemas.openxmlformats.org/presentationml/2006/main">
   <p:cSld>
     <p:spTree>

--- a/slides.pptx
+++ b/slides.pptx
@@ -27,12 +27,14 @@
     <p:sldId id="267" r:id="rId21"/>
     <p:sldId id="283" r:id="rId22"/>
     <p:sldId id="273" r:id="rId23"/>
-    <p:sldId id="268" r:id="rId24"/>
-    <p:sldId id="271" r:id="rId25"/>
-    <p:sldId id="281" r:id="rId26"/>
-    <p:sldId id="282" r:id="rId27"/>
-    <p:sldId id="269" r:id="rId28"/>
-    <p:sldId id="270" r:id="rId29"/>
+    <p:sldId id="284" r:id="rId24"/>
+    <p:sldId id="285" r:id="rId25"/>
+    <p:sldId id="268" r:id="rId26"/>
+    <p:sldId id="271" r:id="rId27"/>
+    <p:sldId id="270" r:id="rId28"/>
+    <p:sldId id="286" r:id="rId29"/>
+    <p:sldId id="287" r:id="rId30"/>
+    <p:sldId id="282" r:id="rId31"/>
   </p:sldIdLst>
   <p:sldSz cx="12192000" cy="6858000"/>
   <p:notesSz cx="6858000" cy="9144000"/>
@@ -3925,7 +3927,7 @@
             </a:r>
             <a:r>
               <a:rPr lang="en-US" sz="1400" dirty="0"/>
-              <a:t> using probabilistic modelling, as well as a lack of expressiveness under fixed-point representations. We introduce a framework for creating a family of highly scalable probabilistic models for knowledge graph representation The framework improves model performance un- der certain conditions, while reducing the parameter search by one hyper-parameter, as the unit Gaussian prior is self- </a:t>
+              <a:t> using probabilistic modelling, as well as a lack of expressiveness under fixed-point representations. We introduce a framework for creating a family of highly scalable probabilistic models for knowledge graph representation The framework improves model performance under certain conditions, while reducing the parameter search by one hyper-parameter, as the unit Gaussian prior is self- </a:t>
             </a:r>
             <a:r>
               <a:rPr lang="en-US" sz="1400" dirty="0" err="1"/>
@@ -4954,15 +4956,7 @@
             </a:r>
             <a:r>
               <a:rPr lang="en-US" sz="1400" dirty="0"/>
-              <a:t>) low ex- </a:t>
-            </a:r>
-            <a:r>
-              <a:rPr lang="en-US" sz="1400" dirty="0" err="1"/>
-              <a:t>pressiveness</a:t>
-            </a:r>
-            <a:r>
-              <a:rPr lang="en-US" sz="1400" dirty="0"/>
-              <a:t>. (ii) inefficient information propagation </a:t>
+              <a:t>) low expressiveness. (ii) inefficient information propagation </a:t>
             </a:r>
           </a:p>
           <a:p>
@@ -5660,7 +5654,7 @@
             </a:r>
             <a:r>
               <a:rPr lang="en-US" sz="1400" dirty="0"/>
-              <a:t> et al., 2016), use addition, subtraction or simple multiplication operators, thus only capture the linear relation- ships between entities. </a:t>
+              <a:t> et al., 2016), use addition, subtraction or simple multiplication operators, thus only capture the linear relationships between entities. </a:t>
             </a:r>
           </a:p>
           <a:p>
@@ -7588,12 +7582,20 @@
           <a:p>
             <a:pPr algn="l"/>
             <a:r>
+              <a:rPr lang="en-US" sz="1600" dirty="0" err="1">
+                <a:latin typeface="+mn-lt"/>
+                <a:ea typeface="+mn-ea"/>
+                <a:cs typeface="+mn-cs"/>
+              </a:rPr>
+              <a:t>InteractE</a:t>
+            </a:r>
+            <a:r>
               <a:rPr lang="en-US" sz="1600" dirty="0">
                 <a:latin typeface="+mn-lt"/>
                 <a:ea typeface="+mn-ea"/>
                 <a:cs typeface="+mn-cs"/>
               </a:rPr>
-              <a:t>Paper Name</a:t>
+              <a:t>: Improving Convolution-based Knowledge Graph Embeddings by Increasing Feature Interactions</a:t>
             </a:r>
           </a:p>
         </p:txBody>
@@ -7691,8 +7693,8 @@
         </p:nvSpPr>
         <p:spPr>
           <a:xfrm>
-            <a:off x="1208314" y="3175456"/>
-            <a:ext cx="7641772" cy="646331"/>
+            <a:off x="1208314" y="2686145"/>
+            <a:ext cx="7641772" cy="3139321"/>
           </a:xfrm>
           <a:prstGeom prst="rect">
             <a:avLst/>
@@ -7706,13 +7708,142 @@
           <a:lstStyle/>
           <a:p>
             <a:r>
-              <a:rPr lang="en-US" sz="1600" dirty="0"/>
-              <a:t>Key idea of Approach</a:t>
-            </a:r>
-            <a:r>
-              <a:rPr lang="en-US" dirty="0"/>
-              <a:t>:</a:t>
-            </a:r>
+              <a:rPr lang="en-US" sz="1400" dirty="0"/>
+              <a:t>Key idea of Approach:</a:t>
+            </a:r>
+          </a:p>
+          <a:p>
+            <a:r>
+              <a:rPr lang="en-US" sz="1400" dirty="0"/>
+              <a:t>We propose </a:t>
+            </a:r>
+            <a:r>
+              <a:rPr lang="en-US" sz="1400" dirty="0" err="1"/>
+              <a:t>InteractE</a:t>
+            </a:r>
+            <a:r>
+              <a:rPr lang="en-US" sz="1400" dirty="0"/>
+              <a:t>, a method that augments the ex- </a:t>
+            </a:r>
+            <a:r>
+              <a:rPr lang="en-US" sz="1400" dirty="0" err="1"/>
+              <a:t>pressive</a:t>
+            </a:r>
+            <a:r>
+              <a:rPr lang="en-US" sz="1400" dirty="0"/>
+              <a:t> power of </a:t>
+            </a:r>
+            <a:r>
+              <a:rPr lang="en-US" sz="1400" dirty="0" err="1"/>
+              <a:t>ConvE</a:t>
+            </a:r>
+            <a:r>
+              <a:rPr lang="en-US" sz="1400" dirty="0"/>
+              <a:t> through three key ideas – </a:t>
+            </a:r>
+            <a:r>
+              <a:rPr lang="en-US" sz="1400" dirty="0" err="1"/>
+              <a:t>fea</a:t>
+            </a:r>
+            <a:r>
+              <a:rPr lang="en-US" sz="1400" dirty="0"/>
+              <a:t>- </a:t>
+            </a:r>
+            <a:r>
+              <a:rPr lang="en-US" sz="1400" dirty="0" err="1"/>
+              <a:t>ture</a:t>
+            </a:r>
+            <a:r>
+              <a:rPr lang="en-US" sz="1400" dirty="0"/>
+              <a:t> permutation, "checkered" feature reshaping, and circular convolution. </a:t>
+            </a:r>
+          </a:p>
+          <a:p>
+            <a:r>
+              <a:rPr lang="en-US" sz="1400" dirty="0"/>
+              <a:t>We provide a precise definition of an interaction, and theoretically analyze </a:t>
+            </a:r>
+            <a:r>
+              <a:rPr lang="en-US" sz="1400" dirty="0" err="1"/>
+              <a:t>InteractE</a:t>
+            </a:r>
+            <a:r>
+              <a:rPr lang="en-US" sz="1400" dirty="0"/>
+              <a:t> to show that it increases interactions compared to </a:t>
+            </a:r>
+            <a:r>
+              <a:rPr lang="en-US" sz="1400" dirty="0" err="1"/>
+              <a:t>ConvE</a:t>
+            </a:r>
+            <a:r>
+              <a:rPr lang="en-US" sz="1400" dirty="0"/>
+              <a:t>. Further, we establish a correlation between the number of </a:t>
+            </a:r>
+            <a:r>
+              <a:rPr lang="en-US" sz="1400" i="1" dirty="0"/>
+              <a:t>heterogeneous interactions </a:t>
+            </a:r>
+            <a:r>
+              <a:rPr lang="en-US" sz="1400" dirty="0"/>
+              <a:t>(refer to Def. 3.2) and link prediction performance. </a:t>
+            </a:r>
+          </a:p>
+          <a:p>
+            <a:pPr marL="171450" indent="-171450">
+              <a:buFont typeface="Arial" panose="020B0604020202020204" pitchFamily="34" charset="0"/>
+              <a:buChar char="•"/>
+            </a:pPr>
+            <a:r>
+              <a:rPr lang="en-US" sz="1200" dirty="0"/>
+              <a:t>Feature Permutation: Instead of using one fixed order of the input, we utilize multiple permutations to capture more possible interactions. </a:t>
+            </a:r>
+          </a:p>
+          <a:p>
+            <a:r>
+              <a:rPr lang="en-US" sz="1200" dirty="0"/>
+              <a:t>• Checkered Reshaping: We substitute simple feature re- shaping of </a:t>
+            </a:r>
+            <a:r>
+              <a:rPr lang="en-US" sz="1200" dirty="0" err="1"/>
+              <a:t>ConvE</a:t>
+            </a:r>
+            <a:r>
+              <a:rPr lang="en-US" sz="1200" dirty="0"/>
+              <a:t> with checked reshaping and prove its superiority over other possibilities. </a:t>
+            </a:r>
+          </a:p>
+          <a:p>
+            <a:r>
+              <a:rPr lang="en-US" sz="1200" dirty="0"/>
+              <a:t>• Circular Convolution: Compared to the standard </a:t>
+            </a:r>
+            <a:r>
+              <a:rPr lang="en-US" sz="1200" dirty="0" err="1"/>
+              <a:t>convo</a:t>
+            </a:r>
+            <a:r>
+              <a:rPr lang="en-US" sz="1200" dirty="0"/>
+              <a:t>- </a:t>
+            </a:r>
+            <a:r>
+              <a:rPr lang="en-US" sz="1200" dirty="0" err="1"/>
+              <a:t>lution</a:t>
+            </a:r>
+            <a:r>
+              <a:rPr lang="en-US" sz="1200" dirty="0"/>
+              <a:t>, circular convolution allows to capture more feature interactions as depicted in Figure 3. The convolution is performed in a depth-wise manner (</a:t>
+            </a:r>
+            <a:r>
+              <a:rPr lang="en-US" sz="1200" dirty="0" err="1"/>
+              <a:t>Chollet</a:t>
+            </a:r>
+            <a:r>
+              <a:rPr lang="en-US" sz="1200" dirty="0"/>
+              <a:t> 2017) on different input permutations. </a:t>
+            </a:r>
+          </a:p>
+          <a:p>
+            <a:endParaRPr lang="en-US" sz="1200" dirty="0"/>
           </a:p>
           <a:p>
             <a:endParaRPr lang="en-US" dirty="0"/>
@@ -7749,13 +7880,21 @@
           <a:p>
             <a:r>
               <a:rPr lang="en-US" sz="1200" dirty="0"/>
-              <a:t>Link:</a:t>
-            </a:r>
-          </a:p>
-          <a:p>
+              <a:t>Link: https://</a:t>
+            </a:r>
+            <a:r>
+              <a:rPr lang="en-US" sz="1200" dirty="0" err="1"/>
+              <a:t>arxiv.org</a:t>
+            </a:r>
             <a:r>
               <a:rPr lang="en-US" sz="1200" dirty="0"/>
-              <a:t>Source:</a:t>
+              <a:t>/pdf/1911.00219.pdf</a:t>
+            </a:r>
+          </a:p>
+          <a:p>
+            <a:r>
+              <a:rPr lang="en-US" sz="1200" dirty="0"/>
+              <a:t>Source: AAAI2020</a:t>
             </a:r>
           </a:p>
         </p:txBody>
@@ -7814,19 +7953,20 @@
         </p:spPr>
         <p:txBody>
           <a:bodyPr>
-            <a:normAutofit/>
+            <a:noAutofit/>
           </a:bodyPr>
           <a:lstStyle/>
           <a:p>
             <a:pPr algn="l"/>
             <a:r>
-              <a:rPr lang="en-US" sz="1600" b="1" dirty="0">
-                <a:latin typeface="+mn-lt"/>
-                <a:ea typeface="+mn-ea"/>
-                <a:cs typeface="+mn-cs"/>
-              </a:rPr>
-              <a:t>DIAG-NRE: A neural pattern diagnosis framework for distantly supervised neural relation extraction</a:t>
-            </a:r>
+              <a:rPr lang="en-US" sz="1600" dirty="0"/>
+              <a:t>Rule-Guided Compositional Representation Learning on Knowledge Graphs </a:t>
+            </a:r>
+            <a:endParaRPr lang="en-US" sz="1600" b="1" dirty="0">
+              <a:latin typeface="+mn-lt"/>
+              <a:ea typeface="+mn-ea"/>
+              <a:cs typeface="+mn-cs"/>
+            </a:endParaRPr>
           </a:p>
         </p:txBody>
       </p:sp>
@@ -7848,13 +7988,13 @@
         </p:nvSpPr>
         <p:spPr>
           <a:xfrm>
-            <a:off x="1208314" y="1571145"/>
-            <a:ext cx="9144000" cy="1415771"/>
+            <a:off x="1208314" y="2060497"/>
+            <a:ext cx="9144000" cy="926419"/>
           </a:xfrm>
         </p:spPr>
         <p:txBody>
           <a:bodyPr>
-            <a:normAutofit fontScale="62500" lnSpcReduction="20000"/>
+            <a:normAutofit/>
           </a:bodyPr>
           <a:lstStyle/>
           <a:p>
@@ -7865,72 +8005,11 @@
             </a:r>
           </a:p>
           <a:p>
-            <a:pPr marL="342900" indent="-342900" algn="l">
-              <a:buFont typeface="Arial" panose="020B0604020202020204" pitchFamily="34" charset="0"/>
-              <a:buChar char="•"/>
-            </a:pPr>
-            <a:r>
-              <a:rPr lang="en-US" sz="1900" dirty="0"/>
-              <a:t>Pattern-based labeling methods require significant expert labor to write relation-specific patterns, which makes them too sophisticated to generalize quickly. </a:t>
-            </a:r>
-          </a:p>
-          <a:p>
-            <a:pPr marL="342900" indent="-342900" algn="l">
-              <a:buFont typeface="Arial" panose="020B0604020202020204" pitchFamily="34" charset="0"/>
-              <a:buChar char="•"/>
-            </a:pPr>
-            <a:r>
-              <a:rPr lang="en-US" sz="1900" i="1" dirty="0"/>
-              <a:t>Distant supervision models </a:t>
-            </a:r>
-            <a:r>
-              <a:rPr lang="en-US" sz="1900" dirty="0"/>
-              <a:t>inevitably introduce intolerable labeling noises.</a:t>
-            </a:r>
-          </a:p>
-          <a:p>
-            <a:pPr marL="342900" indent="-342900" algn="l">
-              <a:buFont typeface="Arial" panose="020B0604020202020204" pitchFamily="34" charset="0"/>
-              <a:buChar char="•"/>
-            </a:pPr>
-            <a:r>
-              <a:rPr lang="en-US" sz="1900" dirty="0"/>
-              <a:t>Pattern-based labeling, where the key idea was to regard both DS and pattern-based heuristics as the weak supervision sources and develop a weak-label-fusion (WLF) model to produce denoised labels. However, the major limitation of the WLF paradigm lies in the requirement of human experts to write relation-specific patterns. </a:t>
-            </a:r>
-          </a:p>
-          <a:p>
-            <a:pPr marL="342900" indent="-342900" algn="l">
-              <a:buFont typeface="Arial" panose="020B0604020202020204" pitchFamily="34" charset="0"/>
-              <a:buChar char="•"/>
-            </a:pPr>
-            <a:endParaRPr lang="en-US" sz="1900" dirty="0"/>
-          </a:p>
-          <a:p>
             <a:pPr algn="l"/>
             <a:endParaRPr lang="en-US" sz="1400" dirty="0"/>
           </a:p>
           <a:p>
             <a:pPr algn="l"/>
-            <a:endParaRPr lang="en-US" dirty="0"/>
-          </a:p>
-          <a:p>
-            <a:pPr algn="l"/>
-            <a:endParaRPr lang="en-US" sz="1400" dirty="0"/>
-          </a:p>
-          <a:p>
-            <a:pPr algn="l"/>
-            <a:endParaRPr lang="en-US" sz="1400" dirty="0"/>
-          </a:p>
-          <a:p>
-            <a:pPr algn="l"/>
-            <a:endParaRPr lang="en-US" sz="1400" dirty="0"/>
-          </a:p>
-          <a:p>
-            <a:pPr algn="l"/>
-            <a:endParaRPr lang="en-US" sz="1400" dirty="0"/>
-          </a:p>
-          <a:p>
-            <a:pPr algn="l"/>
             <a:endParaRPr lang="en-US" sz="1600" dirty="0"/>
           </a:p>
         </p:txBody>
@@ -7949,8 +8028,8 @@
         </p:nvSpPr>
         <p:spPr>
           <a:xfrm>
-            <a:off x="408213" y="303235"/>
-            <a:ext cx="2252793" cy="369332"/>
+            <a:off x="408214" y="303235"/>
+            <a:ext cx="3909786" cy="369332"/>
           </a:xfrm>
           <a:prstGeom prst="rect">
             <a:avLst/>
@@ -7969,8 +8048,21 @@
                   <a:srgbClr val="C00000"/>
                 </a:solidFill>
               </a:rPr>
-              <a:t>Relation Extraction</a:t>
-            </a:r>
+              <a:t>Embedding/</a:t>
+            </a:r>
+            <a:r>
+              <a:rPr lang="en-US" dirty="0" err="1">
+                <a:solidFill>
+                  <a:srgbClr val="C00000"/>
+                </a:solidFill>
+              </a:rPr>
+              <a:t>Explainability</a:t>
+            </a:r>
+            <a:endParaRPr lang="en-US" dirty="0">
+              <a:solidFill>
+                <a:srgbClr val="C00000"/>
+              </a:solidFill>
+            </a:endParaRPr>
           </a:p>
         </p:txBody>
       </p:sp>
@@ -7989,7 +8081,7 @@
         <p:spPr>
           <a:xfrm>
             <a:off x="1208314" y="3429000"/>
-            <a:ext cx="7641772" cy="1877437"/>
+            <a:ext cx="7641772" cy="584775"/>
           </a:xfrm>
           <a:prstGeom prst="rect">
             <a:avLst/>
@@ -8008,37 +8100,6 @@
             </a:r>
           </a:p>
           <a:p>
-            <a:r>
-              <a:rPr lang="en-US" sz="1400" dirty="0"/>
-              <a:t>Proposed a neural pattern diagnosis framework, DIAG-NRE, that can automatically summarize and refine high-quality relational patterns from noise data with human experts in the loop:</a:t>
-            </a:r>
-          </a:p>
-          <a:p>
-            <a:r>
-              <a:rPr lang="en-US" sz="1400" dirty="0"/>
-              <a:t>1) </a:t>
-            </a:r>
-            <a:r>
-              <a:rPr lang="en-US" sz="1400" i="1" dirty="0"/>
-              <a:t>pattern extraction</a:t>
-            </a:r>
-            <a:r>
-              <a:rPr lang="en-US" sz="1400" dirty="0"/>
-              <a:t>, extracting potential patterns from NRE models by employing reinforcement learning (RL), and 2) </a:t>
-            </a:r>
-            <a:r>
-              <a:rPr lang="en-US" sz="1400" i="1" dirty="0"/>
-              <a:t>pattern refinement</a:t>
-            </a:r>
-            <a:r>
-              <a:rPr lang="en-US" sz="1400" dirty="0"/>
-              <a:t>, asking human experts to annotate a small set of actively selected examples. </a:t>
-            </a:r>
-          </a:p>
-          <a:p>
-            <a:endParaRPr lang="en-US" sz="1400" dirty="0"/>
-          </a:p>
-          <a:p>
             <a:endParaRPr lang="en-US" sz="1400" dirty="0"/>
           </a:p>
         </p:txBody>
@@ -8075,34 +8136,167 @@
               <a:rPr lang="en-US" sz="1200" dirty="0"/>
               <a:t>Link: </a:t>
             </a:r>
-            <a:r>
-              <a:rPr lang="en-US" sz="1200" dirty="0">
-                <a:hlinkClick r:id="rId2"/>
-              </a:rPr>
-              <a:t>https://www.aclweb.org/anthology/P19-1137.pdf</a:t>
-            </a:r>
-            <a:endParaRPr lang="en-US" sz="1200" dirty="0"/>
           </a:p>
           <a:p>
             <a:r>
               <a:rPr lang="en-US" sz="1200" dirty="0"/>
-              <a:t>Source:  ACL</a:t>
-            </a:r>
-            <a:r>
-              <a:rPr lang="zh-CN" altLang="en-US" sz="1200" dirty="0"/>
-              <a:t> </a:t>
-            </a:r>
-            <a:r>
-              <a:rPr lang="en-US" sz="1200" dirty="0"/>
-              <a:t>2019</a:t>
-            </a:r>
+              <a:t>Source:  2019</a:t>
+            </a:r>
+          </a:p>
+        </p:txBody>
+      </p:sp>
+      <p:sp>
+        <p:nvSpPr>
+          <p:cNvPr id="7" name="TextBox 6">
+            <a:extLst>
+              <a:ext uri="{FF2B5EF4-FFF2-40B4-BE49-F238E27FC236}">
+                <a16:creationId xmlns:a16="http://schemas.microsoft.com/office/drawing/2014/main" id="{9C3E9BDE-886C-254F-B76D-1370A17FB210}"/>
+              </a:ext>
+            </a:extLst>
+          </p:cNvPr>
+          <p:cNvSpPr txBox="1"/>
+          <p:nvPr/>
+        </p:nvSpPr>
+        <p:spPr>
+          <a:xfrm>
+            <a:off x="1422400" y="2667000"/>
+            <a:ext cx="9144000" cy="1015663"/>
+          </a:xfrm>
+          <a:prstGeom prst="rect">
+            <a:avLst/>
+          </a:prstGeom>
+          <a:noFill/>
+        </p:spPr>
+        <p:txBody>
+          <a:bodyPr wrap="square" rtlCol="0">
+            <a:spAutoFit/>
+          </a:bodyPr>
+          <a:lstStyle/>
+          <a:p>
+            <a:r>
+              <a:rPr lang="en-US" sz="1400" dirty="0"/>
+              <a:t>Early KG embedding methods only pay attention to structured information encoded in triples, which would cause limited performance due to the structure sparseness of </a:t>
+            </a:r>
+            <a:r>
+              <a:rPr lang="en-US" sz="1400" dirty="0" err="1"/>
+              <a:t>KGs.</a:t>
+            </a:r>
+            <a:r>
+              <a:rPr lang="en-US" sz="1400" dirty="0"/>
+              <a:t> Some recent attempts consider paths in- formation to expand the structure of KGs but lack explain- ability in the process of obtaining the path representations. </a:t>
+            </a:r>
+          </a:p>
+          <a:p>
+            <a:endParaRPr lang="en-US" dirty="0"/>
+          </a:p>
+        </p:txBody>
+      </p:sp>
+      <p:sp>
+        <p:nvSpPr>
+          <p:cNvPr id="8" name="TextBox 7">
+            <a:extLst>
+              <a:ext uri="{FF2B5EF4-FFF2-40B4-BE49-F238E27FC236}">
+                <a16:creationId xmlns:a16="http://schemas.microsoft.com/office/drawing/2014/main" id="{E994AB38-3CC8-3042-96A8-A695ECC1B4D6}"/>
+              </a:ext>
+            </a:extLst>
+          </p:cNvPr>
+          <p:cNvSpPr txBox="1"/>
+          <p:nvPr/>
+        </p:nvSpPr>
+        <p:spPr>
+          <a:xfrm>
+            <a:off x="1422400" y="4113888"/>
+            <a:ext cx="9474200" cy="1877437"/>
+          </a:xfrm>
+          <a:prstGeom prst="rect">
+            <a:avLst/>
+          </a:prstGeom>
+          <a:noFill/>
+        </p:spPr>
+        <p:txBody>
+          <a:bodyPr wrap="square" rtlCol="0">
+            <a:spAutoFit/>
+          </a:bodyPr>
+          <a:lstStyle/>
+          <a:p>
+            <a:r>
+              <a:rPr lang="en-US" sz="1400" dirty="0"/>
+              <a:t>we propose a novel Rule and Path-based Joint </a:t>
+            </a:r>
+            <a:r>
+              <a:rPr lang="en-US" sz="1400" dirty="0" err="1"/>
+              <a:t>Em</a:t>
+            </a:r>
+            <a:r>
+              <a:rPr lang="en-US" sz="1400" dirty="0"/>
+              <a:t>- bedding (RPJE) scheme, which takes full advantage of the ex- </a:t>
+            </a:r>
+            <a:r>
+              <a:rPr lang="en-US" sz="1400" dirty="0" err="1"/>
+              <a:t>plainability</a:t>
+            </a:r>
+            <a:r>
+              <a:rPr lang="en-US" sz="1400" dirty="0"/>
+              <a:t> and accuracy of logic rules, the generalization of KG embedding as well as the supplementary semantic </a:t>
+            </a:r>
+            <a:r>
+              <a:rPr lang="en-US" sz="1400" dirty="0" err="1"/>
+              <a:t>struc</a:t>
+            </a:r>
+            <a:r>
+              <a:rPr lang="en-US" sz="1400" dirty="0"/>
+              <a:t>- </a:t>
+            </a:r>
+            <a:r>
+              <a:rPr lang="en-US" sz="1400" dirty="0" err="1"/>
+              <a:t>ture</a:t>
+            </a:r>
+            <a:r>
+              <a:rPr lang="en-US" sz="1400" dirty="0"/>
+              <a:t> of paths. Specifically, logic rules of different lengths (the number of relations in rule body) in the form of Horn clauses are first mined from the KG and elaborately encoded for rep- </a:t>
+            </a:r>
+            <a:r>
+              <a:rPr lang="en-US" sz="1400" dirty="0" err="1"/>
+              <a:t>resentation</a:t>
+            </a:r>
+            <a:r>
+              <a:rPr lang="en-US" sz="1400" dirty="0"/>
+              <a:t> learning. Then, the rules of length 2 are applied to compose paths accurately while the rules of length 1 are explicitly employed to create semantic associations among relations and constrain relation embeddings. Moreover, the confidence level of each rule is also considered in </a:t>
+            </a:r>
+            <a:r>
+              <a:rPr lang="en-US" sz="1400" dirty="0" err="1"/>
+              <a:t>optimiza</a:t>
+            </a:r>
+            <a:r>
+              <a:rPr lang="en-US" sz="1400" dirty="0"/>
+              <a:t>- </a:t>
+            </a:r>
+            <a:r>
+              <a:rPr lang="en-US" sz="1400" dirty="0" err="1"/>
+              <a:t>tion</a:t>
+            </a:r>
+            <a:r>
+              <a:rPr lang="en-US" sz="1400" dirty="0"/>
+              <a:t> to guarantee the availability of applying the rule to rep- </a:t>
+            </a:r>
+            <a:r>
+              <a:rPr lang="en-US" sz="1400" dirty="0" err="1"/>
+              <a:t>resentation</a:t>
+            </a:r>
+            <a:r>
+              <a:rPr lang="en-US" sz="1400" dirty="0"/>
+              <a:t> learning. </a:t>
+            </a:r>
+          </a:p>
+          <a:p>
+            <a:endParaRPr lang="en-US" dirty="0"/>
           </a:p>
         </p:txBody>
       </p:sp>
     </p:spTree>
     <p:extLst>
       <p:ext uri="{BB962C8B-B14F-4D97-AF65-F5344CB8AC3E}">
-        <p14:creationId xmlns:p14="http://schemas.microsoft.com/office/powerpoint/2010/main" val="827888405"/>
+        <p14:creationId xmlns:p14="http://schemas.microsoft.com/office/powerpoint/2010/main" val="2454995057"/>
       </p:ext>
     </p:extLst>
   </p:cSld>
@@ -8131,312 +8325,377 @@
       </p:grpSpPr>
       <p:sp>
         <p:nvSpPr>
-          <p:cNvPr id="4" name="TextBox 3">
-            <a:extLst>
-              <a:ext uri="{FF2B5EF4-FFF2-40B4-BE49-F238E27FC236}">
-                <a16:creationId xmlns:a16="http://schemas.microsoft.com/office/drawing/2014/main" id="{4BA5FF7F-4D31-B04A-B743-6CB08B5D87C5}"/>
-              </a:ext>
-            </a:extLst>
-          </p:cNvPr>
-          <p:cNvSpPr txBox="1"/>
-          <p:nvPr/>
-        </p:nvSpPr>
-        <p:spPr>
-          <a:xfrm>
-            <a:off x="548545" y="776291"/>
-            <a:ext cx="3831771" cy="369332"/>
-          </a:xfrm>
-          <a:prstGeom prst="rect">
-            <a:avLst/>
-          </a:prstGeom>
-          <a:noFill/>
-        </p:spPr>
-        <p:txBody>
-          <a:bodyPr wrap="square" rtlCol="0">
-            <a:spAutoFit/>
-          </a:bodyPr>
-          <a:lstStyle/>
-          <a:p>
-            <a:r>
-              <a:rPr lang="en-US" dirty="0"/>
-              <a:t>Evaluation:</a:t>
-            </a:r>
-          </a:p>
-        </p:txBody>
-      </p:sp>
-      <p:sp>
-        <p:nvSpPr>
-          <p:cNvPr id="5" name="TextBox 4">
-            <a:extLst>
-              <a:ext uri="{FF2B5EF4-FFF2-40B4-BE49-F238E27FC236}">
-                <a16:creationId xmlns:a16="http://schemas.microsoft.com/office/drawing/2014/main" id="{2A6021E0-4777-DA47-A283-E30B8C427A77}"/>
-              </a:ext>
-            </a:extLst>
-          </p:cNvPr>
-          <p:cNvSpPr txBox="1"/>
-          <p:nvPr/>
-        </p:nvSpPr>
-        <p:spPr>
-          <a:xfrm>
-            <a:off x="7625442" y="637791"/>
-            <a:ext cx="2688772" cy="646331"/>
-          </a:xfrm>
-          <a:prstGeom prst="rect">
-            <a:avLst/>
-          </a:prstGeom>
-          <a:noFill/>
-        </p:spPr>
-        <p:txBody>
-          <a:bodyPr wrap="square" rtlCol="0">
-            <a:spAutoFit/>
-          </a:bodyPr>
-          <a:lstStyle/>
-          <a:p>
-            <a:r>
-              <a:rPr lang="en-US" dirty="0"/>
-              <a:t>Contributions:</a:t>
-            </a:r>
-          </a:p>
-          <a:p>
-            <a:endParaRPr lang="en-US" dirty="0"/>
-          </a:p>
-        </p:txBody>
-      </p:sp>
-      <p:sp>
-        <p:nvSpPr>
-          <p:cNvPr id="6" name="TextBox 5">
-            <a:extLst>
-              <a:ext uri="{FF2B5EF4-FFF2-40B4-BE49-F238E27FC236}">
-                <a16:creationId xmlns:a16="http://schemas.microsoft.com/office/drawing/2014/main" id="{2BCBD42A-B05A-774D-A7A8-61F4B02E0D07}"/>
-              </a:ext>
-            </a:extLst>
-          </p:cNvPr>
-          <p:cNvSpPr txBox="1"/>
-          <p:nvPr/>
-        </p:nvSpPr>
-        <p:spPr>
-          <a:xfrm>
-            <a:off x="7625442" y="4147297"/>
-            <a:ext cx="2438400" cy="369332"/>
-          </a:xfrm>
-          <a:prstGeom prst="rect">
-            <a:avLst/>
-          </a:prstGeom>
-          <a:noFill/>
-        </p:spPr>
-        <p:txBody>
-          <a:bodyPr wrap="square" rtlCol="0">
-            <a:spAutoFit/>
-          </a:bodyPr>
-          <a:lstStyle/>
-          <a:p>
-            <a:r>
-              <a:rPr lang="en-US" dirty="0"/>
-              <a:t>Limitations:</a:t>
-            </a:r>
-          </a:p>
-        </p:txBody>
-      </p:sp>
-      <p:sp>
-        <p:nvSpPr>
-          <p:cNvPr id="2" name="TextBox 1">
-            <a:extLst>
-              <a:ext uri="{FF2B5EF4-FFF2-40B4-BE49-F238E27FC236}">
-                <a16:creationId xmlns:a16="http://schemas.microsoft.com/office/drawing/2014/main" id="{6303C8C5-3DCB-854F-AE46-EBBEC114DC43}"/>
-              </a:ext>
-            </a:extLst>
-          </p:cNvPr>
-          <p:cNvSpPr txBox="1"/>
-          <p:nvPr/>
-        </p:nvSpPr>
-        <p:spPr>
-          <a:xfrm>
-            <a:off x="7583792" y="1021630"/>
-            <a:ext cx="4275010" cy="2739211"/>
-          </a:xfrm>
-          <a:prstGeom prst="rect">
-            <a:avLst/>
-          </a:prstGeom>
-          <a:noFill/>
-        </p:spPr>
-        <p:txBody>
-          <a:bodyPr wrap="square" rtlCol="0">
-            <a:spAutoFit/>
-          </a:bodyPr>
-          <a:lstStyle/>
-          <a:p>
-            <a:pPr marL="285750" indent="-285750">
-              <a:buFont typeface="Arial" panose="020B0604020202020204" pitchFamily="34" charset="0"/>
-              <a:buChar char="•"/>
-            </a:pPr>
-            <a:r>
-              <a:rPr lang="en-US" sz="1400" dirty="0"/>
-              <a:t>Proposed a neural pattern diagnosis framework, DIAG-NRE, to diagnose and improve NRE models trained on DS-generated data. </a:t>
-            </a:r>
-          </a:p>
-          <a:p>
-            <a:pPr marL="285750" indent="-285750">
-              <a:buFont typeface="Arial" panose="020B0604020202020204" pitchFamily="34" charset="0"/>
-              <a:buChar char="•"/>
-            </a:pPr>
-            <a:r>
-              <a:rPr lang="en-US" sz="1400" dirty="0"/>
-              <a:t>DIAG-NRE not only eases the hard pattern-writing work of human experts by generating patterns automatically, but also enables the quick generalization to new relation types by only requiring a small number of human annotations. </a:t>
-            </a:r>
-          </a:p>
-          <a:p>
-            <a:pPr marL="285750" indent="-285750">
-              <a:buFont typeface="Arial" panose="020B0604020202020204" pitchFamily="34" charset="0"/>
-              <a:buChar char="•"/>
-            </a:pPr>
-            <a:r>
-              <a:rPr lang="en-US" sz="1400" dirty="0"/>
-              <a:t>Coupled with the WLF model, DIAG-NRE can produce denoised labels to retrain a better NRE model. </a:t>
-            </a:r>
-          </a:p>
-          <a:p>
-            <a:endParaRPr lang="en-US" dirty="0"/>
-          </a:p>
-        </p:txBody>
-      </p:sp>
-      <p:pic>
-        <p:nvPicPr>
-          <p:cNvPr id="7" name="Picture 6">
-            <a:extLst>
-              <a:ext uri="{FF2B5EF4-FFF2-40B4-BE49-F238E27FC236}">
-                <a16:creationId xmlns:a16="http://schemas.microsoft.com/office/drawing/2014/main" id="{BA25FB59-4C4C-E841-ADD7-007AFD1F519A}"/>
-              </a:ext>
-            </a:extLst>
-          </p:cNvPr>
-          <p:cNvPicPr>
-            <a:picLocks noChangeAspect="1"/>
-          </p:cNvPicPr>
-          <p:nvPr/>
-        </p:nvPicPr>
-        <p:blipFill>
-          <a:blip r:embed="rId2"/>
-          <a:stretch>
-            <a:fillRect/>
-          </a:stretch>
-        </p:blipFill>
-        <p:spPr>
-          <a:xfrm>
-            <a:off x="435940" y="1284122"/>
-            <a:ext cx="6938481" cy="3781038"/>
-          </a:xfrm>
-          <a:prstGeom prst="rect">
-            <a:avLst/>
-          </a:prstGeom>
-        </p:spPr>
-      </p:pic>
-      <p:sp>
-        <p:nvSpPr>
-          <p:cNvPr id="8" name="TextBox 7">
-            <a:extLst>
-              <a:ext uri="{FF2B5EF4-FFF2-40B4-BE49-F238E27FC236}">
-                <a16:creationId xmlns:a16="http://schemas.microsoft.com/office/drawing/2014/main" id="{C188F1BB-11A9-0343-BAA8-92D56F122029}"/>
-              </a:ext>
-            </a:extLst>
-          </p:cNvPr>
-          <p:cNvSpPr txBox="1"/>
-          <p:nvPr/>
-        </p:nvSpPr>
-        <p:spPr>
-          <a:xfrm>
-            <a:off x="7625442" y="4549676"/>
-            <a:ext cx="4035727" cy="2308324"/>
-          </a:xfrm>
-          <a:prstGeom prst="rect">
-            <a:avLst/>
-          </a:prstGeom>
-          <a:noFill/>
-        </p:spPr>
-        <p:txBody>
-          <a:bodyPr wrap="square" rtlCol="0">
-            <a:spAutoFit/>
-          </a:bodyPr>
-          <a:lstStyle/>
-          <a:p>
-            <a:r>
-              <a:rPr lang="en-US" sz="1400" dirty="0"/>
-              <a:t>Tasks (three from NYT and two from UW) suffering large labeling noises, most tasks experience a rapid improvement phase with the help of high-quality patterns automatically generated by DIAG-NRE and then enter a saturate phase where adding annotations does not contribute much. This saturation accords with the intuition that high-quality relational patterns are often limited. </a:t>
-            </a:r>
-          </a:p>
-          <a:p>
-            <a:endParaRPr lang="en-US" sz="1400" dirty="0"/>
-          </a:p>
-          <a:p>
-            <a:endParaRPr lang="en-US" dirty="0"/>
-          </a:p>
-        </p:txBody>
-      </p:sp>
-      <p:sp>
-        <p:nvSpPr>
-          <p:cNvPr id="9" name="Title 1">
-            <a:extLst>
-              <a:ext uri="{FF2B5EF4-FFF2-40B4-BE49-F238E27FC236}">
-                <a16:creationId xmlns:a16="http://schemas.microsoft.com/office/drawing/2014/main" id="{040A6F00-4CAF-B448-8175-553E0D9D7415}"/>
-              </a:ext>
-            </a:extLst>
-          </p:cNvPr>
-          <p:cNvSpPr txBox="1">
-            <a:spLocks/>
+          <p:cNvPr id="2" name="Title 1">
+            <a:extLst>
+              <a:ext uri="{FF2B5EF4-FFF2-40B4-BE49-F238E27FC236}">
+                <a16:creationId xmlns:a16="http://schemas.microsoft.com/office/drawing/2014/main" id="{D7317AF7-C0C1-B64C-80AB-E4D5190FBCD8}"/>
+              </a:ext>
+            </a:extLst>
+          </p:cNvPr>
+          <p:cNvSpPr>
+            <a:spLocks noGrp="1"/>
           </p:cNvSpPr>
-          <p:nvPr/>
-        </p:nvSpPr>
-        <p:spPr>
-          <a:xfrm>
-            <a:off x="435940" y="205645"/>
+          <p:nvPr>
+            <p:ph type="ctrTitle"/>
+          </p:nvPr>
+        </p:nvSpPr>
+        <p:spPr>
+          <a:xfrm>
+            <a:off x="1208314" y="930729"/>
             <a:ext cx="9144000" cy="477837"/>
           </a:xfrm>
-          <a:prstGeom prst="rect">
-            <a:avLst/>
-          </a:prstGeom>
-        </p:spPr>
-        <p:txBody>
-          <a:bodyPr vert="horz" lIns="91440" tIns="45720" rIns="91440" bIns="45720" rtlCol="0" anchor="ctr">
+        </p:spPr>
+        <p:txBody>
+          <a:bodyPr>
             <a:normAutofit/>
           </a:bodyPr>
-          <a:lstStyle>
-            <a:lvl1pPr algn="l" defTabSz="914400" rtl="0" eaLnBrk="1" latinLnBrk="0" hangingPunct="1">
-              <a:lnSpc>
-                <a:spcPct val="90000"/>
-              </a:lnSpc>
-              <a:spcBef>
-                <a:spcPct val="0"/>
-              </a:spcBef>
-              <a:buNone/>
-              <a:defRPr sz="4400" kern="1200">
-                <a:solidFill>
-                  <a:schemeClr val="tx1"/>
-                </a:solidFill>
-                <a:latin typeface="+mj-lt"/>
-                <a:ea typeface="+mj-ea"/>
-                <a:cs typeface="+mj-cs"/>
-              </a:defRPr>
-            </a:lvl1pPr>
-          </a:lstStyle>
-          <a:p>
-            <a:r>
-              <a:rPr lang="en-US" sz="1600" b="1">
+          <a:lstStyle/>
+          <a:p>
+            <a:pPr algn="l"/>
+            <a:r>
+              <a:rPr lang="en-US" sz="1600" b="1" dirty="0" err="1">
                 <a:latin typeface="+mn-lt"/>
                 <a:ea typeface="+mn-ea"/>
                 <a:cs typeface="+mn-cs"/>
               </a:rPr>
-              <a:t>DIAG-NRE: A neural pattern diagnosis framework for distantly supervised neural relation extraction</a:t>
-            </a:r>
-            <a:endParaRPr lang="en-US" sz="1600" b="1" dirty="0">
-              <a:latin typeface="+mn-lt"/>
-              <a:ea typeface="+mn-ea"/>
-              <a:cs typeface="+mn-cs"/>
-            </a:endParaRPr>
+              <a:t>TransEdge</a:t>
+            </a:r>
+            <a:r>
+              <a:rPr lang="en-US" sz="1600" b="1" dirty="0">
+                <a:latin typeface="+mn-lt"/>
+                <a:ea typeface="+mn-ea"/>
+                <a:cs typeface="+mn-cs"/>
+              </a:rPr>
+              <a:t>: Translating Relation-contextualized Embeddings for Knowledge Graphs</a:t>
+            </a:r>
+          </a:p>
+        </p:txBody>
+      </p:sp>
+      <p:sp>
+        <p:nvSpPr>
+          <p:cNvPr id="3" name="Subtitle 2">
+            <a:extLst>
+              <a:ext uri="{FF2B5EF4-FFF2-40B4-BE49-F238E27FC236}">
+                <a16:creationId xmlns:a16="http://schemas.microsoft.com/office/drawing/2014/main" id="{0A64B25C-1E83-D14F-82EC-CC2D9EFA4F64}"/>
+              </a:ext>
+            </a:extLst>
+          </p:cNvPr>
+          <p:cNvSpPr>
+            <a:spLocks noGrp="1"/>
+          </p:cNvSpPr>
+          <p:nvPr>
+            <p:ph type="subTitle" idx="1"/>
+          </p:nvPr>
+        </p:nvSpPr>
+        <p:spPr>
+          <a:xfrm>
+            <a:off x="1208314" y="2060497"/>
+            <a:ext cx="9144000" cy="926419"/>
+          </a:xfrm>
+        </p:spPr>
+        <p:txBody>
+          <a:bodyPr>
+            <a:normAutofit/>
+          </a:bodyPr>
+          <a:lstStyle/>
+          <a:p>
+            <a:pPr algn="l"/>
+            <a:r>
+              <a:rPr lang="en-US" sz="1800" dirty="0"/>
+              <a:t>Limitation of Existing Work:</a:t>
+            </a:r>
+          </a:p>
+          <a:p>
+            <a:pPr algn="l"/>
+            <a:endParaRPr lang="en-US" sz="1400" dirty="0"/>
+          </a:p>
+          <a:p>
+            <a:pPr algn="l"/>
+            <a:endParaRPr lang="en-US" sz="1600" dirty="0"/>
+          </a:p>
+        </p:txBody>
+      </p:sp>
+      <p:sp>
+        <p:nvSpPr>
+          <p:cNvPr id="4" name="TextBox 3">
+            <a:extLst>
+              <a:ext uri="{FF2B5EF4-FFF2-40B4-BE49-F238E27FC236}">
+                <a16:creationId xmlns:a16="http://schemas.microsoft.com/office/drawing/2014/main" id="{41ED2B90-6835-0C4B-B85A-2512916878C1}"/>
+              </a:ext>
+            </a:extLst>
+          </p:cNvPr>
+          <p:cNvSpPr txBox="1"/>
+          <p:nvPr/>
+        </p:nvSpPr>
+        <p:spPr>
+          <a:xfrm>
+            <a:off x="408214" y="303235"/>
+            <a:ext cx="1600200" cy="369332"/>
+          </a:xfrm>
+          <a:prstGeom prst="rect">
+            <a:avLst/>
+          </a:prstGeom>
+          <a:noFill/>
+        </p:spPr>
+        <p:txBody>
+          <a:bodyPr wrap="square" rtlCol="0">
+            <a:spAutoFit/>
+          </a:bodyPr>
+          <a:lstStyle/>
+          <a:p>
+            <a:r>
+              <a:rPr lang="en-US" dirty="0">
+                <a:solidFill>
+                  <a:srgbClr val="C00000"/>
+                </a:solidFill>
+              </a:rPr>
+              <a:t>Embedding</a:t>
+            </a:r>
+          </a:p>
+        </p:txBody>
+      </p:sp>
+      <p:sp>
+        <p:nvSpPr>
+          <p:cNvPr id="5" name="TextBox 4">
+            <a:extLst>
+              <a:ext uri="{FF2B5EF4-FFF2-40B4-BE49-F238E27FC236}">
+                <a16:creationId xmlns:a16="http://schemas.microsoft.com/office/drawing/2014/main" id="{AFB09293-029A-E64B-B817-64C522758E60}"/>
+              </a:ext>
+            </a:extLst>
+          </p:cNvPr>
+          <p:cNvSpPr txBox="1"/>
+          <p:nvPr/>
+        </p:nvSpPr>
+        <p:spPr>
+          <a:xfrm>
+            <a:off x="1208314" y="3429000"/>
+            <a:ext cx="7641772" cy="584775"/>
+          </a:xfrm>
+          <a:prstGeom prst="rect">
+            <a:avLst/>
+          </a:prstGeom>
+          <a:noFill/>
+        </p:spPr>
+        <p:txBody>
+          <a:bodyPr wrap="square" rtlCol="0">
+            <a:spAutoFit/>
+          </a:bodyPr>
+          <a:lstStyle/>
+          <a:p>
+            <a:r>
+              <a:rPr lang="en-US" dirty="0"/>
+              <a:t>Key idea of Approach:</a:t>
+            </a:r>
+          </a:p>
+          <a:p>
+            <a:endParaRPr lang="en-US" sz="1400" dirty="0"/>
+          </a:p>
+        </p:txBody>
+      </p:sp>
+      <p:sp>
+        <p:nvSpPr>
+          <p:cNvPr id="6" name="TextBox 5">
+            <a:extLst>
+              <a:ext uri="{FF2B5EF4-FFF2-40B4-BE49-F238E27FC236}">
+                <a16:creationId xmlns:a16="http://schemas.microsoft.com/office/drawing/2014/main" id="{0D9FCB9E-2E46-9849-8B1B-EC2C1B783C97}"/>
+              </a:ext>
+            </a:extLst>
+          </p:cNvPr>
+          <p:cNvSpPr txBox="1"/>
+          <p:nvPr/>
+        </p:nvSpPr>
+        <p:spPr>
+          <a:xfrm>
+            <a:off x="1208314" y="5867399"/>
+            <a:ext cx="6901543" cy="461665"/>
+          </a:xfrm>
+          <a:prstGeom prst="rect">
+            <a:avLst/>
+          </a:prstGeom>
+          <a:noFill/>
+        </p:spPr>
+        <p:txBody>
+          <a:bodyPr wrap="square" rtlCol="0">
+            <a:spAutoFit/>
+          </a:bodyPr>
+          <a:lstStyle/>
+          <a:p>
+            <a:r>
+              <a:rPr lang="en-US" sz="1200" dirty="0"/>
+              <a:t>Link: </a:t>
+            </a:r>
+          </a:p>
+          <a:p>
+            <a:r>
+              <a:rPr lang="en-US" sz="1200" dirty="0"/>
+              <a:t>Source:  2019</a:t>
+            </a:r>
+          </a:p>
+        </p:txBody>
+      </p:sp>
+      <p:sp>
+        <p:nvSpPr>
+          <p:cNvPr id="8" name="TextBox 7">
+            <a:extLst>
+              <a:ext uri="{FF2B5EF4-FFF2-40B4-BE49-F238E27FC236}">
+                <a16:creationId xmlns:a16="http://schemas.microsoft.com/office/drawing/2014/main" id="{5391BEDC-6E32-AB41-A64E-0C70BBF23AF1}"/>
+              </a:ext>
+            </a:extLst>
+          </p:cNvPr>
+          <p:cNvSpPr txBox="1"/>
+          <p:nvPr/>
+        </p:nvSpPr>
+        <p:spPr>
+          <a:xfrm>
+            <a:off x="1208314" y="2540000"/>
+            <a:ext cx="9243786" cy="1231106"/>
+          </a:xfrm>
+          <a:prstGeom prst="rect">
+            <a:avLst/>
+          </a:prstGeom>
+          <a:noFill/>
+        </p:spPr>
+        <p:txBody>
+          <a:bodyPr wrap="square" rtlCol="0">
+            <a:spAutoFit/>
+          </a:bodyPr>
+          <a:lstStyle/>
+          <a:p>
+            <a:r>
+              <a:rPr lang="en-US" sz="1400" dirty="0"/>
+              <a:t>Most embedding models in literature</a:t>
+            </a:r>
+          </a:p>
+          <a:p>
+            <a:r>
+              <a:rPr lang="en-US" sz="1400" dirty="0"/>
+              <a:t>interpret relations as linear or bilinear mapping functions to operate</a:t>
+            </a:r>
+          </a:p>
+          <a:p>
+            <a:r>
+              <a:rPr lang="en-US" sz="1400" dirty="0"/>
+              <a:t>on entity embeddings. However, we find that such relation-level modeling</a:t>
+            </a:r>
+          </a:p>
+          <a:p>
+            <a:r>
+              <a:rPr lang="en-US" sz="1400" dirty="0"/>
+              <a:t>cannot capture the diverse relational structures of KGs well.</a:t>
+            </a:r>
+          </a:p>
+          <a:p>
+            <a:endParaRPr lang="en-US" dirty="0"/>
+          </a:p>
+        </p:txBody>
+      </p:sp>
+      <p:sp>
+        <p:nvSpPr>
+          <p:cNvPr id="9" name="TextBox 8">
+            <a:extLst>
+              <a:ext uri="{FF2B5EF4-FFF2-40B4-BE49-F238E27FC236}">
+                <a16:creationId xmlns:a16="http://schemas.microsoft.com/office/drawing/2014/main" id="{213AF09E-74A5-5F4C-AC8B-D20063A9F6B3}"/>
+              </a:ext>
+            </a:extLst>
+          </p:cNvPr>
+          <p:cNvSpPr txBox="1"/>
+          <p:nvPr/>
+        </p:nvSpPr>
+        <p:spPr>
+          <a:xfrm>
+            <a:off x="1208314" y="4013775"/>
+            <a:ext cx="8723086" cy="1877437"/>
+          </a:xfrm>
+          <a:prstGeom prst="rect">
+            <a:avLst/>
+          </a:prstGeom>
+          <a:noFill/>
+        </p:spPr>
+        <p:txBody>
+          <a:bodyPr wrap="square" rtlCol="0">
+            <a:spAutoFit/>
+          </a:bodyPr>
+          <a:lstStyle/>
+          <a:p>
+            <a:r>
+              <a:rPr lang="en-US" sz="1400" dirty="0"/>
+              <a:t>We propose a novel KG embedding model </a:t>
+            </a:r>
+            <a:r>
+              <a:rPr lang="en-US" sz="1400" dirty="0" err="1"/>
+              <a:t>TransEdge</a:t>
+            </a:r>
+            <a:r>
+              <a:rPr lang="en-US" sz="1400" dirty="0"/>
+              <a:t>. Different from existing</a:t>
+            </a:r>
+          </a:p>
+          <a:p>
+            <a:r>
+              <a:rPr lang="en-US" sz="1400" dirty="0"/>
+              <a:t>models that learn one simple embedding per relation, </a:t>
+            </a:r>
+            <a:r>
+              <a:rPr lang="en-US" sz="1400" dirty="0" err="1"/>
+              <a:t>TransEdge</a:t>
+            </a:r>
+            <a:r>
+              <a:rPr lang="en-US" sz="1400" dirty="0"/>
+              <a:t> learns</a:t>
+            </a:r>
+          </a:p>
+          <a:p>
+            <a:r>
+              <a:rPr lang="en-US" sz="1400" dirty="0"/>
+              <a:t>KG embeddings by contextualizing relation representations in terms of the</a:t>
+            </a:r>
+          </a:p>
+          <a:p>
+            <a:r>
+              <a:rPr lang="en-US" sz="1400" dirty="0"/>
+              <a:t>specific head-tail entity pairs. We refer to such contextualized representations</a:t>
+            </a:r>
+          </a:p>
+          <a:p>
+            <a:r>
+              <a:rPr lang="en-US" sz="1400" dirty="0"/>
+              <a:t>of a relation as edge embeddings and build edge translations between</a:t>
+            </a:r>
+          </a:p>
+          <a:p>
+            <a:r>
+              <a:rPr lang="en-US" sz="1400" dirty="0"/>
+              <a:t>entity embeddings to capture the relational structures of </a:t>
+            </a:r>
+            <a:r>
+              <a:rPr lang="en-US" sz="1400" dirty="0" err="1"/>
+              <a:t>KGs.</a:t>
+            </a:r>
+            <a:r>
+              <a:rPr lang="en-US" sz="1400" dirty="0"/>
+              <a:t> </a:t>
+            </a:r>
+            <a:r>
+              <a:rPr lang="en-US" sz="1400" dirty="0" err="1"/>
+              <a:t>TransEdge</a:t>
+            </a:r>
+            <a:endParaRPr lang="en-US" sz="1400" dirty="0"/>
+          </a:p>
+          <a:p>
+            <a:r>
+              <a:rPr lang="en-US" sz="1400" dirty="0"/>
+              <a:t>provides a novel perspective for KG embedding</a:t>
+            </a:r>
+          </a:p>
+          <a:p>
+            <a:endParaRPr lang="en-US" dirty="0"/>
           </a:p>
         </p:txBody>
       </p:sp>
     </p:spTree>
     <p:extLst>
       <p:ext uri="{BB962C8B-B14F-4D97-AF65-F5344CB8AC3E}">
-        <p14:creationId xmlns:p14="http://schemas.microsoft.com/office/powerpoint/2010/main" val="1821401219"/>
+        <p14:creationId xmlns:p14="http://schemas.microsoft.com/office/powerpoint/2010/main" val="2089060558"/>
       </p:ext>
     </p:extLst>
   </p:cSld>
@@ -8465,10 +8724,155 @@
       </p:grpSpPr>
       <p:sp>
         <p:nvSpPr>
-          <p:cNvPr id="5" name="TextBox 4">
-            <a:extLst>
-              <a:ext uri="{FF2B5EF4-FFF2-40B4-BE49-F238E27FC236}">
-                <a16:creationId xmlns:a16="http://schemas.microsoft.com/office/drawing/2014/main" id="{CB4440B1-FB08-3C49-A8BD-4A4F8B174F39}"/>
+          <p:cNvPr id="2" name="Title 1">
+            <a:extLst>
+              <a:ext uri="{FF2B5EF4-FFF2-40B4-BE49-F238E27FC236}">
+                <a16:creationId xmlns:a16="http://schemas.microsoft.com/office/drawing/2014/main" id="{D7317AF7-C0C1-B64C-80AB-E4D5190FBCD8}"/>
+              </a:ext>
+            </a:extLst>
+          </p:cNvPr>
+          <p:cNvSpPr>
+            <a:spLocks noGrp="1"/>
+          </p:cNvSpPr>
+          <p:nvPr>
+            <p:ph type="ctrTitle"/>
+          </p:nvPr>
+        </p:nvSpPr>
+        <p:spPr>
+          <a:xfrm>
+            <a:off x="1208314" y="930729"/>
+            <a:ext cx="9144000" cy="477837"/>
+          </a:xfrm>
+        </p:spPr>
+        <p:txBody>
+          <a:bodyPr>
+            <a:normAutofit/>
+          </a:bodyPr>
+          <a:lstStyle/>
+          <a:p>
+            <a:pPr algn="l"/>
+            <a:r>
+              <a:rPr lang="en-US" sz="1600" b="1" dirty="0">
+                <a:latin typeface="+mn-lt"/>
+                <a:ea typeface="+mn-ea"/>
+                <a:cs typeface="+mn-cs"/>
+              </a:rPr>
+              <a:t>DIAG-NRE: A neural pattern diagnosis framework for distantly supervised neural relation extraction</a:t>
+            </a:r>
+          </a:p>
+        </p:txBody>
+      </p:sp>
+      <p:sp>
+        <p:nvSpPr>
+          <p:cNvPr id="3" name="Subtitle 2">
+            <a:extLst>
+              <a:ext uri="{FF2B5EF4-FFF2-40B4-BE49-F238E27FC236}">
+                <a16:creationId xmlns:a16="http://schemas.microsoft.com/office/drawing/2014/main" id="{0A64B25C-1E83-D14F-82EC-CC2D9EFA4F64}"/>
+              </a:ext>
+            </a:extLst>
+          </p:cNvPr>
+          <p:cNvSpPr>
+            <a:spLocks noGrp="1"/>
+          </p:cNvSpPr>
+          <p:nvPr>
+            <p:ph type="subTitle" idx="1"/>
+          </p:nvPr>
+        </p:nvSpPr>
+        <p:spPr>
+          <a:xfrm>
+            <a:off x="1208314" y="1571145"/>
+            <a:ext cx="9144000" cy="1415771"/>
+          </a:xfrm>
+        </p:spPr>
+        <p:txBody>
+          <a:bodyPr>
+            <a:normAutofit fontScale="62500" lnSpcReduction="20000"/>
+          </a:bodyPr>
+          <a:lstStyle/>
+          <a:p>
+            <a:pPr algn="l"/>
+            <a:r>
+              <a:rPr lang="en-US" sz="1800" dirty="0"/>
+              <a:t>Limitation of Existing Work:</a:t>
+            </a:r>
+          </a:p>
+          <a:p>
+            <a:pPr marL="342900" indent="-342900" algn="l">
+              <a:buFont typeface="Arial" panose="020B0604020202020204" pitchFamily="34" charset="0"/>
+              <a:buChar char="•"/>
+            </a:pPr>
+            <a:r>
+              <a:rPr lang="en-US" sz="1900" dirty="0"/>
+              <a:t>Pattern-based labeling methods require significant expert labor to write relation-specific patterns, which makes them too sophisticated to generalize quickly. </a:t>
+            </a:r>
+          </a:p>
+          <a:p>
+            <a:pPr marL="342900" indent="-342900" algn="l">
+              <a:buFont typeface="Arial" panose="020B0604020202020204" pitchFamily="34" charset="0"/>
+              <a:buChar char="•"/>
+            </a:pPr>
+            <a:r>
+              <a:rPr lang="en-US" sz="1900" i="1" dirty="0"/>
+              <a:t>Distant supervision models </a:t>
+            </a:r>
+            <a:r>
+              <a:rPr lang="en-US" sz="1900" dirty="0"/>
+              <a:t>inevitably introduce intolerable labeling noises.</a:t>
+            </a:r>
+          </a:p>
+          <a:p>
+            <a:pPr marL="342900" indent="-342900" algn="l">
+              <a:buFont typeface="Arial" panose="020B0604020202020204" pitchFamily="34" charset="0"/>
+              <a:buChar char="•"/>
+            </a:pPr>
+            <a:r>
+              <a:rPr lang="en-US" sz="1900" dirty="0"/>
+              <a:t>Pattern-based labeling, where the key idea was to regard both DS and pattern-based heuristics as the weak supervision sources and develop a weak-label-fusion (WLF) model to produce denoised labels. However, the major limitation of the WLF paradigm lies in the requirement of human experts to write relation-specific patterns. </a:t>
+            </a:r>
+          </a:p>
+          <a:p>
+            <a:pPr marL="342900" indent="-342900" algn="l">
+              <a:buFont typeface="Arial" panose="020B0604020202020204" pitchFamily="34" charset="0"/>
+              <a:buChar char="•"/>
+            </a:pPr>
+            <a:endParaRPr lang="en-US" sz="1900" dirty="0"/>
+          </a:p>
+          <a:p>
+            <a:pPr algn="l"/>
+            <a:endParaRPr lang="en-US" sz="1400" dirty="0"/>
+          </a:p>
+          <a:p>
+            <a:pPr algn="l"/>
+            <a:endParaRPr lang="en-US" dirty="0"/>
+          </a:p>
+          <a:p>
+            <a:pPr algn="l"/>
+            <a:endParaRPr lang="en-US" sz="1400" dirty="0"/>
+          </a:p>
+          <a:p>
+            <a:pPr algn="l"/>
+            <a:endParaRPr lang="en-US" sz="1400" dirty="0"/>
+          </a:p>
+          <a:p>
+            <a:pPr algn="l"/>
+            <a:endParaRPr lang="en-US" sz="1400" dirty="0"/>
+          </a:p>
+          <a:p>
+            <a:pPr algn="l"/>
+            <a:endParaRPr lang="en-US" sz="1400" dirty="0"/>
+          </a:p>
+          <a:p>
+            <a:pPr algn="l"/>
+            <a:endParaRPr lang="en-US" sz="1600" dirty="0"/>
+          </a:p>
+        </p:txBody>
+      </p:sp>
+      <p:sp>
+        <p:nvSpPr>
+          <p:cNvPr id="4" name="TextBox 3">
+            <a:extLst>
+              <a:ext uri="{FF2B5EF4-FFF2-40B4-BE49-F238E27FC236}">
+                <a16:creationId xmlns:a16="http://schemas.microsoft.com/office/drawing/2014/main" id="{41ED2B90-6835-0C4B-B85A-2512916878C1}"/>
               </a:ext>
             </a:extLst>
           </p:cNvPr>
@@ -8477,8 +8881,8 @@
         </p:nvSpPr>
         <p:spPr>
           <a:xfrm>
-            <a:off x="776800" y="1236046"/>
-            <a:ext cx="3831771" cy="369332"/>
+            <a:off x="408213" y="303235"/>
+            <a:ext cx="2252793" cy="369332"/>
           </a:xfrm>
           <a:prstGeom prst="rect">
             <a:avLst/>
@@ -8492,18 +8896,22 @@
           <a:lstStyle/>
           <a:p>
             <a:r>
-              <a:rPr lang="en-US" dirty="0"/>
-              <a:t>Evaluation:</a:t>
-            </a:r>
-          </a:p>
-        </p:txBody>
-      </p:sp>
-      <p:sp>
-        <p:nvSpPr>
-          <p:cNvPr id="6" name="TextBox 5">
-            <a:extLst>
-              <a:ext uri="{FF2B5EF4-FFF2-40B4-BE49-F238E27FC236}">
-                <a16:creationId xmlns:a16="http://schemas.microsoft.com/office/drawing/2014/main" id="{919E28F8-8F82-0F45-BB68-F655DBB95125}"/>
+              <a:rPr lang="en-US" dirty="0">
+                <a:solidFill>
+                  <a:srgbClr val="C00000"/>
+                </a:solidFill>
+              </a:rPr>
+              <a:t>Relation Extraction</a:t>
+            </a:r>
+          </a:p>
+        </p:txBody>
+      </p:sp>
+      <p:sp>
+        <p:nvSpPr>
+          <p:cNvPr id="5" name="TextBox 4">
+            <a:extLst>
+              <a:ext uri="{FF2B5EF4-FFF2-40B4-BE49-F238E27FC236}">
+                <a16:creationId xmlns:a16="http://schemas.microsoft.com/office/drawing/2014/main" id="{AFB09293-029A-E64B-B817-64C522758E60}"/>
               </a:ext>
             </a:extLst>
           </p:cNvPr>
@@ -8512,8 +8920,8 @@
         </p:nvSpPr>
         <p:spPr>
           <a:xfrm>
-            <a:off x="7633699" y="1420712"/>
-            <a:ext cx="2688772" cy="369332"/>
+            <a:off x="1208314" y="3429000"/>
+            <a:ext cx="7641772" cy="1877437"/>
           </a:xfrm>
           <a:prstGeom prst="rect">
             <a:avLst/>
@@ -8528,17 +8936,51 @@
           <a:p>
             <a:r>
               <a:rPr lang="en-US" dirty="0"/>
-              <a:t>Contributions:</a:t>
-            </a:r>
-          </a:p>
-        </p:txBody>
-      </p:sp>
-      <p:sp>
-        <p:nvSpPr>
-          <p:cNvPr id="7" name="TextBox 6">
-            <a:extLst>
-              <a:ext uri="{FF2B5EF4-FFF2-40B4-BE49-F238E27FC236}">
-                <a16:creationId xmlns:a16="http://schemas.microsoft.com/office/drawing/2014/main" id="{640AB307-FCD9-C34E-A00E-E99AA74C38FC}"/>
+              <a:t>Key idea of Approach:</a:t>
+            </a:r>
+          </a:p>
+          <a:p>
+            <a:r>
+              <a:rPr lang="en-US" sz="1400" dirty="0"/>
+              <a:t>Proposed a neural pattern diagnosis framework, DIAG-NRE, that can automatically summarize and refine high-quality relational patterns from noise data with human experts in the loop:</a:t>
+            </a:r>
+          </a:p>
+          <a:p>
+            <a:r>
+              <a:rPr lang="en-US" sz="1400" dirty="0"/>
+              <a:t>1) </a:t>
+            </a:r>
+            <a:r>
+              <a:rPr lang="en-US" sz="1400" i="1" dirty="0"/>
+              <a:t>pattern extraction</a:t>
+            </a:r>
+            <a:r>
+              <a:rPr lang="en-US" sz="1400" dirty="0"/>
+              <a:t>, extracting potential patterns from NRE models by employing reinforcement learning (RL), and 2) </a:t>
+            </a:r>
+            <a:r>
+              <a:rPr lang="en-US" sz="1400" i="1" dirty="0"/>
+              <a:t>pattern refinement</a:t>
+            </a:r>
+            <a:r>
+              <a:rPr lang="en-US" sz="1400" dirty="0"/>
+              <a:t>, asking human experts to annotate a small set of actively selected examples. </a:t>
+            </a:r>
+          </a:p>
+          <a:p>
+            <a:endParaRPr lang="en-US" sz="1400" dirty="0"/>
+          </a:p>
+          <a:p>
+            <a:endParaRPr lang="en-US" sz="1400" dirty="0"/>
+          </a:p>
+        </p:txBody>
+      </p:sp>
+      <p:sp>
+        <p:nvSpPr>
+          <p:cNvPr id="6" name="TextBox 5">
+            <a:extLst>
+              <a:ext uri="{FF2B5EF4-FFF2-40B4-BE49-F238E27FC236}">
+                <a16:creationId xmlns:a16="http://schemas.microsoft.com/office/drawing/2014/main" id="{0D9FCB9E-2E46-9849-8B1B-EC2C1B783C97}"/>
               </a:ext>
             </a:extLst>
           </p:cNvPr>
@@ -8547,8 +8989,8 @@
         </p:nvSpPr>
         <p:spPr>
           <a:xfrm>
-            <a:off x="7758885" y="4163772"/>
-            <a:ext cx="2438400" cy="369332"/>
+            <a:off x="1208314" y="5867399"/>
+            <a:ext cx="6901543" cy="461665"/>
           </a:xfrm>
           <a:prstGeom prst="rect">
             <a:avLst/>
@@ -8562,8 +9004,29 @@
           <a:lstStyle/>
           <a:p>
             <a:r>
-              <a:rPr lang="en-US" dirty="0"/>
-              <a:t>Limitations:</a:t>
+              <a:rPr lang="en-US" sz="1200" dirty="0"/>
+              <a:t>Link: </a:t>
+            </a:r>
+            <a:r>
+              <a:rPr lang="en-US" sz="1200" dirty="0">
+                <a:hlinkClick r:id="rId2"/>
+              </a:rPr>
+              <a:t>https://www.aclweb.org/anthology/P19-1137.pdf</a:t>
+            </a:r>
+            <a:endParaRPr lang="en-US" sz="1200" dirty="0"/>
+          </a:p>
+          <a:p>
+            <a:r>
+              <a:rPr lang="en-US" sz="1200" dirty="0"/>
+              <a:t>Source:  ACL</a:t>
+            </a:r>
+            <a:r>
+              <a:rPr lang="zh-CN" altLang="en-US" sz="1200" dirty="0"/>
+              <a:t> </a:t>
+            </a:r>
+            <a:r>
+              <a:rPr lang="en-US" sz="1200" dirty="0"/>
+              <a:t>2019</a:t>
             </a:r>
           </a:p>
         </p:txBody>
@@ -8571,7 +9034,7 @@
     </p:spTree>
     <p:extLst>
       <p:ext uri="{BB962C8B-B14F-4D97-AF65-F5344CB8AC3E}">
-        <p14:creationId xmlns:p14="http://schemas.microsoft.com/office/powerpoint/2010/main" val="1082064265"/>
+        <p14:creationId xmlns:p14="http://schemas.microsoft.com/office/powerpoint/2010/main" val="827888405"/>
       </p:ext>
     </p:extLst>
   </p:cSld>
@@ -8600,10 +9063,10 @@
       </p:grpSpPr>
       <p:sp>
         <p:nvSpPr>
-          <p:cNvPr id="5" name="TextBox 4">
-            <a:extLst>
-              <a:ext uri="{FF2B5EF4-FFF2-40B4-BE49-F238E27FC236}">
-                <a16:creationId xmlns:a16="http://schemas.microsoft.com/office/drawing/2014/main" id="{CB4440B1-FB08-3C49-A8BD-4A4F8B174F39}"/>
+          <p:cNvPr id="4" name="TextBox 3">
+            <a:extLst>
+              <a:ext uri="{FF2B5EF4-FFF2-40B4-BE49-F238E27FC236}">
+                <a16:creationId xmlns:a16="http://schemas.microsoft.com/office/drawing/2014/main" id="{4BA5FF7F-4D31-B04A-B743-6CB08B5D87C5}"/>
               </a:ext>
             </a:extLst>
           </p:cNvPr>
@@ -8612,7 +9075,7 @@
         </p:nvSpPr>
         <p:spPr>
           <a:xfrm>
-            <a:off x="776800" y="1236046"/>
+            <a:off x="548545" y="776291"/>
             <a:ext cx="3831771" cy="369332"/>
           </a:xfrm>
           <a:prstGeom prst="rect">
@@ -8635,10 +9098,10 @@
       </p:sp>
       <p:sp>
         <p:nvSpPr>
-          <p:cNvPr id="6" name="TextBox 5">
-            <a:extLst>
-              <a:ext uri="{FF2B5EF4-FFF2-40B4-BE49-F238E27FC236}">
-                <a16:creationId xmlns:a16="http://schemas.microsoft.com/office/drawing/2014/main" id="{919E28F8-8F82-0F45-BB68-F655DBB95125}"/>
+          <p:cNvPr id="5" name="TextBox 4">
+            <a:extLst>
+              <a:ext uri="{FF2B5EF4-FFF2-40B4-BE49-F238E27FC236}">
+                <a16:creationId xmlns:a16="http://schemas.microsoft.com/office/drawing/2014/main" id="{2A6021E0-4777-DA47-A283-E30B8C427A77}"/>
               </a:ext>
             </a:extLst>
           </p:cNvPr>
@@ -8647,8 +9110,8 @@
         </p:nvSpPr>
         <p:spPr>
           <a:xfrm>
-            <a:off x="7633699" y="1420712"/>
-            <a:ext cx="2688772" cy="369332"/>
+            <a:off x="7625442" y="637791"/>
+            <a:ext cx="2688772" cy="646331"/>
           </a:xfrm>
           <a:prstGeom prst="rect">
             <a:avLst/>
@@ -8666,14 +9129,17 @@
               <a:t>Contributions:</a:t>
             </a:r>
           </a:p>
-        </p:txBody>
-      </p:sp>
-      <p:sp>
-        <p:nvSpPr>
-          <p:cNvPr id="7" name="TextBox 6">
-            <a:extLst>
-              <a:ext uri="{FF2B5EF4-FFF2-40B4-BE49-F238E27FC236}">
-                <a16:creationId xmlns:a16="http://schemas.microsoft.com/office/drawing/2014/main" id="{640AB307-FCD9-C34E-A00E-E99AA74C38FC}"/>
+          <a:p>
+            <a:endParaRPr lang="en-US" dirty="0"/>
+          </a:p>
+        </p:txBody>
+      </p:sp>
+      <p:sp>
+        <p:nvSpPr>
+          <p:cNvPr id="6" name="TextBox 5">
+            <a:extLst>
+              <a:ext uri="{FF2B5EF4-FFF2-40B4-BE49-F238E27FC236}">
+                <a16:creationId xmlns:a16="http://schemas.microsoft.com/office/drawing/2014/main" id="{2BCBD42A-B05A-774D-A7A8-61F4B02E0D07}"/>
               </a:ext>
             </a:extLst>
           </p:cNvPr>
@@ -8682,7 +9148,7 @@
         </p:nvSpPr>
         <p:spPr>
           <a:xfrm>
-            <a:off x="7758885" y="4163772"/>
+            <a:off x="7625442" y="4147297"/>
             <a:ext cx="2438400" cy="369332"/>
           </a:xfrm>
           <a:prstGeom prst="rect">
@@ -8700,13 +9166,209 @@
               <a:rPr lang="en-US" dirty="0"/>
               <a:t>Limitations:</a:t>
             </a:r>
+          </a:p>
+        </p:txBody>
+      </p:sp>
+      <p:sp>
+        <p:nvSpPr>
+          <p:cNvPr id="2" name="TextBox 1">
+            <a:extLst>
+              <a:ext uri="{FF2B5EF4-FFF2-40B4-BE49-F238E27FC236}">
+                <a16:creationId xmlns:a16="http://schemas.microsoft.com/office/drawing/2014/main" id="{6303C8C5-3DCB-854F-AE46-EBBEC114DC43}"/>
+              </a:ext>
+            </a:extLst>
+          </p:cNvPr>
+          <p:cNvSpPr txBox="1"/>
+          <p:nvPr/>
+        </p:nvSpPr>
+        <p:spPr>
+          <a:xfrm>
+            <a:off x="7583792" y="1021630"/>
+            <a:ext cx="4275010" cy="2739211"/>
+          </a:xfrm>
+          <a:prstGeom prst="rect">
+            <a:avLst/>
+          </a:prstGeom>
+          <a:noFill/>
+        </p:spPr>
+        <p:txBody>
+          <a:bodyPr wrap="square" rtlCol="0">
+            <a:spAutoFit/>
+          </a:bodyPr>
+          <a:lstStyle/>
+          <a:p>
+            <a:pPr marL="285750" indent="-285750">
+              <a:buFont typeface="Arial" panose="020B0604020202020204" pitchFamily="34" charset="0"/>
+              <a:buChar char="•"/>
+            </a:pPr>
+            <a:r>
+              <a:rPr lang="en-US" sz="1400" dirty="0"/>
+              <a:t>Proposed a neural pattern diagnosis framework, DIAG-NRE, to diagnose and improve NRE models trained on DS-generated data. </a:t>
+            </a:r>
+          </a:p>
+          <a:p>
+            <a:pPr marL="285750" indent="-285750">
+              <a:buFont typeface="Arial" panose="020B0604020202020204" pitchFamily="34" charset="0"/>
+              <a:buChar char="•"/>
+            </a:pPr>
+            <a:r>
+              <a:rPr lang="en-US" sz="1400" dirty="0"/>
+              <a:t>DIAG-NRE not only eases the hard pattern-writing work of human experts by generating patterns automatically, but also enables the quick generalization to new relation types by only requiring a small number of human annotations. </a:t>
+            </a:r>
+          </a:p>
+          <a:p>
+            <a:pPr marL="285750" indent="-285750">
+              <a:buFont typeface="Arial" panose="020B0604020202020204" pitchFamily="34" charset="0"/>
+              <a:buChar char="•"/>
+            </a:pPr>
+            <a:r>
+              <a:rPr lang="en-US" sz="1400" dirty="0"/>
+              <a:t>Coupled with the WLF model, DIAG-NRE can produce denoised labels to retrain a better NRE model. </a:t>
+            </a:r>
+          </a:p>
+          <a:p>
+            <a:endParaRPr lang="en-US" dirty="0"/>
+          </a:p>
+        </p:txBody>
+      </p:sp>
+      <p:pic>
+        <p:nvPicPr>
+          <p:cNvPr id="7" name="Picture 6">
+            <a:extLst>
+              <a:ext uri="{FF2B5EF4-FFF2-40B4-BE49-F238E27FC236}">
+                <a16:creationId xmlns:a16="http://schemas.microsoft.com/office/drawing/2014/main" id="{BA25FB59-4C4C-E841-ADD7-007AFD1F519A}"/>
+              </a:ext>
+            </a:extLst>
+          </p:cNvPr>
+          <p:cNvPicPr>
+            <a:picLocks noChangeAspect="1"/>
+          </p:cNvPicPr>
+          <p:nvPr/>
+        </p:nvPicPr>
+        <p:blipFill>
+          <a:blip r:embed="rId2"/>
+          <a:stretch>
+            <a:fillRect/>
+          </a:stretch>
+        </p:blipFill>
+        <p:spPr>
+          <a:xfrm>
+            <a:off x="435940" y="1284122"/>
+            <a:ext cx="6938481" cy="3781038"/>
+          </a:xfrm>
+          <a:prstGeom prst="rect">
+            <a:avLst/>
+          </a:prstGeom>
+        </p:spPr>
+      </p:pic>
+      <p:sp>
+        <p:nvSpPr>
+          <p:cNvPr id="8" name="TextBox 7">
+            <a:extLst>
+              <a:ext uri="{FF2B5EF4-FFF2-40B4-BE49-F238E27FC236}">
+                <a16:creationId xmlns:a16="http://schemas.microsoft.com/office/drawing/2014/main" id="{C188F1BB-11A9-0343-BAA8-92D56F122029}"/>
+              </a:ext>
+            </a:extLst>
+          </p:cNvPr>
+          <p:cNvSpPr txBox="1"/>
+          <p:nvPr/>
+        </p:nvSpPr>
+        <p:spPr>
+          <a:xfrm>
+            <a:off x="7625442" y="4549676"/>
+            <a:ext cx="4035727" cy="2308324"/>
+          </a:xfrm>
+          <a:prstGeom prst="rect">
+            <a:avLst/>
+          </a:prstGeom>
+          <a:noFill/>
+        </p:spPr>
+        <p:txBody>
+          <a:bodyPr wrap="square" rtlCol="0">
+            <a:spAutoFit/>
+          </a:bodyPr>
+          <a:lstStyle/>
+          <a:p>
+            <a:r>
+              <a:rPr lang="en-US" sz="1400" dirty="0"/>
+              <a:t>Tasks (three from NYT and two from UW) suffering large labeling noises, most tasks experience a rapid improvement phase with the help of high-quality patterns automatically generated by DIAG-NRE and then enter a saturate phase where adding annotations does not contribute much. This saturation accords with the intuition that high-quality relational patterns are often limited. </a:t>
+            </a:r>
+          </a:p>
+          <a:p>
+            <a:endParaRPr lang="en-US" sz="1400" dirty="0"/>
+          </a:p>
+          <a:p>
+            <a:endParaRPr lang="en-US" dirty="0"/>
+          </a:p>
+        </p:txBody>
+      </p:sp>
+      <p:sp>
+        <p:nvSpPr>
+          <p:cNvPr id="9" name="Title 1">
+            <a:extLst>
+              <a:ext uri="{FF2B5EF4-FFF2-40B4-BE49-F238E27FC236}">
+                <a16:creationId xmlns:a16="http://schemas.microsoft.com/office/drawing/2014/main" id="{040A6F00-4CAF-B448-8175-553E0D9D7415}"/>
+              </a:ext>
+            </a:extLst>
+          </p:cNvPr>
+          <p:cNvSpPr txBox="1">
+            <a:spLocks/>
+          </p:cNvSpPr>
+          <p:nvPr/>
+        </p:nvSpPr>
+        <p:spPr>
+          <a:xfrm>
+            <a:off x="435940" y="205645"/>
+            <a:ext cx="9144000" cy="477837"/>
+          </a:xfrm>
+          <a:prstGeom prst="rect">
+            <a:avLst/>
+          </a:prstGeom>
+        </p:spPr>
+        <p:txBody>
+          <a:bodyPr vert="horz" lIns="91440" tIns="45720" rIns="91440" bIns="45720" rtlCol="0" anchor="ctr">
+            <a:normAutofit/>
+          </a:bodyPr>
+          <a:lstStyle>
+            <a:lvl1pPr algn="l" defTabSz="914400" rtl="0" eaLnBrk="1" latinLnBrk="0" hangingPunct="1">
+              <a:lnSpc>
+                <a:spcPct val="90000"/>
+              </a:lnSpc>
+              <a:spcBef>
+                <a:spcPct val="0"/>
+              </a:spcBef>
+              <a:buNone/>
+              <a:defRPr sz="4400" kern="1200">
+                <a:solidFill>
+                  <a:schemeClr val="tx1"/>
+                </a:solidFill>
+                <a:latin typeface="+mj-lt"/>
+                <a:ea typeface="+mj-ea"/>
+                <a:cs typeface="+mj-cs"/>
+              </a:defRPr>
+            </a:lvl1pPr>
+          </a:lstStyle>
+          <a:p>
+            <a:r>
+              <a:rPr lang="en-US" sz="1600" b="1">
+                <a:latin typeface="+mn-lt"/>
+                <a:ea typeface="+mn-ea"/>
+                <a:cs typeface="+mn-cs"/>
+              </a:rPr>
+              <a:t>DIAG-NRE: A neural pattern diagnosis framework for distantly supervised neural relation extraction</a:t>
+            </a:r>
+            <a:endParaRPr lang="en-US" sz="1600" b="1" dirty="0">
+              <a:latin typeface="+mn-lt"/>
+              <a:ea typeface="+mn-ea"/>
+              <a:cs typeface="+mn-cs"/>
+            </a:endParaRPr>
           </a:p>
         </p:txBody>
       </p:sp>
     </p:spTree>
     <p:extLst>
       <p:ext uri="{BB962C8B-B14F-4D97-AF65-F5344CB8AC3E}">
-        <p14:creationId xmlns:p14="http://schemas.microsoft.com/office/powerpoint/2010/main" val="3049993262"/>
+        <p14:creationId xmlns:p14="http://schemas.microsoft.com/office/powerpoint/2010/main" val="1821401219"/>
       </p:ext>
     </p:extLst>
   </p:cSld>
@@ -8751,7 +9413,7 @@
         </p:nvSpPr>
         <p:spPr>
           <a:xfrm>
-            <a:off x="1208314" y="930729"/>
+            <a:off x="1080407" y="641731"/>
             <a:ext cx="9144000" cy="477837"/>
           </a:xfrm>
         </p:spPr>
@@ -8762,13 +9424,21 @@
           <a:lstStyle/>
           <a:p>
             <a:pPr algn="l"/>
+            <a:r>
+              <a:rPr lang="en-US" sz="1600" b="1" dirty="0" err="1">
+                <a:latin typeface="+mn-lt"/>
+                <a:ea typeface="+mn-ea"/>
+                <a:cs typeface="+mn-cs"/>
+              </a:rPr>
+              <a:t>ZeroShotCeres</a:t>
+            </a:r>
             <a:r>
               <a:rPr lang="en-US" sz="1600" b="1" dirty="0">
                 <a:latin typeface="+mn-lt"/>
                 <a:ea typeface="+mn-ea"/>
                 <a:cs typeface="+mn-cs"/>
               </a:rPr>
-              <a:t>C</a:t>
+              <a:t>: Zero-Shot Relation Extraction from Semi-Structured Webpages</a:t>
             </a:r>
           </a:p>
         </p:txBody>
@@ -8791,8 +9461,8 @@
         </p:nvSpPr>
         <p:spPr>
           <a:xfrm>
-            <a:off x="1208314" y="2060497"/>
-            <a:ext cx="9144000" cy="926419"/>
+            <a:off x="954314" y="1288162"/>
+            <a:ext cx="2957286" cy="339803"/>
           </a:xfrm>
         </p:spPr>
         <p:txBody>
@@ -8832,7 +9502,7 @@
         <p:spPr>
           <a:xfrm>
             <a:off x="408214" y="303235"/>
-            <a:ext cx="1600200" cy="369332"/>
+            <a:ext cx="3325586" cy="369332"/>
           </a:xfrm>
           <a:prstGeom prst="rect">
             <a:avLst/>
@@ -8851,7 +9521,7 @@
                   <a:srgbClr val="C00000"/>
                 </a:solidFill>
               </a:rPr>
-              <a:t>Embedding</a:t>
+              <a:t>Relation Extraction</a:t>
             </a:r>
           </a:p>
         </p:txBody>
@@ -8870,8 +9540,8 @@
         </p:nvSpPr>
         <p:spPr>
           <a:xfrm>
-            <a:off x="1208314" y="3429000"/>
-            <a:ext cx="7641772" cy="584775"/>
+            <a:off x="7647214" y="1288162"/>
+            <a:ext cx="2474686" cy="584775"/>
           </a:xfrm>
           <a:prstGeom prst="rect">
             <a:avLst/>
@@ -8932,13 +9602,45 @@
               <a:rPr lang="en-US" sz="1200" dirty="0"/>
               <a:t>Source:  2019</a:t>
             </a:r>
+          </a:p>
+        </p:txBody>
+      </p:sp>
+      <p:sp>
+        <p:nvSpPr>
+          <p:cNvPr id="8" name="TextBox 7">
+            <a:extLst>
+              <a:ext uri="{FF2B5EF4-FFF2-40B4-BE49-F238E27FC236}">
+                <a16:creationId xmlns:a16="http://schemas.microsoft.com/office/drawing/2014/main" id="{33F30EB9-CC44-7949-85ED-776D1841A119}"/>
+              </a:ext>
+            </a:extLst>
+          </p:cNvPr>
+          <p:cNvSpPr txBox="1"/>
+          <p:nvPr/>
+        </p:nvSpPr>
+        <p:spPr>
+          <a:xfrm>
+            <a:off x="1498600" y="990600"/>
+            <a:ext cx="184731" cy="369332"/>
+          </a:xfrm>
+          <a:prstGeom prst="rect">
+            <a:avLst/>
+          </a:prstGeom>
+          <a:noFill/>
+        </p:spPr>
+        <p:txBody>
+          <a:bodyPr wrap="none" rtlCol="0">
+            <a:spAutoFit/>
+          </a:bodyPr>
+          <a:lstStyle/>
+          <a:p>
+            <a:endParaRPr lang="en-US" dirty="0"/>
           </a:p>
         </p:txBody>
       </p:sp>
     </p:spTree>
     <p:extLst>
       <p:ext uri="{BB962C8B-B14F-4D97-AF65-F5344CB8AC3E}">
-        <p14:creationId xmlns:p14="http://schemas.microsoft.com/office/powerpoint/2010/main" val="4185186308"/>
+        <p14:creationId xmlns:p14="http://schemas.microsoft.com/office/powerpoint/2010/main" val="2347703305"/>
       </p:ext>
     </p:extLst>
   </p:cSld>
@@ -8983,7 +9685,7 @@
         </p:nvSpPr>
         <p:spPr>
           <a:xfrm>
-            <a:off x="1208314" y="930729"/>
+            <a:off x="1080407" y="641731"/>
             <a:ext cx="9144000" cy="477837"/>
           </a:xfrm>
         </p:spPr>
@@ -9023,8 +9725,8 @@
         </p:nvSpPr>
         <p:spPr>
           <a:xfrm>
-            <a:off x="1208314" y="2060497"/>
-            <a:ext cx="9144000" cy="926419"/>
+            <a:off x="954314" y="1288162"/>
+            <a:ext cx="2957286" cy="339803"/>
           </a:xfrm>
         </p:spPr>
         <p:txBody>
@@ -9064,7 +9766,7 @@
         <p:spPr>
           <a:xfrm>
             <a:off x="408214" y="303235"/>
-            <a:ext cx="1600200" cy="369332"/>
+            <a:ext cx="3325586" cy="369332"/>
           </a:xfrm>
           <a:prstGeom prst="rect">
             <a:avLst/>
@@ -9083,7 +9785,7 @@
                   <a:srgbClr val="C00000"/>
                 </a:solidFill>
               </a:rPr>
-              <a:t>Embedding</a:t>
+              <a:t>Relation Extraction</a:t>
             </a:r>
           </a:p>
         </p:txBody>
@@ -9102,8 +9804,8 @@
         </p:nvSpPr>
         <p:spPr>
           <a:xfrm>
-            <a:off x="1208314" y="3429000"/>
-            <a:ext cx="7641772" cy="584775"/>
+            <a:off x="7647214" y="1288162"/>
+            <a:ext cx="2474686" cy="584775"/>
           </a:xfrm>
           <a:prstGeom prst="rect">
             <a:avLst/>
@@ -9170,7 +9872,239 @@
     </p:spTree>
     <p:extLst>
       <p:ext uri="{BB962C8B-B14F-4D97-AF65-F5344CB8AC3E}">
-        <p14:creationId xmlns:p14="http://schemas.microsoft.com/office/powerpoint/2010/main" val="2347703305"/>
+        <p14:creationId xmlns:p14="http://schemas.microsoft.com/office/powerpoint/2010/main" val="589939057"/>
+      </p:ext>
+    </p:extLst>
+  </p:cSld>
+  <p:clrMapOvr>
+    <a:masterClrMapping/>
+  </p:clrMapOvr>
+</p:sld>
+</file>
+
+<file path=ppt/slides/slide29.xml><?xml version="1.0" encoding="utf-8"?>
+<p:sld xmlns:a="http://schemas.openxmlformats.org/drawingml/2006/main" xmlns:r="http://schemas.openxmlformats.org/officeDocument/2006/relationships" xmlns:p="http://schemas.openxmlformats.org/presentationml/2006/main">
+  <p:cSld>
+    <p:spTree>
+      <p:nvGrpSpPr>
+        <p:cNvPr id="1" name=""/>
+        <p:cNvGrpSpPr/>
+        <p:nvPr/>
+      </p:nvGrpSpPr>
+      <p:grpSpPr>
+        <a:xfrm>
+          <a:off x="0" y="0"/>
+          <a:ext cx="0" cy="0"/>
+          <a:chOff x="0" y="0"/>
+          <a:chExt cx="0" cy="0"/>
+        </a:xfrm>
+      </p:grpSpPr>
+      <p:sp>
+        <p:nvSpPr>
+          <p:cNvPr id="2" name="Title 1">
+            <a:extLst>
+              <a:ext uri="{FF2B5EF4-FFF2-40B4-BE49-F238E27FC236}">
+                <a16:creationId xmlns:a16="http://schemas.microsoft.com/office/drawing/2014/main" id="{D7317AF7-C0C1-B64C-80AB-E4D5190FBCD8}"/>
+              </a:ext>
+            </a:extLst>
+          </p:cNvPr>
+          <p:cNvSpPr>
+            <a:spLocks noGrp="1"/>
+          </p:cNvSpPr>
+          <p:nvPr>
+            <p:ph type="ctrTitle"/>
+          </p:nvPr>
+        </p:nvSpPr>
+        <p:spPr>
+          <a:xfrm>
+            <a:off x="1080407" y="641731"/>
+            <a:ext cx="9144000" cy="477837"/>
+          </a:xfrm>
+        </p:spPr>
+        <p:txBody>
+          <a:bodyPr>
+            <a:normAutofit/>
+          </a:bodyPr>
+          <a:lstStyle/>
+          <a:p>
+            <a:pPr algn="l"/>
+            <a:r>
+              <a:rPr lang="en-US" sz="1600" b="1" dirty="0">
+                <a:latin typeface="+mn-lt"/>
+                <a:ea typeface="+mn-ea"/>
+                <a:cs typeface="+mn-cs"/>
+              </a:rPr>
+              <a:t>C</a:t>
+            </a:r>
+          </a:p>
+        </p:txBody>
+      </p:sp>
+      <p:sp>
+        <p:nvSpPr>
+          <p:cNvPr id="3" name="Subtitle 2">
+            <a:extLst>
+              <a:ext uri="{FF2B5EF4-FFF2-40B4-BE49-F238E27FC236}">
+                <a16:creationId xmlns:a16="http://schemas.microsoft.com/office/drawing/2014/main" id="{0A64B25C-1E83-D14F-82EC-CC2D9EFA4F64}"/>
+              </a:ext>
+            </a:extLst>
+          </p:cNvPr>
+          <p:cNvSpPr>
+            <a:spLocks noGrp="1"/>
+          </p:cNvSpPr>
+          <p:nvPr>
+            <p:ph type="subTitle" idx="1"/>
+          </p:nvPr>
+        </p:nvSpPr>
+        <p:spPr>
+          <a:xfrm>
+            <a:off x="954314" y="1288162"/>
+            <a:ext cx="2957286" cy="339803"/>
+          </a:xfrm>
+        </p:spPr>
+        <p:txBody>
+          <a:bodyPr>
+            <a:normAutofit/>
+          </a:bodyPr>
+          <a:lstStyle/>
+          <a:p>
+            <a:pPr algn="l"/>
+            <a:r>
+              <a:rPr lang="en-US" sz="1800" dirty="0"/>
+              <a:t>Limitation of Existing Work:</a:t>
+            </a:r>
+          </a:p>
+          <a:p>
+            <a:pPr algn="l"/>
+            <a:endParaRPr lang="en-US" sz="1400" dirty="0"/>
+          </a:p>
+          <a:p>
+            <a:pPr algn="l"/>
+            <a:endParaRPr lang="en-US" sz="1600" dirty="0"/>
+          </a:p>
+        </p:txBody>
+      </p:sp>
+      <p:sp>
+        <p:nvSpPr>
+          <p:cNvPr id="4" name="TextBox 3">
+            <a:extLst>
+              <a:ext uri="{FF2B5EF4-FFF2-40B4-BE49-F238E27FC236}">
+                <a16:creationId xmlns:a16="http://schemas.microsoft.com/office/drawing/2014/main" id="{41ED2B90-6835-0C4B-B85A-2512916878C1}"/>
+              </a:ext>
+            </a:extLst>
+          </p:cNvPr>
+          <p:cNvSpPr txBox="1"/>
+          <p:nvPr/>
+        </p:nvSpPr>
+        <p:spPr>
+          <a:xfrm>
+            <a:off x="408214" y="303235"/>
+            <a:ext cx="3325586" cy="369332"/>
+          </a:xfrm>
+          <a:prstGeom prst="rect">
+            <a:avLst/>
+          </a:prstGeom>
+          <a:noFill/>
+        </p:spPr>
+        <p:txBody>
+          <a:bodyPr wrap="square" rtlCol="0">
+            <a:spAutoFit/>
+          </a:bodyPr>
+          <a:lstStyle/>
+          <a:p>
+            <a:r>
+              <a:rPr lang="en-US" dirty="0">
+                <a:solidFill>
+                  <a:srgbClr val="C00000"/>
+                </a:solidFill>
+              </a:rPr>
+              <a:t>Relation Extraction</a:t>
+            </a:r>
+          </a:p>
+        </p:txBody>
+      </p:sp>
+      <p:sp>
+        <p:nvSpPr>
+          <p:cNvPr id="5" name="TextBox 4">
+            <a:extLst>
+              <a:ext uri="{FF2B5EF4-FFF2-40B4-BE49-F238E27FC236}">
+                <a16:creationId xmlns:a16="http://schemas.microsoft.com/office/drawing/2014/main" id="{AFB09293-029A-E64B-B817-64C522758E60}"/>
+              </a:ext>
+            </a:extLst>
+          </p:cNvPr>
+          <p:cNvSpPr txBox="1"/>
+          <p:nvPr/>
+        </p:nvSpPr>
+        <p:spPr>
+          <a:xfrm>
+            <a:off x="7647214" y="1288162"/>
+            <a:ext cx="2474686" cy="584775"/>
+          </a:xfrm>
+          <a:prstGeom prst="rect">
+            <a:avLst/>
+          </a:prstGeom>
+          <a:noFill/>
+        </p:spPr>
+        <p:txBody>
+          <a:bodyPr wrap="square" rtlCol="0">
+            <a:spAutoFit/>
+          </a:bodyPr>
+          <a:lstStyle/>
+          <a:p>
+            <a:r>
+              <a:rPr lang="en-US" dirty="0"/>
+              <a:t>Key idea of Approach:</a:t>
+            </a:r>
+          </a:p>
+          <a:p>
+            <a:endParaRPr lang="en-US" sz="1400" dirty="0"/>
+          </a:p>
+        </p:txBody>
+      </p:sp>
+      <p:sp>
+        <p:nvSpPr>
+          <p:cNvPr id="6" name="TextBox 5">
+            <a:extLst>
+              <a:ext uri="{FF2B5EF4-FFF2-40B4-BE49-F238E27FC236}">
+                <a16:creationId xmlns:a16="http://schemas.microsoft.com/office/drawing/2014/main" id="{0D9FCB9E-2E46-9849-8B1B-EC2C1B783C97}"/>
+              </a:ext>
+            </a:extLst>
+          </p:cNvPr>
+          <p:cNvSpPr txBox="1"/>
+          <p:nvPr/>
+        </p:nvSpPr>
+        <p:spPr>
+          <a:xfrm>
+            <a:off x="1208314" y="5867399"/>
+            <a:ext cx="6901543" cy="461665"/>
+          </a:xfrm>
+          <a:prstGeom prst="rect">
+            <a:avLst/>
+          </a:prstGeom>
+          <a:noFill/>
+        </p:spPr>
+        <p:txBody>
+          <a:bodyPr wrap="square" rtlCol="0">
+            <a:spAutoFit/>
+          </a:bodyPr>
+          <a:lstStyle/>
+          <a:p>
+            <a:r>
+              <a:rPr lang="en-US" sz="1200" dirty="0"/>
+              <a:t>Link: </a:t>
+            </a:r>
+          </a:p>
+          <a:p>
+            <a:r>
+              <a:rPr lang="en-US" sz="1200" dirty="0"/>
+              <a:t>Source:  2019</a:t>
+            </a:r>
+          </a:p>
+        </p:txBody>
+      </p:sp>
+    </p:spTree>
+    <p:extLst>
+      <p:ext uri="{BB962C8B-B14F-4D97-AF65-F5344CB8AC3E}">
+        <p14:creationId xmlns:p14="http://schemas.microsoft.com/office/powerpoint/2010/main" val="978687537"/>
       </p:ext>
     </p:extLst>
   </p:cSld>
@@ -9444,15 +10378,7 @@
           <a:p>
             <a:r>
               <a:rPr lang="en-US" sz="1400" dirty="0"/>
-              <a:t>As a family of effective approaches for link predictions, embedding methods try to learn low-rank representations for both entities and relations such that the bi- linear form defined therein is a well-behaved scoring function. Despite of their successful performances, existing bilinear forms over- look the modeling of relation compositions, resulting in lacks of interpretability for reason- </a:t>
-            </a:r>
-            <a:r>
-              <a:rPr lang="en-US" sz="1400" dirty="0" err="1"/>
-              <a:t>ing</a:t>
-            </a:r>
-            <a:r>
-              <a:rPr lang="en-US" sz="1400" dirty="0"/>
-              <a:t> on KG. </a:t>
+              <a:t>As a family of effective approaches for link predictions, embedding methods try to learn low-rank representations for both entities and relations such that the bi- linear form defined therein is a well-behaved scoring function. Despite of their successful performances, existing bilinear forms overlook the modeling of relation compositions, resulting in lacks of interpretability for reasoning on KG. </a:t>
             </a:r>
           </a:p>
         </p:txBody>
@@ -9461,6 +10387,141 @@
     <p:extLst>
       <p:ext uri="{BB962C8B-B14F-4D97-AF65-F5344CB8AC3E}">
         <p14:creationId xmlns:p14="http://schemas.microsoft.com/office/powerpoint/2010/main" val="1285427070"/>
+      </p:ext>
+    </p:extLst>
+  </p:cSld>
+  <p:clrMapOvr>
+    <a:masterClrMapping/>
+  </p:clrMapOvr>
+</p:sld>
+</file>
+
+<file path=ppt/slides/slide30.xml><?xml version="1.0" encoding="utf-8"?>
+<p:sld xmlns:a="http://schemas.openxmlformats.org/drawingml/2006/main" xmlns:r="http://schemas.openxmlformats.org/officeDocument/2006/relationships" xmlns:p="http://schemas.openxmlformats.org/presentationml/2006/main">
+  <p:cSld>
+    <p:spTree>
+      <p:nvGrpSpPr>
+        <p:cNvPr id="1" name=""/>
+        <p:cNvGrpSpPr/>
+        <p:nvPr/>
+      </p:nvGrpSpPr>
+      <p:grpSpPr>
+        <a:xfrm>
+          <a:off x="0" y="0"/>
+          <a:ext cx="0" cy="0"/>
+          <a:chOff x="0" y="0"/>
+          <a:chExt cx="0" cy="0"/>
+        </a:xfrm>
+      </p:grpSpPr>
+      <p:sp>
+        <p:nvSpPr>
+          <p:cNvPr id="5" name="TextBox 4">
+            <a:extLst>
+              <a:ext uri="{FF2B5EF4-FFF2-40B4-BE49-F238E27FC236}">
+                <a16:creationId xmlns:a16="http://schemas.microsoft.com/office/drawing/2014/main" id="{CB4440B1-FB08-3C49-A8BD-4A4F8B174F39}"/>
+              </a:ext>
+            </a:extLst>
+          </p:cNvPr>
+          <p:cNvSpPr txBox="1"/>
+          <p:nvPr/>
+        </p:nvSpPr>
+        <p:spPr>
+          <a:xfrm>
+            <a:off x="776800" y="1236046"/>
+            <a:ext cx="3831771" cy="369332"/>
+          </a:xfrm>
+          <a:prstGeom prst="rect">
+            <a:avLst/>
+          </a:prstGeom>
+          <a:noFill/>
+        </p:spPr>
+        <p:txBody>
+          <a:bodyPr wrap="square" rtlCol="0">
+            <a:spAutoFit/>
+          </a:bodyPr>
+          <a:lstStyle/>
+          <a:p>
+            <a:r>
+              <a:rPr lang="en-US" dirty="0"/>
+              <a:t>Evaluation:</a:t>
+            </a:r>
+          </a:p>
+        </p:txBody>
+      </p:sp>
+      <p:sp>
+        <p:nvSpPr>
+          <p:cNvPr id="6" name="TextBox 5">
+            <a:extLst>
+              <a:ext uri="{FF2B5EF4-FFF2-40B4-BE49-F238E27FC236}">
+                <a16:creationId xmlns:a16="http://schemas.microsoft.com/office/drawing/2014/main" id="{919E28F8-8F82-0F45-BB68-F655DBB95125}"/>
+              </a:ext>
+            </a:extLst>
+          </p:cNvPr>
+          <p:cNvSpPr txBox="1"/>
+          <p:nvPr/>
+        </p:nvSpPr>
+        <p:spPr>
+          <a:xfrm>
+            <a:off x="7633699" y="1420712"/>
+            <a:ext cx="2688772" cy="369332"/>
+          </a:xfrm>
+          <a:prstGeom prst="rect">
+            <a:avLst/>
+          </a:prstGeom>
+          <a:noFill/>
+        </p:spPr>
+        <p:txBody>
+          <a:bodyPr wrap="square" rtlCol="0">
+            <a:spAutoFit/>
+          </a:bodyPr>
+          <a:lstStyle/>
+          <a:p>
+            <a:r>
+              <a:rPr lang="en-US" dirty="0"/>
+              <a:t>Contributions:</a:t>
+            </a:r>
+          </a:p>
+        </p:txBody>
+      </p:sp>
+      <p:sp>
+        <p:nvSpPr>
+          <p:cNvPr id="7" name="TextBox 6">
+            <a:extLst>
+              <a:ext uri="{FF2B5EF4-FFF2-40B4-BE49-F238E27FC236}">
+                <a16:creationId xmlns:a16="http://schemas.microsoft.com/office/drawing/2014/main" id="{640AB307-FCD9-C34E-A00E-E99AA74C38FC}"/>
+              </a:ext>
+            </a:extLst>
+          </p:cNvPr>
+          <p:cNvSpPr txBox="1"/>
+          <p:nvPr/>
+        </p:nvSpPr>
+        <p:spPr>
+          <a:xfrm>
+            <a:off x="7758885" y="4163772"/>
+            <a:ext cx="2438400" cy="369332"/>
+          </a:xfrm>
+          <a:prstGeom prst="rect">
+            <a:avLst/>
+          </a:prstGeom>
+          <a:noFill/>
+        </p:spPr>
+        <p:txBody>
+          <a:bodyPr wrap="square" rtlCol="0">
+            <a:spAutoFit/>
+          </a:bodyPr>
+          <a:lstStyle/>
+          <a:p>
+            <a:r>
+              <a:rPr lang="en-US" dirty="0"/>
+              <a:t>Limitations:</a:t>
+            </a:r>
+          </a:p>
+        </p:txBody>
+      </p:sp>
+    </p:spTree>
+    <p:extLst>
+      <p:ext uri="{BB962C8B-B14F-4D97-AF65-F5344CB8AC3E}">
+        <p14:creationId xmlns:p14="http://schemas.microsoft.com/office/powerpoint/2010/main" val="3049993262"/>
       </p:ext>
     </p:extLst>
   </p:cSld>
@@ -11235,7 +12296,7 @@
         </p:nvSpPr>
         <p:spPr>
           <a:xfrm>
-            <a:off x="1372701" y="673777"/>
+            <a:off x="1183730" y="799949"/>
             <a:ext cx="9144000" cy="477837"/>
           </a:xfrm>
         </p:spPr>
